--- a/Prezentacja_splotowa_filtracja_obrazu.pptx
+++ b/Prezentacja_splotowa_filtracja_obrazu.pptx
@@ -4,6 +4,9 @@
   <p:sldMasterIdLst>
     <p:sldMasterId id="2147483648" r:id="rId1"/>
   </p:sldMasterIdLst>
+  <p:notesMasterIdLst>
+    <p:notesMasterId r:id="rId20"/>
+  </p:notesMasterIdLst>
   <p:sldIdLst>
     <p:sldId id="256" r:id="rId2"/>
     <p:sldId id="265" r:id="rId3"/>
@@ -17,6 +20,12 @@
     <p:sldId id="264" r:id="rId11"/>
     <p:sldId id="266" r:id="rId12"/>
     <p:sldId id="267" r:id="rId13"/>
+    <p:sldId id="268" r:id="rId14"/>
+    <p:sldId id="269" r:id="rId15"/>
+    <p:sldId id="270" r:id="rId16"/>
+    <p:sldId id="271" r:id="rId17"/>
+    <p:sldId id="272" r:id="rId18"/>
+    <p:sldId id="273" r:id="rId19"/>
   </p:sldIdLst>
   <p:sldSz cx="12192000" cy="6858000"/>
   <p:notesSz cx="6858000" cy="9144000"/>
@@ -123,6 +132,355 @@
 </p:presentation>
 </file>
 
+<file path=ppt/notesMasters/notesMaster1.xml><?xml version="1.0" encoding="utf-8"?>
+<p:notesMaster xmlns:a="http://schemas.openxmlformats.org/drawingml/2006/main" xmlns:r="http://schemas.openxmlformats.org/officeDocument/2006/relationships" xmlns:p="http://schemas.openxmlformats.org/presentationml/2006/main">
+  <p:cSld>
+    <p:bg>
+      <p:bgRef idx="1001">
+        <a:schemeClr val="bg1"/>
+      </p:bgRef>
+    </p:bg>
+    <p:spTree>
+      <p:nvGrpSpPr>
+        <p:cNvPr id="1" name=""/>
+        <p:cNvGrpSpPr/>
+        <p:nvPr/>
+      </p:nvGrpSpPr>
+      <p:grpSpPr>
+        <a:xfrm>
+          <a:off x="0" y="0"/>
+          <a:ext cx="0" cy="0"/>
+          <a:chOff x="0" y="0"/>
+          <a:chExt cx="0" cy="0"/>
+        </a:xfrm>
+      </p:grpSpPr>
+      <p:sp>
+        <p:nvSpPr>
+          <p:cNvPr id="2" name="Symbol zastępczy nagłówka 1"/>
+          <p:cNvSpPr>
+            <a:spLocks noGrp="1"/>
+          </p:cNvSpPr>
+          <p:nvPr>
+            <p:ph type="hdr" sz="quarter"/>
+          </p:nvPr>
+        </p:nvSpPr>
+        <p:spPr>
+          <a:xfrm>
+            <a:off x="0" y="0"/>
+            <a:ext cx="2971800" cy="458788"/>
+          </a:xfrm>
+          <a:prstGeom prst="rect">
+            <a:avLst/>
+          </a:prstGeom>
+        </p:spPr>
+        <p:txBody>
+          <a:bodyPr vert="horz" lIns="91440" tIns="45720" rIns="91440" bIns="45720" rtlCol="0"/>
+          <a:lstStyle>
+            <a:lvl1pPr algn="l">
+              <a:defRPr sz="1200"/>
+            </a:lvl1pPr>
+          </a:lstStyle>
+          <a:p>
+            <a:endParaRPr lang="pl-PL"/>
+          </a:p>
+        </p:txBody>
+      </p:sp>
+      <p:sp>
+        <p:nvSpPr>
+          <p:cNvPr id="3" name="Symbol zastępczy daty 2"/>
+          <p:cNvSpPr>
+            <a:spLocks noGrp="1"/>
+          </p:cNvSpPr>
+          <p:nvPr>
+            <p:ph type="dt" idx="1"/>
+          </p:nvPr>
+        </p:nvSpPr>
+        <p:spPr>
+          <a:xfrm>
+            <a:off x="3884613" y="0"/>
+            <a:ext cx="2971800" cy="458788"/>
+          </a:xfrm>
+          <a:prstGeom prst="rect">
+            <a:avLst/>
+          </a:prstGeom>
+        </p:spPr>
+        <p:txBody>
+          <a:bodyPr vert="horz" lIns="91440" tIns="45720" rIns="91440" bIns="45720" rtlCol="0"/>
+          <a:lstStyle>
+            <a:lvl1pPr algn="r">
+              <a:defRPr sz="1200"/>
+            </a:lvl1pPr>
+          </a:lstStyle>
+          <a:p>
+            <a:fld id="{53BFE8A1-00DC-4AA4-BB70-09A86B00B079}" type="datetimeFigureOut">
+              <a:rPr lang="pl-PL" smtClean="0"/>
+              <a:t>07.05.2023</a:t>
+            </a:fld>
+            <a:endParaRPr lang="pl-PL"/>
+          </a:p>
+        </p:txBody>
+      </p:sp>
+      <p:sp>
+        <p:nvSpPr>
+          <p:cNvPr id="4" name="Symbol zastępczy obrazu slajdu 3"/>
+          <p:cNvSpPr>
+            <a:spLocks noGrp="1" noRot="1" noChangeAspect="1"/>
+          </p:cNvSpPr>
+          <p:nvPr>
+            <p:ph type="sldImg" idx="2"/>
+          </p:nvPr>
+        </p:nvSpPr>
+        <p:spPr>
+          <a:xfrm>
+            <a:off x="685800" y="1143000"/>
+            <a:ext cx="5486400" cy="3086100"/>
+          </a:xfrm>
+          <a:prstGeom prst="rect">
+            <a:avLst/>
+          </a:prstGeom>
+          <a:noFill/>
+          <a:ln w="12700">
+            <a:solidFill>
+              <a:prstClr val="black"/>
+            </a:solidFill>
+          </a:ln>
+        </p:spPr>
+        <p:txBody>
+          <a:bodyPr vert="horz" lIns="91440" tIns="45720" rIns="91440" bIns="45720" rtlCol="0" anchor="ctr"/>
+          <a:lstStyle/>
+          <a:p>
+            <a:endParaRPr lang="pl-PL"/>
+          </a:p>
+        </p:txBody>
+      </p:sp>
+      <p:sp>
+        <p:nvSpPr>
+          <p:cNvPr id="5" name="Symbol zastępczy notatek 4"/>
+          <p:cNvSpPr>
+            <a:spLocks noGrp="1"/>
+          </p:cNvSpPr>
+          <p:nvPr>
+            <p:ph type="body" sz="quarter" idx="3"/>
+          </p:nvPr>
+        </p:nvSpPr>
+        <p:spPr>
+          <a:xfrm>
+            <a:off x="685800" y="4400550"/>
+            <a:ext cx="5486400" cy="3600450"/>
+          </a:xfrm>
+          <a:prstGeom prst="rect">
+            <a:avLst/>
+          </a:prstGeom>
+        </p:spPr>
+        <p:txBody>
+          <a:bodyPr vert="horz" lIns="91440" tIns="45720" rIns="91440" bIns="45720" rtlCol="0"/>
+          <a:lstStyle/>
+          <a:p>
+            <a:pPr lvl="0"/>
+            <a:r>
+              <a:rPr lang="pl-PL"/>
+              <a:t>Kliknij, aby edytować style wzorca tekstu</a:t>
+            </a:r>
+          </a:p>
+          <a:p>
+            <a:pPr lvl="1"/>
+            <a:r>
+              <a:rPr lang="pl-PL"/>
+              <a:t>Drugi poziom</a:t>
+            </a:r>
+          </a:p>
+          <a:p>
+            <a:pPr lvl="2"/>
+            <a:r>
+              <a:rPr lang="pl-PL"/>
+              <a:t>Trzeci poziom</a:t>
+            </a:r>
+          </a:p>
+          <a:p>
+            <a:pPr lvl="3"/>
+            <a:r>
+              <a:rPr lang="pl-PL"/>
+              <a:t>Czwarty poziom</a:t>
+            </a:r>
+          </a:p>
+          <a:p>
+            <a:pPr lvl="4"/>
+            <a:r>
+              <a:rPr lang="pl-PL"/>
+              <a:t>Piąty poziom</a:t>
+            </a:r>
+          </a:p>
+        </p:txBody>
+      </p:sp>
+      <p:sp>
+        <p:nvSpPr>
+          <p:cNvPr id="6" name="Symbol zastępczy stopki 5"/>
+          <p:cNvSpPr>
+            <a:spLocks noGrp="1"/>
+          </p:cNvSpPr>
+          <p:nvPr>
+            <p:ph type="ftr" sz="quarter" idx="4"/>
+          </p:nvPr>
+        </p:nvSpPr>
+        <p:spPr>
+          <a:xfrm>
+            <a:off x="0" y="8685213"/>
+            <a:ext cx="2971800" cy="458787"/>
+          </a:xfrm>
+          <a:prstGeom prst="rect">
+            <a:avLst/>
+          </a:prstGeom>
+        </p:spPr>
+        <p:txBody>
+          <a:bodyPr vert="horz" lIns="91440" tIns="45720" rIns="91440" bIns="45720" rtlCol="0" anchor="b"/>
+          <a:lstStyle>
+            <a:lvl1pPr algn="l">
+              <a:defRPr sz="1200"/>
+            </a:lvl1pPr>
+          </a:lstStyle>
+          <a:p>
+            <a:endParaRPr lang="pl-PL"/>
+          </a:p>
+        </p:txBody>
+      </p:sp>
+      <p:sp>
+        <p:nvSpPr>
+          <p:cNvPr id="7" name="Symbol zastępczy numeru slajdu 6"/>
+          <p:cNvSpPr>
+            <a:spLocks noGrp="1"/>
+          </p:cNvSpPr>
+          <p:nvPr>
+            <p:ph type="sldNum" sz="quarter" idx="5"/>
+          </p:nvPr>
+        </p:nvSpPr>
+        <p:spPr>
+          <a:xfrm>
+            <a:off x="3884613" y="8685213"/>
+            <a:ext cx="2971800" cy="458787"/>
+          </a:xfrm>
+          <a:prstGeom prst="rect">
+            <a:avLst/>
+          </a:prstGeom>
+        </p:spPr>
+        <p:txBody>
+          <a:bodyPr vert="horz" lIns="91440" tIns="45720" rIns="91440" bIns="45720" rtlCol="0" anchor="b"/>
+          <a:lstStyle>
+            <a:lvl1pPr algn="r">
+              <a:defRPr sz="1200"/>
+            </a:lvl1pPr>
+          </a:lstStyle>
+          <a:p>
+            <a:fld id="{D6A03917-544F-45AB-9BF5-5174B414542E}" type="slidenum">
+              <a:rPr lang="pl-PL" smtClean="0"/>
+              <a:t>‹#›</a:t>
+            </a:fld>
+            <a:endParaRPr lang="pl-PL"/>
+          </a:p>
+        </p:txBody>
+      </p:sp>
+    </p:spTree>
+    <p:extLst>
+      <p:ext uri="{BB962C8B-B14F-4D97-AF65-F5344CB8AC3E}">
+        <p14:creationId xmlns:p14="http://schemas.microsoft.com/office/powerpoint/2010/main" val="4099790162"/>
+      </p:ext>
+    </p:extLst>
+  </p:cSld>
+  <p:clrMap bg1="lt1" tx1="dk1" bg2="lt2" tx2="dk2" accent1="accent1" accent2="accent2" accent3="accent3" accent4="accent4" accent5="accent5" accent6="accent6" hlink="hlink" folHlink="folHlink"/>
+  <p:notesStyle>
+    <a:lvl1pPr marL="0" algn="l" defTabSz="914400" rtl="0" eaLnBrk="1" latinLnBrk="0" hangingPunct="1">
+      <a:defRPr sz="1200" kern="1200">
+        <a:solidFill>
+          <a:schemeClr val="tx1"/>
+        </a:solidFill>
+        <a:latin typeface="+mn-lt"/>
+        <a:ea typeface="+mn-ea"/>
+        <a:cs typeface="+mn-cs"/>
+      </a:defRPr>
+    </a:lvl1pPr>
+    <a:lvl2pPr marL="457200" algn="l" defTabSz="914400" rtl="0" eaLnBrk="1" latinLnBrk="0" hangingPunct="1">
+      <a:defRPr sz="1200" kern="1200">
+        <a:solidFill>
+          <a:schemeClr val="tx1"/>
+        </a:solidFill>
+        <a:latin typeface="+mn-lt"/>
+        <a:ea typeface="+mn-ea"/>
+        <a:cs typeface="+mn-cs"/>
+      </a:defRPr>
+    </a:lvl2pPr>
+    <a:lvl3pPr marL="914400" algn="l" defTabSz="914400" rtl="0" eaLnBrk="1" latinLnBrk="0" hangingPunct="1">
+      <a:defRPr sz="1200" kern="1200">
+        <a:solidFill>
+          <a:schemeClr val="tx1"/>
+        </a:solidFill>
+        <a:latin typeface="+mn-lt"/>
+        <a:ea typeface="+mn-ea"/>
+        <a:cs typeface="+mn-cs"/>
+      </a:defRPr>
+    </a:lvl3pPr>
+    <a:lvl4pPr marL="1371600" algn="l" defTabSz="914400" rtl="0" eaLnBrk="1" latinLnBrk="0" hangingPunct="1">
+      <a:defRPr sz="1200" kern="1200">
+        <a:solidFill>
+          <a:schemeClr val="tx1"/>
+        </a:solidFill>
+        <a:latin typeface="+mn-lt"/>
+        <a:ea typeface="+mn-ea"/>
+        <a:cs typeface="+mn-cs"/>
+      </a:defRPr>
+    </a:lvl4pPr>
+    <a:lvl5pPr marL="1828800" algn="l" defTabSz="914400" rtl="0" eaLnBrk="1" latinLnBrk="0" hangingPunct="1">
+      <a:defRPr sz="1200" kern="1200">
+        <a:solidFill>
+          <a:schemeClr val="tx1"/>
+        </a:solidFill>
+        <a:latin typeface="+mn-lt"/>
+        <a:ea typeface="+mn-ea"/>
+        <a:cs typeface="+mn-cs"/>
+      </a:defRPr>
+    </a:lvl5pPr>
+    <a:lvl6pPr marL="2286000" algn="l" defTabSz="914400" rtl="0" eaLnBrk="1" latinLnBrk="0" hangingPunct="1">
+      <a:defRPr sz="1200" kern="1200">
+        <a:solidFill>
+          <a:schemeClr val="tx1"/>
+        </a:solidFill>
+        <a:latin typeface="+mn-lt"/>
+        <a:ea typeface="+mn-ea"/>
+        <a:cs typeface="+mn-cs"/>
+      </a:defRPr>
+    </a:lvl6pPr>
+    <a:lvl7pPr marL="2743200" algn="l" defTabSz="914400" rtl="0" eaLnBrk="1" latinLnBrk="0" hangingPunct="1">
+      <a:defRPr sz="1200" kern="1200">
+        <a:solidFill>
+          <a:schemeClr val="tx1"/>
+        </a:solidFill>
+        <a:latin typeface="+mn-lt"/>
+        <a:ea typeface="+mn-ea"/>
+        <a:cs typeface="+mn-cs"/>
+      </a:defRPr>
+    </a:lvl7pPr>
+    <a:lvl8pPr marL="3200400" algn="l" defTabSz="914400" rtl="0" eaLnBrk="1" latinLnBrk="0" hangingPunct="1">
+      <a:defRPr sz="1200" kern="1200">
+        <a:solidFill>
+          <a:schemeClr val="tx1"/>
+        </a:solidFill>
+        <a:latin typeface="+mn-lt"/>
+        <a:ea typeface="+mn-ea"/>
+        <a:cs typeface="+mn-cs"/>
+      </a:defRPr>
+    </a:lvl8pPr>
+    <a:lvl9pPr marL="3657600" algn="l" defTabSz="914400" rtl="0" eaLnBrk="1" latinLnBrk="0" hangingPunct="1">
+      <a:defRPr sz="1200" kern="1200">
+        <a:solidFill>
+          <a:schemeClr val="tx1"/>
+        </a:solidFill>
+        <a:latin typeface="+mn-lt"/>
+        <a:ea typeface="+mn-ea"/>
+        <a:cs typeface="+mn-cs"/>
+      </a:defRPr>
+    </a:lvl9pPr>
+  </p:notesStyle>
+</p:notesMaster>
+</file>
+
 <file path=ppt/slideLayouts/slideLayout1.xml><?xml version="1.0" encoding="utf-8"?>
 <p:sldLayout xmlns:a="http://schemas.openxmlformats.org/drawingml/2006/main" xmlns:r="http://schemas.openxmlformats.org/officeDocument/2006/relationships" xmlns:p="http://schemas.openxmlformats.org/presentationml/2006/main" type="title" preserve="1">
   <p:cSld name="Slajd tytułowy">
@@ -270,7 +628,7 @@
           <a:p>
             <a:fld id="{0F5BA0DB-EAFB-491B-B414-7F15544FAA91}" type="datetimeFigureOut">
               <a:rPr lang="pl-PL" smtClean="0"/>
-              <a:t>06.05.2023</a:t>
+              <a:t>07.05.2023</a:t>
             </a:fld>
             <a:endParaRPr lang="pl-PL"/>
           </a:p>
@@ -468,7 +826,7 @@
           <a:p>
             <a:fld id="{0F5BA0DB-EAFB-491B-B414-7F15544FAA91}" type="datetimeFigureOut">
               <a:rPr lang="pl-PL" smtClean="0"/>
-              <a:t>06.05.2023</a:t>
+              <a:t>07.05.2023</a:t>
             </a:fld>
             <a:endParaRPr lang="pl-PL"/>
           </a:p>
@@ -676,7 +1034,7 @@
           <a:p>
             <a:fld id="{0F5BA0DB-EAFB-491B-B414-7F15544FAA91}" type="datetimeFigureOut">
               <a:rPr lang="pl-PL" smtClean="0"/>
-              <a:t>06.05.2023</a:t>
+              <a:t>07.05.2023</a:t>
             </a:fld>
             <a:endParaRPr lang="pl-PL"/>
           </a:p>
@@ -874,7 +1232,7 @@
           <a:p>
             <a:fld id="{0F5BA0DB-EAFB-491B-B414-7F15544FAA91}" type="datetimeFigureOut">
               <a:rPr lang="pl-PL" smtClean="0"/>
-              <a:t>06.05.2023</a:t>
+              <a:t>07.05.2023</a:t>
             </a:fld>
             <a:endParaRPr lang="pl-PL"/>
           </a:p>
@@ -1149,7 +1507,7 @@
           <a:p>
             <a:fld id="{0F5BA0DB-EAFB-491B-B414-7F15544FAA91}" type="datetimeFigureOut">
               <a:rPr lang="pl-PL" smtClean="0"/>
-              <a:t>06.05.2023</a:t>
+              <a:t>07.05.2023</a:t>
             </a:fld>
             <a:endParaRPr lang="pl-PL"/>
           </a:p>
@@ -1414,7 +1772,7 @@
           <a:p>
             <a:fld id="{0F5BA0DB-EAFB-491B-B414-7F15544FAA91}" type="datetimeFigureOut">
               <a:rPr lang="pl-PL" smtClean="0"/>
-              <a:t>06.05.2023</a:t>
+              <a:t>07.05.2023</a:t>
             </a:fld>
             <a:endParaRPr lang="pl-PL"/>
           </a:p>
@@ -1826,7 +2184,7 @@
           <a:p>
             <a:fld id="{0F5BA0DB-EAFB-491B-B414-7F15544FAA91}" type="datetimeFigureOut">
               <a:rPr lang="pl-PL" smtClean="0"/>
-              <a:t>06.05.2023</a:t>
+              <a:t>07.05.2023</a:t>
             </a:fld>
             <a:endParaRPr lang="pl-PL"/>
           </a:p>
@@ -1967,7 +2325,7 @@
           <a:p>
             <a:fld id="{0F5BA0DB-EAFB-491B-B414-7F15544FAA91}" type="datetimeFigureOut">
               <a:rPr lang="pl-PL" smtClean="0"/>
-              <a:t>06.05.2023</a:t>
+              <a:t>07.05.2023</a:t>
             </a:fld>
             <a:endParaRPr lang="pl-PL"/>
           </a:p>
@@ -2080,7 +2438,7 @@
           <a:p>
             <a:fld id="{0F5BA0DB-EAFB-491B-B414-7F15544FAA91}" type="datetimeFigureOut">
               <a:rPr lang="pl-PL" smtClean="0"/>
-              <a:t>06.05.2023</a:t>
+              <a:t>07.05.2023</a:t>
             </a:fld>
             <a:endParaRPr lang="pl-PL"/>
           </a:p>
@@ -2391,7 +2749,7 @@
           <a:p>
             <a:fld id="{0F5BA0DB-EAFB-491B-B414-7F15544FAA91}" type="datetimeFigureOut">
               <a:rPr lang="pl-PL" smtClean="0"/>
-              <a:t>06.05.2023</a:t>
+              <a:t>07.05.2023</a:t>
             </a:fld>
             <a:endParaRPr lang="pl-PL"/>
           </a:p>
@@ -2679,7 +3037,7 @@
           <a:p>
             <a:fld id="{0F5BA0DB-EAFB-491B-B414-7F15544FAA91}" type="datetimeFigureOut">
               <a:rPr lang="pl-PL" smtClean="0"/>
-              <a:t>06.05.2023</a:t>
+              <a:t>07.05.2023</a:t>
             </a:fld>
             <a:endParaRPr lang="pl-PL"/>
           </a:p>
@@ -2920,7 +3278,7 @@
           <a:p>
             <a:fld id="{0F5BA0DB-EAFB-491B-B414-7F15544FAA91}" type="datetimeFigureOut">
               <a:rPr lang="pl-PL" smtClean="0"/>
-              <a:t>06.05.2023</a:t>
+              <a:t>07.05.2023</a:t>
             </a:fld>
             <a:endParaRPr lang="pl-PL"/>
           </a:p>
@@ -7558,21 +7916,2369 @@
             <p:ph type="title"/>
           </p:nvPr>
         </p:nvSpPr>
-        <p:spPr/>
+        <p:spPr>
+          <a:xfrm>
+            <a:off x="855316" y="-17978"/>
+            <a:ext cx="10515600" cy="1325563"/>
+          </a:xfrm>
+        </p:spPr>
         <p:txBody>
           <a:bodyPr/>
           <a:lstStyle/>
           <a:p>
+            <a:pPr algn="ctr"/>
+            <a:r>
+              <a:rPr lang="pl-PL" dirty="0"/>
+              <a:t>Splotowa filtracja obrazu</a:t>
+            </a:r>
+          </a:p>
+        </p:txBody>
+      </p:sp>
+      <p:graphicFrame>
+        <p:nvGraphicFramePr>
+          <p:cNvPr id="4" name="Tabela 4">
+            <a:extLst>
+              <a:ext uri="{FF2B5EF4-FFF2-40B4-BE49-F238E27FC236}">
+                <a16:creationId xmlns:a16="http://schemas.microsoft.com/office/drawing/2014/main" id="{E6A9549B-AA7B-1326-FC8A-B4F200624678}"/>
+              </a:ext>
+            </a:extLst>
+          </p:cNvPr>
+          <p:cNvGraphicFramePr>
+            <a:graphicFrameLocks noGrp="1"/>
+          </p:cNvGraphicFramePr>
+          <p:nvPr>
+            <p:extLst>
+              <p:ext uri="{D42A27DB-BD31-4B8C-83A1-F6EECF244321}">
+                <p14:modId xmlns:p14="http://schemas.microsoft.com/office/powerpoint/2010/main" val="3489833556"/>
+              </p:ext>
+            </p:extLst>
+          </p:nvPr>
+        </p:nvGraphicFramePr>
+        <p:xfrm>
+          <a:off x="435119" y="1590261"/>
+          <a:ext cx="4395296" cy="3677478"/>
+        </p:xfrm>
+        <a:graphic>
+          <a:graphicData uri="http://schemas.openxmlformats.org/drawingml/2006/table">
+            <a:tbl>
+              <a:tblPr firstRow="1" bandRow="1">
+                <a:tableStyleId>{5940675A-B579-460E-94D1-54222C63F5DA}</a:tableStyleId>
+              </a:tblPr>
+              <a:tblGrid>
+                <a:gridCol w="549412">
+                  <a:extLst>
+                    <a:ext uri="{9D8B030D-6E8A-4147-A177-3AD203B41FA5}">
+                      <a16:colId xmlns:a16="http://schemas.microsoft.com/office/drawing/2014/main" val="2775183905"/>
+                    </a:ext>
+                  </a:extLst>
+                </a:gridCol>
+                <a:gridCol w="549412">
+                  <a:extLst>
+                    <a:ext uri="{9D8B030D-6E8A-4147-A177-3AD203B41FA5}">
+                      <a16:colId xmlns:a16="http://schemas.microsoft.com/office/drawing/2014/main" val="3621879674"/>
+                    </a:ext>
+                  </a:extLst>
+                </a:gridCol>
+                <a:gridCol w="549412">
+                  <a:extLst>
+                    <a:ext uri="{9D8B030D-6E8A-4147-A177-3AD203B41FA5}">
+                      <a16:colId xmlns:a16="http://schemas.microsoft.com/office/drawing/2014/main" val="3002586182"/>
+                    </a:ext>
+                  </a:extLst>
+                </a:gridCol>
+                <a:gridCol w="549412">
+                  <a:extLst>
+                    <a:ext uri="{9D8B030D-6E8A-4147-A177-3AD203B41FA5}">
+                      <a16:colId xmlns:a16="http://schemas.microsoft.com/office/drawing/2014/main" val="1934526115"/>
+                    </a:ext>
+                  </a:extLst>
+                </a:gridCol>
+                <a:gridCol w="549412">
+                  <a:extLst>
+                    <a:ext uri="{9D8B030D-6E8A-4147-A177-3AD203B41FA5}">
+                      <a16:colId xmlns:a16="http://schemas.microsoft.com/office/drawing/2014/main" val="67640024"/>
+                    </a:ext>
+                  </a:extLst>
+                </a:gridCol>
+                <a:gridCol w="549412">
+                  <a:extLst>
+                    <a:ext uri="{9D8B030D-6E8A-4147-A177-3AD203B41FA5}">
+                      <a16:colId xmlns:a16="http://schemas.microsoft.com/office/drawing/2014/main" val="3920501893"/>
+                    </a:ext>
+                  </a:extLst>
+                </a:gridCol>
+                <a:gridCol w="549412">
+                  <a:extLst>
+                    <a:ext uri="{9D8B030D-6E8A-4147-A177-3AD203B41FA5}">
+                      <a16:colId xmlns:a16="http://schemas.microsoft.com/office/drawing/2014/main" val="601274440"/>
+                    </a:ext>
+                  </a:extLst>
+                </a:gridCol>
+                <a:gridCol w="549412">
+                  <a:extLst>
+                    <a:ext uri="{9D8B030D-6E8A-4147-A177-3AD203B41FA5}">
+                      <a16:colId xmlns:a16="http://schemas.microsoft.com/office/drawing/2014/main" val="1522111022"/>
+                    </a:ext>
+                  </a:extLst>
+                </a:gridCol>
+              </a:tblGrid>
+              <a:tr h="612913">
+                <a:tc>
+                  <a:txBody>
+                    <a:bodyPr/>
+                    <a:lstStyle/>
+                    <a:p>
+                      <a:r>
+                        <a:rPr lang="pl-PL" dirty="0"/>
+                        <a:t>0</a:t>
+                      </a:r>
+                    </a:p>
+                  </a:txBody>
+                  <a:tcPr/>
+                </a:tc>
+                <a:tc>
+                  <a:txBody>
+                    <a:bodyPr/>
+                    <a:lstStyle/>
+                    <a:p>
+                      <a:r>
+                        <a:rPr lang="pl-PL" dirty="0"/>
+                        <a:t>0</a:t>
+                      </a:r>
+                    </a:p>
+                  </a:txBody>
+                  <a:tcPr/>
+                </a:tc>
+                <a:tc>
+                  <a:txBody>
+                    <a:bodyPr/>
+                    <a:lstStyle/>
+                    <a:p>
+                      <a:r>
+                        <a:rPr lang="pl-PL" dirty="0"/>
+                        <a:t>0</a:t>
+                      </a:r>
+                    </a:p>
+                  </a:txBody>
+                  <a:tcPr/>
+                </a:tc>
+                <a:tc>
+                  <a:txBody>
+                    <a:bodyPr/>
+                    <a:lstStyle/>
+                    <a:p>
+                      <a:r>
+                        <a:rPr lang="pl-PL" dirty="0"/>
+                        <a:t>0</a:t>
+                      </a:r>
+                    </a:p>
+                  </a:txBody>
+                  <a:tcPr/>
+                </a:tc>
+                <a:tc>
+                  <a:txBody>
+                    <a:bodyPr/>
+                    <a:lstStyle/>
+                    <a:p>
+                      <a:r>
+                        <a:rPr lang="pl-PL" dirty="0"/>
+                        <a:t>0</a:t>
+                      </a:r>
+                    </a:p>
+                  </a:txBody>
+                  <a:tcPr/>
+                </a:tc>
+                <a:tc>
+                  <a:txBody>
+                    <a:bodyPr/>
+                    <a:lstStyle/>
+                    <a:p>
+                      <a:r>
+                        <a:rPr lang="pl-PL" dirty="0"/>
+                        <a:t>0</a:t>
+                      </a:r>
+                    </a:p>
+                  </a:txBody>
+                  <a:tcPr/>
+                </a:tc>
+                <a:tc>
+                  <a:txBody>
+                    <a:bodyPr/>
+                    <a:lstStyle/>
+                    <a:p>
+                      <a:r>
+                        <a:rPr lang="pl-PL" dirty="0"/>
+                        <a:t>0</a:t>
+                      </a:r>
+                    </a:p>
+                  </a:txBody>
+                  <a:tcPr/>
+                </a:tc>
+                <a:tc>
+                  <a:txBody>
+                    <a:bodyPr/>
+                    <a:lstStyle/>
+                    <a:p>
+                      <a:r>
+                        <a:rPr lang="pl-PL" dirty="0"/>
+                        <a:t>0</a:t>
+                      </a:r>
+                    </a:p>
+                  </a:txBody>
+                  <a:tcPr/>
+                </a:tc>
+                <a:extLst>
+                  <a:ext uri="{0D108BD9-81ED-4DB2-BD59-A6C34878D82A}">
+                    <a16:rowId xmlns:a16="http://schemas.microsoft.com/office/drawing/2014/main" val="2896688487"/>
+                  </a:ext>
+                </a:extLst>
+              </a:tr>
+              <a:tr h="612913">
+                <a:tc>
+                  <a:txBody>
+                    <a:bodyPr/>
+                    <a:lstStyle/>
+                    <a:p>
+                      <a:r>
+                        <a:rPr lang="pl-PL" dirty="0"/>
+                        <a:t>0</a:t>
+                      </a:r>
+                    </a:p>
+                  </a:txBody>
+                  <a:tcPr/>
+                </a:tc>
+                <a:tc>
+                  <a:txBody>
+                    <a:bodyPr/>
+                    <a:lstStyle/>
+                    <a:p>
+                      <a:r>
+                        <a:rPr lang="pl-PL" dirty="0"/>
+                        <a:t>P0</a:t>
+                      </a:r>
+                    </a:p>
+                  </a:txBody>
+                  <a:tcPr>
+                    <a:solidFill>
+                      <a:schemeClr val="accent2">
+                        <a:lumMod val="60000"/>
+                        <a:lumOff val="40000"/>
+                      </a:schemeClr>
+                    </a:solidFill>
+                  </a:tcPr>
+                </a:tc>
+                <a:tc>
+                  <a:txBody>
+                    <a:bodyPr/>
+                    <a:lstStyle/>
+                    <a:p>
+                      <a:r>
+                        <a:rPr lang="pl-PL" dirty="0"/>
+                        <a:t>P1</a:t>
+                      </a:r>
+                    </a:p>
+                  </a:txBody>
+                  <a:tcPr>
+                    <a:solidFill>
+                      <a:schemeClr val="accent2">
+                        <a:lumMod val="60000"/>
+                        <a:lumOff val="40000"/>
+                      </a:schemeClr>
+                    </a:solidFill>
+                  </a:tcPr>
+                </a:tc>
+                <a:tc>
+                  <a:txBody>
+                    <a:bodyPr/>
+                    <a:lstStyle/>
+                    <a:p>
+                      <a:r>
+                        <a:rPr lang="pl-PL" dirty="0"/>
+                        <a:t>P2</a:t>
+                      </a:r>
+                    </a:p>
+                  </a:txBody>
+                  <a:tcPr>
+                    <a:solidFill>
+                      <a:schemeClr val="accent2">
+                        <a:lumMod val="60000"/>
+                        <a:lumOff val="40000"/>
+                      </a:schemeClr>
+                    </a:solidFill>
+                  </a:tcPr>
+                </a:tc>
+                <a:tc>
+                  <a:txBody>
+                    <a:bodyPr/>
+                    <a:lstStyle/>
+                    <a:p>
+                      <a:r>
+                        <a:rPr lang="pl-PL" dirty="0"/>
+                        <a:t>P3</a:t>
+                      </a:r>
+                    </a:p>
+                  </a:txBody>
+                  <a:tcPr>
+                    <a:solidFill>
+                      <a:schemeClr val="accent2">
+                        <a:lumMod val="60000"/>
+                        <a:lumOff val="40000"/>
+                      </a:schemeClr>
+                    </a:solidFill>
+                  </a:tcPr>
+                </a:tc>
+                <a:tc>
+                  <a:txBody>
+                    <a:bodyPr/>
+                    <a:lstStyle/>
+                    <a:p>
+                      <a:r>
+                        <a:rPr lang="pl-PL" dirty="0"/>
+                        <a:t>P4</a:t>
+                      </a:r>
+                    </a:p>
+                  </a:txBody>
+                  <a:tcPr>
+                    <a:solidFill>
+                      <a:schemeClr val="accent2">
+                        <a:lumMod val="60000"/>
+                        <a:lumOff val="40000"/>
+                      </a:schemeClr>
+                    </a:solidFill>
+                  </a:tcPr>
+                </a:tc>
+                <a:tc>
+                  <a:txBody>
+                    <a:bodyPr/>
+                    <a:lstStyle/>
+                    <a:p>
+                      <a:r>
+                        <a:rPr lang="pl-PL" dirty="0"/>
+                        <a:t>P5</a:t>
+                      </a:r>
+                    </a:p>
+                  </a:txBody>
+                  <a:tcPr>
+                    <a:solidFill>
+                      <a:schemeClr val="accent2">
+                        <a:lumMod val="60000"/>
+                        <a:lumOff val="40000"/>
+                      </a:schemeClr>
+                    </a:solidFill>
+                  </a:tcPr>
+                </a:tc>
+                <a:tc>
+                  <a:txBody>
+                    <a:bodyPr/>
+                    <a:lstStyle/>
+                    <a:p>
+                      <a:r>
+                        <a:rPr lang="pl-PL" dirty="0"/>
+                        <a:t>0</a:t>
+                      </a:r>
+                    </a:p>
+                  </a:txBody>
+                  <a:tcPr/>
+                </a:tc>
+                <a:extLst>
+                  <a:ext uri="{0D108BD9-81ED-4DB2-BD59-A6C34878D82A}">
+                    <a16:rowId xmlns:a16="http://schemas.microsoft.com/office/drawing/2014/main" val="3955753318"/>
+                  </a:ext>
+                </a:extLst>
+              </a:tr>
+              <a:tr h="612913">
+                <a:tc>
+                  <a:txBody>
+                    <a:bodyPr/>
+                    <a:lstStyle/>
+                    <a:p>
+                      <a:r>
+                        <a:rPr lang="pl-PL" dirty="0"/>
+                        <a:t>0</a:t>
+                      </a:r>
+                    </a:p>
+                  </a:txBody>
+                  <a:tcPr/>
+                </a:tc>
+                <a:tc>
+                  <a:txBody>
+                    <a:bodyPr/>
+                    <a:lstStyle/>
+                    <a:p>
+                      <a:r>
+                        <a:rPr lang="pl-PL" dirty="0"/>
+                        <a:t>P6</a:t>
+                      </a:r>
+                    </a:p>
+                  </a:txBody>
+                  <a:tcPr>
+                    <a:solidFill>
+                      <a:schemeClr val="accent2">
+                        <a:lumMod val="60000"/>
+                        <a:lumOff val="40000"/>
+                      </a:schemeClr>
+                    </a:solidFill>
+                  </a:tcPr>
+                </a:tc>
+                <a:tc>
+                  <a:txBody>
+                    <a:bodyPr/>
+                    <a:lstStyle/>
+                    <a:p>
+                      <a:r>
+                        <a:rPr lang="pl-PL" dirty="0"/>
+                        <a:t>P7</a:t>
+                      </a:r>
+                    </a:p>
+                  </a:txBody>
+                  <a:tcPr>
+                    <a:solidFill>
+                      <a:schemeClr val="accent2">
+                        <a:lumMod val="60000"/>
+                        <a:lumOff val="40000"/>
+                      </a:schemeClr>
+                    </a:solidFill>
+                  </a:tcPr>
+                </a:tc>
+                <a:tc>
+                  <a:txBody>
+                    <a:bodyPr/>
+                    <a:lstStyle/>
+                    <a:p>
+                      <a:r>
+                        <a:rPr lang="pl-PL" dirty="0"/>
+                        <a:t>P8</a:t>
+                      </a:r>
+                    </a:p>
+                  </a:txBody>
+                  <a:tcPr>
+                    <a:solidFill>
+                      <a:schemeClr val="accent2">
+                        <a:lumMod val="60000"/>
+                        <a:lumOff val="40000"/>
+                      </a:schemeClr>
+                    </a:solidFill>
+                  </a:tcPr>
+                </a:tc>
+                <a:tc>
+                  <a:txBody>
+                    <a:bodyPr/>
+                    <a:lstStyle/>
+                    <a:p>
+                      <a:r>
+                        <a:rPr lang="pl-PL" dirty="0"/>
+                        <a:t>P9</a:t>
+                      </a:r>
+                    </a:p>
+                  </a:txBody>
+                  <a:tcPr>
+                    <a:solidFill>
+                      <a:schemeClr val="accent2">
+                        <a:lumMod val="60000"/>
+                        <a:lumOff val="40000"/>
+                      </a:schemeClr>
+                    </a:solidFill>
+                  </a:tcPr>
+                </a:tc>
+                <a:tc>
+                  <a:txBody>
+                    <a:bodyPr/>
+                    <a:lstStyle/>
+                    <a:p>
+                      <a:r>
+                        <a:rPr lang="pl-PL" dirty="0"/>
+                        <a:t>P10</a:t>
+                      </a:r>
+                    </a:p>
+                  </a:txBody>
+                  <a:tcPr>
+                    <a:solidFill>
+                      <a:schemeClr val="accent2">
+                        <a:lumMod val="60000"/>
+                        <a:lumOff val="40000"/>
+                      </a:schemeClr>
+                    </a:solidFill>
+                  </a:tcPr>
+                </a:tc>
+                <a:tc>
+                  <a:txBody>
+                    <a:bodyPr/>
+                    <a:lstStyle/>
+                    <a:p>
+                      <a:r>
+                        <a:rPr lang="pl-PL" dirty="0"/>
+                        <a:t>P11</a:t>
+                      </a:r>
+                    </a:p>
+                  </a:txBody>
+                  <a:tcPr>
+                    <a:solidFill>
+                      <a:schemeClr val="accent2">
+                        <a:lumMod val="60000"/>
+                        <a:lumOff val="40000"/>
+                      </a:schemeClr>
+                    </a:solidFill>
+                  </a:tcPr>
+                </a:tc>
+                <a:tc>
+                  <a:txBody>
+                    <a:bodyPr/>
+                    <a:lstStyle/>
+                    <a:p>
+                      <a:r>
+                        <a:rPr lang="pl-PL" dirty="0"/>
+                        <a:t>0</a:t>
+                      </a:r>
+                    </a:p>
+                  </a:txBody>
+                  <a:tcPr/>
+                </a:tc>
+                <a:extLst>
+                  <a:ext uri="{0D108BD9-81ED-4DB2-BD59-A6C34878D82A}">
+                    <a16:rowId xmlns:a16="http://schemas.microsoft.com/office/drawing/2014/main" val="3799472403"/>
+                  </a:ext>
+                </a:extLst>
+              </a:tr>
+              <a:tr h="612913">
+                <a:tc>
+                  <a:txBody>
+                    <a:bodyPr/>
+                    <a:lstStyle/>
+                    <a:p>
+                      <a:r>
+                        <a:rPr lang="pl-PL" dirty="0"/>
+                        <a:t>0</a:t>
+                      </a:r>
+                    </a:p>
+                  </a:txBody>
+                  <a:tcPr/>
+                </a:tc>
+                <a:tc>
+                  <a:txBody>
+                    <a:bodyPr/>
+                    <a:lstStyle/>
+                    <a:p>
+                      <a:r>
+                        <a:rPr lang="pl-PL" dirty="0"/>
+                        <a:t>P12</a:t>
+                      </a:r>
+                    </a:p>
+                  </a:txBody>
+                  <a:tcPr>
+                    <a:solidFill>
+                      <a:schemeClr val="accent2">
+                        <a:lumMod val="60000"/>
+                        <a:lumOff val="40000"/>
+                      </a:schemeClr>
+                    </a:solidFill>
+                  </a:tcPr>
+                </a:tc>
+                <a:tc>
+                  <a:txBody>
+                    <a:bodyPr/>
+                    <a:lstStyle/>
+                    <a:p>
+                      <a:r>
+                        <a:rPr lang="pl-PL" dirty="0"/>
+                        <a:t>P13</a:t>
+                      </a:r>
+                    </a:p>
+                  </a:txBody>
+                  <a:tcPr>
+                    <a:solidFill>
+                      <a:schemeClr val="accent2">
+                        <a:lumMod val="60000"/>
+                        <a:lumOff val="40000"/>
+                      </a:schemeClr>
+                    </a:solidFill>
+                  </a:tcPr>
+                </a:tc>
+                <a:tc>
+                  <a:txBody>
+                    <a:bodyPr/>
+                    <a:lstStyle/>
+                    <a:p>
+                      <a:r>
+                        <a:rPr lang="pl-PL" dirty="0"/>
+                        <a:t>P14</a:t>
+                      </a:r>
+                    </a:p>
+                  </a:txBody>
+                  <a:tcPr>
+                    <a:solidFill>
+                      <a:schemeClr val="accent2">
+                        <a:lumMod val="60000"/>
+                        <a:lumOff val="40000"/>
+                      </a:schemeClr>
+                    </a:solidFill>
+                  </a:tcPr>
+                </a:tc>
+                <a:tc>
+                  <a:txBody>
+                    <a:bodyPr/>
+                    <a:lstStyle/>
+                    <a:p>
+                      <a:r>
+                        <a:rPr lang="pl-PL" dirty="0"/>
+                        <a:t>P15</a:t>
+                      </a:r>
+                    </a:p>
+                  </a:txBody>
+                  <a:tcPr>
+                    <a:solidFill>
+                      <a:schemeClr val="accent2">
+                        <a:lumMod val="60000"/>
+                        <a:lumOff val="40000"/>
+                      </a:schemeClr>
+                    </a:solidFill>
+                  </a:tcPr>
+                </a:tc>
+                <a:tc>
+                  <a:txBody>
+                    <a:bodyPr/>
+                    <a:lstStyle/>
+                    <a:p>
+                      <a:r>
+                        <a:rPr lang="pl-PL" dirty="0"/>
+                        <a:t>P16</a:t>
+                      </a:r>
+                    </a:p>
+                  </a:txBody>
+                  <a:tcPr>
+                    <a:solidFill>
+                      <a:schemeClr val="accent2">
+                        <a:lumMod val="60000"/>
+                        <a:lumOff val="40000"/>
+                      </a:schemeClr>
+                    </a:solidFill>
+                  </a:tcPr>
+                </a:tc>
+                <a:tc>
+                  <a:txBody>
+                    <a:bodyPr/>
+                    <a:lstStyle/>
+                    <a:p>
+                      <a:r>
+                        <a:rPr lang="pl-PL" dirty="0"/>
+                        <a:t>P17</a:t>
+                      </a:r>
+                    </a:p>
+                  </a:txBody>
+                  <a:tcPr>
+                    <a:solidFill>
+                      <a:schemeClr val="accent2">
+                        <a:lumMod val="60000"/>
+                        <a:lumOff val="40000"/>
+                      </a:schemeClr>
+                    </a:solidFill>
+                  </a:tcPr>
+                </a:tc>
+                <a:tc>
+                  <a:txBody>
+                    <a:bodyPr/>
+                    <a:lstStyle/>
+                    <a:p>
+                      <a:r>
+                        <a:rPr lang="pl-PL" dirty="0"/>
+                        <a:t>0</a:t>
+                      </a:r>
+                    </a:p>
+                  </a:txBody>
+                  <a:tcPr/>
+                </a:tc>
+                <a:extLst>
+                  <a:ext uri="{0D108BD9-81ED-4DB2-BD59-A6C34878D82A}">
+                    <a16:rowId xmlns:a16="http://schemas.microsoft.com/office/drawing/2014/main" val="1294046969"/>
+                  </a:ext>
+                </a:extLst>
+              </a:tr>
+              <a:tr h="612913">
+                <a:tc>
+                  <a:txBody>
+                    <a:bodyPr/>
+                    <a:lstStyle/>
+                    <a:p>
+                      <a:r>
+                        <a:rPr lang="pl-PL" dirty="0"/>
+                        <a:t>0</a:t>
+                      </a:r>
+                    </a:p>
+                  </a:txBody>
+                  <a:tcPr/>
+                </a:tc>
+                <a:tc>
+                  <a:txBody>
+                    <a:bodyPr/>
+                    <a:lstStyle/>
+                    <a:p>
+                      <a:r>
+                        <a:rPr lang="pl-PL" dirty="0"/>
+                        <a:t>P18</a:t>
+                      </a:r>
+                    </a:p>
+                  </a:txBody>
+                  <a:tcPr>
+                    <a:solidFill>
+                      <a:schemeClr val="accent2">
+                        <a:lumMod val="60000"/>
+                        <a:lumOff val="40000"/>
+                      </a:schemeClr>
+                    </a:solidFill>
+                  </a:tcPr>
+                </a:tc>
+                <a:tc>
+                  <a:txBody>
+                    <a:bodyPr/>
+                    <a:lstStyle/>
+                    <a:p>
+                      <a:r>
+                        <a:rPr lang="pl-PL" dirty="0"/>
+                        <a:t>P19</a:t>
+                      </a:r>
+                    </a:p>
+                  </a:txBody>
+                  <a:tcPr>
+                    <a:solidFill>
+                      <a:schemeClr val="accent2">
+                        <a:lumMod val="60000"/>
+                        <a:lumOff val="40000"/>
+                      </a:schemeClr>
+                    </a:solidFill>
+                  </a:tcPr>
+                </a:tc>
+                <a:tc>
+                  <a:txBody>
+                    <a:bodyPr/>
+                    <a:lstStyle/>
+                    <a:p>
+                      <a:r>
+                        <a:rPr lang="pl-PL" dirty="0"/>
+                        <a:t>P20</a:t>
+                      </a:r>
+                    </a:p>
+                  </a:txBody>
+                  <a:tcPr>
+                    <a:solidFill>
+                      <a:schemeClr val="accent2">
+                        <a:lumMod val="60000"/>
+                        <a:lumOff val="40000"/>
+                      </a:schemeClr>
+                    </a:solidFill>
+                  </a:tcPr>
+                </a:tc>
+                <a:tc>
+                  <a:txBody>
+                    <a:bodyPr/>
+                    <a:lstStyle/>
+                    <a:p>
+                      <a:r>
+                        <a:rPr lang="pl-PL" dirty="0"/>
+                        <a:t>P21</a:t>
+                      </a:r>
+                    </a:p>
+                  </a:txBody>
+                  <a:tcPr>
+                    <a:solidFill>
+                      <a:schemeClr val="accent2">
+                        <a:lumMod val="60000"/>
+                        <a:lumOff val="40000"/>
+                      </a:schemeClr>
+                    </a:solidFill>
+                  </a:tcPr>
+                </a:tc>
+                <a:tc>
+                  <a:txBody>
+                    <a:bodyPr/>
+                    <a:lstStyle/>
+                    <a:p>
+                      <a:r>
+                        <a:rPr lang="pl-PL" dirty="0"/>
+                        <a:t>P22</a:t>
+                      </a:r>
+                    </a:p>
+                  </a:txBody>
+                  <a:tcPr>
+                    <a:solidFill>
+                      <a:schemeClr val="accent2">
+                        <a:lumMod val="60000"/>
+                        <a:lumOff val="40000"/>
+                      </a:schemeClr>
+                    </a:solidFill>
+                  </a:tcPr>
+                </a:tc>
+                <a:tc>
+                  <a:txBody>
+                    <a:bodyPr/>
+                    <a:lstStyle/>
+                    <a:p>
+                      <a:r>
+                        <a:rPr lang="pl-PL" dirty="0"/>
+                        <a:t>S23</a:t>
+                      </a:r>
+                    </a:p>
+                  </a:txBody>
+                  <a:tcPr>
+                    <a:solidFill>
+                      <a:schemeClr val="accent2">
+                        <a:lumMod val="60000"/>
+                        <a:lumOff val="40000"/>
+                      </a:schemeClr>
+                    </a:solidFill>
+                  </a:tcPr>
+                </a:tc>
+                <a:tc>
+                  <a:txBody>
+                    <a:bodyPr/>
+                    <a:lstStyle/>
+                    <a:p>
+                      <a:r>
+                        <a:rPr lang="pl-PL" dirty="0"/>
+                        <a:t>0</a:t>
+                      </a:r>
+                    </a:p>
+                  </a:txBody>
+                  <a:tcPr/>
+                </a:tc>
+                <a:extLst>
+                  <a:ext uri="{0D108BD9-81ED-4DB2-BD59-A6C34878D82A}">
+                    <a16:rowId xmlns:a16="http://schemas.microsoft.com/office/drawing/2014/main" val="2115345851"/>
+                  </a:ext>
+                </a:extLst>
+              </a:tr>
+              <a:tr h="612913">
+                <a:tc>
+                  <a:txBody>
+                    <a:bodyPr/>
+                    <a:lstStyle/>
+                    <a:p>
+                      <a:r>
+                        <a:rPr lang="pl-PL" dirty="0"/>
+                        <a:t>0</a:t>
+                      </a:r>
+                    </a:p>
+                  </a:txBody>
+                  <a:tcPr/>
+                </a:tc>
+                <a:tc>
+                  <a:txBody>
+                    <a:bodyPr/>
+                    <a:lstStyle/>
+                    <a:p>
+                      <a:r>
+                        <a:rPr lang="pl-PL" dirty="0"/>
+                        <a:t>0</a:t>
+                      </a:r>
+                    </a:p>
+                  </a:txBody>
+                  <a:tcPr/>
+                </a:tc>
+                <a:tc>
+                  <a:txBody>
+                    <a:bodyPr/>
+                    <a:lstStyle/>
+                    <a:p>
+                      <a:r>
+                        <a:rPr lang="pl-PL" dirty="0"/>
+                        <a:t>0</a:t>
+                      </a:r>
+                    </a:p>
+                  </a:txBody>
+                  <a:tcPr/>
+                </a:tc>
+                <a:tc>
+                  <a:txBody>
+                    <a:bodyPr/>
+                    <a:lstStyle/>
+                    <a:p>
+                      <a:r>
+                        <a:rPr lang="pl-PL" dirty="0"/>
+                        <a:t>0</a:t>
+                      </a:r>
+                    </a:p>
+                  </a:txBody>
+                  <a:tcPr/>
+                </a:tc>
+                <a:tc>
+                  <a:txBody>
+                    <a:bodyPr/>
+                    <a:lstStyle/>
+                    <a:p>
+                      <a:r>
+                        <a:rPr lang="pl-PL" dirty="0"/>
+                        <a:t>0</a:t>
+                      </a:r>
+                    </a:p>
+                  </a:txBody>
+                  <a:tcPr/>
+                </a:tc>
+                <a:tc>
+                  <a:txBody>
+                    <a:bodyPr/>
+                    <a:lstStyle/>
+                    <a:p>
+                      <a:r>
+                        <a:rPr lang="pl-PL" dirty="0"/>
+                        <a:t>0</a:t>
+                      </a:r>
+                    </a:p>
+                  </a:txBody>
+                  <a:tcPr/>
+                </a:tc>
+                <a:tc>
+                  <a:txBody>
+                    <a:bodyPr/>
+                    <a:lstStyle/>
+                    <a:p>
+                      <a:r>
+                        <a:rPr lang="pl-PL" dirty="0"/>
+                        <a:t>0</a:t>
+                      </a:r>
+                    </a:p>
+                  </a:txBody>
+                  <a:tcPr/>
+                </a:tc>
+                <a:tc>
+                  <a:txBody>
+                    <a:bodyPr/>
+                    <a:lstStyle/>
+                    <a:p>
+                      <a:r>
+                        <a:rPr lang="pl-PL" dirty="0"/>
+                        <a:t>0</a:t>
+                      </a:r>
+                    </a:p>
+                  </a:txBody>
+                  <a:tcPr/>
+                </a:tc>
+                <a:extLst>
+                  <a:ext uri="{0D108BD9-81ED-4DB2-BD59-A6C34878D82A}">
+                    <a16:rowId xmlns:a16="http://schemas.microsoft.com/office/drawing/2014/main" val="2315434368"/>
+                  </a:ext>
+                </a:extLst>
+              </a:tr>
+            </a:tbl>
+          </a:graphicData>
+        </a:graphic>
+      </p:graphicFrame>
+      <p:sp>
+        <p:nvSpPr>
+          <p:cNvPr id="5" name="pole tekstowe 4">
+            <a:extLst>
+              <a:ext uri="{FF2B5EF4-FFF2-40B4-BE49-F238E27FC236}">
+                <a16:creationId xmlns:a16="http://schemas.microsoft.com/office/drawing/2014/main" id="{489BED7F-D52D-746A-98D2-8DF7C241B27F}"/>
+              </a:ext>
+            </a:extLst>
+          </p:cNvPr>
+          <p:cNvSpPr txBox="1"/>
+          <p:nvPr/>
+        </p:nvSpPr>
+        <p:spPr>
+          <a:xfrm>
+            <a:off x="4949687" y="3105834"/>
+            <a:ext cx="407484" cy="646331"/>
+          </a:xfrm>
+          <a:prstGeom prst="rect">
+            <a:avLst/>
+          </a:prstGeom>
+          <a:noFill/>
+        </p:spPr>
+        <p:txBody>
+          <a:bodyPr wrap="none" rtlCol="0">
+            <a:spAutoFit/>
+          </a:bodyPr>
+          <a:lstStyle/>
+          <a:p>
+            <a:r>
+              <a:rPr lang="pl-PL" sz="3600" b="1" i="0" dirty="0">
+                <a:solidFill>
+                  <a:srgbClr val="202124"/>
+                </a:solidFill>
+                <a:effectLst/>
+                <a:latin typeface="Google Sans"/>
+              </a:rPr>
+              <a:t>∗</a:t>
+            </a:r>
+            <a:endParaRPr lang="pl-PL" sz="3600" b="1" dirty="0"/>
+          </a:p>
+        </p:txBody>
+      </p:sp>
+      <p:sp>
+        <p:nvSpPr>
+          <p:cNvPr id="6" name="pole tekstowe 5">
+            <a:extLst>
+              <a:ext uri="{FF2B5EF4-FFF2-40B4-BE49-F238E27FC236}">
+                <a16:creationId xmlns:a16="http://schemas.microsoft.com/office/drawing/2014/main" id="{1571CBBD-3330-E3AB-A68E-49BAB125E591}"/>
+              </a:ext>
+            </a:extLst>
+          </p:cNvPr>
+          <p:cNvSpPr txBox="1"/>
+          <p:nvPr/>
+        </p:nvSpPr>
+        <p:spPr>
+          <a:xfrm>
+            <a:off x="59636" y="365125"/>
+            <a:ext cx="2286000" cy="646331"/>
+          </a:xfrm>
+          <a:prstGeom prst="rect">
+            <a:avLst/>
+          </a:prstGeom>
+          <a:solidFill>
+            <a:srgbClr val="00B0F0"/>
+          </a:solidFill>
+        </p:spPr>
+        <p:txBody>
+          <a:bodyPr wrap="square" rtlCol="0">
+            <a:spAutoFit/>
+          </a:bodyPr>
+          <a:lstStyle/>
+          <a:p>
+            <a:r>
+              <a:rPr lang="pl-PL" dirty="0"/>
+              <a:t>Początek pamięci ramki np. W0</a:t>
+            </a:r>
+          </a:p>
+        </p:txBody>
+      </p:sp>
+      <p:cxnSp>
+        <p:nvCxnSpPr>
+          <p:cNvPr id="8" name="Łącznik prosty ze strzałką 7">
+            <a:extLst>
+              <a:ext uri="{FF2B5EF4-FFF2-40B4-BE49-F238E27FC236}">
+                <a16:creationId xmlns:a16="http://schemas.microsoft.com/office/drawing/2014/main" id="{3E1AAB9B-CF72-DE6B-50C1-45794B9B9B80}"/>
+              </a:ext>
+            </a:extLst>
+          </p:cNvPr>
+          <p:cNvCxnSpPr/>
+          <p:nvPr/>
+        </p:nvCxnSpPr>
+        <p:spPr>
+          <a:xfrm>
+            <a:off x="435119" y="1027906"/>
+            <a:ext cx="194359" cy="562355"/>
+          </a:xfrm>
+          <a:prstGeom prst="straightConnector1">
+            <a:avLst/>
+          </a:prstGeom>
+          <a:ln>
+            <a:tailEnd type="triangle"/>
+          </a:ln>
+        </p:spPr>
+        <p:style>
+          <a:lnRef idx="1">
+            <a:schemeClr val="accent1"/>
+          </a:lnRef>
+          <a:fillRef idx="0">
+            <a:schemeClr val="accent1"/>
+          </a:fillRef>
+          <a:effectRef idx="0">
+            <a:schemeClr val="accent1"/>
+          </a:effectRef>
+          <a:fontRef idx="minor">
+            <a:schemeClr val="tx1"/>
+          </a:fontRef>
+        </p:style>
+      </p:cxnSp>
+      <p:sp>
+        <p:nvSpPr>
+          <p:cNvPr id="11" name="Prostokąt: zaokrąglone rogi 10">
+            <a:extLst>
+              <a:ext uri="{FF2B5EF4-FFF2-40B4-BE49-F238E27FC236}">
+                <a16:creationId xmlns:a16="http://schemas.microsoft.com/office/drawing/2014/main" id="{E6DD35EB-1BF2-E0E9-F454-4657997832AA}"/>
+              </a:ext>
+            </a:extLst>
+          </p:cNvPr>
+          <p:cNvSpPr/>
+          <p:nvPr/>
+        </p:nvSpPr>
+        <p:spPr>
+          <a:xfrm>
+            <a:off x="959680" y="2206487"/>
+            <a:ext cx="3346174" cy="2484783"/>
+          </a:xfrm>
+          <a:prstGeom prst="roundRect">
+            <a:avLst/>
+          </a:prstGeom>
+          <a:noFill/>
+          <a:ln w="76200">
+            <a:solidFill>
+              <a:schemeClr val="accent6">
+                <a:lumMod val="75000"/>
+              </a:schemeClr>
+            </a:solidFill>
+          </a:ln>
+        </p:spPr>
+        <p:style>
+          <a:lnRef idx="2">
+            <a:schemeClr val="accent1">
+              <a:shade val="50000"/>
+            </a:schemeClr>
+          </a:lnRef>
+          <a:fillRef idx="1">
+            <a:schemeClr val="accent1"/>
+          </a:fillRef>
+          <a:effectRef idx="0">
+            <a:schemeClr val="accent1"/>
+          </a:effectRef>
+          <a:fontRef idx="minor">
+            <a:schemeClr val="lt1"/>
+          </a:fontRef>
+        </p:style>
+        <p:txBody>
+          <a:bodyPr rtlCol="0" anchor="ctr"/>
+          <a:lstStyle/>
+          <a:p>
+            <a:pPr algn="ctr"/>
             <a:endParaRPr lang="pl-PL"/>
           </a:p>
         </p:txBody>
       </p:sp>
+      <p:cxnSp>
+        <p:nvCxnSpPr>
+          <p:cNvPr id="13" name="Łącznik prosty ze strzałką 12">
+            <a:extLst>
+              <a:ext uri="{FF2B5EF4-FFF2-40B4-BE49-F238E27FC236}">
+                <a16:creationId xmlns:a16="http://schemas.microsoft.com/office/drawing/2014/main" id="{47A77AD8-61C3-67C7-F52C-8028F964135C}"/>
+              </a:ext>
+            </a:extLst>
+          </p:cNvPr>
+          <p:cNvCxnSpPr>
+            <a:cxnSpLocks/>
+          </p:cNvCxnSpPr>
+          <p:nvPr/>
+        </p:nvCxnSpPr>
+        <p:spPr>
+          <a:xfrm flipV="1">
+            <a:off x="1106557" y="4724400"/>
+            <a:ext cx="210378" cy="1193386"/>
+          </a:xfrm>
+          <a:prstGeom prst="straightConnector1">
+            <a:avLst/>
+          </a:prstGeom>
+          <a:ln w="38100">
+            <a:tailEnd type="triangle"/>
+          </a:ln>
+        </p:spPr>
+        <p:style>
+          <a:lnRef idx="1">
+            <a:schemeClr val="accent1"/>
+          </a:lnRef>
+          <a:fillRef idx="0">
+            <a:schemeClr val="accent1"/>
+          </a:fillRef>
+          <a:effectRef idx="0">
+            <a:schemeClr val="accent1"/>
+          </a:effectRef>
+          <a:fontRef idx="minor">
+            <a:schemeClr val="tx1"/>
+          </a:fontRef>
+        </p:style>
+      </p:cxnSp>
+      <p:sp>
+        <p:nvSpPr>
+          <p:cNvPr id="16" name="pole tekstowe 15">
+            <a:extLst>
+              <a:ext uri="{FF2B5EF4-FFF2-40B4-BE49-F238E27FC236}">
+                <a16:creationId xmlns:a16="http://schemas.microsoft.com/office/drawing/2014/main" id="{150597C6-F921-9334-E950-BB37542E571C}"/>
+              </a:ext>
+            </a:extLst>
+          </p:cNvPr>
+          <p:cNvSpPr txBox="1"/>
+          <p:nvPr/>
+        </p:nvSpPr>
+        <p:spPr>
+          <a:xfrm>
+            <a:off x="254000" y="5931728"/>
+            <a:ext cx="2986157" cy="923330"/>
+          </a:xfrm>
+          <a:prstGeom prst="rect">
+            <a:avLst/>
+          </a:prstGeom>
+          <a:solidFill>
+            <a:schemeClr val="accent6">
+              <a:lumMod val="40000"/>
+              <a:lumOff val="60000"/>
+            </a:schemeClr>
+          </a:solidFill>
+        </p:spPr>
+        <p:txBody>
+          <a:bodyPr wrap="square" rtlCol="0">
+            <a:spAutoFit/>
+          </a:bodyPr>
+          <a:lstStyle/>
+          <a:p>
+            <a:r>
+              <a:rPr lang="pl-PL" dirty="0"/>
+              <a:t>Wejściowy obraz z kamery (nieprzetworzony) o wymiarach 6x4</a:t>
+            </a:r>
+          </a:p>
+        </p:txBody>
+      </p:sp>
+      <p:graphicFrame>
+        <p:nvGraphicFramePr>
+          <p:cNvPr id="19" name="Tabela 18">
+            <a:extLst>
+              <a:ext uri="{FF2B5EF4-FFF2-40B4-BE49-F238E27FC236}">
+                <a16:creationId xmlns:a16="http://schemas.microsoft.com/office/drawing/2014/main" id="{7FF9454B-241B-A0C4-CF51-833921FC3E26}"/>
+              </a:ext>
+            </a:extLst>
+          </p:cNvPr>
+          <p:cNvGraphicFramePr>
+            <a:graphicFrameLocks noGrp="1"/>
+          </p:cNvGraphicFramePr>
+          <p:nvPr>
+            <p:extLst>
+              <p:ext uri="{D42A27DB-BD31-4B8C-83A1-F6EECF244321}">
+                <p14:modId xmlns:p14="http://schemas.microsoft.com/office/powerpoint/2010/main" val="1791662324"/>
+              </p:ext>
+            </p:extLst>
+          </p:nvPr>
+        </p:nvGraphicFramePr>
+        <p:xfrm>
+          <a:off x="5476443" y="2566644"/>
+          <a:ext cx="1648236" cy="1838739"/>
+        </p:xfrm>
+        <a:graphic>
+          <a:graphicData uri="http://schemas.openxmlformats.org/drawingml/2006/table">
+            <a:tbl>
+              <a:tblPr firstRow="1" bandRow="1">
+                <a:tableStyleId>{5940675A-B579-460E-94D1-54222C63F5DA}</a:tableStyleId>
+              </a:tblPr>
+              <a:tblGrid>
+                <a:gridCol w="549412">
+                  <a:extLst>
+                    <a:ext uri="{9D8B030D-6E8A-4147-A177-3AD203B41FA5}">
+                      <a16:colId xmlns:a16="http://schemas.microsoft.com/office/drawing/2014/main" val="1798804755"/>
+                    </a:ext>
+                  </a:extLst>
+                </a:gridCol>
+                <a:gridCol w="549412">
+                  <a:extLst>
+                    <a:ext uri="{9D8B030D-6E8A-4147-A177-3AD203B41FA5}">
+                      <a16:colId xmlns:a16="http://schemas.microsoft.com/office/drawing/2014/main" val="134845099"/>
+                    </a:ext>
+                  </a:extLst>
+                </a:gridCol>
+                <a:gridCol w="549412">
+                  <a:extLst>
+                    <a:ext uri="{9D8B030D-6E8A-4147-A177-3AD203B41FA5}">
+                      <a16:colId xmlns:a16="http://schemas.microsoft.com/office/drawing/2014/main" val="92210188"/>
+                    </a:ext>
+                  </a:extLst>
+                </a:gridCol>
+              </a:tblGrid>
+              <a:tr h="612913">
+                <a:tc>
+                  <a:txBody>
+                    <a:bodyPr/>
+                    <a:lstStyle/>
+                    <a:p>
+                      <a:r>
+                        <a:rPr lang="pl-PL" dirty="0"/>
+                        <a:t>K0</a:t>
+                      </a:r>
+                    </a:p>
+                  </a:txBody>
+                  <a:tcPr>
+                    <a:solidFill>
+                      <a:schemeClr val="accent1">
+                        <a:lumMod val="40000"/>
+                        <a:lumOff val="60000"/>
+                      </a:schemeClr>
+                    </a:solidFill>
+                  </a:tcPr>
+                </a:tc>
+                <a:tc>
+                  <a:txBody>
+                    <a:bodyPr/>
+                    <a:lstStyle/>
+                    <a:p>
+                      <a:r>
+                        <a:rPr lang="pl-PL" dirty="0"/>
+                        <a:t>K1</a:t>
+                      </a:r>
+                    </a:p>
+                  </a:txBody>
+                  <a:tcPr>
+                    <a:solidFill>
+                      <a:schemeClr val="accent1">
+                        <a:lumMod val="40000"/>
+                        <a:lumOff val="60000"/>
+                      </a:schemeClr>
+                    </a:solidFill>
+                  </a:tcPr>
+                </a:tc>
+                <a:tc>
+                  <a:txBody>
+                    <a:bodyPr/>
+                    <a:lstStyle/>
+                    <a:p>
+                      <a:r>
+                        <a:rPr lang="pl-PL" dirty="0"/>
+                        <a:t>K2</a:t>
+                      </a:r>
+                    </a:p>
+                  </a:txBody>
+                  <a:tcPr>
+                    <a:solidFill>
+                      <a:schemeClr val="accent1">
+                        <a:lumMod val="40000"/>
+                        <a:lumOff val="60000"/>
+                      </a:schemeClr>
+                    </a:solidFill>
+                  </a:tcPr>
+                </a:tc>
+                <a:extLst>
+                  <a:ext uri="{0D108BD9-81ED-4DB2-BD59-A6C34878D82A}">
+                    <a16:rowId xmlns:a16="http://schemas.microsoft.com/office/drawing/2014/main" val="2249624053"/>
+                  </a:ext>
+                </a:extLst>
+              </a:tr>
+              <a:tr h="612913">
+                <a:tc>
+                  <a:txBody>
+                    <a:bodyPr/>
+                    <a:lstStyle/>
+                    <a:p>
+                      <a:r>
+                        <a:rPr lang="pl-PL" dirty="0"/>
+                        <a:t>K3</a:t>
+                      </a:r>
+                    </a:p>
+                  </a:txBody>
+                  <a:tcPr>
+                    <a:solidFill>
+                      <a:schemeClr val="accent1">
+                        <a:lumMod val="40000"/>
+                        <a:lumOff val="60000"/>
+                      </a:schemeClr>
+                    </a:solidFill>
+                  </a:tcPr>
+                </a:tc>
+                <a:tc>
+                  <a:txBody>
+                    <a:bodyPr/>
+                    <a:lstStyle/>
+                    <a:p>
+                      <a:r>
+                        <a:rPr lang="pl-PL" dirty="0"/>
+                        <a:t>K4</a:t>
+                      </a:r>
+                    </a:p>
+                  </a:txBody>
+                  <a:tcPr>
+                    <a:solidFill>
+                      <a:schemeClr val="accent1">
+                        <a:lumMod val="40000"/>
+                        <a:lumOff val="60000"/>
+                      </a:schemeClr>
+                    </a:solidFill>
+                  </a:tcPr>
+                </a:tc>
+                <a:tc>
+                  <a:txBody>
+                    <a:bodyPr/>
+                    <a:lstStyle/>
+                    <a:p>
+                      <a:r>
+                        <a:rPr lang="pl-PL" dirty="0"/>
+                        <a:t>K5</a:t>
+                      </a:r>
+                    </a:p>
+                  </a:txBody>
+                  <a:tcPr>
+                    <a:solidFill>
+                      <a:schemeClr val="accent1">
+                        <a:lumMod val="40000"/>
+                        <a:lumOff val="60000"/>
+                      </a:schemeClr>
+                    </a:solidFill>
+                  </a:tcPr>
+                </a:tc>
+                <a:extLst>
+                  <a:ext uri="{0D108BD9-81ED-4DB2-BD59-A6C34878D82A}">
+                    <a16:rowId xmlns:a16="http://schemas.microsoft.com/office/drawing/2014/main" val="1949932996"/>
+                  </a:ext>
+                </a:extLst>
+              </a:tr>
+              <a:tr h="612913">
+                <a:tc>
+                  <a:txBody>
+                    <a:bodyPr/>
+                    <a:lstStyle/>
+                    <a:p>
+                      <a:r>
+                        <a:rPr lang="pl-PL" dirty="0"/>
+                        <a:t>K6</a:t>
+                      </a:r>
+                    </a:p>
+                  </a:txBody>
+                  <a:tcPr>
+                    <a:solidFill>
+                      <a:schemeClr val="accent1">
+                        <a:lumMod val="40000"/>
+                        <a:lumOff val="60000"/>
+                      </a:schemeClr>
+                    </a:solidFill>
+                  </a:tcPr>
+                </a:tc>
+                <a:tc>
+                  <a:txBody>
+                    <a:bodyPr/>
+                    <a:lstStyle/>
+                    <a:p>
+                      <a:r>
+                        <a:rPr lang="pl-PL" dirty="0"/>
+                        <a:t>K7</a:t>
+                      </a:r>
+                    </a:p>
+                  </a:txBody>
+                  <a:tcPr>
+                    <a:solidFill>
+                      <a:schemeClr val="accent1">
+                        <a:lumMod val="40000"/>
+                        <a:lumOff val="60000"/>
+                      </a:schemeClr>
+                    </a:solidFill>
+                  </a:tcPr>
+                </a:tc>
+                <a:tc>
+                  <a:txBody>
+                    <a:bodyPr/>
+                    <a:lstStyle/>
+                    <a:p>
+                      <a:r>
+                        <a:rPr lang="pl-PL" dirty="0"/>
+                        <a:t>K8</a:t>
+                      </a:r>
+                    </a:p>
+                  </a:txBody>
+                  <a:tcPr>
+                    <a:solidFill>
+                      <a:schemeClr val="accent1">
+                        <a:lumMod val="40000"/>
+                        <a:lumOff val="60000"/>
+                      </a:schemeClr>
+                    </a:solidFill>
+                  </a:tcPr>
+                </a:tc>
+                <a:extLst>
+                  <a:ext uri="{0D108BD9-81ED-4DB2-BD59-A6C34878D82A}">
+                    <a16:rowId xmlns:a16="http://schemas.microsoft.com/office/drawing/2014/main" val="786560040"/>
+                  </a:ext>
+                </a:extLst>
+              </a:tr>
+            </a:tbl>
+          </a:graphicData>
+        </a:graphic>
+      </p:graphicFrame>
+      <p:sp>
+        <p:nvSpPr>
+          <p:cNvPr id="20" name="pole tekstowe 19">
+            <a:extLst>
+              <a:ext uri="{FF2B5EF4-FFF2-40B4-BE49-F238E27FC236}">
+                <a16:creationId xmlns:a16="http://schemas.microsoft.com/office/drawing/2014/main" id="{C5792271-AE30-4166-A052-8A91CE29A37B}"/>
+              </a:ext>
+            </a:extLst>
+          </p:cNvPr>
+          <p:cNvSpPr txBox="1"/>
+          <p:nvPr/>
+        </p:nvSpPr>
+        <p:spPr>
+          <a:xfrm>
+            <a:off x="4986388" y="5846544"/>
+            <a:ext cx="2628345" cy="646331"/>
+          </a:xfrm>
+          <a:prstGeom prst="rect">
+            <a:avLst/>
+          </a:prstGeom>
+          <a:solidFill>
+            <a:schemeClr val="accent6">
+              <a:lumMod val="40000"/>
+              <a:lumOff val="60000"/>
+            </a:schemeClr>
+          </a:solidFill>
+        </p:spPr>
+        <p:txBody>
+          <a:bodyPr wrap="square" rtlCol="0">
+            <a:spAutoFit/>
+          </a:bodyPr>
+          <a:lstStyle/>
+          <a:p>
+            <a:r>
+              <a:rPr lang="pl-PL" dirty="0"/>
+              <a:t>Jądro filtru (</a:t>
+            </a:r>
+            <a:r>
+              <a:rPr lang="pl-PL" dirty="0" err="1"/>
+              <a:t>Kernel</a:t>
+            </a:r>
+            <a:r>
+              <a:rPr lang="pl-PL" dirty="0"/>
+              <a:t>) o wymiarach 3x3</a:t>
+            </a:r>
+          </a:p>
+        </p:txBody>
+      </p:sp>
+      <p:cxnSp>
+        <p:nvCxnSpPr>
+          <p:cNvPr id="21" name="Łącznik prosty ze strzałką 20">
+            <a:extLst>
+              <a:ext uri="{FF2B5EF4-FFF2-40B4-BE49-F238E27FC236}">
+                <a16:creationId xmlns:a16="http://schemas.microsoft.com/office/drawing/2014/main" id="{98B0766F-6F05-F24A-0DE3-8EFADED42929}"/>
+              </a:ext>
+            </a:extLst>
+          </p:cNvPr>
+          <p:cNvCxnSpPr>
+            <a:cxnSpLocks/>
+          </p:cNvCxnSpPr>
+          <p:nvPr/>
+        </p:nvCxnSpPr>
+        <p:spPr>
+          <a:xfrm flipV="1">
+            <a:off x="5771322" y="4405383"/>
+            <a:ext cx="264069" cy="1441161"/>
+          </a:xfrm>
+          <a:prstGeom prst="straightConnector1">
+            <a:avLst/>
+          </a:prstGeom>
+          <a:ln w="38100">
+            <a:tailEnd type="triangle"/>
+          </a:ln>
+        </p:spPr>
+        <p:style>
+          <a:lnRef idx="1">
+            <a:schemeClr val="accent1"/>
+          </a:lnRef>
+          <a:fillRef idx="0">
+            <a:schemeClr val="accent1"/>
+          </a:fillRef>
+          <a:effectRef idx="0">
+            <a:schemeClr val="accent1"/>
+          </a:effectRef>
+          <a:fontRef idx="minor">
+            <a:schemeClr val="tx1"/>
+          </a:fontRef>
+        </p:style>
+      </p:cxnSp>
+      <p:sp>
+        <p:nvSpPr>
+          <p:cNvPr id="23" name="pole tekstowe 22">
+            <a:extLst>
+              <a:ext uri="{FF2B5EF4-FFF2-40B4-BE49-F238E27FC236}">
+                <a16:creationId xmlns:a16="http://schemas.microsoft.com/office/drawing/2014/main" id="{62B257F8-D3B3-3FBC-4F2D-12EFDF429682}"/>
+              </a:ext>
+            </a:extLst>
+          </p:cNvPr>
+          <p:cNvSpPr txBox="1"/>
+          <p:nvPr/>
+        </p:nvSpPr>
+        <p:spPr>
+          <a:xfrm>
+            <a:off x="7243951" y="3131849"/>
+            <a:ext cx="364202" cy="523220"/>
+          </a:xfrm>
+          <a:prstGeom prst="rect">
+            <a:avLst/>
+          </a:prstGeom>
+          <a:noFill/>
+        </p:spPr>
+        <p:txBody>
+          <a:bodyPr wrap="none" rtlCol="0">
+            <a:spAutoFit/>
+          </a:bodyPr>
+          <a:lstStyle/>
+          <a:p>
+            <a:r>
+              <a:rPr lang="pl-PL" sz="2800" b="1" dirty="0"/>
+              <a:t>=</a:t>
+            </a:r>
+          </a:p>
+        </p:txBody>
+      </p:sp>
+      <p:graphicFrame>
+        <p:nvGraphicFramePr>
+          <p:cNvPr id="24" name="Tabela 23">
+            <a:extLst>
+              <a:ext uri="{FF2B5EF4-FFF2-40B4-BE49-F238E27FC236}">
+                <a16:creationId xmlns:a16="http://schemas.microsoft.com/office/drawing/2014/main" id="{EC91CED8-68EA-CB50-BB6B-6EADA7448509}"/>
+              </a:ext>
+            </a:extLst>
+          </p:cNvPr>
+          <p:cNvGraphicFramePr>
+            <a:graphicFrameLocks noGrp="1"/>
+          </p:cNvGraphicFramePr>
+          <p:nvPr>
+            <p:extLst>
+              <p:ext uri="{D42A27DB-BD31-4B8C-83A1-F6EECF244321}">
+                <p14:modId xmlns:p14="http://schemas.microsoft.com/office/powerpoint/2010/main" val="510201454"/>
+              </p:ext>
+            </p:extLst>
+          </p:nvPr>
+        </p:nvGraphicFramePr>
+        <p:xfrm>
+          <a:off x="8249457" y="2203173"/>
+          <a:ext cx="3296472" cy="2451652"/>
+        </p:xfrm>
+        <a:graphic>
+          <a:graphicData uri="http://schemas.openxmlformats.org/drawingml/2006/table">
+            <a:tbl>
+              <a:tblPr firstRow="1" bandRow="1">
+                <a:tableStyleId>{5940675A-B579-460E-94D1-54222C63F5DA}</a:tableStyleId>
+              </a:tblPr>
+              <a:tblGrid>
+                <a:gridCol w="549412">
+                  <a:extLst>
+                    <a:ext uri="{9D8B030D-6E8A-4147-A177-3AD203B41FA5}">
+                      <a16:colId xmlns:a16="http://schemas.microsoft.com/office/drawing/2014/main" val="761929926"/>
+                    </a:ext>
+                  </a:extLst>
+                </a:gridCol>
+                <a:gridCol w="549412">
+                  <a:extLst>
+                    <a:ext uri="{9D8B030D-6E8A-4147-A177-3AD203B41FA5}">
+                      <a16:colId xmlns:a16="http://schemas.microsoft.com/office/drawing/2014/main" val="3068069182"/>
+                    </a:ext>
+                  </a:extLst>
+                </a:gridCol>
+                <a:gridCol w="549412">
+                  <a:extLst>
+                    <a:ext uri="{9D8B030D-6E8A-4147-A177-3AD203B41FA5}">
+                      <a16:colId xmlns:a16="http://schemas.microsoft.com/office/drawing/2014/main" val="2660443527"/>
+                    </a:ext>
+                  </a:extLst>
+                </a:gridCol>
+                <a:gridCol w="549412">
+                  <a:extLst>
+                    <a:ext uri="{9D8B030D-6E8A-4147-A177-3AD203B41FA5}">
+                      <a16:colId xmlns:a16="http://schemas.microsoft.com/office/drawing/2014/main" val="1577223729"/>
+                    </a:ext>
+                  </a:extLst>
+                </a:gridCol>
+                <a:gridCol w="549412">
+                  <a:extLst>
+                    <a:ext uri="{9D8B030D-6E8A-4147-A177-3AD203B41FA5}">
+                      <a16:colId xmlns:a16="http://schemas.microsoft.com/office/drawing/2014/main" val="721973938"/>
+                    </a:ext>
+                  </a:extLst>
+                </a:gridCol>
+                <a:gridCol w="549412">
+                  <a:extLst>
+                    <a:ext uri="{9D8B030D-6E8A-4147-A177-3AD203B41FA5}">
+                      <a16:colId xmlns:a16="http://schemas.microsoft.com/office/drawing/2014/main" val="1634380179"/>
+                    </a:ext>
+                  </a:extLst>
+                </a:gridCol>
+              </a:tblGrid>
+              <a:tr h="612913">
+                <a:tc>
+                  <a:txBody>
+                    <a:bodyPr/>
+                    <a:lstStyle/>
+                    <a:p>
+                      <a:r>
+                        <a:rPr lang="pl-PL" dirty="0"/>
+                        <a:t>S0</a:t>
+                      </a:r>
+                    </a:p>
+                  </a:txBody>
+                  <a:tcPr>
+                    <a:solidFill>
+                      <a:schemeClr val="accent2">
+                        <a:lumMod val="60000"/>
+                        <a:lumOff val="40000"/>
+                      </a:schemeClr>
+                    </a:solidFill>
+                  </a:tcPr>
+                </a:tc>
+                <a:tc>
+                  <a:txBody>
+                    <a:bodyPr/>
+                    <a:lstStyle/>
+                    <a:p>
+                      <a:r>
+                        <a:rPr lang="pl-PL" dirty="0"/>
+                        <a:t>S1</a:t>
+                      </a:r>
+                    </a:p>
+                  </a:txBody>
+                  <a:tcPr>
+                    <a:solidFill>
+                      <a:schemeClr val="accent2">
+                        <a:lumMod val="60000"/>
+                        <a:lumOff val="40000"/>
+                      </a:schemeClr>
+                    </a:solidFill>
+                  </a:tcPr>
+                </a:tc>
+                <a:tc>
+                  <a:txBody>
+                    <a:bodyPr/>
+                    <a:lstStyle/>
+                    <a:p>
+                      <a:r>
+                        <a:rPr lang="pl-PL" dirty="0"/>
+                        <a:t>S2</a:t>
+                      </a:r>
+                    </a:p>
+                  </a:txBody>
+                  <a:tcPr>
+                    <a:solidFill>
+                      <a:schemeClr val="accent2">
+                        <a:lumMod val="60000"/>
+                        <a:lumOff val="40000"/>
+                      </a:schemeClr>
+                    </a:solidFill>
+                  </a:tcPr>
+                </a:tc>
+                <a:tc>
+                  <a:txBody>
+                    <a:bodyPr/>
+                    <a:lstStyle/>
+                    <a:p>
+                      <a:r>
+                        <a:rPr lang="pl-PL" dirty="0"/>
+                        <a:t>S3</a:t>
+                      </a:r>
+                    </a:p>
+                  </a:txBody>
+                  <a:tcPr>
+                    <a:solidFill>
+                      <a:schemeClr val="accent2">
+                        <a:lumMod val="60000"/>
+                        <a:lumOff val="40000"/>
+                      </a:schemeClr>
+                    </a:solidFill>
+                  </a:tcPr>
+                </a:tc>
+                <a:tc>
+                  <a:txBody>
+                    <a:bodyPr/>
+                    <a:lstStyle/>
+                    <a:p>
+                      <a:r>
+                        <a:rPr lang="pl-PL" dirty="0"/>
+                        <a:t>S4</a:t>
+                      </a:r>
+                    </a:p>
+                  </a:txBody>
+                  <a:tcPr>
+                    <a:solidFill>
+                      <a:schemeClr val="accent2">
+                        <a:lumMod val="60000"/>
+                        <a:lumOff val="40000"/>
+                      </a:schemeClr>
+                    </a:solidFill>
+                  </a:tcPr>
+                </a:tc>
+                <a:tc>
+                  <a:txBody>
+                    <a:bodyPr/>
+                    <a:lstStyle/>
+                    <a:p>
+                      <a:r>
+                        <a:rPr lang="pl-PL" dirty="0"/>
+                        <a:t>S5</a:t>
+                      </a:r>
+                    </a:p>
+                  </a:txBody>
+                  <a:tcPr>
+                    <a:solidFill>
+                      <a:schemeClr val="accent2">
+                        <a:lumMod val="60000"/>
+                        <a:lumOff val="40000"/>
+                      </a:schemeClr>
+                    </a:solidFill>
+                  </a:tcPr>
+                </a:tc>
+                <a:extLst>
+                  <a:ext uri="{0D108BD9-81ED-4DB2-BD59-A6C34878D82A}">
+                    <a16:rowId xmlns:a16="http://schemas.microsoft.com/office/drawing/2014/main" val="1432767760"/>
+                  </a:ext>
+                </a:extLst>
+              </a:tr>
+              <a:tr h="612913">
+                <a:tc>
+                  <a:txBody>
+                    <a:bodyPr/>
+                    <a:lstStyle/>
+                    <a:p>
+                      <a:r>
+                        <a:rPr lang="pl-PL" dirty="0"/>
+                        <a:t>S6</a:t>
+                      </a:r>
+                    </a:p>
+                  </a:txBody>
+                  <a:tcPr>
+                    <a:solidFill>
+                      <a:schemeClr val="accent2">
+                        <a:lumMod val="60000"/>
+                        <a:lumOff val="40000"/>
+                      </a:schemeClr>
+                    </a:solidFill>
+                  </a:tcPr>
+                </a:tc>
+                <a:tc>
+                  <a:txBody>
+                    <a:bodyPr/>
+                    <a:lstStyle/>
+                    <a:p>
+                      <a:r>
+                        <a:rPr lang="pl-PL" dirty="0"/>
+                        <a:t>S7</a:t>
+                      </a:r>
+                    </a:p>
+                  </a:txBody>
+                  <a:tcPr>
+                    <a:solidFill>
+                      <a:schemeClr val="accent2">
+                        <a:lumMod val="60000"/>
+                        <a:lumOff val="40000"/>
+                      </a:schemeClr>
+                    </a:solidFill>
+                  </a:tcPr>
+                </a:tc>
+                <a:tc>
+                  <a:txBody>
+                    <a:bodyPr/>
+                    <a:lstStyle/>
+                    <a:p>
+                      <a:r>
+                        <a:rPr lang="pl-PL" dirty="0"/>
+                        <a:t>S8</a:t>
+                      </a:r>
+                    </a:p>
+                  </a:txBody>
+                  <a:tcPr>
+                    <a:solidFill>
+                      <a:schemeClr val="accent2">
+                        <a:lumMod val="60000"/>
+                        <a:lumOff val="40000"/>
+                      </a:schemeClr>
+                    </a:solidFill>
+                  </a:tcPr>
+                </a:tc>
+                <a:tc>
+                  <a:txBody>
+                    <a:bodyPr/>
+                    <a:lstStyle/>
+                    <a:p>
+                      <a:r>
+                        <a:rPr lang="pl-PL" dirty="0"/>
+                        <a:t>S9</a:t>
+                      </a:r>
+                    </a:p>
+                  </a:txBody>
+                  <a:tcPr>
+                    <a:solidFill>
+                      <a:schemeClr val="accent2">
+                        <a:lumMod val="60000"/>
+                        <a:lumOff val="40000"/>
+                      </a:schemeClr>
+                    </a:solidFill>
+                  </a:tcPr>
+                </a:tc>
+                <a:tc>
+                  <a:txBody>
+                    <a:bodyPr/>
+                    <a:lstStyle/>
+                    <a:p>
+                      <a:r>
+                        <a:rPr lang="pl-PL" dirty="0"/>
+                        <a:t>S10</a:t>
+                      </a:r>
+                    </a:p>
+                  </a:txBody>
+                  <a:tcPr>
+                    <a:solidFill>
+                      <a:schemeClr val="accent2">
+                        <a:lumMod val="60000"/>
+                        <a:lumOff val="40000"/>
+                      </a:schemeClr>
+                    </a:solidFill>
+                  </a:tcPr>
+                </a:tc>
+                <a:tc>
+                  <a:txBody>
+                    <a:bodyPr/>
+                    <a:lstStyle/>
+                    <a:p>
+                      <a:r>
+                        <a:rPr lang="pl-PL" dirty="0"/>
+                        <a:t>S11</a:t>
+                      </a:r>
+                    </a:p>
+                  </a:txBody>
+                  <a:tcPr>
+                    <a:solidFill>
+                      <a:schemeClr val="accent2">
+                        <a:lumMod val="60000"/>
+                        <a:lumOff val="40000"/>
+                      </a:schemeClr>
+                    </a:solidFill>
+                  </a:tcPr>
+                </a:tc>
+                <a:extLst>
+                  <a:ext uri="{0D108BD9-81ED-4DB2-BD59-A6C34878D82A}">
+                    <a16:rowId xmlns:a16="http://schemas.microsoft.com/office/drawing/2014/main" val="2274724421"/>
+                  </a:ext>
+                </a:extLst>
+              </a:tr>
+              <a:tr h="612913">
+                <a:tc>
+                  <a:txBody>
+                    <a:bodyPr/>
+                    <a:lstStyle/>
+                    <a:p>
+                      <a:r>
+                        <a:rPr lang="pl-PL" dirty="0"/>
+                        <a:t>S12</a:t>
+                      </a:r>
+                    </a:p>
+                  </a:txBody>
+                  <a:tcPr>
+                    <a:solidFill>
+                      <a:schemeClr val="accent2">
+                        <a:lumMod val="60000"/>
+                        <a:lumOff val="40000"/>
+                      </a:schemeClr>
+                    </a:solidFill>
+                  </a:tcPr>
+                </a:tc>
+                <a:tc>
+                  <a:txBody>
+                    <a:bodyPr/>
+                    <a:lstStyle/>
+                    <a:p>
+                      <a:r>
+                        <a:rPr lang="pl-PL" dirty="0"/>
+                        <a:t>S13</a:t>
+                      </a:r>
+                    </a:p>
+                  </a:txBody>
+                  <a:tcPr>
+                    <a:solidFill>
+                      <a:schemeClr val="accent2">
+                        <a:lumMod val="60000"/>
+                        <a:lumOff val="40000"/>
+                      </a:schemeClr>
+                    </a:solidFill>
+                  </a:tcPr>
+                </a:tc>
+                <a:tc>
+                  <a:txBody>
+                    <a:bodyPr/>
+                    <a:lstStyle/>
+                    <a:p>
+                      <a:r>
+                        <a:rPr lang="pl-PL" dirty="0"/>
+                        <a:t>S14</a:t>
+                      </a:r>
+                    </a:p>
+                  </a:txBody>
+                  <a:tcPr>
+                    <a:solidFill>
+                      <a:schemeClr val="accent2">
+                        <a:lumMod val="60000"/>
+                        <a:lumOff val="40000"/>
+                      </a:schemeClr>
+                    </a:solidFill>
+                  </a:tcPr>
+                </a:tc>
+                <a:tc>
+                  <a:txBody>
+                    <a:bodyPr/>
+                    <a:lstStyle/>
+                    <a:p>
+                      <a:r>
+                        <a:rPr lang="pl-PL" dirty="0"/>
+                        <a:t>S15</a:t>
+                      </a:r>
+                    </a:p>
+                  </a:txBody>
+                  <a:tcPr>
+                    <a:solidFill>
+                      <a:schemeClr val="accent2">
+                        <a:lumMod val="60000"/>
+                        <a:lumOff val="40000"/>
+                      </a:schemeClr>
+                    </a:solidFill>
+                  </a:tcPr>
+                </a:tc>
+                <a:tc>
+                  <a:txBody>
+                    <a:bodyPr/>
+                    <a:lstStyle/>
+                    <a:p>
+                      <a:r>
+                        <a:rPr lang="pl-PL" dirty="0"/>
+                        <a:t>S16</a:t>
+                      </a:r>
+                    </a:p>
+                  </a:txBody>
+                  <a:tcPr>
+                    <a:solidFill>
+                      <a:schemeClr val="accent2">
+                        <a:lumMod val="60000"/>
+                        <a:lumOff val="40000"/>
+                      </a:schemeClr>
+                    </a:solidFill>
+                  </a:tcPr>
+                </a:tc>
+                <a:tc>
+                  <a:txBody>
+                    <a:bodyPr/>
+                    <a:lstStyle/>
+                    <a:p>
+                      <a:r>
+                        <a:rPr lang="pl-PL" dirty="0"/>
+                        <a:t>S17</a:t>
+                      </a:r>
+                    </a:p>
+                  </a:txBody>
+                  <a:tcPr>
+                    <a:solidFill>
+                      <a:schemeClr val="accent2">
+                        <a:lumMod val="60000"/>
+                        <a:lumOff val="40000"/>
+                      </a:schemeClr>
+                    </a:solidFill>
+                  </a:tcPr>
+                </a:tc>
+                <a:extLst>
+                  <a:ext uri="{0D108BD9-81ED-4DB2-BD59-A6C34878D82A}">
+                    <a16:rowId xmlns:a16="http://schemas.microsoft.com/office/drawing/2014/main" val="2237306809"/>
+                  </a:ext>
+                </a:extLst>
+              </a:tr>
+              <a:tr h="612913">
+                <a:tc>
+                  <a:txBody>
+                    <a:bodyPr/>
+                    <a:lstStyle/>
+                    <a:p>
+                      <a:r>
+                        <a:rPr lang="pl-PL" dirty="0"/>
+                        <a:t>S18</a:t>
+                      </a:r>
+                    </a:p>
+                  </a:txBody>
+                  <a:tcPr>
+                    <a:solidFill>
+                      <a:schemeClr val="accent2">
+                        <a:lumMod val="60000"/>
+                        <a:lumOff val="40000"/>
+                      </a:schemeClr>
+                    </a:solidFill>
+                  </a:tcPr>
+                </a:tc>
+                <a:tc>
+                  <a:txBody>
+                    <a:bodyPr/>
+                    <a:lstStyle/>
+                    <a:p>
+                      <a:r>
+                        <a:rPr lang="pl-PL" dirty="0"/>
+                        <a:t>S19</a:t>
+                      </a:r>
+                    </a:p>
+                  </a:txBody>
+                  <a:tcPr>
+                    <a:solidFill>
+                      <a:schemeClr val="accent2">
+                        <a:lumMod val="60000"/>
+                        <a:lumOff val="40000"/>
+                      </a:schemeClr>
+                    </a:solidFill>
+                  </a:tcPr>
+                </a:tc>
+                <a:tc>
+                  <a:txBody>
+                    <a:bodyPr/>
+                    <a:lstStyle/>
+                    <a:p>
+                      <a:r>
+                        <a:rPr lang="pl-PL" dirty="0"/>
+                        <a:t>S20</a:t>
+                      </a:r>
+                    </a:p>
+                  </a:txBody>
+                  <a:tcPr>
+                    <a:solidFill>
+                      <a:schemeClr val="accent2">
+                        <a:lumMod val="60000"/>
+                        <a:lumOff val="40000"/>
+                      </a:schemeClr>
+                    </a:solidFill>
+                  </a:tcPr>
+                </a:tc>
+                <a:tc>
+                  <a:txBody>
+                    <a:bodyPr/>
+                    <a:lstStyle/>
+                    <a:p>
+                      <a:r>
+                        <a:rPr lang="pl-PL" dirty="0"/>
+                        <a:t>S21</a:t>
+                      </a:r>
+                    </a:p>
+                  </a:txBody>
+                  <a:tcPr>
+                    <a:solidFill>
+                      <a:schemeClr val="accent2">
+                        <a:lumMod val="60000"/>
+                        <a:lumOff val="40000"/>
+                      </a:schemeClr>
+                    </a:solidFill>
+                  </a:tcPr>
+                </a:tc>
+                <a:tc>
+                  <a:txBody>
+                    <a:bodyPr/>
+                    <a:lstStyle/>
+                    <a:p>
+                      <a:r>
+                        <a:rPr lang="pl-PL" dirty="0"/>
+                        <a:t>S22</a:t>
+                      </a:r>
+                    </a:p>
+                  </a:txBody>
+                  <a:tcPr>
+                    <a:solidFill>
+                      <a:schemeClr val="accent2">
+                        <a:lumMod val="60000"/>
+                        <a:lumOff val="40000"/>
+                      </a:schemeClr>
+                    </a:solidFill>
+                  </a:tcPr>
+                </a:tc>
+                <a:tc>
+                  <a:txBody>
+                    <a:bodyPr/>
+                    <a:lstStyle/>
+                    <a:p>
+                      <a:r>
+                        <a:rPr lang="pl-PL" dirty="0"/>
+                        <a:t>S23</a:t>
+                      </a:r>
+                    </a:p>
+                  </a:txBody>
+                  <a:tcPr>
+                    <a:solidFill>
+                      <a:schemeClr val="accent2">
+                        <a:lumMod val="60000"/>
+                        <a:lumOff val="40000"/>
+                      </a:schemeClr>
+                    </a:solidFill>
+                  </a:tcPr>
+                </a:tc>
+                <a:extLst>
+                  <a:ext uri="{0D108BD9-81ED-4DB2-BD59-A6C34878D82A}">
+                    <a16:rowId xmlns:a16="http://schemas.microsoft.com/office/drawing/2014/main" val="2442615851"/>
+                  </a:ext>
+                </a:extLst>
+              </a:tr>
+            </a:tbl>
+          </a:graphicData>
+        </a:graphic>
+      </p:graphicFrame>
+      <p:cxnSp>
+        <p:nvCxnSpPr>
+          <p:cNvPr id="26" name="Łącznik prosty ze strzałką 25">
+            <a:extLst>
+              <a:ext uri="{FF2B5EF4-FFF2-40B4-BE49-F238E27FC236}">
+                <a16:creationId xmlns:a16="http://schemas.microsoft.com/office/drawing/2014/main" id="{D9081385-32B9-565E-2742-8C935FCC513D}"/>
+              </a:ext>
+            </a:extLst>
+          </p:cNvPr>
+          <p:cNvCxnSpPr>
+            <a:cxnSpLocks/>
+          </p:cNvCxnSpPr>
+          <p:nvPr/>
+        </p:nvCxnSpPr>
+        <p:spPr>
+          <a:xfrm flipH="1">
+            <a:off x="8335617" y="1590261"/>
+            <a:ext cx="424070" cy="612912"/>
+          </a:xfrm>
+          <a:prstGeom prst="straightConnector1">
+            <a:avLst/>
+          </a:prstGeom>
+          <a:ln>
+            <a:tailEnd type="triangle"/>
+          </a:ln>
+        </p:spPr>
+        <p:style>
+          <a:lnRef idx="1">
+            <a:schemeClr val="accent1"/>
+          </a:lnRef>
+          <a:fillRef idx="0">
+            <a:schemeClr val="accent1"/>
+          </a:fillRef>
+          <a:effectRef idx="0">
+            <a:schemeClr val="accent1"/>
+          </a:effectRef>
+          <a:fontRef idx="minor">
+            <a:schemeClr val="tx1"/>
+          </a:fontRef>
+        </p:style>
+      </p:cxnSp>
+      <p:sp>
+        <p:nvSpPr>
+          <p:cNvPr id="27" name="pole tekstowe 26">
+            <a:extLst>
+              <a:ext uri="{FF2B5EF4-FFF2-40B4-BE49-F238E27FC236}">
+                <a16:creationId xmlns:a16="http://schemas.microsoft.com/office/drawing/2014/main" id="{5515F5BD-1992-7763-88EB-B6B3F5A73817}"/>
+              </a:ext>
+            </a:extLst>
+          </p:cNvPr>
+          <p:cNvSpPr txBox="1"/>
+          <p:nvPr/>
+        </p:nvSpPr>
+        <p:spPr>
+          <a:xfrm>
+            <a:off x="8742571" y="1221273"/>
+            <a:ext cx="2628345" cy="369332"/>
+          </a:xfrm>
+          <a:prstGeom prst="rect">
+            <a:avLst/>
+          </a:prstGeom>
+          <a:solidFill>
+            <a:schemeClr val="accent4">
+              <a:lumMod val="40000"/>
+              <a:lumOff val="60000"/>
+            </a:schemeClr>
+          </a:solidFill>
+        </p:spPr>
+        <p:txBody>
+          <a:bodyPr wrap="square" rtlCol="0">
+            <a:spAutoFit/>
+          </a:bodyPr>
+          <a:lstStyle/>
+          <a:p>
+            <a:r>
+              <a:rPr lang="pl-PL" dirty="0"/>
+              <a:t>Początek pamięci np. R0</a:t>
+            </a:r>
+          </a:p>
+        </p:txBody>
+      </p:sp>
+      <p:sp>
+        <p:nvSpPr>
+          <p:cNvPr id="29" name="pole tekstowe 28">
+            <a:extLst>
+              <a:ext uri="{FF2B5EF4-FFF2-40B4-BE49-F238E27FC236}">
+                <a16:creationId xmlns:a16="http://schemas.microsoft.com/office/drawing/2014/main" id="{E05A8A44-FB11-A352-6BCC-ECEE9A0A0A01}"/>
+              </a:ext>
+            </a:extLst>
+          </p:cNvPr>
+          <p:cNvSpPr txBox="1"/>
+          <p:nvPr/>
+        </p:nvSpPr>
+        <p:spPr>
+          <a:xfrm>
+            <a:off x="8583520" y="5747062"/>
+            <a:ext cx="3354480" cy="923330"/>
+          </a:xfrm>
+          <a:prstGeom prst="rect">
+            <a:avLst/>
+          </a:prstGeom>
+          <a:solidFill>
+            <a:schemeClr val="accent6">
+              <a:lumMod val="40000"/>
+              <a:lumOff val="60000"/>
+            </a:schemeClr>
+          </a:solidFill>
+        </p:spPr>
+        <p:txBody>
+          <a:bodyPr wrap="square" rtlCol="0">
+            <a:spAutoFit/>
+          </a:bodyPr>
+          <a:lstStyle/>
+          <a:p>
+            <a:r>
+              <a:rPr lang="pl-PL" dirty="0"/>
+              <a:t>Przefiltrowany obraz o wymiarach 6x4 który zostanie przesłany na wyjście HDMI</a:t>
+            </a:r>
+          </a:p>
+        </p:txBody>
+      </p:sp>
+      <p:cxnSp>
+        <p:nvCxnSpPr>
+          <p:cNvPr id="30" name="Łącznik prosty ze strzałką 29">
+            <a:extLst>
+              <a:ext uri="{FF2B5EF4-FFF2-40B4-BE49-F238E27FC236}">
+                <a16:creationId xmlns:a16="http://schemas.microsoft.com/office/drawing/2014/main" id="{A2988654-6B11-AEBA-6214-EDB87F908ADF}"/>
+              </a:ext>
+            </a:extLst>
+          </p:cNvPr>
+          <p:cNvCxnSpPr>
+            <a:cxnSpLocks/>
+          </p:cNvCxnSpPr>
+          <p:nvPr/>
+        </p:nvCxnSpPr>
+        <p:spPr>
+          <a:xfrm flipV="1">
+            <a:off x="9786730" y="4691270"/>
+            <a:ext cx="110963" cy="1055792"/>
+          </a:xfrm>
+          <a:prstGeom prst="straightConnector1">
+            <a:avLst/>
+          </a:prstGeom>
+          <a:ln w="38100">
+            <a:tailEnd type="triangle"/>
+          </a:ln>
+        </p:spPr>
+        <p:style>
+          <a:lnRef idx="1">
+            <a:schemeClr val="accent1"/>
+          </a:lnRef>
+          <a:fillRef idx="0">
+            <a:schemeClr val="accent1"/>
+          </a:fillRef>
+          <a:effectRef idx="0">
+            <a:schemeClr val="accent1"/>
+          </a:effectRef>
+          <a:fontRef idx="minor">
+            <a:schemeClr val="tx1"/>
+          </a:fontRef>
+        </p:style>
+      </p:cxnSp>
+    </p:spTree>
+    <p:extLst>
+      <p:ext uri="{BB962C8B-B14F-4D97-AF65-F5344CB8AC3E}">
+        <p14:creationId xmlns:p14="http://schemas.microsoft.com/office/powerpoint/2010/main" val="2631533950"/>
+      </p:ext>
+    </p:extLst>
+  </p:cSld>
+  <p:clrMapOvr>
+    <a:masterClrMapping/>
+  </p:clrMapOvr>
+</p:sld>
+</file>
+
+<file path=ppt/slides/slide13.xml><?xml version="1.0" encoding="utf-8"?>
+<p:sld xmlns:a="http://schemas.openxmlformats.org/drawingml/2006/main" xmlns:r="http://schemas.openxmlformats.org/officeDocument/2006/relationships" xmlns:p="http://schemas.openxmlformats.org/presentationml/2006/main">
+  <p:cSld>
+    <p:spTree>
+      <p:nvGrpSpPr>
+        <p:cNvPr id="1" name=""/>
+        <p:cNvGrpSpPr/>
+        <p:nvPr/>
+      </p:nvGrpSpPr>
+      <p:grpSpPr>
+        <a:xfrm>
+          <a:off x="0" y="0"/>
+          <a:ext cx="0" cy="0"/>
+          <a:chOff x="0" y="0"/>
+          <a:chExt cx="0" cy="0"/>
+        </a:xfrm>
+      </p:grpSpPr>
       <p:sp>
         <p:nvSpPr>
           <p:cNvPr id="3" name="Symbol zastępczy zawartości 2">
             <a:extLst>
               <a:ext uri="{FF2B5EF4-FFF2-40B4-BE49-F238E27FC236}">
-                <a16:creationId xmlns:a16="http://schemas.microsoft.com/office/drawing/2014/main" id="{8E15355D-8B41-60C6-3D9D-48D797C71CAC}"/>
+                <a16:creationId xmlns:a16="http://schemas.microsoft.com/office/drawing/2014/main" id="{35005152-F0AC-861C-35F9-D8789E8BC775}"/>
               </a:ext>
             </a:extLst>
           </p:cNvPr>
@@ -7583,19 +10289,4731 @@
             <p:ph idx="1"/>
           </p:nvPr>
         </p:nvSpPr>
-        <p:spPr/>
+        <p:spPr>
+          <a:xfrm>
+            <a:off x="791817" y="646182"/>
+            <a:ext cx="10515600" cy="4351338"/>
+          </a:xfrm>
+        </p:spPr>
         <p:txBody>
           <a:bodyPr/>
           <a:lstStyle/>
           <a:p>
-            <a:endParaRPr lang="pl-PL"/>
+            <a:r>
+              <a:rPr lang="pl-PL" dirty="0"/>
+              <a:t>Zera dołożone dookoła ramki są po to aby możliwa była operacja splotu. W przypadku </a:t>
+            </a:r>
+            <a:r>
+              <a:rPr lang="pl-PL" dirty="0" err="1"/>
+              <a:t>kernelu</a:t>
+            </a:r>
+            <a:r>
+              <a:rPr lang="pl-PL" dirty="0"/>
+              <a:t> np. 5x5 potrzeba dodać 2 takie okręgi zer i tak dalej. </a:t>
+            </a:r>
+            <a:r>
+              <a:rPr lang="pl-PL" dirty="0" err="1"/>
+              <a:t>Kernel</a:t>
+            </a:r>
+            <a:r>
+              <a:rPr lang="pl-PL" dirty="0"/>
+              <a:t> musi mieć być kwadratowy i mieć wielkość nieparzystą.</a:t>
+            </a:r>
+          </a:p>
+          <a:p>
+            <a:r>
+              <a:rPr lang="pl-PL" dirty="0"/>
+              <a:t>Przed uruchomieniem algorytmu następuje wyzerowanie obszarów pamięci na których zarezerwowane są miejsca dla W0,W1 i W2.</a:t>
+            </a:r>
+          </a:p>
+          <a:p>
+            <a:r>
+              <a:rPr lang="pl-PL" dirty="0"/>
+              <a:t>Dzięki funkcji </a:t>
+            </a:r>
+            <a:r>
+              <a:rPr lang="pl-PL" dirty="0" err="1"/>
+              <a:t>stride</a:t>
+            </a:r>
+            <a:r>
+              <a:rPr lang="pl-PL" dirty="0"/>
+              <a:t> w VDMA można ustawić mniejszy obszar dla pisania niż wielkość pamięci W0 przez to możliwe jest zrobienie takiej obwoluty zer.</a:t>
+            </a:r>
           </a:p>
         </p:txBody>
       </p:sp>
     </p:spTree>
     <p:extLst>
       <p:ext uri="{BB962C8B-B14F-4D97-AF65-F5344CB8AC3E}">
-        <p14:creationId xmlns:p14="http://schemas.microsoft.com/office/powerpoint/2010/main" val="2631533950"/>
+        <p14:creationId xmlns:p14="http://schemas.microsoft.com/office/powerpoint/2010/main" val="2429719916"/>
+      </p:ext>
+    </p:extLst>
+  </p:cSld>
+  <p:clrMapOvr>
+    <a:masterClrMapping/>
+  </p:clrMapOvr>
+</p:sld>
+</file>
+
+<file path=ppt/slides/slide14.xml><?xml version="1.0" encoding="utf-8"?>
+<p:sld xmlns:a="http://schemas.openxmlformats.org/drawingml/2006/main" xmlns:r="http://schemas.openxmlformats.org/officeDocument/2006/relationships" xmlns:p="http://schemas.openxmlformats.org/presentationml/2006/main">
+  <p:cSld>
+    <p:spTree>
+      <p:nvGrpSpPr>
+        <p:cNvPr id="1" name=""/>
+        <p:cNvGrpSpPr/>
+        <p:nvPr/>
+      </p:nvGrpSpPr>
+      <p:grpSpPr>
+        <a:xfrm>
+          <a:off x="0" y="0"/>
+          <a:ext cx="0" cy="0"/>
+          <a:chOff x="0" y="0"/>
+          <a:chExt cx="0" cy="0"/>
+        </a:xfrm>
+      </p:grpSpPr>
+      <p:sp>
+        <p:nvSpPr>
+          <p:cNvPr id="2" name="Tytuł 1">
+            <a:extLst>
+              <a:ext uri="{FF2B5EF4-FFF2-40B4-BE49-F238E27FC236}">
+                <a16:creationId xmlns:a16="http://schemas.microsoft.com/office/drawing/2014/main" id="{D1CEF1F7-BE26-8EC2-1F5A-5F30D574FC73}"/>
+              </a:ext>
+            </a:extLst>
+          </p:cNvPr>
+          <p:cNvSpPr>
+            <a:spLocks noGrp="1"/>
+          </p:cNvSpPr>
+          <p:nvPr>
+            <p:ph type="title"/>
+          </p:nvPr>
+        </p:nvSpPr>
+        <p:spPr>
+          <a:xfrm>
+            <a:off x="838200" y="53699"/>
+            <a:ext cx="10515600" cy="1325563"/>
+          </a:xfrm>
+        </p:spPr>
+        <p:txBody>
+          <a:bodyPr/>
+          <a:lstStyle/>
+          <a:p>
+            <a:pPr algn="ctr"/>
+            <a:r>
+              <a:rPr lang="pl-PL" dirty="0"/>
+              <a:t>Przykład filtracji piksela P0</a:t>
+            </a:r>
+          </a:p>
+        </p:txBody>
+      </p:sp>
+      <p:graphicFrame>
+        <p:nvGraphicFramePr>
+          <p:cNvPr id="4" name="Tabela 4">
+            <a:extLst>
+              <a:ext uri="{FF2B5EF4-FFF2-40B4-BE49-F238E27FC236}">
+                <a16:creationId xmlns:a16="http://schemas.microsoft.com/office/drawing/2014/main" id="{716442C3-BED9-B8F1-89C2-50619415D157}"/>
+              </a:ext>
+            </a:extLst>
+          </p:cNvPr>
+          <p:cNvGraphicFramePr>
+            <a:graphicFrameLocks noGrp="1"/>
+          </p:cNvGraphicFramePr>
+          <p:nvPr>
+            <p:extLst>
+              <p:ext uri="{D42A27DB-BD31-4B8C-83A1-F6EECF244321}">
+                <p14:modId xmlns:p14="http://schemas.microsoft.com/office/powerpoint/2010/main" val="4084275932"/>
+              </p:ext>
+            </p:extLst>
+          </p:nvPr>
+        </p:nvGraphicFramePr>
+        <p:xfrm>
+          <a:off x="377687" y="1027043"/>
+          <a:ext cx="4395296" cy="3677478"/>
+        </p:xfrm>
+        <a:graphic>
+          <a:graphicData uri="http://schemas.openxmlformats.org/drawingml/2006/table">
+            <a:tbl>
+              <a:tblPr firstRow="1" bandRow="1">
+                <a:tableStyleId>{5940675A-B579-460E-94D1-54222C63F5DA}</a:tableStyleId>
+              </a:tblPr>
+              <a:tblGrid>
+                <a:gridCol w="549412">
+                  <a:extLst>
+                    <a:ext uri="{9D8B030D-6E8A-4147-A177-3AD203B41FA5}">
+                      <a16:colId xmlns:a16="http://schemas.microsoft.com/office/drawing/2014/main" val="2775183905"/>
+                    </a:ext>
+                  </a:extLst>
+                </a:gridCol>
+                <a:gridCol w="549412">
+                  <a:extLst>
+                    <a:ext uri="{9D8B030D-6E8A-4147-A177-3AD203B41FA5}">
+                      <a16:colId xmlns:a16="http://schemas.microsoft.com/office/drawing/2014/main" val="3621879674"/>
+                    </a:ext>
+                  </a:extLst>
+                </a:gridCol>
+                <a:gridCol w="549412">
+                  <a:extLst>
+                    <a:ext uri="{9D8B030D-6E8A-4147-A177-3AD203B41FA5}">
+                      <a16:colId xmlns:a16="http://schemas.microsoft.com/office/drawing/2014/main" val="3002586182"/>
+                    </a:ext>
+                  </a:extLst>
+                </a:gridCol>
+                <a:gridCol w="549412">
+                  <a:extLst>
+                    <a:ext uri="{9D8B030D-6E8A-4147-A177-3AD203B41FA5}">
+                      <a16:colId xmlns:a16="http://schemas.microsoft.com/office/drawing/2014/main" val="1934526115"/>
+                    </a:ext>
+                  </a:extLst>
+                </a:gridCol>
+                <a:gridCol w="549412">
+                  <a:extLst>
+                    <a:ext uri="{9D8B030D-6E8A-4147-A177-3AD203B41FA5}">
+                      <a16:colId xmlns:a16="http://schemas.microsoft.com/office/drawing/2014/main" val="67640024"/>
+                    </a:ext>
+                  </a:extLst>
+                </a:gridCol>
+                <a:gridCol w="549412">
+                  <a:extLst>
+                    <a:ext uri="{9D8B030D-6E8A-4147-A177-3AD203B41FA5}">
+                      <a16:colId xmlns:a16="http://schemas.microsoft.com/office/drawing/2014/main" val="3920501893"/>
+                    </a:ext>
+                  </a:extLst>
+                </a:gridCol>
+                <a:gridCol w="549412">
+                  <a:extLst>
+                    <a:ext uri="{9D8B030D-6E8A-4147-A177-3AD203B41FA5}">
+                      <a16:colId xmlns:a16="http://schemas.microsoft.com/office/drawing/2014/main" val="601274440"/>
+                    </a:ext>
+                  </a:extLst>
+                </a:gridCol>
+                <a:gridCol w="549412">
+                  <a:extLst>
+                    <a:ext uri="{9D8B030D-6E8A-4147-A177-3AD203B41FA5}">
+                      <a16:colId xmlns:a16="http://schemas.microsoft.com/office/drawing/2014/main" val="1522111022"/>
+                    </a:ext>
+                  </a:extLst>
+                </a:gridCol>
+              </a:tblGrid>
+              <a:tr h="612913">
+                <a:tc>
+                  <a:txBody>
+                    <a:bodyPr/>
+                    <a:lstStyle/>
+                    <a:p>
+                      <a:r>
+                        <a:rPr lang="pl-PL" dirty="0"/>
+                        <a:t>0</a:t>
+                      </a:r>
+                    </a:p>
+                  </a:txBody>
+                  <a:tcPr/>
+                </a:tc>
+                <a:tc>
+                  <a:txBody>
+                    <a:bodyPr/>
+                    <a:lstStyle/>
+                    <a:p>
+                      <a:r>
+                        <a:rPr lang="pl-PL" dirty="0"/>
+                        <a:t>0</a:t>
+                      </a:r>
+                    </a:p>
+                  </a:txBody>
+                  <a:tcPr/>
+                </a:tc>
+                <a:tc>
+                  <a:txBody>
+                    <a:bodyPr/>
+                    <a:lstStyle/>
+                    <a:p>
+                      <a:r>
+                        <a:rPr lang="pl-PL" dirty="0"/>
+                        <a:t>0</a:t>
+                      </a:r>
+                    </a:p>
+                  </a:txBody>
+                  <a:tcPr/>
+                </a:tc>
+                <a:tc>
+                  <a:txBody>
+                    <a:bodyPr/>
+                    <a:lstStyle/>
+                    <a:p>
+                      <a:r>
+                        <a:rPr lang="pl-PL" dirty="0"/>
+                        <a:t>0</a:t>
+                      </a:r>
+                    </a:p>
+                  </a:txBody>
+                  <a:tcPr/>
+                </a:tc>
+                <a:tc>
+                  <a:txBody>
+                    <a:bodyPr/>
+                    <a:lstStyle/>
+                    <a:p>
+                      <a:r>
+                        <a:rPr lang="pl-PL" dirty="0"/>
+                        <a:t>0</a:t>
+                      </a:r>
+                    </a:p>
+                  </a:txBody>
+                  <a:tcPr/>
+                </a:tc>
+                <a:tc>
+                  <a:txBody>
+                    <a:bodyPr/>
+                    <a:lstStyle/>
+                    <a:p>
+                      <a:r>
+                        <a:rPr lang="pl-PL" dirty="0"/>
+                        <a:t>0</a:t>
+                      </a:r>
+                    </a:p>
+                  </a:txBody>
+                  <a:tcPr/>
+                </a:tc>
+                <a:tc>
+                  <a:txBody>
+                    <a:bodyPr/>
+                    <a:lstStyle/>
+                    <a:p>
+                      <a:r>
+                        <a:rPr lang="pl-PL" dirty="0"/>
+                        <a:t>0</a:t>
+                      </a:r>
+                    </a:p>
+                  </a:txBody>
+                  <a:tcPr/>
+                </a:tc>
+                <a:tc>
+                  <a:txBody>
+                    <a:bodyPr/>
+                    <a:lstStyle/>
+                    <a:p>
+                      <a:r>
+                        <a:rPr lang="pl-PL" dirty="0"/>
+                        <a:t>0</a:t>
+                      </a:r>
+                    </a:p>
+                  </a:txBody>
+                  <a:tcPr/>
+                </a:tc>
+                <a:extLst>
+                  <a:ext uri="{0D108BD9-81ED-4DB2-BD59-A6C34878D82A}">
+                    <a16:rowId xmlns:a16="http://schemas.microsoft.com/office/drawing/2014/main" val="2896688487"/>
+                  </a:ext>
+                </a:extLst>
+              </a:tr>
+              <a:tr h="612913">
+                <a:tc>
+                  <a:txBody>
+                    <a:bodyPr/>
+                    <a:lstStyle/>
+                    <a:p>
+                      <a:r>
+                        <a:rPr lang="pl-PL" dirty="0"/>
+                        <a:t>0</a:t>
+                      </a:r>
+                    </a:p>
+                  </a:txBody>
+                  <a:tcPr/>
+                </a:tc>
+                <a:tc>
+                  <a:txBody>
+                    <a:bodyPr/>
+                    <a:lstStyle/>
+                    <a:p>
+                      <a:r>
+                        <a:rPr lang="pl-PL" dirty="0"/>
+                        <a:t>P0</a:t>
+                      </a:r>
+                    </a:p>
+                  </a:txBody>
+                  <a:tcPr>
+                    <a:solidFill>
+                      <a:schemeClr val="accent2">
+                        <a:lumMod val="60000"/>
+                        <a:lumOff val="40000"/>
+                      </a:schemeClr>
+                    </a:solidFill>
+                  </a:tcPr>
+                </a:tc>
+                <a:tc>
+                  <a:txBody>
+                    <a:bodyPr/>
+                    <a:lstStyle/>
+                    <a:p>
+                      <a:r>
+                        <a:rPr lang="pl-PL" dirty="0"/>
+                        <a:t>P1</a:t>
+                      </a:r>
+                    </a:p>
+                  </a:txBody>
+                  <a:tcPr>
+                    <a:solidFill>
+                      <a:schemeClr val="accent2">
+                        <a:lumMod val="60000"/>
+                        <a:lumOff val="40000"/>
+                      </a:schemeClr>
+                    </a:solidFill>
+                  </a:tcPr>
+                </a:tc>
+                <a:tc>
+                  <a:txBody>
+                    <a:bodyPr/>
+                    <a:lstStyle/>
+                    <a:p>
+                      <a:r>
+                        <a:rPr lang="pl-PL" dirty="0"/>
+                        <a:t>P2</a:t>
+                      </a:r>
+                    </a:p>
+                  </a:txBody>
+                  <a:tcPr>
+                    <a:solidFill>
+                      <a:schemeClr val="accent2">
+                        <a:lumMod val="60000"/>
+                        <a:lumOff val="40000"/>
+                      </a:schemeClr>
+                    </a:solidFill>
+                  </a:tcPr>
+                </a:tc>
+                <a:tc>
+                  <a:txBody>
+                    <a:bodyPr/>
+                    <a:lstStyle/>
+                    <a:p>
+                      <a:r>
+                        <a:rPr lang="pl-PL" dirty="0"/>
+                        <a:t>P3</a:t>
+                      </a:r>
+                    </a:p>
+                  </a:txBody>
+                  <a:tcPr>
+                    <a:solidFill>
+                      <a:schemeClr val="accent2">
+                        <a:lumMod val="60000"/>
+                        <a:lumOff val="40000"/>
+                      </a:schemeClr>
+                    </a:solidFill>
+                  </a:tcPr>
+                </a:tc>
+                <a:tc>
+                  <a:txBody>
+                    <a:bodyPr/>
+                    <a:lstStyle/>
+                    <a:p>
+                      <a:r>
+                        <a:rPr lang="pl-PL" dirty="0"/>
+                        <a:t>P4</a:t>
+                      </a:r>
+                    </a:p>
+                  </a:txBody>
+                  <a:tcPr>
+                    <a:solidFill>
+                      <a:schemeClr val="accent2">
+                        <a:lumMod val="60000"/>
+                        <a:lumOff val="40000"/>
+                      </a:schemeClr>
+                    </a:solidFill>
+                  </a:tcPr>
+                </a:tc>
+                <a:tc>
+                  <a:txBody>
+                    <a:bodyPr/>
+                    <a:lstStyle/>
+                    <a:p>
+                      <a:r>
+                        <a:rPr lang="pl-PL" dirty="0"/>
+                        <a:t>P5</a:t>
+                      </a:r>
+                    </a:p>
+                  </a:txBody>
+                  <a:tcPr>
+                    <a:solidFill>
+                      <a:schemeClr val="accent2">
+                        <a:lumMod val="60000"/>
+                        <a:lumOff val="40000"/>
+                      </a:schemeClr>
+                    </a:solidFill>
+                  </a:tcPr>
+                </a:tc>
+                <a:tc>
+                  <a:txBody>
+                    <a:bodyPr/>
+                    <a:lstStyle/>
+                    <a:p>
+                      <a:r>
+                        <a:rPr lang="pl-PL" dirty="0"/>
+                        <a:t>0</a:t>
+                      </a:r>
+                    </a:p>
+                  </a:txBody>
+                  <a:tcPr/>
+                </a:tc>
+                <a:extLst>
+                  <a:ext uri="{0D108BD9-81ED-4DB2-BD59-A6C34878D82A}">
+                    <a16:rowId xmlns:a16="http://schemas.microsoft.com/office/drawing/2014/main" val="3955753318"/>
+                  </a:ext>
+                </a:extLst>
+              </a:tr>
+              <a:tr h="612913">
+                <a:tc>
+                  <a:txBody>
+                    <a:bodyPr/>
+                    <a:lstStyle/>
+                    <a:p>
+                      <a:r>
+                        <a:rPr lang="pl-PL" dirty="0"/>
+                        <a:t>0</a:t>
+                      </a:r>
+                    </a:p>
+                  </a:txBody>
+                  <a:tcPr/>
+                </a:tc>
+                <a:tc>
+                  <a:txBody>
+                    <a:bodyPr/>
+                    <a:lstStyle/>
+                    <a:p>
+                      <a:r>
+                        <a:rPr lang="pl-PL" dirty="0"/>
+                        <a:t>P6</a:t>
+                      </a:r>
+                    </a:p>
+                  </a:txBody>
+                  <a:tcPr>
+                    <a:solidFill>
+                      <a:schemeClr val="accent2">
+                        <a:lumMod val="60000"/>
+                        <a:lumOff val="40000"/>
+                      </a:schemeClr>
+                    </a:solidFill>
+                  </a:tcPr>
+                </a:tc>
+                <a:tc>
+                  <a:txBody>
+                    <a:bodyPr/>
+                    <a:lstStyle/>
+                    <a:p>
+                      <a:r>
+                        <a:rPr lang="pl-PL" dirty="0"/>
+                        <a:t>P7</a:t>
+                      </a:r>
+                    </a:p>
+                  </a:txBody>
+                  <a:tcPr>
+                    <a:solidFill>
+                      <a:schemeClr val="accent2">
+                        <a:lumMod val="60000"/>
+                        <a:lumOff val="40000"/>
+                      </a:schemeClr>
+                    </a:solidFill>
+                  </a:tcPr>
+                </a:tc>
+                <a:tc>
+                  <a:txBody>
+                    <a:bodyPr/>
+                    <a:lstStyle/>
+                    <a:p>
+                      <a:r>
+                        <a:rPr lang="pl-PL" dirty="0"/>
+                        <a:t>P8</a:t>
+                      </a:r>
+                    </a:p>
+                  </a:txBody>
+                  <a:tcPr>
+                    <a:solidFill>
+                      <a:schemeClr val="accent2">
+                        <a:lumMod val="60000"/>
+                        <a:lumOff val="40000"/>
+                      </a:schemeClr>
+                    </a:solidFill>
+                  </a:tcPr>
+                </a:tc>
+                <a:tc>
+                  <a:txBody>
+                    <a:bodyPr/>
+                    <a:lstStyle/>
+                    <a:p>
+                      <a:r>
+                        <a:rPr lang="pl-PL" dirty="0"/>
+                        <a:t>P9</a:t>
+                      </a:r>
+                    </a:p>
+                  </a:txBody>
+                  <a:tcPr>
+                    <a:solidFill>
+                      <a:schemeClr val="accent2">
+                        <a:lumMod val="60000"/>
+                        <a:lumOff val="40000"/>
+                      </a:schemeClr>
+                    </a:solidFill>
+                  </a:tcPr>
+                </a:tc>
+                <a:tc>
+                  <a:txBody>
+                    <a:bodyPr/>
+                    <a:lstStyle/>
+                    <a:p>
+                      <a:r>
+                        <a:rPr lang="pl-PL" dirty="0"/>
+                        <a:t>P10</a:t>
+                      </a:r>
+                    </a:p>
+                  </a:txBody>
+                  <a:tcPr>
+                    <a:solidFill>
+                      <a:schemeClr val="accent2">
+                        <a:lumMod val="60000"/>
+                        <a:lumOff val="40000"/>
+                      </a:schemeClr>
+                    </a:solidFill>
+                  </a:tcPr>
+                </a:tc>
+                <a:tc>
+                  <a:txBody>
+                    <a:bodyPr/>
+                    <a:lstStyle/>
+                    <a:p>
+                      <a:r>
+                        <a:rPr lang="pl-PL" dirty="0"/>
+                        <a:t>P11</a:t>
+                      </a:r>
+                    </a:p>
+                  </a:txBody>
+                  <a:tcPr>
+                    <a:solidFill>
+                      <a:schemeClr val="accent2">
+                        <a:lumMod val="60000"/>
+                        <a:lumOff val="40000"/>
+                      </a:schemeClr>
+                    </a:solidFill>
+                  </a:tcPr>
+                </a:tc>
+                <a:tc>
+                  <a:txBody>
+                    <a:bodyPr/>
+                    <a:lstStyle/>
+                    <a:p>
+                      <a:r>
+                        <a:rPr lang="pl-PL" dirty="0"/>
+                        <a:t>0</a:t>
+                      </a:r>
+                    </a:p>
+                  </a:txBody>
+                  <a:tcPr/>
+                </a:tc>
+                <a:extLst>
+                  <a:ext uri="{0D108BD9-81ED-4DB2-BD59-A6C34878D82A}">
+                    <a16:rowId xmlns:a16="http://schemas.microsoft.com/office/drawing/2014/main" val="3799472403"/>
+                  </a:ext>
+                </a:extLst>
+              </a:tr>
+              <a:tr h="612913">
+                <a:tc>
+                  <a:txBody>
+                    <a:bodyPr/>
+                    <a:lstStyle/>
+                    <a:p>
+                      <a:r>
+                        <a:rPr lang="pl-PL" dirty="0"/>
+                        <a:t>0</a:t>
+                      </a:r>
+                    </a:p>
+                  </a:txBody>
+                  <a:tcPr/>
+                </a:tc>
+                <a:tc>
+                  <a:txBody>
+                    <a:bodyPr/>
+                    <a:lstStyle/>
+                    <a:p>
+                      <a:r>
+                        <a:rPr lang="pl-PL" dirty="0"/>
+                        <a:t>P12</a:t>
+                      </a:r>
+                    </a:p>
+                  </a:txBody>
+                  <a:tcPr>
+                    <a:solidFill>
+                      <a:schemeClr val="accent2">
+                        <a:lumMod val="60000"/>
+                        <a:lumOff val="40000"/>
+                      </a:schemeClr>
+                    </a:solidFill>
+                  </a:tcPr>
+                </a:tc>
+                <a:tc>
+                  <a:txBody>
+                    <a:bodyPr/>
+                    <a:lstStyle/>
+                    <a:p>
+                      <a:r>
+                        <a:rPr lang="pl-PL" dirty="0"/>
+                        <a:t>P13</a:t>
+                      </a:r>
+                    </a:p>
+                  </a:txBody>
+                  <a:tcPr>
+                    <a:solidFill>
+                      <a:schemeClr val="accent2">
+                        <a:lumMod val="60000"/>
+                        <a:lumOff val="40000"/>
+                      </a:schemeClr>
+                    </a:solidFill>
+                  </a:tcPr>
+                </a:tc>
+                <a:tc>
+                  <a:txBody>
+                    <a:bodyPr/>
+                    <a:lstStyle/>
+                    <a:p>
+                      <a:r>
+                        <a:rPr lang="pl-PL" dirty="0"/>
+                        <a:t>P14</a:t>
+                      </a:r>
+                    </a:p>
+                  </a:txBody>
+                  <a:tcPr>
+                    <a:solidFill>
+                      <a:schemeClr val="accent2">
+                        <a:lumMod val="60000"/>
+                        <a:lumOff val="40000"/>
+                      </a:schemeClr>
+                    </a:solidFill>
+                  </a:tcPr>
+                </a:tc>
+                <a:tc>
+                  <a:txBody>
+                    <a:bodyPr/>
+                    <a:lstStyle/>
+                    <a:p>
+                      <a:r>
+                        <a:rPr lang="pl-PL" dirty="0"/>
+                        <a:t>P15</a:t>
+                      </a:r>
+                    </a:p>
+                  </a:txBody>
+                  <a:tcPr>
+                    <a:solidFill>
+                      <a:schemeClr val="accent2">
+                        <a:lumMod val="60000"/>
+                        <a:lumOff val="40000"/>
+                      </a:schemeClr>
+                    </a:solidFill>
+                  </a:tcPr>
+                </a:tc>
+                <a:tc>
+                  <a:txBody>
+                    <a:bodyPr/>
+                    <a:lstStyle/>
+                    <a:p>
+                      <a:r>
+                        <a:rPr lang="pl-PL" dirty="0"/>
+                        <a:t>P16</a:t>
+                      </a:r>
+                    </a:p>
+                  </a:txBody>
+                  <a:tcPr>
+                    <a:solidFill>
+                      <a:schemeClr val="accent2">
+                        <a:lumMod val="60000"/>
+                        <a:lumOff val="40000"/>
+                      </a:schemeClr>
+                    </a:solidFill>
+                  </a:tcPr>
+                </a:tc>
+                <a:tc>
+                  <a:txBody>
+                    <a:bodyPr/>
+                    <a:lstStyle/>
+                    <a:p>
+                      <a:r>
+                        <a:rPr lang="pl-PL" dirty="0"/>
+                        <a:t>P17</a:t>
+                      </a:r>
+                    </a:p>
+                  </a:txBody>
+                  <a:tcPr>
+                    <a:solidFill>
+                      <a:schemeClr val="accent2">
+                        <a:lumMod val="60000"/>
+                        <a:lumOff val="40000"/>
+                      </a:schemeClr>
+                    </a:solidFill>
+                  </a:tcPr>
+                </a:tc>
+                <a:tc>
+                  <a:txBody>
+                    <a:bodyPr/>
+                    <a:lstStyle/>
+                    <a:p>
+                      <a:r>
+                        <a:rPr lang="pl-PL" dirty="0"/>
+                        <a:t>0</a:t>
+                      </a:r>
+                    </a:p>
+                  </a:txBody>
+                  <a:tcPr/>
+                </a:tc>
+                <a:extLst>
+                  <a:ext uri="{0D108BD9-81ED-4DB2-BD59-A6C34878D82A}">
+                    <a16:rowId xmlns:a16="http://schemas.microsoft.com/office/drawing/2014/main" val="1294046969"/>
+                  </a:ext>
+                </a:extLst>
+              </a:tr>
+              <a:tr h="612913">
+                <a:tc>
+                  <a:txBody>
+                    <a:bodyPr/>
+                    <a:lstStyle/>
+                    <a:p>
+                      <a:r>
+                        <a:rPr lang="pl-PL" dirty="0"/>
+                        <a:t>0</a:t>
+                      </a:r>
+                    </a:p>
+                  </a:txBody>
+                  <a:tcPr/>
+                </a:tc>
+                <a:tc>
+                  <a:txBody>
+                    <a:bodyPr/>
+                    <a:lstStyle/>
+                    <a:p>
+                      <a:r>
+                        <a:rPr lang="pl-PL" dirty="0"/>
+                        <a:t>P18</a:t>
+                      </a:r>
+                    </a:p>
+                  </a:txBody>
+                  <a:tcPr>
+                    <a:solidFill>
+                      <a:schemeClr val="accent2">
+                        <a:lumMod val="60000"/>
+                        <a:lumOff val="40000"/>
+                      </a:schemeClr>
+                    </a:solidFill>
+                  </a:tcPr>
+                </a:tc>
+                <a:tc>
+                  <a:txBody>
+                    <a:bodyPr/>
+                    <a:lstStyle/>
+                    <a:p>
+                      <a:r>
+                        <a:rPr lang="pl-PL" dirty="0"/>
+                        <a:t>P19</a:t>
+                      </a:r>
+                    </a:p>
+                  </a:txBody>
+                  <a:tcPr>
+                    <a:solidFill>
+                      <a:schemeClr val="accent2">
+                        <a:lumMod val="60000"/>
+                        <a:lumOff val="40000"/>
+                      </a:schemeClr>
+                    </a:solidFill>
+                  </a:tcPr>
+                </a:tc>
+                <a:tc>
+                  <a:txBody>
+                    <a:bodyPr/>
+                    <a:lstStyle/>
+                    <a:p>
+                      <a:r>
+                        <a:rPr lang="pl-PL" dirty="0"/>
+                        <a:t>P20</a:t>
+                      </a:r>
+                    </a:p>
+                  </a:txBody>
+                  <a:tcPr>
+                    <a:solidFill>
+                      <a:schemeClr val="accent2">
+                        <a:lumMod val="60000"/>
+                        <a:lumOff val="40000"/>
+                      </a:schemeClr>
+                    </a:solidFill>
+                  </a:tcPr>
+                </a:tc>
+                <a:tc>
+                  <a:txBody>
+                    <a:bodyPr/>
+                    <a:lstStyle/>
+                    <a:p>
+                      <a:r>
+                        <a:rPr lang="pl-PL" dirty="0"/>
+                        <a:t>P21</a:t>
+                      </a:r>
+                    </a:p>
+                  </a:txBody>
+                  <a:tcPr>
+                    <a:solidFill>
+                      <a:schemeClr val="accent2">
+                        <a:lumMod val="60000"/>
+                        <a:lumOff val="40000"/>
+                      </a:schemeClr>
+                    </a:solidFill>
+                  </a:tcPr>
+                </a:tc>
+                <a:tc>
+                  <a:txBody>
+                    <a:bodyPr/>
+                    <a:lstStyle/>
+                    <a:p>
+                      <a:r>
+                        <a:rPr lang="pl-PL" dirty="0"/>
+                        <a:t>P22</a:t>
+                      </a:r>
+                    </a:p>
+                  </a:txBody>
+                  <a:tcPr>
+                    <a:solidFill>
+                      <a:schemeClr val="accent2">
+                        <a:lumMod val="60000"/>
+                        <a:lumOff val="40000"/>
+                      </a:schemeClr>
+                    </a:solidFill>
+                  </a:tcPr>
+                </a:tc>
+                <a:tc>
+                  <a:txBody>
+                    <a:bodyPr/>
+                    <a:lstStyle/>
+                    <a:p>
+                      <a:r>
+                        <a:rPr lang="pl-PL" dirty="0"/>
+                        <a:t>S23</a:t>
+                      </a:r>
+                    </a:p>
+                  </a:txBody>
+                  <a:tcPr>
+                    <a:solidFill>
+                      <a:schemeClr val="accent2">
+                        <a:lumMod val="60000"/>
+                        <a:lumOff val="40000"/>
+                      </a:schemeClr>
+                    </a:solidFill>
+                  </a:tcPr>
+                </a:tc>
+                <a:tc>
+                  <a:txBody>
+                    <a:bodyPr/>
+                    <a:lstStyle/>
+                    <a:p>
+                      <a:r>
+                        <a:rPr lang="pl-PL" dirty="0"/>
+                        <a:t>0</a:t>
+                      </a:r>
+                    </a:p>
+                  </a:txBody>
+                  <a:tcPr/>
+                </a:tc>
+                <a:extLst>
+                  <a:ext uri="{0D108BD9-81ED-4DB2-BD59-A6C34878D82A}">
+                    <a16:rowId xmlns:a16="http://schemas.microsoft.com/office/drawing/2014/main" val="2115345851"/>
+                  </a:ext>
+                </a:extLst>
+              </a:tr>
+              <a:tr h="612913">
+                <a:tc>
+                  <a:txBody>
+                    <a:bodyPr/>
+                    <a:lstStyle/>
+                    <a:p>
+                      <a:r>
+                        <a:rPr lang="pl-PL" dirty="0"/>
+                        <a:t>0</a:t>
+                      </a:r>
+                    </a:p>
+                  </a:txBody>
+                  <a:tcPr/>
+                </a:tc>
+                <a:tc>
+                  <a:txBody>
+                    <a:bodyPr/>
+                    <a:lstStyle/>
+                    <a:p>
+                      <a:r>
+                        <a:rPr lang="pl-PL" dirty="0"/>
+                        <a:t>0</a:t>
+                      </a:r>
+                    </a:p>
+                  </a:txBody>
+                  <a:tcPr/>
+                </a:tc>
+                <a:tc>
+                  <a:txBody>
+                    <a:bodyPr/>
+                    <a:lstStyle/>
+                    <a:p>
+                      <a:r>
+                        <a:rPr lang="pl-PL" dirty="0"/>
+                        <a:t>0</a:t>
+                      </a:r>
+                    </a:p>
+                  </a:txBody>
+                  <a:tcPr/>
+                </a:tc>
+                <a:tc>
+                  <a:txBody>
+                    <a:bodyPr/>
+                    <a:lstStyle/>
+                    <a:p>
+                      <a:r>
+                        <a:rPr lang="pl-PL" dirty="0"/>
+                        <a:t>0</a:t>
+                      </a:r>
+                    </a:p>
+                  </a:txBody>
+                  <a:tcPr/>
+                </a:tc>
+                <a:tc>
+                  <a:txBody>
+                    <a:bodyPr/>
+                    <a:lstStyle/>
+                    <a:p>
+                      <a:r>
+                        <a:rPr lang="pl-PL" dirty="0"/>
+                        <a:t>0</a:t>
+                      </a:r>
+                    </a:p>
+                  </a:txBody>
+                  <a:tcPr/>
+                </a:tc>
+                <a:tc>
+                  <a:txBody>
+                    <a:bodyPr/>
+                    <a:lstStyle/>
+                    <a:p>
+                      <a:r>
+                        <a:rPr lang="pl-PL" dirty="0"/>
+                        <a:t>0</a:t>
+                      </a:r>
+                    </a:p>
+                  </a:txBody>
+                  <a:tcPr/>
+                </a:tc>
+                <a:tc>
+                  <a:txBody>
+                    <a:bodyPr/>
+                    <a:lstStyle/>
+                    <a:p>
+                      <a:r>
+                        <a:rPr lang="pl-PL" dirty="0"/>
+                        <a:t>0</a:t>
+                      </a:r>
+                    </a:p>
+                  </a:txBody>
+                  <a:tcPr/>
+                </a:tc>
+                <a:tc>
+                  <a:txBody>
+                    <a:bodyPr/>
+                    <a:lstStyle/>
+                    <a:p>
+                      <a:r>
+                        <a:rPr lang="pl-PL" dirty="0"/>
+                        <a:t>0</a:t>
+                      </a:r>
+                    </a:p>
+                  </a:txBody>
+                  <a:tcPr/>
+                </a:tc>
+                <a:extLst>
+                  <a:ext uri="{0D108BD9-81ED-4DB2-BD59-A6C34878D82A}">
+                    <a16:rowId xmlns:a16="http://schemas.microsoft.com/office/drawing/2014/main" val="2315434368"/>
+                  </a:ext>
+                </a:extLst>
+              </a:tr>
+            </a:tbl>
+          </a:graphicData>
+        </a:graphic>
+      </p:graphicFrame>
+      <p:sp>
+        <p:nvSpPr>
+          <p:cNvPr id="5" name="Prostokąt: zaokrąglone rogi 4">
+            <a:extLst>
+              <a:ext uri="{FF2B5EF4-FFF2-40B4-BE49-F238E27FC236}">
+                <a16:creationId xmlns:a16="http://schemas.microsoft.com/office/drawing/2014/main" id="{7C54A6F2-BC45-1F5B-C227-A4D47E74AC51}"/>
+              </a:ext>
+            </a:extLst>
+          </p:cNvPr>
+          <p:cNvSpPr/>
+          <p:nvPr/>
+        </p:nvSpPr>
+        <p:spPr>
+          <a:xfrm>
+            <a:off x="377687" y="1027043"/>
+            <a:ext cx="1696278" cy="1848679"/>
+          </a:xfrm>
+          <a:prstGeom prst="roundRect">
+            <a:avLst/>
+          </a:prstGeom>
+          <a:noFill/>
+          <a:ln w="57150">
+            <a:solidFill>
+              <a:schemeClr val="tx1">
+                <a:lumMod val="75000"/>
+                <a:lumOff val="25000"/>
+              </a:schemeClr>
+            </a:solidFill>
+          </a:ln>
+        </p:spPr>
+        <p:style>
+          <a:lnRef idx="2">
+            <a:schemeClr val="accent1">
+              <a:shade val="50000"/>
+            </a:schemeClr>
+          </a:lnRef>
+          <a:fillRef idx="1">
+            <a:schemeClr val="accent1"/>
+          </a:fillRef>
+          <a:effectRef idx="0">
+            <a:schemeClr val="accent1"/>
+          </a:effectRef>
+          <a:fontRef idx="minor">
+            <a:schemeClr val="lt1"/>
+          </a:fontRef>
+        </p:style>
+        <p:txBody>
+          <a:bodyPr rtlCol="0" anchor="ctr"/>
+          <a:lstStyle/>
+          <a:p>
+            <a:pPr algn="ctr"/>
+            <a:endParaRPr lang="pl-PL"/>
+          </a:p>
+        </p:txBody>
+      </p:sp>
+      <p:graphicFrame>
+        <p:nvGraphicFramePr>
+          <p:cNvPr id="6" name="Tabela 5">
+            <a:extLst>
+              <a:ext uri="{FF2B5EF4-FFF2-40B4-BE49-F238E27FC236}">
+                <a16:creationId xmlns:a16="http://schemas.microsoft.com/office/drawing/2014/main" id="{27956B88-7124-E9D7-7F31-6EE2AC552FB7}"/>
+              </a:ext>
+            </a:extLst>
+          </p:cNvPr>
+          <p:cNvGraphicFramePr>
+            <a:graphicFrameLocks noGrp="1"/>
+          </p:cNvGraphicFramePr>
+          <p:nvPr>
+            <p:extLst>
+              <p:ext uri="{D42A27DB-BD31-4B8C-83A1-F6EECF244321}">
+                <p14:modId xmlns:p14="http://schemas.microsoft.com/office/powerpoint/2010/main" val="3781507104"/>
+              </p:ext>
+            </p:extLst>
+          </p:nvPr>
+        </p:nvGraphicFramePr>
+        <p:xfrm>
+          <a:off x="5867682" y="1744317"/>
+          <a:ext cx="1648236" cy="1838739"/>
+        </p:xfrm>
+        <a:graphic>
+          <a:graphicData uri="http://schemas.openxmlformats.org/drawingml/2006/table">
+            <a:tbl>
+              <a:tblPr firstRow="1" bandRow="1">
+                <a:tableStyleId>{5940675A-B579-460E-94D1-54222C63F5DA}</a:tableStyleId>
+              </a:tblPr>
+              <a:tblGrid>
+                <a:gridCol w="549412">
+                  <a:extLst>
+                    <a:ext uri="{9D8B030D-6E8A-4147-A177-3AD203B41FA5}">
+                      <a16:colId xmlns:a16="http://schemas.microsoft.com/office/drawing/2014/main" val="1158726269"/>
+                    </a:ext>
+                  </a:extLst>
+                </a:gridCol>
+                <a:gridCol w="549412">
+                  <a:extLst>
+                    <a:ext uri="{9D8B030D-6E8A-4147-A177-3AD203B41FA5}">
+                      <a16:colId xmlns:a16="http://schemas.microsoft.com/office/drawing/2014/main" val="2315603226"/>
+                    </a:ext>
+                  </a:extLst>
+                </a:gridCol>
+                <a:gridCol w="549412">
+                  <a:extLst>
+                    <a:ext uri="{9D8B030D-6E8A-4147-A177-3AD203B41FA5}">
+                      <a16:colId xmlns:a16="http://schemas.microsoft.com/office/drawing/2014/main" val="436473821"/>
+                    </a:ext>
+                  </a:extLst>
+                </a:gridCol>
+              </a:tblGrid>
+              <a:tr h="612913">
+                <a:tc>
+                  <a:txBody>
+                    <a:bodyPr/>
+                    <a:lstStyle/>
+                    <a:p>
+                      <a:r>
+                        <a:rPr lang="pl-PL" dirty="0"/>
+                        <a:t>0</a:t>
+                      </a:r>
+                    </a:p>
+                  </a:txBody>
+                  <a:tcPr/>
+                </a:tc>
+                <a:tc>
+                  <a:txBody>
+                    <a:bodyPr/>
+                    <a:lstStyle/>
+                    <a:p>
+                      <a:r>
+                        <a:rPr lang="pl-PL" dirty="0"/>
+                        <a:t>0</a:t>
+                      </a:r>
+                    </a:p>
+                  </a:txBody>
+                  <a:tcPr/>
+                </a:tc>
+                <a:tc>
+                  <a:txBody>
+                    <a:bodyPr/>
+                    <a:lstStyle/>
+                    <a:p>
+                      <a:r>
+                        <a:rPr lang="pl-PL" dirty="0"/>
+                        <a:t>0</a:t>
+                      </a:r>
+                    </a:p>
+                  </a:txBody>
+                  <a:tcPr/>
+                </a:tc>
+                <a:extLst>
+                  <a:ext uri="{0D108BD9-81ED-4DB2-BD59-A6C34878D82A}">
+                    <a16:rowId xmlns:a16="http://schemas.microsoft.com/office/drawing/2014/main" val="5298206"/>
+                  </a:ext>
+                </a:extLst>
+              </a:tr>
+              <a:tr h="612913">
+                <a:tc>
+                  <a:txBody>
+                    <a:bodyPr/>
+                    <a:lstStyle/>
+                    <a:p>
+                      <a:r>
+                        <a:rPr lang="pl-PL" dirty="0"/>
+                        <a:t>0</a:t>
+                      </a:r>
+                    </a:p>
+                  </a:txBody>
+                  <a:tcPr/>
+                </a:tc>
+                <a:tc>
+                  <a:txBody>
+                    <a:bodyPr/>
+                    <a:lstStyle/>
+                    <a:p>
+                      <a:r>
+                        <a:rPr lang="pl-PL" dirty="0"/>
+                        <a:t>P0</a:t>
+                      </a:r>
+                    </a:p>
+                  </a:txBody>
+                  <a:tcPr>
+                    <a:solidFill>
+                      <a:schemeClr val="accent2">
+                        <a:lumMod val="60000"/>
+                        <a:lumOff val="40000"/>
+                      </a:schemeClr>
+                    </a:solidFill>
+                  </a:tcPr>
+                </a:tc>
+                <a:tc>
+                  <a:txBody>
+                    <a:bodyPr/>
+                    <a:lstStyle/>
+                    <a:p>
+                      <a:r>
+                        <a:rPr lang="pl-PL" dirty="0"/>
+                        <a:t>P1</a:t>
+                      </a:r>
+                    </a:p>
+                  </a:txBody>
+                  <a:tcPr>
+                    <a:solidFill>
+                      <a:schemeClr val="accent2">
+                        <a:lumMod val="60000"/>
+                        <a:lumOff val="40000"/>
+                      </a:schemeClr>
+                    </a:solidFill>
+                  </a:tcPr>
+                </a:tc>
+                <a:extLst>
+                  <a:ext uri="{0D108BD9-81ED-4DB2-BD59-A6C34878D82A}">
+                    <a16:rowId xmlns:a16="http://schemas.microsoft.com/office/drawing/2014/main" val="435870697"/>
+                  </a:ext>
+                </a:extLst>
+              </a:tr>
+              <a:tr h="612913">
+                <a:tc>
+                  <a:txBody>
+                    <a:bodyPr/>
+                    <a:lstStyle/>
+                    <a:p>
+                      <a:r>
+                        <a:rPr lang="pl-PL" dirty="0"/>
+                        <a:t>0</a:t>
+                      </a:r>
+                    </a:p>
+                  </a:txBody>
+                  <a:tcPr/>
+                </a:tc>
+                <a:tc>
+                  <a:txBody>
+                    <a:bodyPr/>
+                    <a:lstStyle/>
+                    <a:p>
+                      <a:r>
+                        <a:rPr lang="pl-PL" dirty="0"/>
+                        <a:t>P6</a:t>
+                      </a:r>
+                    </a:p>
+                  </a:txBody>
+                  <a:tcPr>
+                    <a:solidFill>
+                      <a:schemeClr val="accent2">
+                        <a:lumMod val="60000"/>
+                        <a:lumOff val="40000"/>
+                      </a:schemeClr>
+                    </a:solidFill>
+                  </a:tcPr>
+                </a:tc>
+                <a:tc>
+                  <a:txBody>
+                    <a:bodyPr/>
+                    <a:lstStyle/>
+                    <a:p>
+                      <a:r>
+                        <a:rPr lang="pl-PL" dirty="0"/>
+                        <a:t>P7</a:t>
+                      </a:r>
+                    </a:p>
+                  </a:txBody>
+                  <a:tcPr>
+                    <a:solidFill>
+                      <a:schemeClr val="accent2">
+                        <a:lumMod val="60000"/>
+                        <a:lumOff val="40000"/>
+                      </a:schemeClr>
+                    </a:solidFill>
+                  </a:tcPr>
+                </a:tc>
+                <a:extLst>
+                  <a:ext uri="{0D108BD9-81ED-4DB2-BD59-A6C34878D82A}">
+                    <a16:rowId xmlns:a16="http://schemas.microsoft.com/office/drawing/2014/main" val="1359384479"/>
+                  </a:ext>
+                </a:extLst>
+              </a:tr>
+            </a:tbl>
+          </a:graphicData>
+        </a:graphic>
+      </p:graphicFrame>
+      <p:graphicFrame>
+        <p:nvGraphicFramePr>
+          <p:cNvPr id="8" name="Tabela 7">
+            <a:extLst>
+              <a:ext uri="{FF2B5EF4-FFF2-40B4-BE49-F238E27FC236}">
+                <a16:creationId xmlns:a16="http://schemas.microsoft.com/office/drawing/2014/main" id="{82DAB309-1978-0F86-B864-DF42A4D897C7}"/>
+              </a:ext>
+            </a:extLst>
+          </p:cNvPr>
+          <p:cNvGraphicFramePr>
+            <a:graphicFrameLocks noGrp="1"/>
+          </p:cNvGraphicFramePr>
+          <p:nvPr>
+            <p:extLst>
+              <p:ext uri="{D42A27DB-BD31-4B8C-83A1-F6EECF244321}">
+                <p14:modId xmlns:p14="http://schemas.microsoft.com/office/powerpoint/2010/main" val="221420954"/>
+              </p:ext>
+            </p:extLst>
+          </p:nvPr>
+        </p:nvGraphicFramePr>
+        <p:xfrm>
+          <a:off x="8610864" y="1744317"/>
+          <a:ext cx="1648236" cy="1838739"/>
+        </p:xfrm>
+        <a:graphic>
+          <a:graphicData uri="http://schemas.openxmlformats.org/drawingml/2006/table">
+            <a:tbl>
+              <a:tblPr firstRow="1" bandRow="1">
+                <a:tableStyleId>{5940675A-B579-460E-94D1-54222C63F5DA}</a:tableStyleId>
+              </a:tblPr>
+              <a:tblGrid>
+                <a:gridCol w="549412">
+                  <a:extLst>
+                    <a:ext uri="{9D8B030D-6E8A-4147-A177-3AD203B41FA5}">
+                      <a16:colId xmlns:a16="http://schemas.microsoft.com/office/drawing/2014/main" val="1798804755"/>
+                    </a:ext>
+                  </a:extLst>
+                </a:gridCol>
+                <a:gridCol w="549412">
+                  <a:extLst>
+                    <a:ext uri="{9D8B030D-6E8A-4147-A177-3AD203B41FA5}">
+                      <a16:colId xmlns:a16="http://schemas.microsoft.com/office/drawing/2014/main" val="134845099"/>
+                    </a:ext>
+                  </a:extLst>
+                </a:gridCol>
+                <a:gridCol w="549412">
+                  <a:extLst>
+                    <a:ext uri="{9D8B030D-6E8A-4147-A177-3AD203B41FA5}">
+                      <a16:colId xmlns:a16="http://schemas.microsoft.com/office/drawing/2014/main" val="92210188"/>
+                    </a:ext>
+                  </a:extLst>
+                </a:gridCol>
+              </a:tblGrid>
+              <a:tr h="612913">
+                <a:tc>
+                  <a:txBody>
+                    <a:bodyPr/>
+                    <a:lstStyle/>
+                    <a:p>
+                      <a:r>
+                        <a:rPr lang="pl-PL" dirty="0"/>
+                        <a:t>K0</a:t>
+                      </a:r>
+                    </a:p>
+                  </a:txBody>
+                  <a:tcPr>
+                    <a:solidFill>
+                      <a:schemeClr val="accent1">
+                        <a:lumMod val="40000"/>
+                        <a:lumOff val="60000"/>
+                      </a:schemeClr>
+                    </a:solidFill>
+                  </a:tcPr>
+                </a:tc>
+                <a:tc>
+                  <a:txBody>
+                    <a:bodyPr/>
+                    <a:lstStyle/>
+                    <a:p>
+                      <a:r>
+                        <a:rPr lang="pl-PL" dirty="0"/>
+                        <a:t>K1</a:t>
+                      </a:r>
+                    </a:p>
+                  </a:txBody>
+                  <a:tcPr>
+                    <a:solidFill>
+                      <a:schemeClr val="accent1">
+                        <a:lumMod val="40000"/>
+                        <a:lumOff val="60000"/>
+                      </a:schemeClr>
+                    </a:solidFill>
+                  </a:tcPr>
+                </a:tc>
+                <a:tc>
+                  <a:txBody>
+                    <a:bodyPr/>
+                    <a:lstStyle/>
+                    <a:p>
+                      <a:r>
+                        <a:rPr lang="pl-PL" dirty="0"/>
+                        <a:t>K2</a:t>
+                      </a:r>
+                    </a:p>
+                  </a:txBody>
+                  <a:tcPr>
+                    <a:solidFill>
+                      <a:schemeClr val="accent1">
+                        <a:lumMod val="40000"/>
+                        <a:lumOff val="60000"/>
+                      </a:schemeClr>
+                    </a:solidFill>
+                  </a:tcPr>
+                </a:tc>
+                <a:extLst>
+                  <a:ext uri="{0D108BD9-81ED-4DB2-BD59-A6C34878D82A}">
+                    <a16:rowId xmlns:a16="http://schemas.microsoft.com/office/drawing/2014/main" val="2249624053"/>
+                  </a:ext>
+                </a:extLst>
+              </a:tr>
+              <a:tr h="612913">
+                <a:tc>
+                  <a:txBody>
+                    <a:bodyPr/>
+                    <a:lstStyle/>
+                    <a:p>
+                      <a:r>
+                        <a:rPr lang="pl-PL" dirty="0"/>
+                        <a:t>K3</a:t>
+                      </a:r>
+                    </a:p>
+                  </a:txBody>
+                  <a:tcPr>
+                    <a:solidFill>
+                      <a:schemeClr val="accent1">
+                        <a:lumMod val="40000"/>
+                        <a:lumOff val="60000"/>
+                      </a:schemeClr>
+                    </a:solidFill>
+                  </a:tcPr>
+                </a:tc>
+                <a:tc>
+                  <a:txBody>
+                    <a:bodyPr/>
+                    <a:lstStyle/>
+                    <a:p>
+                      <a:r>
+                        <a:rPr lang="pl-PL" dirty="0"/>
+                        <a:t>K4</a:t>
+                      </a:r>
+                    </a:p>
+                  </a:txBody>
+                  <a:tcPr>
+                    <a:solidFill>
+                      <a:schemeClr val="accent1">
+                        <a:lumMod val="40000"/>
+                        <a:lumOff val="60000"/>
+                      </a:schemeClr>
+                    </a:solidFill>
+                  </a:tcPr>
+                </a:tc>
+                <a:tc>
+                  <a:txBody>
+                    <a:bodyPr/>
+                    <a:lstStyle/>
+                    <a:p>
+                      <a:r>
+                        <a:rPr lang="pl-PL" dirty="0"/>
+                        <a:t>K5</a:t>
+                      </a:r>
+                    </a:p>
+                  </a:txBody>
+                  <a:tcPr>
+                    <a:solidFill>
+                      <a:schemeClr val="accent1">
+                        <a:lumMod val="40000"/>
+                        <a:lumOff val="60000"/>
+                      </a:schemeClr>
+                    </a:solidFill>
+                  </a:tcPr>
+                </a:tc>
+                <a:extLst>
+                  <a:ext uri="{0D108BD9-81ED-4DB2-BD59-A6C34878D82A}">
+                    <a16:rowId xmlns:a16="http://schemas.microsoft.com/office/drawing/2014/main" val="1949932996"/>
+                  </a:ext>
+                </a:extLst>
+              </a:tr>
+              <a:tr h="612913">
+                <a:tc>
+                  <a:txBody>
+                    <a:bodyPr/>
+                    <a:lstStyle/>
+                    <a:p>
+                      <a:r>
+                        <a:rPr lang="pl-PL" dirty="0"/>
+                        <a:t>K6</a:t>
+                      </a:r>
+                    </a:p>
+                  </a:txBody>
+                  <a:tcPr>
+                    <a:solidFill>
+                      <a:schemeClr val="accent1">
+                        <a:lumMod val="40000"/>
+                        <a:lumOff val="60000"/>
+                      </a:schemeClr>
+                    </a:solidFill>
+                  </a:tcPr>
+                </a:tc>
+                <a:tc>
+                  <a:txBody>
+                    <a:bodyPr/>
+                    <a:lstStyle/>
+                    <a:p>
+                      <a:r>
+                        <a:rPr lang="pl-PL" dirty="0"/>
+                        <a:t>K7</a:t>
+                      </a:r>
+                    </a:p>
+                  </a:txBody>
+                  <a:tcPr>
+                    <a:solidFill>
+                      <a:schemeClr val="accent1">
+                        <a:lumMod val="40000"/>
+                        <a:lumOff val="60000"/>
+                      </a:schemeClr>
+                    </a:solidFill>
+                  </a:tcPr>
+                </a:tc>
+                <a:tc>
+                  <a:txBody>
+                    <a:bodyPr/>
+                    <a:lstStyle/>
+                    <a:p>
+                      <a:r>
+                        <a:rPr lang="pl-PL" dirty="0"/>
+                        <a:t>K8</a:t>
+                      </a:r>
+                    </a:p>
+                  </a:txBody>
+                  <a:tcPr>
+                    <a:solidFill>
+                      <a:schemeClr val="accent1">
+                        <a:lumMod val="40000"/>
+                        <a:lumOff val="60000"/>
+                      </a:schemeClr>
+                    </a:solidFill>
+                  </a:tcPr>
+                </a:tc>
+                <a:extLst>
+                  <a:ext uri="{0D108BD9-81ED-4DB2-BD59-A6C34878D82A}">
+                    <a16:rowId xmlns:a16="http://schemas.microsoft.com/office/drawing/2014/main" val="786560040"/>
+                  </a:ext>
+                </a:extLst>
+              </a:tr>
+            </a:tbl>
+          </a:graphicData>
+        </a:graphic>
+      </p:graphicFrame>
+      <p:sp>
+        <p:nvSpPr>
+          <p:cNvPr id="9" name="pole tekstowe 8">
+            <a:extLst>
+              <a:ext uri="{FF2B5EF4-FFF2-40B4-BE49-F238E27FC236}">
+                <a16:creationId xmlns:a16="http://schemas.microsoft.com/office/drawing/2014/main" id="{768CBB9C-2579-D0BB-74C6-CC3C74024013}"/>
+              </a:ext>
+            </a:extLst>
+          </p:cNvPr>
+          <p:cNvSpPr txBox="1"/>
+          <p:nvPr/>
+        </p:nvSpPr>
+        <p:spPr>
+          <a:xfrm>
+            <a:off x="7910945" y="2510595"/>
+            <a:ext cx="304892" cy="369332"/>
+          </a:xfrm>
+          <a:prstGeom prst="rect">
+            <a:avLst/>
+          </a:prstGeom>
+          <a:noFill/>
+        </p:spPr>
+        <p:txBody>
+          <a:bodyPr wrap="none" rtlCol="0">
+            <a:spAutoFit/>
+          </a:bodyPr>
+          <a:lstStyle/>
+          <a:p>
+            <a:r>
+              <a:rPr lang="pl-PL" dirty="0"/>
+              <a:t>X</a:t>
+            </a:r>
+          </a:p>
+        </p:txBody>
+      </p:sp>
+      <p:sp>
+        <p:nvSpPr>
+          <p:cNvPr id="17" name="Strzałka: zawracanie 16">
+            <a:extLst>
+              <a:ext uri="{FF2B5EF4-FFF2-40B4-BE49-F238E27FC236}">
+                <a16:creationId xmlns:a16="http://schemas.microsoft.com/office/drawing/2014/main" id="{1513C359-17BC-C16B-A164-3BFC646AC78D}"/>
+              </a:ext>
+            </a:extLst>
+          </p:cNvPr>
+          <p:cNvSpPr/>
+          <p:nvPr/>
+        </p:nvSpPr>
+        <p:spPr>
+          <a:xfrm>
+            <a:off x="6047418" y="1207605"/>
+            <a:ext cx="2937555" cy="536712"/>
+          </a:xfrm>
+          <a:prstGeom prst="uturnArrow">
+            <a:avLst>
+              <a:gd name="adj1" fmla="val 17593"/>
+              <a:gd name="adj2" fmla="val 25000"/>
+              <a:gd name="adj3" fmla="val 21296"/>
+              <a:gd name="adj4" fmla="val 43750"/>
+              <a:gd name="adj5" fmla="val 93518"/>
+            </a:avLst>
+          </a:prstGeom>
+        </p:spPr>
+        <p:style>
+          <a:lnRef idx="2">
+            <a:schemeClr val="accent1">
+              <a:shade val="50000"/>
+            </a:schemeClr>
+          </a:lnRef>
+          <a:fillRef idx="1">
+            <a:schemeClr val="accent1"/>
+          </a:fillRef>
+          <a:effectRef idx="0">
+            <a:schemeClr val="accent1"/>
+          </a:effectRef>
+          <a:fontRef idx="minor">
+            <a:schemeClr val="lt1"/>
+          </a:fontRef>
+        </p:style>
+        <p:txBody>
+          <a:bodyPr rtlCol="0" anchor="ctr"/>
+          <a:lstStyle/>
+          <a:p>
+            <a:pPr algn="ctr"/>
+            <a:endParaRPr lang="pl-PL">
+              <a:solidFill>
+                <a:schemeClr val="tx1"/>
+              </a:solidFill>
+            </a:endParaRPr>
+          </a:p>
+        </p:txBody>
+      </p:sp>
+      <p:sp>
+        <p:nvSpPr>
+          <p:cNvPr id="18" name="Strzałka: zawracanie 17">
+            <a:extLst>
+              <a:ext uri="{FF2B5EF4-FFF2-40B4-BE49-F238E27FC236}">
+                <a16:creationId xmlns:a16="http://schemas.microsoft.com/office/drawing/2014/main" id="{DEBC6FEB-CE03-26FB-EC35-5CBA93554632}"/>
+              </a:ext>
+            </a:extLst>
+          </p:cNvPr>
+          <p:cNvSpPr/>
+          <p:nvPr/>
+        </p:nvSpPr>
+        <p:spPr>
+          <a:xfrm>
+            <a:off x="6594614" y="1393067"/>
+            <a:ext cx="2937555" cy="369333"/>
+          </a:xfrm>
+          <a:prstGeom prst="uturnArrow">
+            <a:avLst>
+              <a:gd name="adj1" fmla="val 17593"/>
+              <a:gd name="adj2" fmla="val 25000"/>
+              <a:gd name="adj3" fmla="val 21296"/>
+              <a:gd name="adj4" fmla="val 43750"/>
+              <a:gd name="adj5" fmla="val 93518"/>
+            </a:avLst>
+          </a:prstGeom>
+        </p:spPr>
+        <p:style>
+          <a:lnRef idx="2">
+            <a:schemeClr val="accent4">
+              <a:shade val="50000"/>
+            </a:schemeClr>
+          </a:lnRef>
+          <a:fillRef idx="1">
+            <a:schemeClr val="accent4"/>
+          </a:fillRef>
+          <a:effectRef idx="0">
+            <a:schemeClr val="accent4"/>
+          </a:effectRef>
+          <a:fontRef idx="minor">
+            <a:schemeClr val="lt1"/>
+          </a:fontRef>
+        </p:style>
+        <p:txBody>
+          <a:bodyPr rtlCol="0" anchor="ctr"/>
+          <a:lstStyle/>
+          <a:p>
+            <a:pPr algn="ctr"/>
+            <a:endParaRPr lang="pl-PL">
+              <a:solidFill>
+                <a:schemeClr val="tx1"/>
+              </a:solidFill>
+            </a:endParaRPr>
+          </a:p>
+        </p:txBody>
+      </p:sp>
+      <p:sp>
+        <p:nvSpPr>
+          <p:cNvPr id="19" name="Strzałka: zawracanie 18">
+            <a:extLst>
+              <a:ext uri="{FF2B5EF4-FFF2-40B4-BE49-F238E27FC236}">
+                <a16:creationId xmlns:a16="http://schemas.microsoft.com/office/drawing/2014/main" id="{C06B819B-16E8-E52C-5210-E77A9568BAC7}"/>
+              </a:ext>
+            </a:extLst>
+          </p:cNvPr>
+          <p:cNvSpPr/>
+          <p:nvPr/>
+        </p:nvSpPr>
+        <p:spPr>
+          <a:xfrm>
+            <a:off x="7141839" y="1499844"/>
+            <a:ext cx="2937555" cy="258278"/>
+          </a:xfrm>
+          <a:prstGeom prst="uturnArrow">
+            <a:avLst>
+              <a:gd name="adj1" fmla="val 17593"/>
+              <a:gd name="adj2" fmla="val 25000"/>
+              <a:gd name="adj3" fmla="val 21296"/>
+              <a:gd name="adj4" fmla="val 43750"/>
+              <a:gd name="adj5" fmla="val 93518"/>
+            </a:avLst>
+          </a:prstGeom>
+        </p:spPr>
+        <p:style>
+          <a:lnRef idx="2">
+            <a:schemeClr val="accent2">
+              <a:shade val="50000"/>
+            </a:schemeClr>
+          </a:lnRef>
+          <a:fillRef idx="1">
+            <a:schemeClr val="accent2"/>
+          </a:fillRef>
+          <a:effectRef idx="0">
+            <a:schemeClr val="accent2"/>
+          </a:effectRef>
+          <a:fontRef idx="minor">
+            <a:schemeClr val="lt1"/>
+          </a:fontRef>
+        </p:style>
+        <p:txBody>
+          <a:bodyPr rtlCol="0" anchor="ctr"/>
+          <a:lstStyle/>
+          <a:p>
+            <a:pPr algn="ctr"/>
+            <a:endParaRPr lang="pl-PL">
+              <a:solidFill>
+                <a:schemeClr val="tx1"/>
+              </a:solidFill>
+            </a:endParaRPr>
+          </a:p>
+        </p:txBody>
+      </p:sp>
+      <p:sp>
+        <p:nvSpPr>
+          <p:cNvPr id="20" name="Strzałka: zawracanie 19">
+            <a:extLst>
+              <a:ext uri="{FF2B5EF4-FFF2-40B4-BE49-F238E27FC236}">
+                <a16:creationId xmlns:a16="http://schemas.microsoft.com/office/drawing/2014/main" id="{EBD9BC22-0B64-59EF-CF35-8AD5C1A08F8C}"/>
+              </a:ext>
+            </a:extLst>
+          </p:cNvPr>
+          <p:cNvSpPr/>
+          <p:nvPr/>
+        </p:nvSpPr>
+        <p:spPr>
+          <a:xfrm>
+            <a:off x="6162261" y="2109372"/>
+            <a:ext cx="2822712" cy="454924"/>
+          </a:xfrm>
+          <a:prstGeom prst="uturnArrow">
+            <a:avLst/>
+          </a:prstGeom>
+        </p:spPr>
+        <p:style>
+          <a:lnRef idx="2">
+            <a:schemeClr val="accent1">
+              <a:shade val="50000"/>
+            </a:schemeClr>
+          </a:lnRef>
+          <a:fillRef idx="1">
+            <a:schemeClr val="accent1"/>
+          </a:fillRef>
+          <a:effectRef idx="0">
+            <a:schemeClr val="accent1"/>
+          </a:effectRef>
+          <a:fontRef idx="minor">
+            <a:schemeClr val="lt1"/>
+          </a:fontRef>
+        </p:style>
+        <p:txBody>
+          <a:bodyPr rtlCol="0" anchor="ctr"/>
+          <a:lstStyle/>
+          <a:p>
+            <a:pPr algn="ctr"/>
+            <a:r>
+              <a:rPr lang="pl-PL" dirty="0">
+                <a:solidFill>
+                  <a:schemeClr val="tx1"/>
+                </a:solidFill>
+              </a:rPr>
+              <a:t>             </a:t>
+            </a:r>
+            <a:r>
+              <a:rPr lang="pl-PL" dirty="0" err="1">
+                <a:solidFill>
+                  <a:schemeClr val="tx1"/>
+                </a:solidFill>
+              </a:rPr>
+              <a:t>Itd</a:t>
+            </a:r>
+            <a:r>
+              <a:rPr lang="pl-PL" dirty="0">
+                <a:solidFill>
+                  <a:schemeClr val="tx1"/>
+                </a:solidFill>
+              </a:rPr>
+              <a:t>…</a:t>
+            </a:r>
+          </a:p>
+        </p:txBody>
+      </p:sp>
+      <p:sp>
+        <p:nvSpPr>
+          <p:cNvPr id="21" name="pole tekstowe 20">
+            <a:extLst>
+              <a:ext uri="{FF2B5EF4-FFF2-40B4-BE49-F238E27FC236}">
+                <a16:creationId xmlns:a16="http://schemas.microsoft.com/office/drawing/2014/main" id="{A8AD6F82-68BF-6AF4-9808-4E93329B4958}"/>
+              </a:ext>
+            </a:extLst>
+          </p:cNvPr>
+          <p:cNvSpPr txBox="1"/>
+          <p:nvPr/>
+        </p:nvSpPr>
+        <p:spPr>
+          <a:xfrm>
+            <a:off x="1265583" y="5294243"/>
+            <a:ext cx="7152920" cy="369332"/>
+          </a:xfrm>
+          <a:prstGeom prst="rect">
+            <a:avLst/>
+          </a:prstGeom>
+          <a:noFill/>
+        </p:spPr>
+        <p:txBody>
+          <a:bodyPr wrap="none" rtlCol="0">
+            <a:spAutoFit/>
+          </a:bodyPr>
+          <a:lstStyle/>
+          <a:p>
+            <a:r>
+              <a:rPr lang="pl-PL" dirty="0"/>
+              <a:t>S0 = K0*0 + K1*0 + K2*0 + K3*0 + K4*P0 + K5*P1 + K6*0 + K7*P6 + K8*P7 </a:t>
+            </a:r>
+          </a:p>
+        </p:txBody>
+      </p:sp>
+      <p:sp>
+        <p:nvSpPr>
+          <p:cNvPr id="24" name="pole tekstowe 23">
+            <a:extLst>
+              <a:ext uri="{FF2B5EF4-FFF2-40B4-BE49-F238E27FC236}">
+                <a16:creationId xmlns:a16="http://schemas.microsoft.com/office/drawing/2014/main" id="{B013DC1D-ED93-CA00-AB98-DE95ABCB9819}"/>
+              </a:ext>
+            </a:extLst>
+          </p:cNvPr>
+          <p:cNvSpPr txBox="1"/>
+          <p:nvPr/>
+        </p:nvSpPr>
+        <p:spPr>
+          <a:xfrm>
+            <a:off x="1103243" y="6109945"/>
+            <a:ext cx="7702826" cy="369332"/>
+          </a:xfrm>
+          <a:prstGeom prst="rect">
+            <a:avLst/>
+          </a:prstGeom>
+          <a:solidFill>
+            <a:schemeClr val="accent6">
+              <a:lumMod val="40000"/>
+              <a:lumOff val="60000"/>
+            </a:schemeClr>
+          </a:solidFill>
+        </p:spPr>
+        <p:txBody>
+          <a:bodyPr wrap="square" rtlCol="0">
+            <a:spAutoFit/>
+          </a:bodyPr>
+          <a:lstStyle/>
+          <a:p>
+            <a:r>
+              <a:rPr lang="pl-PL" dirty="0"/>
+              <a:t>Wartość przefiltrowanego piksela P0</a:t>
+            </a:r>
+          </a:p>
+        </p:txBody>
+      </p:sp>
+      <p:cxnSp>
+        <p:nvCxnSpPr>
+          <p:cNvPr id="26" name="Łącznik prosty ze strzałką 25">
+            <a:extLst>
+              <a:ext uri="{FF2B5EF4-FFF2-40B4-BE49-F238E27FC236}">
+                <a16:creationId xmlns:a16="http://schemas.microsoft.com/office/drawing/2014/main" id="{56928348-F442-6F8A-82FE-C19255A4D900}"/>
+              </a:ext>
+            </a:extLst>
+          </p:cNvPr>
+          <p:cNvCxnSpPr/>
+          <p:nvPr/>
+        </p:nvCxnSpPr>
+        <p:spPr>
+          <a:xfrm flipV="1">
+            <a:off x="1331843" y="5579165"/>
+            <a:ext cx="53009" cy="530780"/>
+          </a:xfrm>
+          <a:prstGeom prst="straightConnector1">
+            <a:avLst/>
+          </a:prstGeom>
+          <a:ln>
+            <a:tailEnd type="triangle"/>
+          </a:ln>
+        </p:spPr>
+        <p:style>
+          <a:lnRef idx="1">
+            <a:schemeClr val="accent1"/>
+          </a:lnRef>
+          <a:fillRef idx="0">
+            <a:schemeClr val="accent1"/>
+          </a:fillRef>
+          <a:effectRef idx="0">
+            <a:schemeClr val="accent1"/>
+          </a:effectRef>
+          <a:fontRef idx="minor">
+            <a:schemeClr val="tx1"/>
+          </a:fontRef>
+        </p:style>
+      </p:cxnSp>
+    </p:spTree>
+    <p:extLst>
+      <p:ext uri="{BB962C8B-B14F-4D97-AF65-F5344CB8AC3E}">
+        <p14:creationId xmlns:p14="http://schemas.microsoft.com/office/powerpoint/2010/main" val="3522878571"/>
+      </p:ext>
+    </p:extLst>
+  </p:cSld>
+  <p:clrMapOvr>
+    <a:masterClrMapping/>
+  </p:clrMapOvr>
+</p:sld>
+</file>
+
+<file path=ppt/slides/slide15.xml><?xml version="1.0" encoding="utf-8"?>
+<p:sld xmlns:a="http://schemas.openxmlformats.org/drawingml/2006/main" xmlns:r="http://schemas.openxmlformats.org/officeDocument/2006/relationships" xmlns:p="http://schemas.openxmlformats.org/presentationml/2006/main">
+  <p:cSld>
+    <p:spTree>
+      <p:nvGrpSpPr>
+        <p:cNvPr id="1" name=""/>
+        <p:cNvGrpSpPr/>
+        <p:nvPr/>
+      </p:nvGrpSpPr>
+      <p:grpSpPr>
+        <a:xfrm>
+          <a:off x="0" y="0"/>
+          <a:ext cx="0" cy="0"/>
+          <a:chOff x="0" y="0"/>
+          <a:chExt cx="0" cy="0"/>
+        </a:xfrm>
+      </p:grpSpPr>
+      <p:graphicFrame>
+        <p:nvGraphicFramePr>
+          <p:cNvPr id="5" name="Tabela 4">
+            <a:extLst>
+              <a:ext uri="{FF2B5EF4-FFF2-40B4-BE49-F238E27FC236}">
+                <a16:creationId xmlns:a16="http://schemas.microsoft.com/office/drawing/2014/main" id="{9550D609-3C18-4665-CB3A-CCD1AE71A4CE}"/>
+              </a:ext>
+            </a:extLst>
+          </p:cNvPr>
+          <p:cNvGraphicFramePr>
+            <a:graphicFrameLocks noGrp="1"/>
+          </p:cNvGraphicFramePr>
+          <p:nvPr>
+            <p:extLst>
+              <p:ext uri="{D42A27DB-BD31-4B8C-83A1-F6EECF244321}">
+                <p14:modId xmlns:p14="http://schemas.microsoft.com/office/powerpoint/2010/main" val="385830369"/>
+              </p:ext>
+            </p:extLst>
+          </p:nvPr>
+        </p:nvGraphicFramePr>
+        <p:xfrm>
+          <a:off x="377687" y="1027043"/>
+          <a:ext cx="4395296" cy="3677478"/>
+        </p:xfrm>
+        <a:graphic>
+          <a:graphicData uri="http://schemas.openxmlformats.org/drawingml/2006/table">
+            <a:tbl>
+              <a:tblPr firstRow="1" bandRow="1">
+                <a:tableStyleId>{5940675A-B579-460E-94D1-54222C63F5DA}</a:tableStyleId>
+              </a:tblPr>
+              <a:tblGrid>
+                <a:gridCol w="549412">
+                  <a:extLst>
+                    <a:ext uri="{9D8B030D-6E8A-4147-A177-3AD203B41FA5}">
+                      <a16:colId xmlns:a16="http://schemas.microsoft.com/office/drawing/2014/main" val="2775183905"/>
+                    </a:ext>
+                  </a:extLst>
+                </a:gridCol>
+                <a:gridCol w="549412">
+                  <a:extLst>
+                    <a:ext uri="{9D8B030D-6E8A-4147-A177-3AD203B41FA5}">
+                      <a16:colId xmlns:a16="http://schemas.microsoft.com/office/drawing/2014/main" val="3621879674"/>
+                    </a:ext>
+                  </a:extLst>
+                </a:gridCol>
+                <a:gridCol w="549412">
+                  <a:extLst>
+                    <a:ext uri="{9D8B030D-6E8A-4147-A177-3AD203B41FA5}">
+                      <a16:colId xmlns:a16="http://schemas.microsoft.com/office/drawing/2014/main" val="3002586182"/>
+                    </a:ext>
+                  </a:extLst>
+                </a:gridCol>
+                <a:gridCol w="549412">
+                  <a:extLst>
+                    <a:ext uri="{9D8B030D-6E8A-4147-A177-3AD203B41FA5}">
+                      <a16:colId xmlns:a16="http://schemas.microsoft.com/office/drawing/2014/main" val="1934526115"/>
+                    </a:ext>
+                  </a:extLst>
+                </a:gridCol>
+                <a:gridCol w="549412">
+                  <a:extLst>
+                    <a:ext uri="{9D8B030D-6E8A-4147-A177-3AD203B41FA5}">
+                      <a16:colId xmlns:a16="http://schemas.microsoft.com/office/drawing/2014/main" val="67640024"/>
+                    </a:ext>
+                  </a:extLst>
+                </a:gridCol>
+                <a:gridCol w="549412">
+                  <a:extLst>
+                    <a:ext uri="{9D8B030D-6E8A-4147-A177-3AD203B41FA5}">
+                      <a16:colId xmlns:a16="http://schemas.microsoft.com/office/drawing/2014/main" val="3920501893"/>
+                    </a:ext>
+                  </a:extLst>
+                </a:gridCol>
+                <a:gridCol w="549412">
+                  <a:extLst>
+                    <a:ext uri="{9D8B030D-6E8A-4147-A177-3AD203B41FA5}">
+                      <a16:colId xmlns:a16="http://schemas.microsoft.com/office/drawing/2014/main" val="601274440"/>
+                    </a:ext>
+                  </a:extLst>
+                </a:gridCol>
+                <a:gridCol w="549412">
+                  <a:extLst>
+                    <a:ext uri="{9D8B030D-6E8A-4147-A177-3AD203B41FA5}">
+                      <a16:colId xmlns:a16="http://schemas.microsoft.com/office/drawing/2014/main" val="1522111022"/>
+                    </a:ext>
+                  </a:extLst>
+                </a:gridCol>
+              </a:tblGrid>
+              <a:tr h="612913">
+                <a:tc>
+                  <a:txBody>
+                    <a:bodyPr/>
+                    <a:lstStyle/>
+                    <a:p>
+                      <a:r>
+                        <a:rPr lang="pl-PL" dirty="0"/>
+                        <a:t>0</a:t>
+                      </a:r>
+                    </a:p>
+                  </a:txBody>
+                  <a:tcPr/>
+                </a:tc>
+                <a:tc>
+                  <a:txBody>
+                    <a:bodyPr/>
+                    <a:lstStyle/>
+                    <a:p>
+                      <a:r>
+                        <a:rPr lang="pl-PL" dirty="0"/>
+                        <a:t>0</a:t>
+                      </a:r>
+                    </a:p>
+                  </a:txBody>
+                  <a:tcPr/>
+                </a:tc>
+                <a:tc>
+                  <a:txBody>
+                    <a:bodyPr/>
+                    <a:lstStyle/>
+                    <a:p>
+                      <a:r>
+                        <a:rPr lang="pl-PL" dirty="0"/>
+                        <a:t>0</a:t>
+                      </a:r>
+                    </a:p>
+                  </a:txBody>
+                  <a:tcPr/>
+                </a:tc>
+                <a:tc>
+                  <a:txBody>
+                    <a:bodyPr/>
+                    <a:lstStyle/>
+                    <a:p>
+                      <a:r>
+                        <a:rPr lang="pl-PL" dirty="0"/>
+                        <a:t>0</a:t>
+                      </a:r>
+                    </a:p>
+                  </a:txBody>
+                  <a:tcPr/>
+                </a:tc>
+                <a:tc>
+                  <a:txBody>
+                    <a:bodyPr/>
+                    <a:lstStyle/>
+                    <a:p>
+                      <a:r>
+                        <a:rPr lang="pl-PL" dirty="0"/>
+                        <a:t>0</a:t>
+                      </a:r>
+                    </a:p>
+                  </a:txBody>
+                  <a:tcPr/>
+                </a:tc>
+                <a:tc>
+                  <a:txBody>
+                    <a:bodyPr/>
+                    <a:lstStyle/>
+                    <a:p>
+                      <a:r>
+                        <a:rPr lang="pl-PL" dirty="0"/>
+                        <a:t>0</a:t>
+                      </a:r>
+                    </a:p>
+                  </a:txBody>
+                  <a:tcPr/>
+                </a:tc>
+                <a:tc>
+                  <a:txBody>
+                    <a:bodyPr/>
+                    <a:lstStyle/>
+                    <a:p>
+                      <a:r>
+                        <a:rPr lang="pl-PL" dirty="0"/>
+                        <a:t>0</a:t>
+                      </a:r>
+                    </a:p>
+                  </a:txBody>
+                  <a:tcPr/>
+                </a:tc>
+                <a:tc>
+                  <a:txBody>
+                    <a:bodyPr/>
+                    <a:lstStyle/>
+                    <a:p>
+                      <a:r>
+                        <a:rPr lang="pl-PL" dirty="0"/>
+                        <a:t>0</a:t>
+                      </a:r>
+                    </a:p>
+                  </a:txBody>
+                  <a:tcPr/>
+                </a:tc>
+                <a:extLst>
+                  <a:ext uri="{0D108BD9-81ED-4DB2-BD59-A6C34878D82A}">
+                    <a16:rowId xmlns:a16="http://schemas.microsoft.com/office/drawing/2014/main" val="2896688487"/>
+                  </a:ext>
+                </a:extLst>
+              </a:tr>
+              <a:tr h="612913">
+                <a:tc>
+                  <a:txBody>
+                    <a:bodyPr/>
+                    <a:lstStyle/>
+                    <a:p>
+                      <a:r>
+                        <a:rPr lang="pl-PL" dirty="0"/>
+                        <a:t>0</a:t>
+                      </a:r>
+                    </a:p>
+                  </a:txBody>
+                  <a:tcPr/>
+                </a:tc>
+                <a:tc>
+                  <a:txBody>
+                    <a:bodyPr/>
+                    <a:lstStyle/>
+                    <a:p>
+                      <a:r>
+                        <a:rPr lang="pl-PL" dirty="0"/>
+                        <a:t>P0</a:t>
+                      </a:r>
+                    </a:p>
+                  </a:txBody>
+                  <a:tcPr>
+                    <a:solidFill>
+                      <a:schemeClr val="accent2">
+                        <a:lumMod val="60000"/>
+                        <a:lumOff val="40000"/>
+                      </a:schemeClr>
+                    </a:solidFill>
+                  </a:tcPr>
+                </a:tc>
+                <a:tc>
+                  <a:txBody>
+                    <a:bodyPr/>
+                    <a:lstStyle/>
+                    <a:p>
+                      <a:r>
+                        <a:rPr lang="pl-PL" dirty="0"/>
+                        <a:t>P1</a:t>
+                      </a:r>
+                    </a:p>
+                  </a:txBody>
+                  <a:tcPr>
+                    <a:solidFill>
+                      <a:schemeClr val="accent2">
+                        <a:lumMod val="60000"/>
+                        <a:lumOff val="40000"/>
+                      </a:schemeClr>
+                    </a:solidFill>
+                  </a:tcPr>
+                </a:tc>
+                <a:tc>
+                  <a:txBody>
+                    <a:bodyPr/>
+                    <a:lstStyle/>
+                    <a:p>
+                      <a:r>
+                        <a:rPr lang="pl-PL" dirty="0"/>
+                        <a:t>P2</a:t>
+                      </a:r>
+                    </a:p>
+                  </a:txBody>
+                  <a:tcPr>
+                    <a:solidFill>
+                      <a:schemeClr val="accent2">
+                        <a:lumMod val="60000"/>
+                        <a:lumOff val="40000"/>
+                      </a:schemeClr>
+                    </a:solidFill>
+                  </a:tcPr>
+                </a:tc>
+                <a:tc>
+                  <a:txBody>
+                    <a:bodyPr/>
+                    <a:lstStyle/>
+                    <a:p>
+                      <a:r>
+                        <a:rPr lang="pl-PL" dirty="0"/>
+                        <a:t>P3</a:t>
+                      </a:r>
+                    </a:p>
+                  </a:txBody>
+                  <a:tcPr>
+                    <a:solidFill>
+                      <a:schemeClr val="accent2">
+                        <a:lumMod val="60000"/>
+                        <a:lumOff val="40000"/>
+                      </a:schemeClr>
+                    </a:solidFill>
+                  </a:tcPr>
+                </a:tc>
+                <a:tc>
+                  <a:txBody>
+                    <a:bodyPr/>
+                    <a:lstStyle/>
+                    <a:p>
+                      <a:r>
+                        <a:rPr lang="pl-PL" dirty="0"/>
+                        <a:t>P4</a:t>
+                      </a:r>
+                    </a:p>
+                  </a:txBody>
+                  <a:tcPr>
+                    <a:solidFill>
+                      <a:schemeClr val="accent2">
+                        <a:lumMod val="60000"/>
+                        <a:lumOff val="40000"/>
+                      </a:schemeClr>
+                    </a:solidFill>
+                  </a:tcPr>
+                </a:tc>
+                <a:tc>
+                  <a:txBody>
+                    <a:bodyPr/>
+                    <a:lstStyle/>
+                    <a:p>
+                      <a:r>
+                        <a:rPr lang="pl-PL" dirty="0"/>
+                        <a:t>P5</a:t>
+                      </a:r>
+                    </a:p>
+                  </a:txBody>
+                  <a:tcPr>
+                    <a:solidFill>
+                      <a:schemeClr val="accent2">
+                        <a:lumMod val="60000"/>
+                        <a:lumOff val="40000"/>
+                      </a:schemeClr>
+                    </a:solidFill>
+                  </a:tcPr>
+                </a:tc>
+                <a:tc>
+                  <a:txBody>
+                    <a:bodyPr/>
+                    <a:lstStyle/>
+                    <a:p>
+                      <a:r>
+                        <a:rPr lang="pl-PL" dirty="0"/>
+                        <a:t>0</a:t>
+                      </a:r>
+                    </a:p>
+                  </a:txBody>
+                  <a:tcPr/>
+                </a:tc>
+                <a:extLst>
+                  <a:ext uri="{0D108BD9-81ED-4DB2-BD59-A6C34878D82A}">
+                    <a16:rowId xmlns:a16="http://schemas.microsoft.com/office/drawing/2014/main" val="3955753318"/>
+                  </a:ext>
+                </a:extLst>
+              </a:tr>
+              <a:tr h="612913">
+                <a:tc>
+                  <a:txBody>
+                    <a:bodyPr/>
+                    <a:lstStyle/>
+                    <a:p>
+                      <a:r>
+                        <a:rPr lang="pl-PL" dirty="0"/>
+                        <a:t>0</a:t>
+                      </a:r>
+                    </a:p>
+                  </a:txBody>
+                  <a:tcPr/>
+                </a:tc>
+                <a:tc>
+                  <a:txBody>
+                    <a:bodyPr/>
+                    <a:lstStyle/>
+                    <a:p>
+                      <a:r>
+                        <a:rPr lang="pl-PL" dirty="0"/>
+                        <a:t>P6</a:t>
+                      </a:r>
+                    </a:p>
+                  </a:txBody>
+                  <a:tcPr>
+                    <a:solidFill>
+                      <a:schemeClr val="accent2">
+                        <a:lumMod val="60000"/>
+                        <a:lumOff val="40000"/>
+                      </a:schemeClr>
+                    </a:solidFill>
+                  </a:tcPr>
+                </a:tc>
+                <a:tc>
+                  <a:txBody>
+                    <a:bodyPr/>
+                    <a:lstStyle/>
+                    <a:p>
+                      <a:r>
+                        <a:rPr lang="pl-PL" dirty="0"/>
+                        <a:t>P7</a:t>
+                      </a:r>
+                    </a:p>
+                  </a:txBody>
+                  <a:tcPr>
+                    <a:solidFill>
+                      <a:schemeClr val="accent2">
+                        <a:lumMod val="60000"/>
+                        <a:lumOff val="40000"/>
+                      </a:schemeClr>
+                    </a:solidFill>
+                  </a:tcPr>
+                </a:tc>
+                <a:tc>
+                  <a:txBody>
+                    <a:bodyPr/>
+                    <a:lstStyle/>
+                    <a:p>
+                      <a:r>
+                        <a:rPr lang="pl-PL" dirty="0"/>
+                        <a:t>P8</a:t>
+                      </a:r>
+                    </a:p>
+                  </a:txBody>
+                  <a:tcPr>
+                    <a:solidFill>
+                      <a:schemeClr val="accent2">
+                        <a:lumMod val="60000"/>
+                        <a:lumOff val="40000"/>
+                      </a:schemeClr>
+                    </a:solidFill>
+                  </a:tcPr>
+                </a:tc>
+                <a:tc>
+                  <a:txBody>
+                    <a:bodyPr/>
+                    <a:lstStyle/>
+                    <a:p>
+                      <a:r>
+                        <a:rPr lang="pl-PL" dirty="0"/>
+                        <a:t>P9</a:t>
+                      </a:r>
+                    </a:p>
+                  </a:txBody>
+                  <a:tcPr>
+                    <a:solidFill>
+                      <a:schemeClr val="accent2">
+                        <a:lumMod val="60000"/>
+                        <a:lumOff val="40000"/>
+                      </a:schemeClr>
+                    </a:solidFill>
+                  </a:tcPr>
+                </a:tc>
+                <a:tc>
+                  <a:txBody>
+                    <a:bodyPr/>
+                    <a:lstStyle/>
+                    <a:p>
+                      <a:r>
+                        <a:rPr lang="pl-PL" dirty="0"/>
+                        <a:t>P10</a:t>
+                      </a:r>
+                    </a:p>
+                  </a:txBody>
+                  <a:tcPr>
+                    <a:solidFill>
+                      <a:schemeClr val="accent2">
+                        <a:lumMod val="60000"/>
+                        <a:lumOff val="40000"/>
+                      </a:schemeClr>
+                    </a:solidFill>
+                  </a:tcPr>
+                </a:tc>
+                <a:tc>
+                  <a:txBody>
+                    <a:bodyPr/>
+                    <a:lstStyle/>
+                    <a:p>
+                      <a:r>
+                        <a:rPr lang="pl-PL" dirty="0"/>
+                        <a:t>P11</a:t>
+                      </a:r>
+                    </a:p>
+                  </a:txBody>
+                  <a:tcPr>
+                    <a:solidFill>
+                      <a:schemeClr val="accent2">
+                        <a:lumMod val="60000"/>
+                        <a:lumOff val="40000"/>
+                      </a:schemeClr>
+                    </a:solidFill>
+                  </a:tcPr>
+                </a:tc>
+                <a:tc>
+                  <a:txBody>
+                    <a:bodyPr/>
+                    <a:lstStyle/>
+                    <a:p>
+                      <a:r>
+                        <a:rPr lang="pl-PL" dirty="0"/>
+                        <a:t>0</a:t>
+                      </a:r>
+                    </a:p>
+                  </a:txBody>
+                  <a:tcPr/>
+                </a:tc>
+                <a:extLst>
+                  <a:ext uri="{0D108BD9-81ED-4DB2-BD59-A6C34878D82A}">
+                    <a16:rowId xmlns:a16="http://schemas.microsoft.com/office/drawing/2014/main" val="3799472403"/>
+                  </a:ext>
+                </a:extLst>
+              </a:tr>
+              <a:tr h="612913">
+                <a:tc>
+                  <a:txBody>
+                    <a:bodyPr/>
+                    <a:lstStyle/>
+                    <a:p>
+                      <a:r>
+                        <a:rPr lang="pl-PL" dirty="0"/>
+                        <a:t>0</a:t>
+                      </a:r>
+                    </a:p>
+                  </a:txBody>
+                  <a:tcPr/>
+                </a:tc>
+                <a:tc>
+                  <a:txBody>
+                    <a:bodyPr/>
+                    <a:lstStyle/>
+                    <a:p>
+                      <a:r>
+                        <a:rPr lang="pl-PL" dirty="0"/>
+                        <a:t>P12</a:t>
+                      </a:r>
+                    </a:p>
+                  </a:txBody>
+                  <a:tcPr>
+                    <a:solidFill>
+                      <a:schemeClr val="accent2">
+                        <a:lumMod val="60000"/>
+                        <a:lumOff val="40000"/>
+                      </a:schemeClr>
+                    </a:solidFill>
+                  </a:tcPr>
+                </a:tc>
+                <a:tc>
+                  <a:txBody>
+                    <a:bodyPr/>
+                    <a:lstStyle/>
+                    <a:p>
+                      <a:r>
+                        <a:rPr lang="pl-PL" dirty="0"/>
+                        <a:t>P13</a:t>
+                      </a:r>
+                    </a:p>
+                  </a:txBody>
+                  <a:tcPr>
+                    <a:solidFill>
+                      <a:schemeClr val="accent2">
+                        <a:lumMod val="60000"/>
+                        <a:lumOff val="40000"/>
+                      </a:schemeClr>
+                    </a:solidFill>
+                  </a:tcPr>
+                </a:tc>
+                <a:tc>
+                  <a:txBody>
+                    <a:bodyPr/>
+                    <a:lstStyle/>
+                    <a:p>
+                      <a:r>
+                        <a:rPr lang="pl-PL" dirty="0"/>
+                        <a:t>P14</a:t>
+                      </a:r>
+                    </a:p>
+                  </a:txBody>
+                  <a:tcPr>
+                    <a:solidFill>
+                      <a:schemeClr val="accent2">
+                        <a:lumMod val="60000"/>
+                        <a:lumOff val="40000"/>
+                      </a:schemeClr>
+                    </a:solidFill>
+                  </a:tcPr>
+                </a:tc>
+                <a:tc>
+                  <a:txBody>
+                    <a:bodyPr/>
+                    <a:lstStyle/>
+                    <a:p>
+                      <a:r>
+                        <a:rPr lang="pl-PL" dirty="0"/>
+                        <a:t>P15</a:t>
+                      </a:r>
+                    </a:p>
+                  </a:txBody>
+                  <a:tcPr>
+                    <a:solidFill>
+                      <a:schemeClr val="accent2">
+                        <a:lumMod val="60000"/>
+                        <a:lumOff val="40000"/>
+                      </a:schemeClr>
+                    </a:solidFill>
+                  </a:tcPr>
+                </a:tc>
+                <a:tc>
+                  <a:txBody>
+                    <a:bodyPr/>
+                    <a:lstStyle/>
+                    <a:p>
+                      <a:r>
+                        <a:rPr lang="pl-PL" dirty="0"/>
+                        <a:t>P16</a:t>
+                      </a:r>
+                    </a:p>
+                  </a:txBody>
+                  <a:tcPr>
+                    <a:solidFill>
+                      <a:schemeClr val="accent2">
+                        <a:lumMod val="60000"/>
+                        <a:lumOff val="40000"/>
+                      </a:schemeClr>
+                    </a:solidFill>
+                  </a:tcPr>
+                </a:tc>
+                <a:tc>
+                  <a:txBody>
+                    <a:bodyPr/>
+                    <a:lstStyle/>
+                    <a:p>
+                      <a:r>
+                        <a:rPr lang="pl-PL" dirty="0"/>
+                        <a:t>P17</a:t>
+                      </a:r>
+                    </a:p>
+                  </a:txBody>
+                  <a:tcPr>
+                    <a:solidFill>
+                      <a:schemeClr val="accent2">
+                        <a:lumMod val="60000"/>
+                        <a:lumOff val="40000"/>
+                      </a:schemeClr>
+                    </a:solidFill>
+                  </a:tcPr>
+                </a:tc>
+                <a:tc>
+                  <a:txBody>
+                    <a:bodyPr/>
+                    <a:lstStyle/>
+                    <a:p>
+                      <a:r>
+                        <a:rPr lang="pl-PL" dirty="0"/>
+                        <a:t>0</a:t>
+                      </a:r>
+                    </a:p>
+                  </a:txBody>
+                  <a:tcPr/>
+                </a:tc>
+                <a:extLst>
+                  <a:ext uri="{0D108BD9-81ED-4DB2-BD59-A6C34878D82A}">
+                    <a16:rowId xmlns:a16="http://schemas.microsoft.com/office/drawing/2014/main" val="1294046969"/>
+                  </a:ext>
+                </a:extLst>
+              </a:tr>
+              <a:tr h="612913">
+                <a:tc>
+                  <a:txBody>
+                    <a:bodyPr/>
+                    <a:lstStyle/>
+                    <a:p>
+                      <a:r>
+                        <a:rPr lang="pl-PL" dirty="0"/>
+                        <a:t>0</a:t>
+                      </a:r>
+                    </a:p>
+                  </a:txBody>
+                  <a:tcPr/>
+                </a:tc>
+                <a:tc>
+                  <a:txBody>
+                    <a:bodyPr/>
+                    <a:lstStyle/>
+                    <a:p>
+                      <a:r>
+                        <a:rPr lang="pl-PL" dirty="0"/>
+                        <a:t>P18</a:t>
+                      </a:r>
+                    </a:p>
+                  </a:txBody>
+                  <a:tcPr>
+                    <a:solidFill>
+                      <a:schemeClr val="accent2">
+                        <a:lumMod val="60000"/>
+                        <a:lumOff val="40000"/>
+                      </a:schemeClr>
+                    </a:solidFill>
+                  </a:tcPr>
+                </a:tc>
+                <a:tc>
+                  <a:txBody>
+                    <a:bodyPr/>
+                    <a:lstStyle/>
+                    <a:p>
+                      <a:r>
+                        <a:rPr lang="pl-PL" dirty="0"/>
+                        <a:t>P19</a:t>
+                      </a:r>
+                    </a:p>
+                  </a:txBody>
+                  <a:tcPr>
+                    <a:solidFill>
+                      <a:schemeClr val="accent2">
+                        <a:lumMod val="60000"/>
+                        <a:lumOff val="40000"/>
+                      </a:schemeClr>
+                    </a:solidFill>
+                  </a:tcPr>
+                </a:tc>
+                <a:tc>
+                  <a:txBody>
+                    <a:bodyPr/>
+                    <a:lstStyle/>
+                    <a:p>
+                      <a:r>
+                        <a:rPr lang="pl-PL" dirty="0"/>
+                        <a:t>P20</a:t>
+                      </a:r>
+                    </a:p>
+                  </a:txBody>
+                  <a:tcPr>
+                    <a:solidFill>
+                      <a:schemeClr val="accent2">
+                        <a:lumMod val="60000"/>
+                        <a:lumOff val="40000"/>
+                      </a:schemeClr>
+                    </a:solidFill>
+                  </a:tcPr>
+                </a:tc>
+                <a:tc>
+                  <a:txBody>
+                    <a:bodyPr/>
+                    <a:lstStyle/>
+                    <a:p>
+                      <a:r>
+                        <a:rPr lang="pl-PL" dirty="0"/>
+                        <a:t>P21</a:t>
+                      </a:r>
+                    </a:p>
+                  </a:txBody>
+                  <a:tcPr>
+                    <a:solidFill>
+                      <a:schemeClr val="accent2">
+                        <a:lumMod val="60000"/>
+                        <a:lumOff val="40000"/>
+                      </a:schemeClr>
+                    </a:solidFill>
+                  </a:tcPr>
+                </a:tc>
+                <a:tc>
+                  <a:txBody>
+                    <a:bodyPr/>
+                    <a:lstStyle/>
+                    <a:p>
+                      <a:r>
+                        <a:rPr lang="pl-PL" dirty="0"/>
+                        <a:t>P22</a:t>
+                      </a:r>
+                    </a:p>
+                  </a:txBody>
+                  <a:tcPr>
+                    <a:solidFill>
+                      <a:schemeClr val="accent2">
+                        <a:lumMod val="60000"/>
+                        <a:lumOff val="40000"/>
+                      </a:schemeClr>
+                    </a:solidFill>
+                  </a:tcPr>
+                </a:tc>
+                <a:tc>
+                  <a:txBody>
+                    <a:bodyPr/>
+                    <a:lstStyle/>
+                    <a:p>
+                      <a:r>
+                        <a:rPr lang="pl-PL" dirty="0"/>
+                        <a:t>S23</a:t>
+                      </a:r>
+                    </a:p>
+                  </a:txBody>
+                  <a:tcPr>
+                    <a:solidFill>
+                      <a:schemeClr val="accent2">
+                        <a:lumMod val="60000"/>
+                        <a:lumOff val="40000"/>
+                      </a:schemeClr>
+                    </a:solidFill>
+                  </a:tcPr>
+                </a:tc>
+                <a:tc>
+                  <a:txBody>
+                    <a:bodyPr/>
+                    <a:lstStyle/>
+                    <a:p>
+                      <a:r>
+                        <a:rPr lang="pl-PL" dirty="0"/>
+                        <a:t>0</a:t>
+                      </a:r>
+                    </a:p>
+                  </a:txBody>
+                  <a:tcPr/>
+                </a:tc>
+                <a:extLst>
+                  <a:ext uri="{0D108BD9-81ED-4DB2-BD59-A6C34878D82A}">
+                    <a16:rowId xmlns:a16="http://schemas.microsoft.com/office/drawing/2014/main" val="2115345851"/>
+                  </a:ext>
+                </a:extLst>
+              </a:tr>
+              <a:tr h="612913">
+                <a:tc>
+                  <a:txBody>
+                    <a:bodyPr/>
+                    <a:lstStyle/>
+                    <a:p>
+                      <a:r>
+                        <a:rPr lang="pl-PL" dirty="0"/>
+                        <a:t>0</a:t>
+                      </a:r>
+                    </a:p>
+                  </a:txBody>
+                  <a:tcPr/>
+                </a:tc>
+                <a:tc>
+                  <a:txBody>
+                    <a:bodyPr/>
+                    <a:lstStyle/>
+                    <a:p>
+                      <a:r>
+                        <a:rPr lang="pl-PL" dirty="0"/>
+                        <a:t>0</a:t>
+                      </a:r>
+                    </a:p>
+                  </a:txBody>
+                  <a:tcPr/>
+                </a:tc>
+                <a:tc>
+                  <a:txBody>
+                    <a:bodyPr/>
+                    <a:lstStyle/>
+                    <a:p>
+                      <a:r>
+                        <a:rPr lang="pl-PL" dirty="0"/>
+                        <a:t>0</a:t>
+                      </a:r>
+                    </a:p>
+                  </a:txBody>
+                  <a:tcPr/>
+                </a:tc>
+                <a:tc>
+                  <a:txBody>
+                    <a:bodyPr/>
+                    <a:lstStyle/>
+                    <a:p>
+                      <a:r>
+                        <a:rPr lang="pl-PL" dirty="0"/>
+                        <a:t>0</a:t>
+                      </a:r>
+                    </a:p>
+                  </a:txBody>
+                  <a:tcPr/>
+                </a:tc>
+                <a:tc>
+                  <a:txBody>
+                    <a:bodyPr/>
+                    <a:lstStyle/>
+                    <a:p>
+                      <a:r>
+                        <a:rPr lang="pl-PL" dirty="0"/>
+                        <a:t>0</a:t>
+                      </a:r>
+                    </a:p>
+                  </a:txBody>
+                  <a:tcPr/>
+                </a:tc>
+                <a:tc>
+                  <a:txBody>
+                    <a:bodyPr/>
+                    <a:lstStyle/>
+                    <a:p>
+                      <a:r>
+                        <a:rPr lang="pl-PL" dirty="0"/>
+                        <a:t>0</a:t>
+                      </a:r>
+                    </a:p>
+                  </a:txBody>
+                  <a:tcPr/>
+                </a:tc>
+                <a:tc>
+                  <a:txBody>
+                    <a:bodyPr/>
+                    <a:lstStyle/>
+                    <a:p>
+                      <a:r>
+                        <a:rPr lang="pl-PL" dirty="0"/>
+                        <a:t>0</a:t>
+                      </a:r>
+                    </a:p>
+                  </a:txBody>
+                  <a:tcPr/>
+                </a:tc>
+                <a:tc>
+                  <a:txBody>
+                    <a:bodyPr/>
+                    <a:lstStyle/>
+                    <a:p>
+                      <a:r>
+                        <a:rPr lang="pl-PL" dirty="0"/>
+                        <a:t>0</a:t>
+                      </a:r>
+                    </a:p>
+                  </a:txBody>
+                  <a:tcPr/>
+                </a:tc>
+                <a:extLst>
+                  <a:ext uri="{0D108BD9-81ED-4DB2-BD59-A6C34878D82A}">
+                    <a16:rowId xmlns:a16="http://schemas.microsoft.com/office/drawing/2014/main" val="2315434368"/>
+                  </a:ext>
+                </a:extLst>
+              </a:tr>
+            </a:tbl>
+          </a:graphicData>
+        </a:graphic>
+      </p:graphicFrame>
+      <p:sp>
+        <p:nvSpPr>
+          <p:cNvPr id="6" name="Prostokąt: zaokrąglone rogi 5">
+            <a:extLst>
+              <a:ext uri="{FF2B5EF4-FFF2-40B4-BE49-F238E27FC236}">
+                <a16:creationId xmlns:a16="http://schemas.microsoft.com/office/drawing/2014/main" id="{ACE4FDDA-3E63-F07E-AC1D-4502C1830FA6}"/>
+              </a:ext>
+            </a:extLst>
+          </p:cNvPr>
+          <p:cNvSpPr/>
+          <p:nvPr/>
+        </p:nvSpPr>
+        <p:spPr>
+          <a:xfrm>
+            <a:off x="377687" y="1027043"/>
+            <a:ext cx="1696278" cy="1848679"/>
+          </a:xfrm>
+          <a:prstGeom prst="roundRect">
+            <a:avLst/>
+          </a:prstGeom>
+          <a:noFill/>
+          <a:ln w="57150">
+            <a:solidFill>
+              <a:schemeClr val="tx1">
+                <a:lumMod val="75000"/>
+                <a:lumOff val="25000"/>
+              </a:schemeClr>
+            </a:solidFill>
+          </a:ln>
+        </p:spPr>
+        <p:style>
+          <a:lnRef idx="2">
+            <a:schemeClr val="accent1">
+              <a:shade val="50000"/>
+            </a:schemeClr>
+          </a:lnRef>
+          <a:fillRef idx="1">
+            <a:schemeClr val="accent1"/>
+          </a:fillRef>
+          <a:effectRef idx="0">
+            <a:schemeClr val="accent1"/>
+          </a:effectRef>
+          <a:fontRef idx="minor">
+            <a:schemeClr val="lt1"/>
+          </a:fontRef>
+        </p:style>
+        <p:txBody>
+          <a:bodyPr rtlCol="0" anchor="ctr"/>
+          <a:lstStyle/>
+          <a:p>
+            <a:pPr algn="ctr"/>
+            <a:endParaRPr lang="pl-PL"/>
+          </a:p>
+        </p:txBody>
+      </p:sp>
+      <p:sp>
+        <p:nvSpPr>
+          <p:cNvPr id="7" name="Prostokąt: zaokrąglone rogi 6">
+            <a:extLst>
+              <a:ext uri="{FF2B5EF4-FFF2-40B4-BE49-F238E27FC236}">
+                <a16:creationId xmlns:a16="http://schemas.microsoft.com/office/drawing/2014/main" id="{5479CCA1-47DD-587E-BCB3-8D903C7546FC}"/>
+              </a:ext>
+            </a:extLst>
+          </p:cNvPr>
+          <p:cNvSpPr/>
+          <p:nvPr/>
+        </p:nvSpPr>
+        <p:spPr>
+          <a:xfrm>
+            <a:off x="879057" y="1017103"/>
+            <a:ext cx="1696278" cy="1848679"/>
+          </a:xfrm>
+          <a:prstGeom prst="roundRect">
+            <a:avLst/>
+          </a:prstGeom>
+          <a:noFill/>
+          <a:ln w="57150">
+            <a:solidFill>
+              <a:schemeClr val="accent4">
+                <a:lumMod val="60000"/>
+                <a:lumOff val="40000"/>
+              </a:schemeClr>
+            </a:solidFill>
+          </a:ln>
+        </p:spPr>
+        <p:style>
+          <a:lnRef idx="2">
+            <a:schemeClr val="accent1">
+              <a:shade val="50000"/>
+            </a:schemeClr>
+          </a:lnRef>
+          <a:fillRef idx="1">
+            <a:schemeClr val="accent1"/>
+          </a:fillRef>
+          <a:effectRef idx="0">
+            <a:schemeClr val="accent1"/>
+          </a:effectRef>
+          <a:fontRef idx="minor">
+            <a:schemeClr val="lt1"/>
+          </a:fontRef>
+        </p:style>
+        <p:txBody>
+          <a:bodyPr rtlCol="0" anchor="ctr"/>
+          <a:lstStyle/>
+          <a:p>
+            <a:pPr algn="ctr"/>
+            <a:endParaRPr lang="pl-PL"/>
+          </a:p>
+        </p:txBody>
+      </p:sp>
+      <p:sp>
+        <p:nvSpPr>
+          <p:cNvPr id="8" name="Prostokąt: zaokrąglone rogi 7">
+            <a:extLst>
+              <a:ext uri="{FF2B5EF4-FFF2-40B4-BE49-F238E27FC236}">
+                <a16:creationId xmlns:a16="http://schemas.microsoft.com/office/drawing/2014/main" id="{EF88C1F1-D6E7-75E4-7B22-DF46DEDBA2EF}"/>
+              </a:ext>
+            </a:extLst>
+          </p:cNvPr>
+          <p:cNvSpPr/>
+          <p:nvPr/>
+        </p:nvSpPr>
+        <p:spPr>
+          <a:xfrm>
+            <a:off x="1476511" y="1007163"/>
+            <a:ext cx="1696278" cy="1848679"/>
+          </a:xfrm>
+          <a:prstGeom prst="roundRect">
+            <a:avLst/>
+          </a:prstGeom>
+          <a:noFill/>
+          <a:ln w="57150">
+            <a:solidFill>
+              <a:schemeClr val="accent1">
+                <a:lumMod val="40000"/>
+                <a:lumOff val="60000"/>
+              </a:schemeClr>
+            </a:solidFill>
+          </a:ln>
+        </p:spPr>
+        <p:style>
+          <a:lnRef idx="2">
+            <a:schemeClr val="accent1">
+              <a:shade val="50000"/>
+            </a:schemeClr>
+          </a:lnRef>
+          <a:fillRef idx="1">
+            <a:schemeClr val="accent1"/>
+          </a:fillRef>
+          <a:effectRef idx="0">
+            <a:schemeClr val="accent1"/>
+          </a:effectRef>
+          <a:fontRef idx="minor">
+            <a:schemeClr val="lt1"/>
+          </a:fontRef>
+        </p:style>
+        <p:txBody>
+          <a:bodyPr rtlCol="0" anchor="ctr"/>
+          <a:lstStyle/>
+          <a:p>
+            <a:pPr algn="ctr"/>
+            <a:endParaRPr lang="pl-PL"/>
+          </a:p>
+        </p:txBody>
+      </p:sp>
+      <p:cxnSp>
+        <p:nvCxnSpPr>
+          <p:cNvPr id="10" name="Łącznik prosty ze strzałką 9">
+            <a:extLst>
+              <a:ext uri="{FF2B5EF4-FFF2-40B4-BE49-F238E27FC236}">
+                <a16:creationId xmlns:a16="http://schemas.microsoft.com/office/drawing/2014/main" id="{EE0644CD-B7D5-F445-4271-2D9C32E1DD06}"/>
+              </a:ext>
+            </a:extLst>
+          </p:cNvPr>
+          <p:cNvCxnSpPr/>
+          <p:nvPr/>
+        </p:nvCxnSpPr>
+        <p:spPr>
+          <a:xfrm>
+            <a:off x="695739" y="589722"/>
+            <a:ext cx="0" cy="437321"/>
+          </a:xfrm>
+          <a:prstGeom prst="straightConnector1">
+            <a:avLst/>
+          </a:prstGeom>
+          <a:ln>
+            <a:tailEnd type="triangle"/>
+          </a:ln>
+        </p:spPr>
+        <p:style>
+          <a:lnRef idx="1">
+            <a:schemeClr val="accent1"/>
+          </a:lnRef>
+          <a:fillRef idx="0">
+            <a:schemeClr val="accent1"/>
+          </a:fillRef>
+          <a:effectRef idx="0">
+            <a:schemeClr val="accent1"/>
+          </a:effectRef>
+          <a:fontRef idx="minor">
+            <a:schemeClr val="tx1"/>
+          </a:fontRef>
+        </p:style>
+      </p:cxnSp>
+      <p:sp>
+        <p:nvSpPr>
+          <p:cNvPr id="11" name="pole tekstowe 10">
+            <a:extLst>
+              <a:ext uri="{FF2B5EF4-FFF2-40B4-BE49-F238E27FC236}">
+                <a16:creationId xmlns:a16="http://schemas.microsoft.com/office/drawing/2014/main" id="{53CD9FD3-6304-175A-585A-C76EE7F517FF}"/>
+              </a:ext>
+            </a:extLst>
+          </p:cNvPr>
+          <p:cNvSpPr txBox="1"/>
+          <p:nvPr/>
+        </p:nvSpPr>
+        <p:spPr>
+          <a:xfrm>
+            <a:off x="104361" y="0"/>
+            <a:ext cx="2242930" cy="646331"/>
+          </a:xfrm>
+          <a:prstGeom prst="rect">
+            <a:avLst/>
+          </a:prstGeom>
+          <a:solidFill>
+            <a:schemeClr val="accent6">
+              <a:lumMod val="40000"/>
+              <a:lumOff val="60000"/>
+            </a:schemeClr>
+          </a:solidFill>
+        </p:spPr>
+        <p:txBody>
+          <a:bodyPr wrap="square" rtlCol="0">
+            <a:spAutoFit/>
+          </a:bodyPr>
+          <a:lstStyle/>
+          <a:p>
+            <a:r>
+              <a:rPr lang="pl-PL" dirty="0"/>
+              <a:t>Wejściowa macierz dla piksela P0</a:t>
+            </a:r>
+          </a:p>
+        </p:txBody>
+      </p:sp>
+      <p:sp>
+        <p:nvSpPr>
+          <p:cNvPr id="12" name="pole tekstowe 11">
+            <a:extLst>
+              <a:ext uri="{FF2B5EF4-FFF2-40B4-BE49-F238E27FC236}">
+                <a16:creationId xmlns:a16="http://schemas.microsoft.com/office/drawing/2014/main" id="{E01E3498-8F14-F268-4B9A-842CB139F75E}"/>
+              </a:ext>
+            </a:extLst>
+          </p:cNvPr>
+          <p:cNvSpPr txBox="1"/>
+          <p:nvPr/>
+        </p:nvSpPr>
+        <p:spPr>
+          <a:xfrm>
+            <a:off x="3033092" y="-1"/>
+            <a:ext cx="2242930" cy="646331"/>
+          </a:xfrm>
+          <a:prstGeom prst="rect">
+            <a:avLst/>
+          </a:prstGeom>
+          <a:solidFill>
+            <a:schemeClr val="accent6">
+              <a:lumMod val="40000"/>
+              <a:lumOff val="60000"/>
+            </a:schemeClr>
+          </a:solidFill>
+        </p:spPr>
+        <p:txBody>
+          <a:bodyPr wrap="square" rtlCol="0">
+            <a:spAutoFit/>
+          </a:bodyPr>
+          <a:lstStyle/>
+          <a:p>
+            <a:r>
+              <a:rPr lang="pl-PL" dirty="0"/>
+              <a:t>Wejściowa macierz dla piksela P1</a:t>
+            </a:r>
+          </a:p>
+        </p:txBody>
+      </p:sp>
+      <p:cxnSp>
+        <p:nvCxnSpPr>
+          <p:cNvPr id="14" name="Łącznik prosty ze strzałką 13">
+            <a:extLst>
+              <a:ext uri="{FF2B5EF4-FFF2-40B4-BE49-F238E27FC236}">
+                <a16:creationId xmlns:a16="http://schemas.microsoft.com/office/drawing/2014/main" id="{54E42CF1-E7B8-7B33-30F7-F9A22DEA983F}"/>
+              </a:ext>
+            </a:extLst>
+          </p:cNvPr>
+          <p:cNvCxnSpPr/>
+          <p:nvPr/>
+        </p:nvCxnSpPr>
+        <p:spPr>
+          <a:xfrm flipH="1">
+            <a:off x="1398104" y="493642"/>
+            <a:ext cx="1623392" cy="503581"/>
+          </a:xfrm>
+          <a:prstGeom prst="straightConnector1">
+            <a:avLst/>
+          </a:prstGeom>
+          <a:ln>
+            <a:tailEnd type="triangle"/>
+          </a:ln>
+        </p:spPr>
+        <p:style>
+          <a:lnRef idx="1">
+            <a:schemeClr val="accent1"/>
+          </a:lnRef>
+          <a:fillRef idx="0">
+            <a:schemeClr val="accent1"/>
+          </a:fillRef>
+          <a:effectRef idx="0">
+            <a:schemeClr val="accent1"/>
+          </a:effectRef>
+          <a:fontRef idx="minor">
+            <a:schemeClr val="tx1"/>
+          </a:fontRef>
+        </p:style>
+      </p:cxnSp>
+      <p:sp>
+        <p:nvSpPr>
+          <p:cNvPr id="15" name="pole tekstowe 14">
+            <a:extLst>
+              <a:ext uri="{FF2B5EF4-FFF2-40B4-BE49-F238E27FC236}">
+                <a16:creationId xmlns:a16="http://schemas.microsoft.com/office/drawing/2014/main" id="{D9AB5328-07C1-3617-392E-9A34C3C71E59}"/>
+              </a:ext>
+            </a:extLst>
+          </p:cNvPr>
+          <p:cNvSpPr txBox="1"/>
+          <p:nvPr/>
+        </p:nvSpPr>
+        <p:spPr>
+          <a:xfrm>
+            <a:off x="6096000" y="0"/>
+            <a:ext cx="2242930" cy="646331"/>
+          </a:xfrm>
+          <a:prstGeom prst="rect">
+            <a:avLst/>
+          </a:prstGeom>
+          <a:solidFill>
+            <a:schemeClr val="accent6">
+              <a:lumMod val="40000"/>
+              <a:lumOff val="60000"/>
+            </a:schemeClr>
+          </a:solidFill>
+        </p:spPr>
+        <p:txBody>
+          <a:bodyPr wrap="square" rtlCol="0">
+            <a:spAutoFit/>
+          </a:bodyPr>
+          <a:lstStyle/>
+          <a:p>
+            <a:r>
+              <a:rPr lang="pl-PL" dirty="0"/>
+              <a:t>Wejściowa macierz dla piksela P2</a:t>
+            </a:r>
+          </a:p>
+        </p:txBody>
+      </p:sp>
+      <p:cxnSp>
+        <p:nvCxnSpPr>
+          <p:cNvPr id="17" name="Łącznik prosty ze strzałką 16">
+            <a:extLst>
+              <a:ext uri="{FF2B5EF4-FFF2-40B4-BE49-F238E27FC236}">
+                <a16:creationId xmlns:a16="http://schemas.microsoft.com/office/drawing/2014/main" id="{B2979D93-C9EA-2F70-A869-0E3803E360D1}"/>
+              </a:ext>
+            </a:extLst>
+          </p:cNvPr>
+          <p:cNvCxnSpPr/>
+          <p:nvPr/>
+        </p:nvCxnSpPr>
+        <p:spPr>
+          <a:xfrm flipH="1">
+            <a:off x="2802835" y="543339"/>
+            <a:ext cx="3293165" cy="453884"/>
+          </a:xfrm>
+          <a:prstGeom prst="straightConnector1">
+            <a:avLst/>
+          </a:prstGeom>
+          <a:ln>
+            <a:tailEnd type="triangle"/>
+          </a:ln>
+        </p:spPr>
+        <p:style>
+          <a:lnRef idx="1">
+            <a:schemeClr val="accent1"/>
+          </a:lnRef>
+          <a:fillRef idx="0">
+            <a:schemeClr val="accent1"/>
+          </a:fillRef>
+          <a:effectRef idx="0">
+            <a:schemeClr val="accent1"/>
+          </a:effectRef>
+          <a:fontRef idx="minor">
+            <a:schemeClr val="tx1"/>
+          </a:fontRef>
+        </p:style>
+      </p:cxnSp>
+      <p:sp>
+        <p:nvSpPr>
+          <p:cNvPr id="18" name="pole tekstowe 17">
+            <a:extLst>
+              <a:ext uri="{FF2B5EF4-FFF2-40B4-BE49-F238E27FC236}">
+                <a16:creationId xmlns:a16="http://schemas.microsoft.com/office/drawing/2014/main" id="{14999D4C-8DDB-3F07-E550-1536168A6538}"/>
+              </a:ext>
+            </a:extLst>
+          </p:cNvPr>
+          <p:cNvSpPr txBox="1"/>
+          <p:nvPr/>
+        </p:nvSpPr>
+        <p:spPr>
+          <a:xfrm>
+            <a:off x="5559287" y="1205948"/>
+            <a:ext cx="6493565" cy="2031325"/>
+          </a:xfrm>
+          <a:prstGeom prst="rect">
+            <a:avLst/>
+          </a:prstGeom>
+          <a:noFill/>
+        </p:spPr>
+        <p:txBody>
+          <a:bodyPr wrap="square" rtlCol="0">
+            <a:spAutoFit/>
+          </a:bodyPr>
+          <a:lstStyle/>
+          <a:p>
+            <a:pPr marL="285750" indent="-285750">
+              <a:buFont typeface="Arial" panose="020B0604020202020204" pitchFamily="34" charset="0"/>
+              <a:buChar char="•"/>
+            </a:pPr>
+            <a:r>
+              <a:rPr lang="pl-PL" dirty="0"/>
+              <a:t>Filtrowany piksel jest zawsze na środku wejściowej macierzy</a:t>
+            </a:r>
+          </a:p>
+          <a:p>
+            <a:pPr marL="285750" indent="-285750">
+              <a:buFont typeface="Arial" panose="020B0604020202020204" pitchFamily="34" charset="0"/>
+              <a:buChar char="•"/>
+            </a:pPr>
+            <a:r>
+              <a:rPr lang="pl-PL" dirty="0"/>
+              <a:t>Każda macierz dla kolejnego piksela w wierszu różni się tylko jedną kolumną </a:t>
+            </a:r>
+          </a:p>
+          <a:p>
+            <a:pPr marL="285750" indent="-285750">
+              <a:buFont typeface="Arial" panose="020B0604020202020204" pitchFamily="34" charset="0"/>
+              <a:buChar char="•"/>
+            </a:pPr>
+            <a:r>
+              <a:rPr lang="pl-PL" dirty="0"/>
+              <a:t>Aby przetworzyć kolejny piksel wystarczy pobrać wartości dla nowej kolumny i zapisać je w miejscu już niepotrzebnych pikseli. Dlatego w przypadku </a:t>
+            </a:r>
+            <a:r>
+              <a:rPr lang="pl-PL" dirty="0" err="1"/>
+              <a:t>kernela</a:t>
+            </a:r>
+            <a:r>
+              <a:rPr lang="pl-PL" dirty="0"/>
+              <a:t> 3x3 dla przetworzenia kolejnego piksela wystarczy pobrać 3 piksele</a:t>
+            </a:r>
+          </a:p>
+        </p:txBody>
+      </p:sp>
+    </p:spTree>
+    <p:extLst>
+      <p:ext uri="{BB962C8B-B14F-4D97-AF65-F5344CB8AC3E}">
+        <p14:creationId xmlns:p14="http://schemas.microsoft.com/office/powerpoint/2010/main" val="259854196"/>
+      </p:ext>
+    </p:extLst>
+  </p:cSld>
+  <p:clrMapOvr>
+    <a:masterClrMapping/>
+  </p:clrMapOvr>
+</p:sld>
+</file>
+
+<file path=ppt/slides/slide16.xml><?xml version="1.0" encoding="utf-8"?>
+<p:sld xmlns:a="http://schemas.openxmlformats.org/drawingml/2006/main" xmlns:r="http://schemas.openxmlformats.org/officeDocument/2006/relationships" xmlns:p="http://schemas.openxmlformats.org/presentationml/2006/main">
+  <p:cSld>
+    <p:spTree>
+      <p:nvGrpSpPr>
+        <p:cNvPr id="1" name=""/>
+        <p:cNvGrpSpPr/>
+        <p:nvPr/>
+      </p:nvGrpSpPr>
+      <p:grpSpPr>
+        <a:xfrm>
+          <a:off x="0" y="0"/>
+          <a:ext cx="0" cy="0"/>
+          <a:chOff x="0" y="0"/>
+          <a:chExt cx="0" cy="0"/>
+        </a:xfrm>
+      </p:grpSpPr>
+      <p:sp>
+        <p:nvSpPr>
+          <p:cNvPr id="2" name="Tytuł 1">
+            <a:extLst>
+              <a:ext uri="{FF2B5EF4-FFF2-40B4-BE49-F238E27FC236}">
+                <a16:creationId xmlns:a16="http://schemas.microsoft.com/office/drawing/2014/main" id="{3EE3E753-E64E-18E7-FC1E-CF0A8BF5308D}"/>
+              </a:ext>
+            </a:extLst>
+          </p:cNvPr>
+          <p:cNvSpPr>
+            <a:spLocks noGrp="1"/>
+          </p:cNvSpPr>
+          <p:nvPr>
+            <p:ph type="title"/>
+          </p:nvPr>
+        </p:nvSpPr>
+        <p:spPr>
+          <a:xfrm>
+            <a:off x="3035848" y="126333"/>
+            <a:ext cx="10515600" cy="1325563"/>
+          </a:xfrm>
+        </p:spPr>
+        <p:txBody>
+          <a:bodyPr/>
+          <a:lstStyle/>
+          <a:p>
+            <a:r>
+              <a:rPr lang="pl-PL" dirty="0"/>
+              <a:t>Jak to przyspieszyć ?</a:t>
+            </a:r>
+          </a:p>
+        </p:txBody>
+      </p:sp>
+      <p:graphicFrame>
+        <p:nvGraphicFramePr>
+          <p:cNvPr id="4" name="Tabela 3">
+            <a:extLst>
+              <a:ext uri="{FF2B5EF4-FFF2-40B4-BE49-F238E27FC236}">
+                <a16:creationId xmlns:a16="http://schemas.microsoft.com/office/drawing/2014/main" id="{CFC07D19-6F62-E231-1DF7-6DCBF52EBEA5}"/>
+              </a:ext>
+            </a:extLst>
+          </p:cNvPr>
+          <p:cNvGraphicFramePr>
+            <a:graphicFrameLocks noGrp="1"/>
+          </p:cNvGraphicFramePr>
+          <p:nvPr>
+            <p:extLst>
+              <p:ext uri="{D42A27DB-BD31-4B8C-83A1-F6EECF244321}">
+                <p14:modId xmlns:p14="http://schemas.microsoft.com/office/powerpoint/2010/main" val="884423067"/>
+              </p:ext>
+            </p:extLst>
+          </p:nvPr>
+        </p:nvGraphicFramePr>
+        <p:xfrm>
+          <a:off x="838200" y="2176807"/>
+          <a:ext cx="2197648" cy="1857215"/>
+        </p:xfrm>
+        <a:graphic>
+          <a:graphicData uri="http://schemas.openxmlformats.org/drawingml/2006/table">
+            <a:tbl>
+              <a:tblPr firstRow="1" bandRow="1">
+                <a:tableStyleId>{5940675A-B579-460E-94D1-54222C63F5DA}</a:tableStyleId>
+              </a:tblPr>
+              <a:tblGrid>
+                <a:gridCol w="549412">
+                  <a:extLst>
+                    <a:ext uri="{9D8B030D-6E8A-4147-A177-3AD203B41FA5}">
+                      <a16:colId xmlns:a16="http://schemas.microsoft.com/office/drawing/2014/main" val="2375958429"/>
+                    </a:ext>
+                  </a:extLst>
+                </a:gridCol>
+                <a:gridCol w="549412">
+                  <a:extLst>
+                    <a:ext uri="{9D8B030D-6E8A-4147-A177-3AD203B41FA5}">
+                      <a16:colId xmlns:a16="http://schemas.microsoft.com/office/drawing/2014/main" val="1238944166"/>
+                    </a:ext>
+                  </a:extLst>
+                </a:gridCol>
+                <a:gridCol w="549412">
+                  <a:extLst>
+                    <a:ext uri="{9D8B030D-6E8A-4147-A177-3AD203B41FA5}">
+                      <a16:colId xmlns:a16="http://schemas.microsoft.com/office/drawing/2014/main" val="4220784607"/>
+                    </a:ext>
+                  </a:extLst>
+                </a:gridCol>
+                <a:gridCol w="549412">
+                  <a:extLst>
+                    <a:ext uri="{9D8B030D-6E8A-4147-A177-3AD203B41FA5}">
+                      <a16:colId xmlns:a16="http://schemas.microsoft.com/office/drawing/2014/main" val="901871687"/>
+                    </a:ext>
+                  </a:extLst>
+                </a:gridCol>
+              </a:tblGrid>
+              <a:tr h="631389">
+                <a:tc>
+                  <a:txBody>
+                    <a:bodyPr/>
+                    <a:lstStyle/>
+                    <a:p>
+                      <a:r>
+                        <a:rPr lang="pl-PL" dirty="0"/>
+                        <a:t>0</a:t>
+                      </a:r>
+                    </a:p>
+                  </a:txBody>
+                  <a:tcPr/>
+                </a:tc>
+                <a:tc>
+                  <a:txBody>
+                    <a:bodyPr/>
+                    <a:lstStyle/>
+                    <a:p>
+                      <a:r>
+                        <a:rPr lang="pl-PL" dirty="0"/>
+                        <a:t>0</a:t>
+                      </a:r>
+                    </a:p>
+                  </a:txBody>
+                  <a:tcPr/>
+                </a:tc>
+                <a:tc>
+                  <a:txBody>
+                    <a:bodyPr/>
+                    <a:lstStyle/>
+                    <a:p>
+                      <a:r>
+                        <a:rPr lang="pl-PL" dirty="0"/>
+                        <a:t>0</a:t>
+                      </a:r>
+                    </a:p>
+                  </a:txBody>
+                  <a:tcPr/>
+                </a:tc>
+                <a:tc>
+                  <a:txBody>
+                    <a:bodyPr/>
+                    <a:lstStyle/>
+                    <a:p>
+                      <a:r>
+                        <a:rPr lang="pl-PL" dirty="0"/>
+                        <a:t>x</a:t>
+                      </a:r>
+                    </a:p>
+                  </a:txBody>
+                  <a:tcPr/>
+                </a:tc>
+                <a:extLst>
+                  <a:ext uri="{0D108BD9-81ED-4DB2-BD59-A6C34878D82A}">
+                    <a16:rowId xmlns:a16="http://schemas.microsoft.com/office/drawing/2014/main" val="549839427"/>
+                  </a:ext>
+                </a:extLst>
+              </a:tr>
+              <a:tr h="612913">
+                <a:tc>
+                  <a:txBody>
+                    <a:bodyPr/>
+                    <a:lstStyle/>
+                    <a:p>
+                      <a:r>
+                        <a:rPr lang="pl-PL" dirty="0"/>
+                        <a:t>0</a:t>
+                      </a:r>
+                    </a:p>
+                  </a:txBody>
+                  <a:tcPr/>
+                </a:tc>
+                <a:tc>
+                  <a:txBody>
+                    <a:bodyPr/>
+                    <a:lstStyle/>
+                    <a:p>
+                      <a:r>
+                        <a:rPr lang="pl-PL" dirty="0"/>
+                        <a:t>P0</a:t>
+                      </a:r>
+                    </a:p>
+                  </a:txBody>
+                  <a:tcPr/>
+                </a:tc>
+                <a:tc>
+                  <a:txBody>
+                    <a:bodyPr/>
+                    <a:lstStyle/>
+                    <a:p>
+                      <a:r>
+                        <a:rPr lang="pl-PL" dirty="0"/>
+                        <a:t>P1</a:t>
+                      </a:r>
+                    </a:p>
+                  </a:txBody>
+                  <a:tcPr/>
+                </a:tc>
+                <a:tc>
+                  <a:txBody>
+                    <a:bodyPr/>
+                    <a:lstStyle/>
+                    <a:p>
+                      <a:r>
+                        <a:rPr lang="pl-PL" dirty="0"/>
+                        <a:t>x</a:t>
+                      </a:r>
+                    </a:p>
+                  </a:txBody>
+                  <a:tcPr/>
+                </a:tc>
+                <a:extLst>
+                  <a:ext uri="{0D108BD9-81ED-4DB2-BD59-A6C34878D82A}">
+                    <a16:rowId xmlns:a16="http://schemas.microsoft.com/office/drawing/2014/main" val="1104560648"/>
+                  </a:ext>
+                </a:extLst>
+              </a:tr>
+              <a:tr h="612913">
+                <a:tc>
+                  <a:txBody>
+                    <a:bodyPr/>
+                    <a:lstStyle/>
+                    <a:p>
+                      <a:r>
+                        <a:rPr lang="pl-PL" dirty="0"/>
+                        <a:t>0</a:t>
+                      </a:r>
+                    </a:p>
+                  </a:txBody>
+                  <a:tcPr/>
+                </a:tc>
+                <a:tc>
+                  <a:txBody>
+                    <a:bodyPr/>
+                    <a:lstStyle/>
+                    <a:p>
+                      <a:r>
+                        <a:rPr lang="pl-PL" dirty="0"/>
+                        <a:t>P6</a:t>
+                      </a:r>
+                    </a:p>
+                  </a:txBody>
+                  <a:tcPr/>
+                </a:tc>
+                <a:tc>
+                  <a:txBody>
+                    <a:bodyPr/>
+                    <a:lstStyle/>
+                    <a:p>
+                      <a:r>
+                        <a:rPr lang="pl-PL" dirty="0"/>
+                        <a:t>P7</a:t>
+                      </a:r>
+                    </a:p>
+                  </a:txBody>
+                  <a:tcPr/>
+                </a:tc>
+                <a:tc>
+                  <a:txBody>
+                    <a:bodyPr/>
+                    <a:lstStyle/>
+                    <a:p>
+                      <a:r>
+                        <a:rPr lang="pl-PL" dirty="0"/>
+                        <a:t>x</a:t>
+                      </a:r>
+                    </a:p>
+                  </a:txBody>
+                  <a:tcPr/>
+                </a:tc>
+                <a:extLst>
+                  <a:ext uri="{0D108BD9-81ED-4DB2-BD59-A6C34878D82A}">
+                    <a16:rowId xmlns:a16="http://schemas.microsoft.com/office/drawing/2014/main" val="3490730763"/>
+                  </a:ext>
+                </a:extLst>
+              </a:tr>
+            </a:tbl>
+          </a:graphicData>
+        </a:graphic>
+      </p:graphicFrame>
+      <p:sp>
+        <p:nvSpPr>
+          <p:cNvPr id="5" name="Prostokąt: zaokrąglone rogi 4">
+            <a:extLst>
+              <a:ext uri="{FF2B5EF4-FFF2-40B4-BE49-F238E27FC236}">
+                <a16:creationId xmlns:a16="http://schemas.microsoft.com/office/drawing/2014/main" id="{3AD1DA11-6DE5-9549-88ED-F4216EB24CA5}"/>
+              </a:ext>
+            </a:extLst>
+          </p:cNvPr>
+          <p:cNvSpPr/>
+          <p:nvPr/>
+        </p:nvSpPr>
+        <p:spPr>
+          <a:xfrm>
+            <a:off x="791817" y="2185343"/>
+            <a:ext cx="1696278" cy="1848679"/>
+          </a:xfrm>
+          <a:prstGeom prst="roundRect">
+            <a:avLst/>
+          </a:prstGeom>
+          <a:noFill/>
+          <a:ln w="57150">
+            <a:solidFill>
+              <a:schemeClr val="accent4">
+                <a:lumMod val="60000"/>
+                <a:lumOff val="40000"/>
+              </a:schemeClr>
+            </a:solidFill>
+          </a:ln>
+        </p:spPr>
+        <p:style>
+          <a:lnRef idx="2">
+            <a:schemeClr val="accent1">
+              <a:shade val="50000"/>
+            </a:schemeClr>
+          </a:lnRef>
+          <a:fillRef idx="1">
+            <a:schemeClr val="accent1"/>
+          </a:fillRef>
+          <a:effectRef idx="0">
+            <a:schemeClr val="accent1"/>
+          </a:effectRef>
+          <a:fontRef idx="minor">
+            <a:schemeClr val="lt1"/>
+          </a:fontRef>
+        </p:style>
+        <p:txBody>
+          <a:bodyPr rtlCol="0" anchor="ctr"/>
+          <a:lstStyle/>
+          <a:p>
+            <a:pPr algn="ctr"/>
+            <a:endParaRPr lang="pl-PL"/>
+          </a:p>
+        </p:txBody>
+      </p:sp>
+      <p:sp>
+        <p:nvSpPr>
+          <p:cNvPr id="6" name="pole tekstowe 5">
+            <a:extLst>
+              <a:ext uri="{FF2B5EF4-FFF2-40B4-BE49-F238E27FC236}">
+                <a16:creationId xmlns:a16="http://schemas.microsoft.com/office/drawing/2014/main" id="{CA227235-6131-7AE7-8BE3-22D710256DC2}"/>
+              </a:ext>
+            </a:extLst>
+          </p:cNvPr>
+          <p:cNvSpPr txBox="1"/>
+          <p:nvPr/>
+        </p:nvSpPr>
+        <p:spPr>
+          <a:xfrm>
+            <a:off x="678067" y="4528677"/>
+            <a:ext cx="2517913" cy="1200329"/>
+          </a:xfrm>
+          <a:prstGeom prst="rect">
+            <a:avLst/>
+          </a:prstGeom>
+          <a:noFill/>
+        </p:spPr>
+        <p:txBody>
+          <a:bodyPr wrap="square" rtlCol="0">
+            <a:spAutoFit/>
+          </a:bodyPr>
+          <a:lstStyle/>
+          <a:p>
+            <a:r>
+              <a:rPr lang="pl-PL" dirty="0"/>
+              <a:t>W momencie filtracji piksela P0 przesyłana jest brakująca kolumna dla filtracji piksela P1 </a:t>
+            </a:r>
+          </a:p>
+        </p:txBody>
+      </p:sp>
+      <p:cxnSp>
+        <p:nvCxnSpPr>
+          <p:cNvPr id="8" name="Łącznik prosty ze strzałką 7">
+            <a:extLst>
+              <a:ext uri="{FF2B5EF4-FFF2-40B4-BE49-F238E27FC236}">
+                <a16:creationId xmlns:a16="http://schemas.microsoft.com/office/drawing/2014/main" id="{66A14FD1-4AB7-1C94-F5CB-3D7912CA9CB4}"/>
+              </a:ext>
+            </a:extLst>
+          </p:cNvPr>
+          <p:cNvCxnSpPr/>
+          <p:nvPr/>
+        </p:nvCxnSpPr>
+        <p:spPr>
+          <a:xfrm>
+            <a:off x="682487" y="1699224"/>
+            <a:ext cx="470452" cy="477583"/>
+          </a:xfrm>
+          <a:prstGeom prst="straightConnector1">
+            <a:avLst/>
+          </a:prstGeom>
+          <a:ln>
+            <a:tailEnd type="triangle"/>
+          </a:ln>
+        </p:spPr>
+        <p:style>
+          <a:lnRef idx="1">
+            <a:schemeClr val="accent1"/>
+          </a:lnRef>
+          <a:fillRef idx="0">
+            <a:schemeClr val="accent1"/>
+          </a:fillRef>
+          <a:effectRef idx="0">
+            <a:schemeClr val="accent1"/>
+          </a:effectRef>
+          <a:fontRef idx="minor">
+            <a:schemeClr val="tx1"/>
+          </a:fontRef>
+        </p:style>
+      </p:cxnSp>
+      <p:sp>
+        <p:nvSpPr>
+          <p:cNvPr id="9" name="pole tekstowe 8">
+            <a:extLst>
+              <a:ext uri="{FF2B5EF4-FFF2-40B4-BE49-F238E27FC236}">
+                <a16:creationId xmlns:a16="http://schemas.microsoft.com/office/drawing/2014/main" id="{37091EC2-4570-5B1C-5C14-A016F78788DC}"/>
+              </a:ext>
+            </a:extLst>
+          </p:cNvPr>
+          <p:cNvSpPr txBox="1"/>
+          <p:nvPr/>
+        </p:nvSpPr>
+        <p:spPr>
+          <a:xfrm>
+            <a:off x="125895" y="1128731"/>
+            <a:ext cx="2242930" cy="646331"/>
+          </a:xfrm>
+          <a:prstGeom prst="rect">
+            <a:avLst/>
+          </a:prstGeom>
+          <a:solidFill>
+            <a:schemeClr val="accent6">
+              <a:lumMod val="40000"/>
+              <a:lumOff val="60000"/>
+            </a:schemeClr>
+          </a:solidFill>
+        </p:spPr>
+        <p:txBody>
+          <a:bodyPr wrap="square" rtlCol="0">
+            <a:spAutoFit/>
+          </a:bodyPr>
+          <a:lstStyle/>
+          <a:p>
+            <a:r>
+              <a:rPr lang="pl-PL" dirty="0"/>
+              <a:t>Wejściowa macierz dla piksela P0</a:t>
+            </a:r>
+          </a:p>
+        </p:txBody>
+      </p:sp>
+      <p:graphicFrame>
+        <p:nvGraphicFramePr>
+          <p:cNvPr id="10" name="Tabela 9">
+            <a:extLst>
+              <a:ext uri="{FF2B5EF4-FFF2-40B4-BE49-F238E27FC236}">
+                <a16:creationId xmlns:a16="http://schemas.microsoft.com/office/drawing/2014/main" id="{A185EE00-F838-D83C-7989-2EC411E92227}"/>
+              </a:ext>
+            </a:extLst>
+          </p:cNvPr>
+          <p:cNvGraphicFramePr>
+            <a:graphicFrameLocks noGrp="1"/>
+          </p:cNvGraphicFramePr>
+          <p:nvPr>
+            <p:extLst>
+              <p:ext uri="{D42A27DB-BD31-4B8C-83A1-F6EECF244321}">
+                <p14:modId xmlns:p14="http://schemas.microsoft.com/office/powerpoint/2010/main" val="445002735"/>
+              </p:ext>
+            </p:extLst>
+          </p:nvPr>
+        </p:nvGraphicFramePr>
+        <p:xfrm>
+          <a:off x="4356652" y="1069096"/>
+          <a:ext cx="549412" cy="1857215"/>
+        </p:xfrm>
+        <a:graphic>
+          <a:graphicData uri="http://schemas.openxmlformats.org/drawingml/2006/table">
+            <a:tbl>
+              <a:tblPr firstRow="1" bandRow="1">
+                <a:tableStyleId>{5940675A-B579-460E-94D1-54222C63F5DA}</a:tableStyleId>
+              </a:tblPr>
+              <a:tblGrid>
+                <a:gridCol w="549412">
+                  <a:extLst>
+                    <a:ext uri="{9D8B030D-6E8A-4147-A177-3AD203B41FA5}">
+                      <a16:colId xmlns:a16="http://schemas.microsoft.com/office/drawing/2014/main" val="1527935499"/>
+                    </a:ext>
+                  </a:extLst>
+                </a:gridCol>
+              </a:tblGrid>
+              <a:tr h="631389">
+                <a:tc>
+                  <a:txBody>
+                    <a:bodyPr/>
+                    <a:lstStyle/>
+                    <a:p>
+                      <a:r>
+                        <a:rPr lang="pl-PL" dirty="0"/>
+                        <a:t>0</a:t>
+                      </a:r>
+                    </a:p>
+                  </a:txBody>
+                  <a:tcPr>
+                    <a:lnL w="12700" cap="flat" cmpd="sng" algn="ctr">
+                      <a:solidFill>
+                        <a:schemeClr val="tx1"/>
+                      </a:solidFill>
+                      <a:prstDash val="solid"/>
+                      <a:round/>
+                      <a:headEnd type="none" w="med" len="med"/>
+                      <a:tailEnd type="none" w="med" len="med"/>
+                    </a:lnL>
+                    <a:lnR w="12700" cap="flat" cmpd="sng" algn="ctr">
+                      <a:solidFill>
+                        <a:schemeClr val="tx1"/>
+                      </a:solidFill>
+                      <a:prstDash val="solid"/>
+                      <a:round/>
+                      <a:headEnd type="none" w="med" len="med"/>
+                      <a:tailEnd type="none" w="med" len="med"/>
+                    </a:lnR>
+                    <a:lnT w="12700" cap="flat" cmpd="sng" algn="ctr">
+                      <a:solidFill>
+                        <a:schemeClr val="tx1"/>
+                      </a:solidFill>
+                      <a:prstDash val="solid"/>
+                      <a:round/>
+                      <a:headEnd type="none" w="med" len="med"/>
+                      <a:tailEnd type="none" w="med" len="med"/>
+                    </a:lnT>
+                    <a:lnB w="12700" cap="flat" cmpd="sng" algn="ctr">
+                      <a:solidFill>
+                        <a:schemeClr val="tx1"/>
+                      </a:solidFill>
+                      <a:prstDash val="solid"/>
+                      <a:round/>
+                      <a:headEnd type="none" w="med" len="med"/>
+                      <a:tailEnd type="none" w="med" len="med"/>
+                    </a:lnB>
+                    <a:solidFill>
+                      <a:schemeClr val="accent6">
+                        <a:lumMod val="40000"/>
+                        <a:lumOff val="60000"/>
+                      </a:schemeClr>
+                    </a:solidFill>
+                  </a:tcPr>
+                </a:tc>
+                <a:extLst>
+                  <a:ext uri="{0D108BD9-81ED-4DB2-BD59-A6C34878D82A}">
+                    <a16:rowId xmlns:a16="http://schemas.microsoft.com/office/drawing/2014/main" val="3133607068"/>
+                  </a:ext>
+                </a:extLst>
+              </a:tr>
+              <a:tr h="612913">
+                <a:tc>
+                  <a:txBody>
+                    <a:bodyPr/>
+                    <a:lstStyle/>
+                    <a:p>
+                      <a:r>
+                        <a:rPr lang="pl-PL" dirty="0"/>
+                        <a:t>P2</a:t>
+                      </a:r>
+                    </a:p>
+                  </a:txBody>
+                  <a:tcPr>
+                    <a:lnL w="12700" cap="flat" cmpd="sng" algn="ctr">
+                      <a:solidFill>
+                        <a:schemeClr val="tx1"/>
+                      </a:solidFill>
+                      <a:prstDash val="solid"/>
+                      <a:round/>
+                      <a:headEnd type="none" w="med" len="med"/>
+                      <a:tailEnd type="none" w="med" len="med"/>
+                    </a:lnL>
+                    <a:lnR w="12700" cap="flat" cmpd="sng" algn="ctr">
+                      <a:solidFill>
+                        <a:schemeClr val="tx1"/>
+                      </a:solidFill>
+                      <a:prstDash val="solid"/>
+                      <a:round/>
+                      <a:headEnd type="none" w="med" len="med"/>
+                      <a:tailEnd type="none" w="med" len="med"/>
+                    </a:lnR>
+                    <a:lnT w="12700" cap="flat" cmpd="sng" algn="ctr">
+                      <a:solidFill>
+                        <a:schemeClr val="tx1"/>
+                      </a:solidFill>
+                      <a:prstDash val="solid"/>
+                      <a:round/>
+                      <a:headEnd type="none" w="med" len="med"/>
+                      <a:tailEnd type="none" w="med" len="med"/>
+                    </a:lnT>
+                    <a:lnB w="12700" cap="flat" cmpd="sng" algn="ctr">
+                      <a:solidFill>
+                        <a:schemeClr val="tx1"/>
+                      </a:solidFill>
+                      <a:prstDash val="solid"/>
+                      <a:round/>
+                      <a:headEnd type="none" w="med" len="med"/>
+                      <a:tailEnd type="none" w="med" len="med"/>
+                    </a:lnB>
+                    <a:solidFill>
+                      <a:schemeClr val="accent6">
+                        <a:lumMod val="40000"/>
+                        <a:lumOff val="60000"/>
+                      </a:schemeClr>
+                    </a:solidFill>
+                  </a:tcPr>
+                </a:tc>
+                <a:extLst>
+                  <a:ext uri="{0D108BD9-81ED-4DB2-BD59-A6C34878D82A}">
+                    <a16:rowId xmlns:a16="http://schemas.microsoft.com/office/drawing/2014/main" val="3167996685"/>
+                  </a:ext>
+                </a:extLst>
+              </a:tr>
+              <a:tr h="612913">
+                <a:tc>
+                  <a:txBody>
+                    <a:bodyPr/>
+                    <a:lstStyle/>
+                    <a:p>
+                      <a:r>
+                        <a:rPr lang="pl-PL" dirty="0"/>
+                        <a:t>P8</a:t>
+                      </a:r>
+                    </a:p>
+                  </a:txBody>
+                  <a:tcPr>
+                    <a:lnL w="12700" cap="flat" cmpd="sng" algn="ctr">
+                      <a:solidFill>
+                        <a:schemeClr val="tx1"/>
+                      </a:solidFill>
+                      <a:prstDash val="solid"/>
+                      <a:round/>
+                      <a:headEnd type="none" w="med" len="med"/>
+                      <a:tailEnd type="none" w="med" len="med"/>
+                    </a:lnL>
+                    <a:lnR w="12700" cap="flat" cmpd="sng" algn="ctr">
+                      <a:solidFill>
+                        <a:schemeClr val="tx1"/>
+                      </a:solidFill>
+                      <a:prstDash val="solid"/>
+                      <a:round/>
+                      <a:headEnd type="none" w="med" len="med"/>
+                      <a:tailEnd type="none" w="med" len="med"/>
+                    </a:lnR>
+                    <a:lnT w="12700" cap="flat" cmpd="sng" algn="ctr">
+                      <a:solidFill>
+                        <a:schemeClr val="tx1"/>
+                      </a:solidFill>
+                      <a:prstDash val="solid"/>
+                      <a:round/>
+                      <a:headEnd type="none" w="med" len="med"/>
+                      <a:tailEnd type="none" w="med" len="med"/>
+                    </a:lnT>
+                    <a:lnB w="12700" cap="flat" cmpd="sng" algn="ctr">
+                      <a:solidFill>
+                        <a:schemeClr val="tx1"/>
+                      </a:solidFill>
+                      <a:prstDash val="solid"/>
+                      <a:round/>
+                      <a:headEnd type="none" w="med" len="med"/>
+                      <a:tailEnd type="none" w="med" len="med"/>
+                    </a:lnB>
+                    <a:solidFill>
+                      <a:schemeClr val="accent6">
+                        <a:lumMod val="40000"/>
+                        <a:lumOff val="60000"/>
+                      </a:schemeClr>
+                    </a:solidFill>
+                  </a:tcPr>
+                </a:tc>
+                <a:extLst>
+                  <a:ext uri="{0D108BD9-81ED-4DB2-BD59-A6C34878D82A}">
+                    <a16:rowId xmlns:a16="http://schemas.microsoft.com/office/drawing/2014/main" val="2373521798"/>
+                  </a:ext>
+                </a:extLst>
+              </a:tr>
+            </a:tbl>
+          </a:graphicData>
+        </a:graphic>
+      </p:graphicFrame>
+      <p:sp>
+        <p:nvSpPr>
+          <p:cNvPr id="11" name="Strzałka: w prawo 10">
+            <a:extLst>
+              <a:ext uri="{FF2B5EF4-FFF2-40B4-BE49-F238E27FC236}">
+                <a16:creationId xmlns:a16="http://schemas.microsoft.com/office/drawing/2014/main" id="{182EECED-9AC7-7A6A-EA19-9A0A4AA3BA7C}"/>
+              </a:ext>
+            </a:extLst>
+          </p:cNvPr>
+          <p:cNvSpPr/>
+          <p:nvPr/>
+        </p:nvSpPr>
+        <p:spPr>
+          <a:xfrm rot="8437318">
+            <a:off x="2692078" y="2161062"/>
+            <a:ext cx="1778287" cy="788505"/>
+          </a:xfrm>
+          <a:prstGeom prst="rightArrow">
+            <a:avLst/>
+          </a:prstGeom>
+        </p:spPr>
+        <p:style>
+          <a:lnRef idx="2">
+            <a:schemeClr val="accent1">
+              <a:shade val="50000"/>
+            </a:schemeClr>
+          </a:lnRef>
+          <a:fillRef idx="1">
+            <a:schemeClr val="accent1"/>
+          </a:fillRef>
+          <a:effectRef idx="0">
+            <a:schemeClr val="accent1"/>
+          </a:effectRef>
+          <a:fontRef idx="minor">
+            <a:schemeClr val="lt1"/>
+          </a:fontRef>
+        </p:style>
+        <p:txBody>
+          <a:bodyPr rtlCol="0" anchor="ctr"/>
+          <a:lstStyle/>
+          <a:p>
+            <a:pPr algn="ctr"/>
+            <a:endParaRPr lang="pl-PL"/>
+          </a:p>
+        </p:txBody>
+      </p:sp>
+      <p:sp>
+        <p:nvSpPr>
+          <p:cNvPr id="12" name="Strzałka: w prawo 11">
+            <a:extLst>
+              <a:ext uri="{FF2B5EF4-FFF2-40B4-BE49-F238E27FC236}">
+                <a16:creationId xmlns:a16="http://schemas.microsoft.com/office/drawing/2014/main" id="{3ED8C28F-E2C4-3584-56BC-2FA3E2EE19BC}"/>
+              </a:ext>
+            </a:extLst>
+          </p:cNvPr>
+          <p:cNvSpPr/>
+          <p:nvPr/>
+        </p:nvSpPr>
+        <p:spPr>
+          <a:xfrm>
+            <a:off x="3796748" y="3273287"/>
+            <a:ext cx="2902226" cy="642730"/>
+          </a:xfrm>
+          <a:prstGeom prst="rightArrow">
+            <a:avLst/>
+          </a:prstGeom>
+        </p:spPr>
+        <p:style>
+          <a:lnRef idx="2">
+            <a:schemeClr val="accent1">
+              <a:shade val="50000"/>
+            </a:schemeClr>
+          </a:lnRef>
+          <a:fillRef idx="1">
+            <a:schemeClr val="accent1"/>
+          </a:fillRef>
+          <a:effectRef idx="0">
+            <a:schemeClr val="accent1"/>
+          </a:effectRef>
+          <a:fontRef idx="minor">
+            <a:schemeClr val="lt1"/>
+          </a:fontRef>
+        </p:style>
+        <p:txBody>
+          <a:bodyPr rtlCol="0" anchor="ctr"/>
+          <a:lstStyle/>
+          <a:p>
+            <a:pPr algn="ctr"/>
+            <a:r>
+              <a:rPr lang="pl-PL" dirty="0"/>
+              <a:t>Następna filtracja</a:t>
+            </a:r>
+          </a:p>
+        </p:txBody>
+      </p:sp>
+      <p:graphicFrame>
+        <p:nvGraphicFramePr>
+          <p:cNvPr id="13" name="Tabela 12">
+            <a:extLst>
+              <a:ext uri="{FF2B5EF4-FFF2-40B4-BE49-F238E27FC236}">
+                <a16:creationId xmlns:a16="http://schemas.microsoft.com/office/drawing/2014/main" id="{9DDD9CCB-29A4-8371-28FC-8646BAD9A365}"/>
+              </a:ext>
+            </a:extLst>
+          </p:cNvPr>
+          <p:cNvGraphicFramePr>
+            <a:graphicFrameLocks noGrp="1"/>
+          </p:cNvGraphicFramePr>
+          <p:nvPr>
+            <p:extLst>
+              <p:ext uri="{D42A27DB-BD31-4B8C-83A1-F6EECF244321}">
+                <p14:modId xmlns:p14="http://schemas.microsoft.com/office/powerpoint/2010/main" val="1418505273"/>
+              </p:ext>
+            </p:extLst>
+          </p:nvPr>
+        </p:nvGraphicFramePr>
+        <p:xfrm>
+          <a:off x="7835347" y="2344679"/>
+          <a:ext cx="2197648" cy="1857215"/>
+        </p:xfrm>
+        <a:graphic>
+          <a:graphicData uri="http://schemas.openxmlformats.org/drawingml/2006/table">
+            <a:tbl>
+              <a:tblPr firstRow="1" bandRow="1">
+                <a:tableStyleId>{5940675A-B579-460E-94D1-54222C63F5DA}</a:tableStyleId>
+              </a:tblPr>
+              <a:tblGrid>
+                <a:gridCol w="549412">
+                  <a:extLst>
+                    <a:ext uri="{9D8B030D-6E8A-4147-A177-3AD203B41FA5}">
+                      <a16:colId xmlns:a16="http://schemas.microsoft.com/office/drawing/2014/main" val="3194751386"/>
+                    </a:ext>
+                  </a:extLst>
+                </a:gridCol>
+                <a:gridCol w="549412">
+                  <a:extLst>
+                    <a:ext uri="{9D8B030D-6E8A-4147-A177-3AD203B41FA5}">
+                      <a16:colId xmlns:a16="http://schemas.microsoft.com/office/drawing/2014/main" val="1690147986"/>
+                    </a:ext>
+                  </a:extLst>
+                </a:gridCol>
+                <a:gridCol w="549412">
+                  <a:extLst>
+                    <a:ext uri="{9D8B030D-6E8A-4147-A177-3AD203B41FA5}">
+                      <a16:colId xmlns:a16="http://schemas.microsoft.com/office/drawing/2014/main" val="3063250766"/>
+                    </a:ext>
+                  </a:extLst>
+                </a:gridCol>
+                <a:gridCol w="549412">
+                  <a:extLst>
+                    <a:ext uri="{9D8B030D-6E8A-4147-A177-3AD203B41FA5}">
+                      <a16:colId xmlns:a16="http://schemas.microsoft.com/office/drawing/2014/main" val="870952699"/>
+                    </a:ext>
+                  </a:extLst>
+                </a:gridCol>
+              </a:tblGrid>
+              <a:tr h="631389">
+                <a:tc>
+                  <a:txBody>
+                    <a:bodyPr/>
+                    <a:lstStyle/>
+                    <a:p>
+                      <a:r>
+                        <a:rPr lang="pl-PL" dirty="0"/>
+                        <a:t>0</a:t>
+                      </a:r>
+                    </a:p>
+                  </a:txBody>
+                  <a:tcPr/>
+                </a:tc>
+                <a:tc>
+                  <a:txBody>
+                    <a:bodyPr/>
+                    <a:lstStyle/>
+                    <a:p>
+                      <a:r>
+                        <a:rPr lang="pl-PL" dirty="0"/>
+                        <a:t>0</a:t>
+                      </a:r>
+                    </a:p>
+                  </a:txBody>
+                  <a:tcPr/>
+                </a:tc>
+                <a:tc>
+                  <a:txBody>
+                    <a:bodyPr/>
+                    <a:lstStyle/>
+                    <a:p>
+                      <a:r>
+                        <a:rPr lang="pl-PL" dirty="0"/>
+                        <a:t>0</a:t>
+                      </a:r>
+                    </a:p>
+                  </a:txBody>
+                  <a:tcPr/>
+                </a:tc>
+                <a:tc>
+                  <a:txBody>
+                    <a:bodyPr/>
+                    <a:lstStyle/>
+                    <a:p>
+                      <a:r>
+                        <a:rPr lang="pl-PL" dirty="0"/>
+                        <a:t>0</a:t>
+                      </a:r>
+                    </a:p>
+                  </a:txBody>
+                  <a:tcPr/>
+                </a:tc>
+                <a:extLst>
+                  <a:ext uri="{0D108BD9-81ED-4DB2-BD59-A6C34878D82A}">
+                    <a16:rowId xmlns:a16="http://schemas.microsoft.com/office/drawing/2014/main" val="2478809526"/>
+                  </a:ext>
+                </a:extLst>
+              </a:tr>
+              <a:tr h="612913">
+                <a:tc>
+                  <a:txBody>
+                    <a:bodyPr/>
+                    <a:lstStyle/>
+                    <a:p>
+                      <a:r>
+                        <a:rPr lang="pl-PL" dirty="0"/>
+                        <a:t>0</a:t>
+                      </a:r>
+                    </a:p>
+                  </a:txBody>
+                  <a:tcPr/>
+                </a:tc>
+                <a:tc>
+                  <a:txBody>
+                    <a:bodyPr/>
+                    <a:lstStyle/>
+                    <a:p>
+                      <a:r>
+                        <a:rPr lang="pl-PL" dirty="0"/>
+                        <a:t>P0</a:t>
+                      </a:r>
+                    </a:p>
+                  </a:txBody>
+                  <a:tcPr/>
+                </a:tc>
+                <a:tc>
+                  <a:txBody>
+                    <a:bodyPr/>
+                    <a:lstStyle/>
+                    <a:p>
+                      <a:r>
+                        <a:rPr lang="pl-PL" dirty="0"/>
+                        <a:t>P1</a:t>
+                      </a:r>
+                    </a:p>
+                  </a:txBody>
+                  <a:tcPr/>
+                </a:tc>
+                <a:tc>
+                  <a:txBody>
+                    <a:bodyPr/>
+                    <a:lstStyle/>
+                    <a:p>
+                      <a:r>
+                        <a:rPr lang="pl-PL" dirty="0"/>
+                        <a:t>P2</a:t>
+                      </a:r>
+                    </a:p>
+                  </a:txBody>
+                  <a:tcPr/>
+                </a:tc>
+                <a:extLst>
+                  <a:ext uri="{0D108BD9-81ED-4DB2-BD59-A6C34878D82A}">
+                    <a16:rowId xmlns:a16="http://schemas.microsoft.com/office/drawing/2014/main" val="385767231"/>
+                  </a:ext>
+                </a:extLst>
+              </a:tr>
+              <a:tr h="612913">
+                <a:tc>
+                  <a:txBody>
+                    <a:bodyPr/>
+                    <a:lstStyle/>
+                    <a:p>
+                      <a:r>
+                        <a:rPr lang="pl-PL" dirty="0"/>
+                        <a:t>0</a:t>
+                      </a:r>
+                    </a:p>
+                  </a:txBody>
+                  <a:tcPr/>
+                </a:tc>
+                <a:tc>
+                  <a:txBody>
+                    <a:bodyPr/>
+                    <a:lstStyle/>
+                    <a:p>
+                      <a:r>
+                        <a:rPr lang="pl-PL" dirty="0"/>
+                        <a:t>P6</a:t>
+                      </a:r>
+                    </a:p>
+                  </a:txBody>
+                  <a:tcPr/>
+                </a:tc>
+                <a:tc>
+                  <a:txBody>
+                    <a:bodyPr/>
+                    <a:lstStyle/>
+                    <a:p>
+                      <a:r>
+                        <a:rPr lang="pl-PL" dirty="0"/>
+                        <a:t>P7</a:t>
+                      </a:r>
+                    </a:p>
+                  </a:txBody>
+                  <a:tcPr/>
+                </a:tc>
+                <a:tc>
+                  <a:txBody>
+                    <a:bodyPr/>
+                    <a:lstStyle/>
+                    <a:p>
+                      <a:r>
+                        <a:rPr lang="pl-PL" dirty="0"/>
+                        <a:t>P8</a:t>
+                      </a:r>
+                    </a:p>
+                  </a:txBody>
+                  <a:tcPr/>
+                </a:tc>
+                <a:extLst>
+                  <a:ext uri="{0D108BD9-81ED-4DB2-BD59-A6C34878D82A}">
+                    <a16:rowId xmlns:a16="http://schemas.microsoft.com/office/drawing/2014/main" val="2985283399"/>
+                  </a:ext>
+                </a:extLst>
+              </a:tr>
+            </a:tbl>
+          </a:graphicData>
+        </a:graphic>
+      </p:graphicFrame>
+      <p:sp>
+        <p:nvSpPr>
+          <p:cNvPr id="14" name="Prostokąt: zaokrąglone rogi 13">
+            <a:extLst>
+              <a:ext uri="{FF2B5EF4-FFF2-40B4-BE49-F238E27FC236}">
+                <a16:creationId xmlns:a16="http://schemas.microsoft.com/office/drawing/2014/main" id="{9AD79924-E68C-A905-9395-68A804A472BB}"/>
+              </a:ext>
+            </a:extLst>
+          </p:cNvPr>
+          <p:cNvSpPr/>
+          <p:nvPr/>
+        </p:nvSpPr>
+        <p:spPr>
+          <a:xfrm>
+            <a:off x="8349966" y="2344679"/>
+            <a:ext cx="1696278" cy="1848679"/>
+          </a:xfrm>
+          <a:prstGeom prst="roundRect">
+            <a:avLst/>
+          </a:prstGeom>
+          <a:noFill/>
+          <a:ln w="57150">
+            <a:solidFill>
+              <a:schemeClr val="accent2">
+                <a:lumMod val="75000"/>
+              </a:schemeClr>
+            </a:solidFill>
+          </a:ln>
+        </p:spPr>
+        <p:style>
+          <a:lnRef idx="2">
+            <a:schemeClr val="accent1">
+              <a:shade val="50000"/>
+            </a:schemeClr>
+          </a:lnRef>
+          <a:fillRef idx="1">
+            <a:schemeClr val="accent1"/>
+          </a:fillRef>
+          <a:effectRef idx="0">
+            <a:schemeClr val="accent1"/>
+          </a:effectRef>
+          <a:fontRef idx="minor">
+            <a:schemeClr val="lt1"/>
+          </a:fontRef>
+        </p:style>
+        <p:txBody>
+          <a:bodyPr rtlCol="0" anchor="ctr"/>
+          <a:lstStyle/>
+          <a:p>
+            <a:pPr algn="ctr"/>
+            <a:endParaRPr lang="pl-PL"/>
+          </a:p>
+        </p:txBody>
+      </p:sp>
+      <p:sp>
+        <p:nvSpPr>
+          <p:cNvPr id="15" name="pole tekstowe 14">
+            <a:extLst>
+              <a:ext uri="{FF2B5EF4-FFF2-40B4-BE49-F238E27FC236}">
+                <a16:creationId xmlns:a16="http://schemas.microsoft.com/office/drawing/2014/main" id="{2911754A-CB9F-D83B-E05C-78A04637F2A5}"/>
+              </a:ext>
+            </a:extLst>
+          </p:cNvPr>
+          <p:cNvSpPr txBox="1"/>
+          <p:nvPr/>
+        </p:nvSpPr>
+        <p:spPr>
+          <a:xfrm>
+            <a:off x="8349966" y="1042587"/>
+            <a:ext cx="2242930" cy="646331"/>
+          </a:xfrm>
+          <a:prstGeom prst="rect">
+            <a:avLst/>
+          </a:prstGeom>
+          <a:solidFill>
+            <a:schemeClr val="accent6">
+              <a:lumMod val="40000"/>
+              <a:lumOff val="60000"/>
+            </a:schemeClr>
+          </a:solidFill>
+        </p:spPr>
+        <p:txBody>
+          <a:bodyPr wrap="square" rtlCol="0">
+            <a:spAutoFit/>
+          </a:bodyPr>
+          <a:lstStyle/>
+          <a:p>
+            <a:r>
+              <a:rPr lang="pl-PL" dirty="0"/>
+              <a:t>Wejściowa macierz dla piksela P1</a:t>
+            </a:r>
+          </a:p>
+        </p:txBody>
+      </p:sp>
+      <p:cxnSp>
+        <p:nvCxnSpPr>
+          <p:cNvPr id="16" name="Łącznik prosty ze strzałką 15">
+            <a:extLst>
+              <a:ext uri="{FF2B5EF4-FFF2-40B4-BE49-F238E27FC236}">
+                <a16:creationId xmlns:a16="http://schemas.microsoft.com/office/drawing/2014/main" id="{C5B8370C-58CD-EAB3-4561-6AC896344846}"/>
+              </a:ext>
+            </a:extLst>
+          </p:cNvPr>
+          <p:cNvCxnSpPr>
+            <a:cxnSpLocks/>
+            <a:stCxn id="15" idx="2"/>
+          </p:cNvCxnSpPr>
+          <p:nvPr/>
+        </p:nvCxnSpPr>
+        <p:spPr>
+          <a:xfrm flipH="1">
+            <a:off x="9198105" y="1688918"/>
+            <a:ext cx="273326" cy="597082"/>
+          </a:xfrm>
+          <a:prstGeom prst="straightConnector1">
+            <a:avLst/>
+          </a:prstGeom>
+          <a:ln>
+            <a:tailEnd type="triangle"/>
+          </a:ln>
+        </p:spPr>
+        <p:style>
+          <a:lnRef idx="1">
+            <a:schemeClr val="accent1"/>
+          </a:lnRef>
+          <a:fillRef idx="0">
+            <a:schemeClr val="accent1"/>
+          </a:fillRef>
+          <a:effectRef idx="0">
+            <a:schemeClr val="accent1"/>
+          </a:effectRef>
+          <a:fontRef idx="minor">
+            <a:schemeClr val="tx1"/>
+          </a:fontRef>
+        </p:style>
+      </p:cxnSp>
+    </p:spTree>
+    <p:extLst>
+      <p:ext uri="{BB962C8B-B14F-4D97-AF65-F5344CB8AC3E}">
+        <p14:creationId xmlns:p14="http://schemas.microsoft.com/office/powerpoint/2010/main" val="4144430082"/>
+      </p:ext>
+    </p:extLst>
+  </p:cSld>
+  <p:clrMapOvr>
+    <a:masterClrMapping/>
+  </p:clrMapOvr>
+</p:sld>
+</file>
+
+<file path=ppt/slides/slide17.xml><?xml version="1.0" encoding="utf-8"?>
+<p:sld xmlns:a="http://schemas.openxmlformats.org/drawingml/2006/main" xmlns:r="http://schemas.openxmlformats.org/officeDocument/2006/relationships" xmlns:p="http://schemas.openxmlformats.org/presentationml/2006/main">
+  <p:cSld>
+    <p:spTree>
+      <p:nvGrpSpPr>
+        <p:cNvPr id="1" name=""/>
+        <p:cNvGrpSpPr/>
+        <p:nvPr/>
+      </p:nvGrpSpPr>
+      <p:grpSpPr>
+        <a:xfrm>
+          <a:off x="0" y="0"/>
+          <a:ext cx="0" cy="0"/>
+          <a:chOff x="0" y="0"/>
+          <a:chExt cx="0" cy="0"/>
+        </a:xfrm>
+      </p:grpSpPr>
+      <p:sp>
+        <p:nvSpPr>
+          <p:cNvPr id="3" name="Symbol zastępczy zawartości 2">
+            <a:extLst>
+              <a:ext uri="{FF2B5EF4-FFF2-40B4-BE49-F238E27FC236}">
+                <a16:creationId xmlns:a16="http://schemas.microsoft.com/office/drawing/2014/main" id="{5943DB17-4E54-8E20-D760-C3C44F844247}"/>
+              </a:ext>
+            </a:extLst>
+          </p:cNvPr>
+          <p:cNvSpPr>
+            <a:spLocks noGrp="1"/>
+          </p:cNvSpPr>
+          <p:nvPr>
+            <p:ph idx="1"/>
+          </p:nvPr>
+        </p:nvSpPr>
+        <p:spPr/>
+        <p:txBody>
+          <a:bodyPr/>
+          <a:lstStyle/>
+          <a:p>
+            <a:r>
+              <a:rPr lang="pl-PL" dirty="0"/>
+              <a:t>Na początku każdej nowej linii wymagane jest zapisanie 3 kolumn potem wystarczy tylko 1 i tak aż do końca linii. </a:t>
+            </a:r>
+          </a:p>
+        </p:txBody>
+      </p:sp>
+    </p:spTree>
+    <p:extLst>
+      <p:ext uri="{BB962C8B-B14F-4D97-AF65-F5344CB8AC3E}">
+        <p14:creationId xmlns:p14="http://schemas.microsoft.com/office/powerpoint/2010/main" val="669357220"/>
+      </p:ext>
+    </p:extLst>
+  </p:cSld>
+  <p:clrMapOvr>
+    <a:masterClrMapping/>
+  </p:clrMapOvr>
+</p:sld>
+</file>
+
+<file path=ppt/slides/slide18.xml><?xml version="1.0" encoding="utf-8"?>
+<p:sld xmlns:a="http://schemas.openxmlformats.org/drawingml/2006/main" xmlns:r="http://schemas.openxmlformats.org/officeDocument/2006/relationships" xmlns:p="http://schemas.openxmlformats.org/presentationml/2006/main">
+  <p:cSld>
+    <p:spTree>
+      <p:nvGrpSpPr>
+        <p:cNvPr id="1" name=""/>
+        <p:cNvGrpSpPr/>
+        <p:nvPr/>
+      </p:nvGrpSpPr>
+      <p:grpSpPr>
+        <a:xfrm>
+          <a:off x="0" y="0"/>
+          <a:ext cx="0" cy="0"/>
+          <a:chOff x="0" y="0"/>
+          <a:chExt cx="0" cy="0"/>
+        </a:xfrm>
+      </p:grpSpPr>
+      <p:sp>
+        <p:nvSpPr>
+          <p:cNvPr id="2" name="Tytuł 1">
+            <a:extLst>
+              <a:ext uri="{FF2B5EF4-FFF2-40B4-BE49-F238E27FC236}">
+                <a16:creationId xmlns:a16="http://schemas.microsoft.com/office/drawing/2014/main" id="{E4BF6FA2-6758-045C-D811-31002865486F}"/>
+              </a:ext>
+            </a:extLst>
+          </p:cNvPr>
+          <p:cNvSpPr>
+            <a:spLocks noGrp="1"/>
+          </p:cNvSpPr>
+          <p:nvPr>
+            <p:ph type="title"/>
+          </p:nvPr>
+        </p:nvSpPr>
+        <p:spPr>
+          <a:xfrm>
+            <a:off x="838200" y="0"/>
+            <a:ext cx="10515600" cy="529397"/>
+          </a:xfrm>
+        </p:spPr>
+        <p:txBody>
+          <a:bodyPr>
+            <a:normAutofit fontScale="90000"/>
+          </a:bodyPr>
+          <a:lstStyle/>
+          <a:p>
+            <a:pPr algn="ctr"/>
+            <a:r>
+              <a:rPr lang="pl-PL" dirty="0"/>
+              <a:t>Schemat blokowy realizacji </a:t>
+            </a:r>
+            <a:r>
+              <a:rPr lang="pl-PL" dirty="0" err="1"/>
+              <a:t>pipline’u</a:t>
+            </a:r>
+            <a:endParaRPr lang="pl-PL" dirty="0"/>
+          </a:p>
+        </p:txBody>
+      </p:sp>
+      <p:sp>
+        <p:nvSpPr>
+          <p:cNvPr id="3" name="Symbol zastępczy zawartości 2">
+            <a:extLst>
+              <a:ext uri="{FF2B5EF4-FFF2-40B4-BE49-F238E27FC236}">
+                <a16:creationId xmlns:a16="http://schemas.microsoft.com/office/drawing/2014/main" id="{E58EC1CA-0110-F6BA-8943-6E907B25E2A1}"/>
+              </a:ext>
+            </a:extLst>
+          </p:cNvPr>
+          <p:cNvSpPr>
+            <a:spLocks noGrp="1"/>
+          </p:cNvSpPr>
+          <p:nvPr>
+            <p:ph idx="1"/>
+          </p:nvPr>
+        </p:nvSpPr>
+        <p:spPr/>
+        <p:txBody>
+          <a:bodyPr/>
+          <a:lstStyle/>
+          <a:p>
+            <a:endParaRPr lang="pl-PL"/>
+          </a:p>
+        </p:txBody>
+      </p:sp>
+    </p:spTree>
+    <p:extLst>
+      <p:ext uri="{BB962C8B-B14F-4D97-AF65-F5344CB8AC3E}">
+        <p14:creationId xmlns:p14="http://schemas.microsoft.com/office/powerpoint/2010/main" val="826217584"/>
       </p:ext>
     </p:extLst>
   </p:cSld>
@@ -33712,4 +41130,299 @@
     </a:ext>
   </a:extLst>
 </a:theme>
+</file>
+
+<file path=ppt/theme/theme2.xml><?xml version="1.0" encoding="utf-8"?>
+<a:theme xmlns:a="http://schemas.openxmlformats.org/drawingml/2006/main" name="Motyw pakietu Office">
+  <a:themeElements>
+    <a:clrScheme name="Pakiet Office">
+      <a:dk1>
+        <a:sysClr val="windowText" lastClr="000000"/>
+      </a:dk1>
+      <a:lt1>
+        <a:sysClr val="window" lastClr="FFFFFF"/>
+      </a:lt1>
+      <a:dk2>
+        <a:srgbClr val="44546A"/>
+      </a:dk2>
+      <a:lt2>
+        <a:srgbClr val="E7E6E6"/>
+      </a:lt2>
+      <a:accent1>
+        <a:srgbClr val="4472C4"/>
+      </a:accent1>
+      <a:accent2>
+        <a:srgbClr val="ED7D31"/>
+      </a:accent2>
+      <a:accent3>
+        <a:srgbClr val="A5A5A5"/>
+      </a:accent3>
+      <a:accent4>
+        <a:srgbClr val="FFC000"/>
+      </a:accent4>
+      <a:accent5>
+        <a:srgbClr val="5B9BD5"/>
+      </a:accent5>
+      <a:accent6>
+        <a:srgbClr val="70AD47"/>
+      </a:accent6>
+      <a:hlink>
+        <a:srgbClr val="0563C1"/>
+      </a:hlink>
+      <a:folHlink>
+        <a:srgbClr val="954F72"/>
+      </a:folHlink>
+    </a:clrScheme>
+    <a:fontScheme name="Pakiet Office">
+      <a:majorFont>
+        <a:latin typeface="Calibri Light" panose="020F0302020204030204"/>
+        <a:ea typeface=""/>
+        <a:cs typeface=""/>
+        <a:font script="Jpan" typeface="游ゴシック Light"/>
+        <a:font script="Hang" typeface="맑은 고딕"/>
+        <a:font script="Hans" typeface="等线 Light"/>
+        <a:font script="Hant" typeface="新細明體"/>
+        <a:font script="Arab" typeface="Times New Roman"/>
+        <a:font script="Hebr" typeface="Times New Roman"/>
+        <a:font script="Thai" typeface="Angsana New"/>
+        <a:font script="Ethi" typeface="Nyala"/>
+        <a:font script="Beng" typeface="Vrinda"/>
+        <a:font script="Gujr" typeface="Shruti"/>
+        <a:font script="Khmr" typeface="MoolBoran"/>
+        <a:font script="Knda" typeface="Tunga"/>
+        <a:font script="Guru" typeface="Raavi"/>
+        <a:font script="Cans" typeface="Euphemia"/>
+        <a:font script="Cher" typeface="Plantagenet Cherokee"/>
+        <a:font script="Yiii" typeface="Microsoft Yi Baiti"/>
+        <a:font script="Tibt" typeface="Microsoft Himalaya"/>
+        <a:font script="Thaa" typeface="MV Boli"/>
+        <a:font script="Deva" typeface="Mangal"/>
+        <a:font script="Telu" typeface="Gautami"/>
+        <a:font script="Taml" typeface="Latha"/>
+        <a:font script="Syrc" typeface="Estrangelo Edessa"/>
+        <a:font script="Orya" typeface="Kalinga"/>
+        <a:font script="Mlym" typeface="Kartika"/>
+        <a:font script="Laoo" typeface="DokChampa"/>
+        <a:font script="Sinh" typeface="Iskoola Pota"/>
+        <a:font script="Mong" typeface="Mongolian Baiti"/>
+        <a:font script="Viet" typeface="Times New Roman"/>
+        <a:font script="Uigh" typeface="Microsoft Uighur"/>
+        <a:font script="Geor" typeface="Sylfaen"/>
+        <a:font script="Armn" typeface="Arial"/>
+        <a:font script="Bugi" typeface="Leelawadee UI"/>
+        <a:font script="Bopo" typeface="Microsoft JhengHei"/>
+        <a:font script="Java" typeface="Javanese Text"/>
+        <a:font script="Lisu" typeface="Segoe UI"/>
+        <a:font script="Mymr" typeface="Myanmar Text"/>
+        <a:font script="Nkoo" typeface="Ebrima"/>
+        <a:font script="Olck" typeface="Nirmala UI"/>
+        <a:font script="Osma" typeface="Ebrima"/>
+        <a:font script="Phag" typeface="Phagspa"/>
+        <a:font script="Syrn" typeface="Estrangelo Edessa"/>
+        <a:font script="Syrj" typeface="Estrangelo Edessa"/>
+        <a:font script="Syre" typeface="Estrangelo Edessa"/>
+        <a:font script="Sora" typeface="Nirmala UI"/>
+        <a:font script="Tale" typeface="Microsoft Tai Le"/>
+        <a:font script="Talu" typeface="Microsoft New Tai Lue"/>
+        <a:font script="Tfng" typeface="Ebrima"/>
+      </a:majorFont>
+      <a:minorFont>
+        <a:latin typeface="Calibri" panose="020F0502020204030204"/>
+        <a:ea typeface=""/>
+        <a:cs typeface=""/>
+        <a:font script="Jpan" typeface="游ゴシック"/>
+        <a:font script="Hang" typeface="맑은 고딕"/>
+        <a:font script="Hans" typeface="等线"/>
+        <a:font script="Hant" typeface="新細明體"/>
+        <a:font script="Arab" typeface="Arial"/>
+        <a:font script="Hebr" typeface="Arial"/>
+        <a:font script="Thai" typeface="Cordia New"/>
+        <a:font script="Ethi" typeface="Nyala"/>
+        <a:font script="Beng" typeface="Vrinda"/>
+        <a:font script="Gujr" typeface="Shruti"/>
+        <a:font script="Khmr" typeface="DaunPenh"/>
+        <a:font script="Knda" typeface="Tunga"/>
+        <a:font script="Guru" typeface="Raavi"/>
+        <a:font script="Cans" typeface="Euphemia"/>
+        <a:font script="Cher" typeface="Plantagenet Cherokee"/>
+        <a:font script="Yiii" typeface="Microsoft Yi Baiti"/>
+        <a:font script="Tibt" typeface="Microsoft Himalaya"/>
+        <a:font script="Thaa" typeface="MV Boli"/>
+        <a:font script="Deva" typeface="Mangal"/>
+        <a:font script="Telu" typeface="Gautami"/>
+        <a:font script="Taml" typeface="Latha"/>
+        <a:font script="Syrc" typeface="Estrangelo Edessa"/>
+        <a:font script="Orya" typeface="Kalinga"/>
+        <a:font script="Mlym" typeface="Kartika"/>
+        <a:font script="Laoo" typeface="DokChampa"/>
+        <a:font script="Sinh" typeface="Iskoola Pota"/>
+        <a:font script="Mong" typeface="Mongolian Baiti"/>
+        <a:font script="Viet" typeface="Arial"/>
+        <a:font script="Uigh" typeface="Microsoft Uighur"/>
+        <a:font script="Geor" typeface="Sylfaen"/>
+        <a:font script="Armn" typeface="Arial"/>
+        <a:font script="Bugi" typeface="Leelawadee UI"/>
+        <a:font script="Bopo" typeface="Microsoft JhengHei"/>
+        <a:font script="Java" typeface="Javanese Text"/>
+        <a:font script="Lisu" typeface="Segoe UI"/>
+        <a:font script="Mymr" typeface="Myanmar Text"/>
+        <a:font script="Nkoo" typeface="Ebrima"/>
+        <a:font script="Olck" typeface="Nirmala UI"/>
+        <a:font script="Osma" typeface="Ebrima"/>
+        <a:font script="Phag" typeface="Phagspa"/>
+        <a:font script="Syrn" typeface="Estrangelo Edessa"/>
+        <a:font script="Syrj" typeface="Estrangelo Edessa"/>
+        <a:font script="Syre" typeface="Estrangelo Edessa"/>
+        <a:font script="Sora" typeface="Nirmala UI"/>
+        <a:font script="Tale" typeface="Microsoft Tai Le"/>
+        <a:font script="Talu" typeface="Microsoft New Tai Lue"/>
+        <a:font script="Tfng" typeface="Ebrima"/>
+      </a:minorFont>
+    </a:fontScheme>
+    <a:fmtScheme name="Pakiet Office">
+      <a:fillStyleLst>
+        <a:solidFill>
+          <a:schemeClr val="phClr"/>
+        </a:solidFill>
+        <a:gradFill rotWithShape="1">
+          <a:gsLst>
+            <a:gs pos="0">
+              <a:schemeClr val="phClr">
+                <a:lumMod val="110000"/>
+                <a:satMod val="105000"/>
+                <a:tint val="67000"/>
+              </a:schemeClr>
+            </a:gs>
+            <a:gs pos="50000">
+              <a:schemeClr val="phClr">
+                <a:lumMod val="105000"/>
+                <a:satMod val="103000"/>
+                <a:tint val="73000"/>
+              </a:schemeClr>
+            </a:gs>
+            <a:gs pos="100000">
+              <a:schemeClr val="phClr">
+                <a:lumMod val="105000"/>
+                <a:satMod val="109000"/>
+                <a:tint val="81000"/>
+              </a:schemeClr>
+            </a:gs>
+          </a:gsLst>
+          <a:lin ang="5400000" scaled="0"/>
+        </a:gradFill>
+        <a:gradFill rotWithShape="1">
+          <a:gsLst>
+            <a:gs pos="0">
+              <a:schemeClr val="phClr">
+                <a:satMod val="103000"/>
+                <a:lumMod val="102000"/>
+                <a:tint val="94000"/>
+              </a:schemeClr>
+            </a:gs>
+            <a:gs pos="50000">
+              <a:schemeClr val="phClr">
+                <a:satMod val="110000"/>
+                <a:lumMod val="100000"/>
+                <a:shade val="100000"/>
+              </a:schemeClr>
+            </a:gs>
+            <a:gs pos="100000">
+              <a:schemeClr val="phClr">
+                <a:lumMod val="99000"/>
+                <a:satMod val="120000"/>
+                <a:shade val="78000"/>
+              </a:schemeClr>
+            </a:gs>
+          </a:gsLst>
+          <a:lin ang="5400000" scaled="0"/>
+        </a:gradFill>
+      </a:fillStyleLst>
+      <a:lnStyleLst>
+        <a:ln w="6350" cap="flat" cmpd="sng" algn="ctr">
+          <a:solidFill>
+            <a:schemeClr val="phClr"/>
+          </a:solidFill>
+          <a:prstDash val="solid"/>
+          <a:miter lim="800000"/>
+        </a:ln>
+        <a:ln w="12700" cap="flat" cmpd="sng" algn="ctr">
+          <a:solidFill>
+            <a:schemeClr val="phClr"/>
+          </a:solidFill>
+          <a:prstDash val="solid"/>
+          <a:miter lim="800000"/>
+        </a:ln>
+        <a:ln w="19050" cap="flat" cmpd="sng" algn="ctr">
+          <a:solidFill>
+            <a:schemeClr val="phClr"/>
+          </a:solidFill>
+          <a:prstDash val="solid"/>
+          <a:miter lim="800000"/>
+        </a:ln>
+      </a:lnStyleLst>
+      <a:effectStyleLst>
+        <a:effectStyle>
+          <a:effectLst/>
+        </a:effectStyle>
+        <a:effectStyle>
+          <a:effectLst/>
+        </a:effectStyle>
+        <a:effectStyle>
+          <a:effectLst>
+            <a:outerShdw blurRad="57150" dist="19050" dir="5400000" algn="ctr" rotWithShape="0">
+              <a:srgbClr val="000000">
+                <a:alpha val="63000"/>
+              </a:srgbClr>
+            </a:outerShdw>
+          </a:effectLst>
+        </a:effectStyle>
+      </a:effectStyleLst>
+      <a:bgFillStyleLst>
+        <a:solidFill>
+          <a:schemeClr val="phClr"/>
+        </a:solidFill>
+        <a:solidFill>
+          <a:schemeClr val="phClr">
+            <a:tint val="95000"/>
+            <a:satMod val="170000"/>
+          </a:schemeClr>
+        </a:solidFill>
+        <a:gradFill rotWithShape="1">
+          <a:gsLst>
+            <a:gs pos="0">
+              <a:schemeClr val="phClr">
+                <a:tint val="93000"/>
+                <a:satMod val="150000"/>
+                <a:shade val="98000"/>
+                <a:lumMod val="102000"/>
+              </a:schemeClr>
+            </a:gs>
+            <a:gs pos="50000">
+              <a:schemeClr val="phClr">
+                <a:tint val="98000"/>
+                <a:satMod val="130000"/>
+                <a:shade val="90000"/>
+                <a:lumMod val="103000"/>
+              </a:schemeClr>
+            </a:gs>
+            <a:gs pos="100000">
+              <a:schemeClr val="phClr">
+                <a:shade val="63000"/>
+                <a:satMod val="120000"/>
+              </a:schemeClr>
+            </a:gs>
+          </a:gsLst>
+          <a:lin ang="5400000" scaled="0"/>
+        </a:gradFill>
+      </a:bgFillStyleLst>
+    </a:fmtScheme>
+  </a:themeElements>
+  <a:objectDefaults/>
+  <a:extraClrSchemeLst/>
+  <a:extLst>
+    <a:ext uri="{05A4C25C-085E-4340-85A3-A5531E510DB2}">
+      <thm15:themeFamily xmlns:thm15="http://schemas.microsoft.com/office/thememl/2012/main" name="Office Theme" id="{62F939B6-93AF-4DB8-9C6B-D6C7DFDC589F}" vid="{4A3C46E8-61CC-4603-A589-7422A47A8E4A}"/>
+    </a:ext>
+  </a:extLst>
+</a:theme>
 </file>
--- a/Prezentacja_splotowa_filtracja_obrazu.pptx
+++ b/Prezentacja_splotowa_filtracja_obrazu.pptx
@@ -10301,7 +10301,15 @@
           <a:p>
             <a:r>
               <a:rPr lang="pl-PL" dirty="0"/>
-              <a:t>Zera dołożone dookoła ramki są po to aby możliwa była operacja splotu. W przypadku </a:t>
+              <a:t>Zera dołożone dookoła ramki są po to aby możliwa była operacja splotu (zero-</a:t>
+            </a:r>
+            <a:r>
+              <a:rPr lang="pl-PL" dirty="0" err="1"/>
+              <a:t>padding</a:t>
+            </a:r>
+            <a:r>
+              <a:rPr lang="pl-PL" dirty="0"/>
+              <a:t>). W przypadku </a:t>
             </a:r>
             <a:r>
               <a:rPr lang="pl-PL" dirty="0" err="1"/>
@@ -14494,7 +14502,7 @@
           <p:nvPr>
             <p:extLst>
               <p:ext uri="{D42A27DB-BD31-4B8C-83A1-F6EECF244321}">
-                <p14:modId xmlns:p14="http://schemas.microsoft.com/office/powerpoint/2010/main" val="1418505273"/>
+                <p14:modId xmlns:p14="http://schemas.microsoft.com/office/powerpoint/2010/main" val="2391275578"/>
               </p:ext>
             </p:extLst>
           </p:nvPr>
@@ -14547,7 +14555,7 @@
                     <a:p>
                       <a:r>
                         <a:rPr lang="pl-PL" dirty="0"/>
-                        <a:t>0</a:t>
+                        <a:t>x</a:t>
                       </a:r>
                     </a:p>
                   </a:txBody>
@@ -14606,7 +14614,7 @@
                     <a:p>
                       <a:r>
                         <a:rPr lang="pl-PL" dirty="0"/>
-                        <a:t>0</a:t>
+                        <a:t>x</a:t>
                       </a:r>
                     </a:p>
                   </a:txBody>
@@ -14665,7 +14673,7 @@
                     <a:p>
                       <a:r>
                         <a:rPr lang="pl-PL" dirty="0"/>
-                        <a:t>0</a:t>
+                        <a:t>x</a:t>
                       </a:r>
                     </a:p>
                   </a:txBody>
@@ -14946,6 +14954,63 @@
       </p:grpSpPr>
       <p:sp>
         <p:nvSpPr>
+          <p:cNvPr id="37" name="Strzałka: w prawo 36">
+            <a:extLst>
+              <a:ext uri="{FF2B5EF4-FFF2-40B4-BE49-F238E27FC236}">
+                <a16:creationId xmlns:a16="http://schemas.microsoft.com/office/drawing/2014/main" id="{E456F3C5-229D-DBB2-3E8B-4E72F00F7BB9}"/>
+              </a:ext>
+            </a:extLst>
+          </p:cNvPr>
+          <p:cNvSpPr/>
+          <p:nvPr/>
+        </p:nvSpPr>
+        <p:spPr>
+          <a:xfrm rot="5400000">
+            <a:off x="114387" y="3154559"/>
+            <a:ext cx="2385216" cy="318314"/>
+          </a:xfrm>
+          <a:prstGeom prst="rightArrow">
+            <a:avLst/>
+          </a:prstGeom>
+          <a:solidFill>
+            <a:schemeClr val="accent2">
+              <a:lumMod val="40000"/>
+              <a:lumOff val="60000"/>
+            </a:schemeClr>
+          </a:solidFill>
+          <a:ln>
+            <a:solidFill>
+              <a:schemeClr val="bg1"/>
+            </a:solidFill>
+          </a:ln>
+        </p:spPr>
+        <p:style>
+          <a:lnRef idx="2">
+            <a:schemeClr val="accent1">
+              <a:shade val="50000"/>
+            </a:schemeClr>
+          </a:lnRef>
+          <a:fillRef idx="1">
+            <a:schemeClr val="accent1"/>
+          </a:fillRef>
+          <a:effectRef idx="0">
+            <a:schemeClr val="accent1"/>
+          </a:effectRef>
+          <a:fontRef idx="minor">
+            <a:schemeClr val="lt1"/>
+          </a:fontRef>
+        </p:style>
+        <p:txBody>
+          <a:bodyPr rtlCol="0" anchor="ctr"/>
+          <a:lstStyle/>
+          <a:p>
+            <a:pPr algn="ctr"/>
+            <a:endParaRPr lang="pl-PL" dirty="0"/>
+          </a:p>
+        </p:txBody>
+      </p:sp>
+      <p:sp>
+        <p:nvSpPr>
           <p:cNvPr id="2" name="Tytuł 1">
             <a:extLst>
               <a:ext uri="{FF2B5EF4-FFF2-40B4-BE49-F238E27FC236}">
@@ -14987,29 +15052,1853 @@
       </p:sp>
       <p:sp>
         <p:nvSpPr>
-          <p:cNvPr id="3" name="Symbol zastępczy zawartości 2">
-            <a:extLst>
-              <a:ext uri="{FF2B5EF4-FFF2-40B4-BE49-F238E27FC236}">
-                <a16:creationId xmlns:a16="http://schemas.microsoft.com/office/drawing/2014/main" id="{E58EC1CA-0110-F6BA-8943-6E907B25E2A1}"/>
-              </a:ext>
-            </a:extLst>
-          </p:cNvPr>
-          <p:cNvSpPr>
-            <a:spLocks noGrp="1"/>
-          </p:cNvSpPr>
+          <p:cNvPr id="4" name="Prostokąt 3">
+            <a:extLst>
+              <a:ext uri="{FF2B5EF4-FFF2-40B4-BE49-F238E27FC236}">
+                <a16:creationId xmlns:a16="http://schemas.microsoft.com/office/drawing/2014/main" id="{72452365-5CDE-E829-83D8-9E852A573CE1}"/>
+              </a:ext>
+            </a:extLst>
+          </p:cNvPr>
+          <p:cNvSpPr/>
+          <p:nvPr/>
+        </p:nvSpPr>
+        <p:spPr>
+          <a:xfrm>
+            <a:off x="1186071" y="715618"/>
+            <a:ext cx="2451652" cy="1000539"/>
+          </a:xfrm>
+          <a:prstGeom prst="rect">
+            <a:avLst/>
+          </a:prstGeom>
+        </p:spPr>
+        <p:style>
+          <a:lnRef idx="2">
+            <a:schemeClr val="accent1">
+              <a:shade val="50000"/>
+            </a:schemeClr>
+          </a:lnRef>
+          <a:fillRef idx="1">
+            <a:schemeClr val="accent1"/>
+          </a:fillRef>
+          <a:effectRef idx="0">
+            <a:schemeClr val="accent1"/>
+          </a:effectRef>
+          <a:fontRef idx="minor">
+            <a:schemeClr val="lt1"/>
+          </a:fontRef>
+        </p:style>
+        <p:txBody>
+          <a:bodyPr rtlCol="0" anchor="ctr"/>
+          <a:lstStyle/>
+          <a:p>
+            <a:pPr algn="ctr"/>
+            <a:r>
+              <a:rPr lang="pl-PL" dirty="0"/>
+              <a:t>Processing System</a:t>
+            </a:r>
+          </a:p>
+        </p:txBody>
+      </p:sp>
+      <p:sp>
+        <p:nvSpPr>
+          <p:cNvPr id="5" name="Prostokąt 4">
+            <a:extLst>
+              <a:ext uri="{FF2B5EF4-FFF2-40B4-BE49-F238E27FC236}">
+                <a16:creationId xmlns:a16="http://schemas.microsoft.com/office/drawing/2014/main" id="{91D0E874-FCE8-8E89-A64F-5BFEA1AE9B1E}"/>
+              </a:ext>
+            </a:extLst>
+          </p:cNvPr>
+          <p:cNvSpPr/>
+          <p:nvPr/>
+        </p:nvSpPr>
+        <p:spPr>
+          <a:xfrm>
+            <a:off x="6096000" y="529397"/>
+            <a:ext cx="3617842" cy="1451113"/>
+          </a:xfrm>
+          <a:prstGeom prst="rect">
+            <a:avLst/>
+          </a:prstGeom>
+        </p:spPr>
+        <p:style>
+          <a:lnRef idx="2">
+            <a:schemeClr val="accent6">
+              <a:shade val="50000"/>
+            </a:schemeClr>
+          </a:lnRef>
+          <a:fillRef idx="1">
+            <a:schemeClr val="accent6"/>
+          </a:fillRef>
+          <a:effectRef idx="0">
+            <a:schemeClr val="accent6"/>
+          </a:effectRef>
+          <a:fontRef idx="minor">
+            <a:schemeClr val="lt1"/>
+          </a:fontRef>
+        </p:style>
+        <p:txBody>
+          <a:bodyPr rtlCol="0" anchor="ctr"/>
+          <a:lstStyle/>
+          <a:p>
+            <a:pPr algn="ctr"/>
+            <a:r>
+              <a:rPr lang="pl-PL" dirty="0"/>
+              <a:t>Pamięć DDR</a:t>
+            </a:r>
+          </a:p>
+        </p:txBody>
+      </p:sp>
+      <p:sp>
+        <p:nvSpPr>
+          <p:cNvPr id="6" name="Prostokąt 5">
+            <a:extLst>
+              <a:ext uri="{FF2B5EF4-FFF2-40B4-BE49-F238E27FC236}">
+                <a16:creationId xmlns:a16="http://schemas.microsoft.com/office/drawing/2014/main" id="{1F8DCCDB-AB68-A56B-A555-6C1A7FE56190}"/>
+              </a:ext>
+            </a:extLst>
+          </p:cNvPr>
+          <p:cNvSpPr/>
+          <p:nvPr/>
+        </p:nvSpPr>
+        <p:spPr>
+          <a:xfrm>
+            <a:off x="121770" y="4506323"/>
+            <a:ext cx="1487557" cy="2120348"/>
+          </a:xfrm>
+          <a:prstGeom prst="rect">
+            <a:avLst/>
+          </a:prstGeom>
+        </p:spPr>
+        <p:style>
+          <a:lnRef idx="2">
+            <a:schemeClr val="accent2">
+              <a:shade val="50000"/>
+            </a:schemeClr>
+          </a:lnRef>
+          <a:fillRef idx="1">
+            <a:schemeClr val="accent2"/>
+          </a:fillRef>
+          <a:effectRef idx="0">
+            <a:schemeClr val="accent2"/>
+          </a:effectRef>
+          <a:fontRef idx="minor">
+            <a:schemeClr val="lt1"/>
+          </a:fontRef>
+        </p:style>
+        <p:txBody>
+          <a:bodyPr rtlCol="0" anchor="b"/>
+          <a:lstStyle/>
+          <a:p>
+            <a:pPr algn="ctr"/>
+            <a:r>
+              <a:rPr lang="pl-PL" sz="1050" dirty="0" err="1"/>
+              <a:t>Frame</a:t>
+            </a:r>
+            <a:r>
+              <a:rPr lang="pl-PL" sz="1050" dirty="0"/>
+              <a:t> DMA </a:t>
+            </a:r>
+            <a:r>
+              <a:rPr lang="pl-PL" sz="1050" dirty="0" err="1"/>
+              <a:t>read</a:t>
+            </a:r>
+            <a:r>
+              <a:rPr lang="pl-PL" sz="1050" dirty="0"/>
+              <a:t> (HLS)</a:t>
+            </a:r>
+            <a:endParaRPr lang="pl-PL" sz="1600" dirty="0"/>
+          </a:p>
+        </p:txBody>
+      </p:sp>
+      <p:sp>
+        <p:nvSpPr>
+          <p:cNvPr id="7" name="Strzałka: wygięta w górę 6">
+            <a:extLst>
+              <a:ext uri="{FF2B5EF4-FFF2-40B4-BE49-F238E27FC236}">
+                <a16:creationId xmlns:a16="http://schemas.microsoft.com/office/drawing/2014/main" id="{41F49BEB-8007-22DD-F996-ECF4502F6732}"/>
+              </a:ext>
+            </a:extLst>
+          </p:cNvPr>
+          <p:cNvSpPr/>
+          <p:nvPr/>
+        </p:nvSpPr>
+        <p:spPr>
+          <a:xfrm rot="10800000">
+            <a:off x="94421" y="877609"/>
+            <a:ext cx="1091650" cy="3628713"/>
+          </a:xfrm>
+          <a:prstGeom prst="bentUpArrow">
+            <a:avLst>
+              <a:gd name="adj1" fmla="val 12261"/>
+              <a:gd name="adj2" fmla="val 22646"/>
+              <a:gd name="adj3" fmla="val 31026"/>
+            </a:avLst>
+          </a:prstGeom>
+        </p:spPr>
+        <p:style>
+          <a:lnRef idx="2">
+            <a:schemeClr val="accent4">
+              <a:shade val="50000"/>
+            </a:schemeClr>
+          </a:lnRef>
+          <a:fillRef idx="1">
+            <a:schemeClr val="accent4"/>
+          </a:fillRef>
+          <a:effectRef idx="0">
+            <a:schemeClr val="accent4"/>
+          </a:effectRef>
+          <a:fontRef idx="minor">
+            <a:schemeClr val="lt1"/>
+          </a:fontRef>
+        </p:style>
+        <p:txBody>
+          <a:bodyPr rtlCol="0" anchor="ctr"/>
+          <a:lstStyle/>
+          <a:p>
+            <a:pPr algn="ctr"/>
+            <a:endParaRPr lang="pl-PL" dirty="0"/>
+          </a:p>
+        </p:txBody>
+      </p:sp>
+      <p:sp>
+        <p:nvSpPr>
+          <p:cNvPr id="8" name="pole tekstowe 7">
+            <a:extLst>
+              <a:ext uri="{FF2B5EF4-FFF2-40B4-BE49-F238E27FC236}">
+                <a16:creationId xmlns:a16="http://schemas.microsoft.com/office/drawing/2014/main" id="{72D9779F-8303-B52C-70B3-B05921854DDD}"/>
+              </a:ext>
+            </a:extLst>
+          </p:cNvPr>
+          <p:cNvSpPr txBox="1"/>
+          <p:nvPr/>
+        </p:nvSpPr>
+        <p:spPr>
+          <a:xfrm>
+            <a:off x="-26504" y="1771573"/>
+            <a:ext cx="1212575" cy="430887"/>
+          </a:xfrm>
+          <a:prstGeom prst="rect">
+            <a:avLst/>
+          </a:prstGeom>
+          <a:noFill/>
+        </p:spPr>
+        <p:txBody>
+          <a:bodyPr wrap="square" rtlCol="0">
+            <a:spAutoFit/>
+          </a:bodyPr>
+          <a:lstStyle/>
+          <a:p>
+            <a:r>
+              <a:rPr lang="pl-PL" sz="1100" dirty="0"/>
+              <a:t>AXI4-LITE </a:t>
+            </a:r>
+          </a:p>
+          <a:p>
+            <a:r>
+              <a:rPr lang="pl-PL" sz="1100" dirty="0"/>
+              <a:t>     32b </a:t>
+            </a:r>
+          </a:p>
+        </p:txBody>
+      </p:sp>
+      <p:sp>
+        <p:nvSpPr>
+          <p:cNvPr id="9" name="pole tekstowe 8">
+            <a:extLst>
+              <a:ext uri="{FF2B5EF4-FFF2-40B4-BE49-F238E27FC236}">
+                <a16:creationId xmlns:a16="http://schemas.microsoft.com/office/drawing/2014/main" id="{45C0E830-C98B-B375-E4B9-0664422B9720}"/>
+              </a:ext>
+            </a:extLst>
+          </p:cNvPr>
+          <p:cNvSpPr txBox="1"/>
+          <p:nvPr/>
+        </p:nvSpPr>
+        <p:spPr>
+          <a:xfrm>
+            <a:off x="1083302" y="839455"/>
+            <a:ext cx="601447" cy="276999"/>
+          </a:xfrm>
+          <a:prstGeom prst="rect">
+            <a:avLst/>
+          </a:prstGeom>
+          <a:noFill/>
+        </p:spPr>
+        <p:txBody>
+          <a:bodyPr wrap="none" rtlCol="0">
+            <a:spAutoFit/>
+          </a:bodyPr>
+          <a:lstStyle/>
+          <a:p>
+            <a:r>
+              <a:rPr lang="pl-PL" sz="1200" dirty="0"/>
+              <a:t>AXI_M</a:t>
+            </a:r>
+          </a:p>
+        </p:txBody>
+      </p:sp>
+      <p:sp>
+        <p:nvSpPr>
+          <p:cNvPr id="10" name="pole tekstowe 9">
+            <a:extLst>
+              <a:ext uri="{FF2B5EF4-FFF2-40B4-BE49-F238E27FC236}">
+                <a16:creationId xmlns:a16="http://schemas.microsoft.com/office/drawing/2014/main" id="{05C90FF1-3690-C721-52DA-037783691F88}"/>
+              </a:ext>
+            </a:extLst>
+          </p:cNvPr>
+          <p:cNvSpPr txBox="1"/>
+          <p:nvPr/>
+        </p:nvSpPr>
+        <p:spPr>
+          <a:xfrm>
+            <a:off x="61875" y="4430933"/>
+            <a:ext cx="622286" cy="261610"/>
+          </a:xfrm>
+          <a:prstGeom prst="rect">
+            <a:avLst/>
+          </a:prstGeom>
+          <a:noFill/>
+        </p:spPr>
+        <p:txBody>
+          <a:bodyPr wrap="none" rtlCol="0">
+            <a:spAutoFit/>
+          </a:bodyPr>
+          <a:lstStyle/>
+          <a:p>
+            <a:r>
+              <a:rPr lang="pl-PL" sz="1100" dirty="0"/>
+              <a:t>AXI-SLV</a:t>
+            </a:r>
+          </a:p>
+        </p:txBody>
+      </p:sp>
+      <p:graphicFrame>
+        <p:nvGraphicFramePr>
+          <p:cNvPr id="11" name="Tabela 11">
+            <a:extLst>
+              <a:ext uri="{FF2B5EF4-FFF2-40B4-BE49-F238E27FC236}">
+                <a16:creationId xmlns:a16="http://schemas.microsoft.com/office/drawing/2014/main" id="{83905656-1C98-CCC7-B364-D43A973D6510}"/>
+              </a:ext>
+            </a:extLst>
+          </p:cNvPr>
+          <p:cNvGraphicFramePr>
+            <a:graphicFrameLocks noGrp="1"/>
+          </p:cNvGraphicFramePr>
           <p:nvPr>
-            <p:ph idx="1"/>
+            <p:extLst>
+              <p:ext uri="{D42A27DB-BD31-4B8C-83A1-F6EECF244321}">
+                <p14:modId xmlns:p14="http://schemas.microsoft.com/office/powerpoint/2010/main" val="3112437969"/>
+              </p:ext>
+            </p:extLst>
           </p:nvPr>
-        </p:nvSpPr>
-        <p:spPr/>
-        <p:txBody>
-          <a:bodyPr/>
-          <a:lstStyle/>
-          <a:p>
-            <a:endParaRPr lang="pl-PL"/>
-          </a:p>
-        </p:txBody>
-      </p:sp>
+        </p:nvGraphicFramePr>
+        <p:xfrm>
+          <a:off x="121768" y="4783322"/>
+          <a:ext cx="1064304" cy="1524000"/>
+        </p:xfrm>
+        <a:graphic>
+          <a:graphicData uri="http://schemas.openxmlformats.org/drawingml/2006/table">
+            <a:tbl>
+              <a:tblPr firstRow="1" bandRow="1">
+                <a:tableStyleId>{5940675A-B579-460E-94D1-54222C63F5DA}</a:tableStyleId>
+              </a:tblPr>
+              <a:tblGrid>
+                <a:gridCol w="1064304">
+                  <a:extLst>
+                    <a:ext uri="{9D8B030D-6E8A-4147-A177-3AD203B41FA5}">
+                      <a16:colId xmlns:a16="http://schemas.microsoft.com/office/drawing/2014/main" val="2541253828"/>
+                    </a:ext>
+                  </a:extLst>
+                </a:gridCol>
+              </a:tblGrid>
+              <a:tr h="155132">
+                <a:tc>
+                  <a:txBody>
+                    <a:bodyPr/>
+                    <a:lstStyle/>
+                    <a:p>
+                      <a:r>
+                        <a:rPr lang="pl-PL" sz="1000" dirty="0"/>
+                        <a:t>Start</a:t>
+                      </a:r>
+                    </a:p>
+                  </a:txBody>
+                  <a:tcPr>
+                    <a:solidFill>
+                      <a:schemeClr val="bg2">
+                        <a:lumMod val="90000"/>
+                      </a:schemeClr>
+                    </a:solidFill>
+                  </a:tcPr>
+                </a:tc>
+                <a:extLst>
+                  <a:ext uri="{0D108BD9-81ED-4DB2-BD59-A6C34878D82A}">
+                    <a16:rowId xmlns:a16="http://schemas.microsoft.com/office/drawing/2014/main" val="1035618729"/>
+                  </a:ext>
+                </a:extLst>
+              </a:tr>
+              <a:tr h="155132">
+                <a:tc>
+                  <a:txBody>
+                    <a:bodyPr/>
+                    <a:lstStyle/>
+                    <a:p>
+                      <a:r>
+                        <a:rPr lang="pl-PL" sz="1000" dirty="0" err="1"/>
+                        <a:t>Done</a:t>
+                      </a:r>
+                      <a:endParaRPr lang="pl-PL" sz="1000" dirty="0"/>
+                    </a:p>
+                  </a:txBody>
+                  <a:tcPr>
+                    <a:solidFill>
+                      <a:schemeClr val="bg2">
+                        <a:lumMod val="90000"/>
+                      </a:schemeClr>
+                    </a:solidFill>
+                  </a:tcPr>
+                </a:tc>
+                <a:extLst>
+                  <a:ext uri="{0D108BD9-81ED-4DB2-BD59-A6C34878D82A}">
+                    <a16:rowId xmlns:a16="http://schemas.microsoft.com/office/drawing/2014/main" val="2967992603"/>
+                  </a:ext>
+                </a:extLst>
+              </a:tr>
+              <a:tr h="155132">
+                <a:tc>
+                  <a:txBody>
+                    <a:bodyPr/>
+                    <a:lstStyle/>
+                    <a:p>
+                      <a:r>
+                        <a:rPr lang="pl-PL" sz="1000" dirty="0" err="1"/>
+                        <a:t>Start_Address</a:t>
+                      </a:r>
+                      <a:endParaRPr lang="pl-PL" sz="1000" dirty="0"/>
+                    </a:p>
+                  </a:txBody>
+                  <a:tcPr>
+                    <a:solidFill>
+                      <a:schemeClr val="bg2">
+                        <a:lumMod val="90000"/>
+                      </a:schemeClr>
+                    </a:solidFill>
+                  </a:tcPr>
+                </a:tc>
+                <a:extLst>
+                  <a:ext uri="{0D108BD9-81ED-4DB2-BD59-A6C34878D82A}">
+                    <a16:rowId xmlns:a16="http://schemas.microsoft.com/office/drawing/2014/main" val="13415294"/>
+                  </a:ext>
+                </a:extLst>
+              </a:tr>
+              <a:tr h="155132">
+                <a:tc>
+                  <a:txBody>
+                    <a:bodyPr/>
+                    <a:lstStyle/>
+                    <a:p>
+                      <a:r>
+                        <a:rPr lang="pl-PL" sz="1000" dirty="0" err="1"/>
+                        <a:t>Width</a:t>
+                      </a:r>
+                      <a:r>
+                        <a:rPr lang="pl-PL" sz="1000" dirty="0"/>
+                        <a:t> with </a:t>
+                      </a:r>
+                      <a:r>
+                        <a:rPr lang="pl-PL" sz="1000" dirty="0" err="1"/>
+                        <a:t>padding</a:t>
+                      </a:r>
+                      <a:endParaRPr lang="pl-PL" sz="1000" dirty="0"/>
+                    </a:p>
+                  </a:txBody>
+                  <a:tcPr>
+                    <a:solidFill>
+                      <a:schemeClr val="bg2">
+                        <a:lumMod val="90000"/>
+                      </a:schemeClr>
+                    </a:solidFill>
+                  </a:tcPr>
+                </a:tc>
+                <a:extLst>
+                  <a:ext uri="{0D108BD9-81ED-4DB2-BD59-A6C34878D82A}">
+                    <a16:rowId xmlns:a16="http://schemas.microsoft.com/office/drawing/2014/main" val="260174869"/>
+                  </a:ext>
+                </a:extLst>
+              </a:tr>
+              <a:tr h="155132">
+                <a:tc>
+                  <a:txBody>
+                    <a:bodyPr/>
+                    <a:lstStyle/>
+                    <a:p>
+                      <a:r>
+                        <a:rPr lang="pl-PL" sz="1000" dirty="0" err="1"/>
+                        <a:t>Height</a:t>
+                      </a:r>
+                      <a:r>
+                        <a:rPr lang="pl-PL" sz="1000" dirty="0"/>
+                        <a:t> (with </a:t>
+                      </a:r>
+                      <a:r>
+                        <a:rPr lang="pl-PL" sz="1000" dirty="0" err="1"/>
+                        <a:t>padding</a:t>
+                      </a:r>
+                      <a:r>
+                        <a:rPr lang="pl-PL" sz="1000" dirty="0"/>
+                        <a:t>)</a:t>
+                      </a:r>
+                    </a:p>
+                  </a:txBody>
+                  <a:tcPr>
+                    <a:solidFill>
+                      <a:schemeClr val="bg2">
+                        <a:lumMod val="90000"/>
+                      </a:schemeClr>
+                    </a:solidFill>
+                  </a:tcPr>
+                </a:tc>
+                <a:extLst>
+                  <a:ext uri="{0D108BD9-81ED-4DB2-BD59-A6C34878D82A}">
+                    <a16:rowId xmlns:a16="http://schemas.microsoft.com/office/drawing/2014/main" val="2731059978"/>
+                  </a:ext>
+                </a:extLst>
+              </a:tr>
+            </a:tbl>
+          </a:graphicData>
+        </a:graphic>
+      </p:graphicFrame>
+      <p:sp>
+        <p:nvSpPr>
+          <p:cNvPr id="12" name="pole tekstowe 11">
+            <a:extLst>
+              <a:ext uri="{FF2B5EF4-FFF2-40B4-BE49-F238E27FC236}">
+                <a16:creationId xmlns:a16="http://schemas.microsoft.com/office/drawing/2014/main" id="{D83AFB21-366B-8B9B-7E50-EE823645C9F6}"/>
+              </a:ext>
+            </a:extLst>
+          </p:cNvPr>
+          <p:cNvSpPr txBox="1"/>
+          <p:nvPr/>
+        </p:nvSpPr>
+        <p:spPr>
+          <a:xfrm>
+            <a:off x="1067775" y="4460933"/>
+            <a:ext cx="601447" cy="276999"/>
+          </a:xfrm>
+          <a:prstGeom prst="rect">
+            <a:avLst/>
+          </a:prstGeom>
+          <a:noFill/>
+        </p:spPr>
+        <p:txBody>
+          <a:bodyPr wrap="none" rtlCol="0">
+            <a:spAutoFit/>
+          </a:bodyPr>
+          <a:lstStyle/>
+          <a:p>
+            <a:r>
+              <a:rPr lang="pl-PL" sz="1200" dirty="0"/>
+              <a:t>AXI_M</a:t>
+            </a:r>
+          </a:p>
+        </p:txBody>
+      </p:sp>
+      <p:cxnSp>
+        <p:nvCxnSpPr>
+          <p:cNvPr id="31" name="Łącznik: łamany 30">
+            <a:extLst>
+              <a:ext uri="{FF2B5EF4-FFF2-40B4-BE49-F238E27FC236}">
+                <a16:creationId xmlns:a16="http://schemas.microsoft.com/office/drawing/2014/main" id="{CE03556A-0A85-14A9-22CF-64865297DC50}"/>
+              </a:ext>
+            </a:extLst>
+          </p:cNvPr>
+          <p:cNvCxnSpPr>
+            <a:cxnSpLocks/>
+            <a:stCxn id="5" idx="1"/>
+          </p:cNvCxnSpPr>
+          <p:nvPr/>
+        </p:nvCxnSpPr>
+        <p:spPr>
+          <a:xfrm rot="10800000" flipV="1">
+            <a:off x="1245966" y="1254954"/>
+            <a:ext cx="4850035" cy="947506"/>
+          </a:xfrm>
+          <a:prstGeom prst="bentConnector3">
+            <a:avLst>
+              <a:gd name="adj1" fmla="val 44591"/>
+            </a:avLst>
+          </a:prstGeom>
+          <a:ln w="190500">
+            <a:solidFill>
+              <a:schemeClr val="accent2">
+                <a:lumMod val="40000"/>
+                <a:lumOff val="60000"/>
+              </a:schemeClr>
+            </a:solidFill>
+          </a:ln>
+        </p:spPr>
+        <p:style>
+          <a:lnRef idx="1">
+            <a:schemeClr val="accent1"/>
+          </a:lnRef>
+          <a:fillRef idx="0">
+            <a:schemeClr val="accent1"/>
+          </a:fillRef>
+          <a:effectRef idx="0">
+            <a:schemeClr val="accent1"/>
+          </a:effectRef>
+          <a:fontRef idx="minor">
+            <a:schemeClr val="tx1"/>
+          </a:fontRef>
+        </p:style>
+      </p:cxnSp>
+      <p:sp>
+        <p:nvSpPr>
+          <p:cNvPr id="42" name="pole tekstowe 41">
+            <a:extLst>
+              <a:ext uri="{FF2B5EF4-FFF2-40B4-BE49-F238E27FC236}">
+                <a16:creationId xmlns:a16="http://schemas.microsoft.com/office/drawing/2014/main" id="{CC6569DF-DBAD-46EB-1CA1-C87D80248F05}"/>
+              </a:ext>
+            </a:extLst>
+          </p:cNvPr>
+          <p:cNvSpPr txBox="1"/>
+          <p:nvPr/>
+        </p:nvSpPr>
+        <p:spPr>
+          <a:xfrm>
+            <a:off x="2411897" y="2017794"/>
+            <a:ext cx="1337226" cy="369332"/>
+          </a:xfrm>
+          <a:prstGeom prst="rect">
+            <a:avLst/>
+          </a:prstGeom>
+          <a:noFill/>
+        </p:spPr>
+        <p:txBody>
+          <a:bodyPr wrap="none" rtlCol="0">
+            <a:spAutoFit/>
+          </a:bodyPr>
+          <a:lstStyle/>
+          <a:p>
+            <a:r>
+              <a:rPr lang="pl-PL" dirty="0"/>
+              <a:t>AXI4 32b HP</a:t>
+            </a:r>
+          </a:p>
+        </p:txBody>
+      </p:sp>
+      <p:sp>
+        <p:nvSpPr>
+          <p:cNvPr id="43" name="Prostokąt 42">
+            <a:extLst>
+              <a:ext uri="{FF2B5EF4-FFF2-40B4-BE49-F238E27FC236}">
+                <a16:creationId xmlns:a16="http://schemas.microsoft.com/office/drawing/2014/main" id="{86CF1EEC-E413-C3E0-3E6D-5CEAFB0FB3DE}"/>
+              </a:ext>
+            </a:extLst>
+          </p:cNvPr>
+          <p:cNvSpPr/>
+          <p:nvPr/>
+        </p:nvSpPr>
+        <p:spPr>
+          <a:xfrm>
+            <a:off x="2439246" y="6095124"/>
+            <a:ext cx="1021433" cy="471749"/>
+          </a:xfrm>
+          <a:prstGeom prst="rect">
+            <a:avLst/>
+          </a:prstGeom>
+        </p:spPr>
+        <p:style>
+          <a:lnRef idx="2">
+            <a:schemeClr val="accent1">
+              <a:shade val="50000"/>
+            </a:schemeClr>
+          </a:lnRef>
+          <a:fillRef idx="1">
+            <a:schemeClr val="accent1"/>
+          </a:fillRef>
+          <a:effectRef idx="0">
+            <a:schemeClr val="accent1"/>
+          </a:effectRef>
+          <a:fontRef idx="minor">
+            <a:schemeClr val="lt1"/>
+          </a:fontRef>
+        </p:style>
+        <p:txBody>
+          <a:bodyPr rtlCol="0" anchor="ctr"/>
+          <a:lstStyle/>
+          <a:p>
+            <a:pPr algn="ctr"/>
+            <a:r>
+              <a:rPr lang="pl-PL" dirty="0"/>
+              <a:t>FIFO</a:t>
+            </a:r>
+          </a:p>
+        </p:txBody>
+      </p:sp>
+      <p:sp>
+        <p:nvSpPr>
+          <p:cNvPr id="44" name="pole tekstowe 43">
+            <a:extLst>
+              <a:ext uri="{FF2B5EF4-FFF2-40B4-BE49-F238E27FC236}">
+                <a16:creationId xmlns:a16="http://schemas.microsoft.com/office/drawing/2014/main" id="{24EC98C7-21CE-DE42-4D57-D4D1D827E475}"/>
+              </a:ext>
+            </a:extLst>
+          </p:cNvPr>
+          <p:cNvSpPr txBox="1"/>
+          <p:nvPr/>
+        </p:nvSpPr>
+        <p:spPr>
+          <a:xfrm>
+            <a:off x="1173088" y="6192498"/>
+            <a:ext cx="463588" cy="276999"/>
+          </a:xfrm>
+          <a:prstGeom prst="rect">
+            <a:avLst/>
+          </a:prstGeom>
+          <a:noFill/>
+        </p:spPr>
+        <p:txBody>
+          <a:bodyPr wrap="none" rtlCol="0">
+            <a:spAutoFit/>
+          </a:bodyPr>
+          <a:lstStyle/>
+          <a:p>
+            <a:r>
+              <a:rPr lang="pl-PL" sz="1200" dirty="0"/>
+              <a:t>AXIS</a:t>
+            </a:r>
+          </a:p>
+        </p:txBody>
+      </p:sp>
+      <p:sp>
+        <p:nvSpPr>
+          <p:cNvPr id="45" name="Strzałka: w prawo 44">
+            <a:extLst>
+              <a:ext uri="{FF2B5EF4-FFF2-40B4-BE49-F238E27FC236}">
+                <a16:creationId xmlns:a16="http://schemas.microsoft.com/office/drawing/2014/main" id="{0B65611C-755C-65A0-5658-4F2C6A38D58D}"/>
+              </a:ext>
+            </a:extLst>
+          </p:cNvPr>
+          <p:cNvSpPr/>
+          <p:nvPr/>
+        </p:nvSpPr>
+        <p:spPr>
+          <a:xfrm>
+            <a:off x="1609327" y="6202779"/>
+            <a:ext cx="847793" cy="256438"/>
+          </a:xfrm>
+          <a:prstGeom prst="rightArrow">
+            <a:avLst/>
+          </a:prstGeom>
+          <a:solidFill>
+            <a:schemeClr val="accent2">
+              <a:lumMod val="40000"/>
+              <a:lumOff val="60000"/>
+            </a:schemeClr>
+          </a:solidFill>
+        </p:spPr>
+        <p:style>
+          <a:lnRef idx="2">
+            <a:schemeClr val="accent1">
+              <a:shade val="50000"/>
+            </a:schemeClr>
+          </a:lnRef>
+          <a:fillRef idx="1">
+            <a:schemeClr val="accent1"/>
+          </a:fillRef>
+          <a:effectRef idx="0">
+            <a:schemeClr val="accent1"/>
+          </a:effectRef>
+          <a:fontRef idx="minor">
+            <a:schemeClr val="lt1"/>
+          </a:fontRef>
+        </p:style>
+        <p:txBody>
+          <a:bodyPr rtlCol="0" anchor="ctr"/>
+          <a:lstStyle/>
+          <a:p>
+            <a:pPr algn="ctr"/>
+            <a:r>
+              <a:rPr lang="pl-PL" sz="1100" dirty="0">
+                <a:solidFill>
+                  <a:schemeClr val="tx1"/>
+                </a:solidFill>
+              </a:rPr>
+              <a:t>Kolejne piksele</a:t>
+            </a:r>
+          </a:p>
+        </p:txBody>
+      </p:sp>
+      <p:sp>
+        <p:nvSpPr>
+          <p:cNvPr id="46" name="Prostokąt 45">
+            <a:extLst>
+              <a:ext uri="{FF2B5EF4-FFF2-40B4-BE49-F238E27FC236}">
+                <a16:creationId xmlns:a16="http://schemas.microsoft.com/office/drawing/2014/main" id="{D0661867-A53E-59E1-C825-587ABEB95339}"/>
+              </a:ext>
+            </a:extLst>
+          </p:cNvPr>
+          <p:cNvSpPr/>
+          <p:nvPr/>
+        </p:nvSpPr>
+        <p:spPr>
+          <a:xfrm>
+            <a:off x="4996588" y="4907298"/>
+            <a:ext cx="1663909" cy="1588958"/>
+          </a:xfrm>
+          <a:prstGeom prst="rect">
+            <a:avLst/>
+          </a:prstGeom>
+        </p:spPr>
+        <p:style>
+          <a:lnRef idx="2">
+            <a:schemeClr val="accent6">
+              <a:shade val="50000"/>
+            </a:schemeClr>
+          </a:lnRef>
+          <a:fillRef idx="1">
+            <a:schemeClr val="accent6"/>
+          </a:fillRef>
+          <a:effectRef idx="0">
+            <a:schemeClr val="accent6"/>
+          </a:effectRef>
+          <a:fontRef idx="minor">
+            <a:schemeClr val="lt1"/>
+          </a:fontRef>
+        </p:style>
+        <p:txBody>
+          <a:bodyPr rtlCol="0" anchor="ctr"/>
+          <a:lstStyle/>
+          <a:p>
+            <a:pPr algn="ctr"/>
+            <a:r>
+              <a:rPr lang="pl-PL" dirty="0"/>
+              <a:t>BRAM 2 port 4x4 piksele (4bajty*16)</a:t>
+            </a:r>
+          </a:p>
+          <a:p>
+            <a:pPr algn="ctr"/>
+            <a:r>
+              <a:rPr lang="pl-PL" dirty="0" err="1"/>
+              <a:t>Input_matrix</a:t>
+            </a:r>
+            <a:endParaRPr lang="pl-PL" dirty="0"/>
+          </a:p>
+        </p:txBody>
+      </p:sp>
+      <p:sp>
+        <p:nvSpPr>
+          <p:cNvPr id="47" name="Strzałka: w prawo 46">
+            <a:extLst>
+              <a:ext uri="{FF2B5EF4-FFF2-40B4-BE49-F238E27FC236}">
+                <a16:creationId xmlns:a16="http://schemas.microsoft.com/office/drawing/2014/main" id="{F8C098F1-EE22-2782-669D-9A6AFC309308}"/>
+              </a:ext>
+            </a:extLst>
+          </p:cNvPr>
+          <p:cNvSpPr/>
+          <p:nvPr/>
+        </p:nvSpPr>
+        <p:spPr>
+          <a:xfrm>
+            <a:off x="3460679" y="6200312"/>
+            <a:ext cx="1498434" cy="312490"/>
+          </a:xfrm>
+          <a:prstGeom prst="rightArrow">
+            <a:avLst/>
+          </a:prstGeom>
+          <a:solidFill>
+            <a:schemeClr val="accent2">
+              <a:lumMod val="40000"/>
+              <a:lumOff val="60000"/>
+            </a:schemeClr>
+          </a:solidFill>
+        </p:spPr>
+        <p:style>
+          <a:lnRef idx="2">
+            <a:schemeClr val="accent1">
+              <a:shade val="50000"/>
+            </a:schemeClr>
+          </a:lnRef>
+          <a:fillRef idx="1">
+            <a:schemeClr val="accent1"/>
+          </a:fillRef>
+          <a:effectRef idx="0">
+            <a:schemeClr val="accent1"/>
+          </a:effectRef>
+          <a:fontRef idx="minor">
+            <a:schemeClr val="lt1"/>
+          </a:fontRef>
+        </p:style>
+        <p:txBody>
+          <a:bodyPr rtlCol="0" anchor="ctr"/>
+          <a:lstStyle/>
+          <a:p>
+            <a:pPr algn="ctr"/>
+            <a:r>
+              <a:rPr lang="pl-PL" sz="1100" dirty="0">
+                <a:solidFill>
+                  <a:schemeClr val="tx1"/>
+                </a:solidFill>
+              </a:rPr>
+              <a:t>Kolejne piksele/ 32bit</a:t>
+            </a:r>
+          </a:p>
+        </p:txBody>
+      </p:sp>
+      <p:sp>
+        <p:nvSpPr>
+          <p:cNvPr id="48" name="Prostokąt 47">
+            <a:extLst>
+              <a:ext uri="{FF2B5EF4-FFF2-40B4-BE49-F238E27FC236}">
+                <a16:creationId xmlns:a16="http://schemas.microsoft.com/office/drawing/2014/main" id="{43FC93E8-250F-CCD7-807A-35B090486636}"/>
+              </a:ext>
+            </a:extLst>
+          </p:cNvPr>
+          <p:cNvSpPr/>
+          <p:nvPr/>
+        </p:nvSpPr>
+        <p:spPr>
+          <a:xfrm>
+            <a:off x="2555332" y="3352870"/>
+            <a:ext cx="2119118" cy="1588958"/>
+          </a:xfrm>
+          <a:prstGeom prst="rect">
+            <a:avLst/>
+          </a:prstGeom>
+        </p:spPr>
+        <p:style>
+          <a:lnRef idx="2">
+            <a:schemeClr val="accent4">
+              <a:shade val="50000"/>
+            </a:schemeClr>
+          </a:lnRef>
+          <a:fillRef idx="1">
+            <a:schemeClr val="accent4"/>
+          </a:fillRef>
+          <a:effectRef idx="0">
+            <a:schemeClr val="accent4"/>
+          </a:effectRef>
+          <a:fontRef idx="minor">
+            <a:schemeClr val="lt1"/>
+          </a:fontRef>
+        </p:style>
+        <p:txBody>
+          <a:bodyPr rtlCol="0" anchor="ctr"/>
+          <a:lstStyle/>
+          <a:p>
+            <a:pPr algn="ctr"/>
+            <a:r>
+              <a:rPr lang="pl-PL" dirty="0"/>
+              <a:t>Control unit Input matrix</a:t>
+            </a:r>
+          </a:p>
+        </p:txBody>
+      </p:sp>
+      <p:cxnSp>
+        <p:nvCxnSpPr>
+          <p:cNvPr id="50" name="Łącznik prosty ze strzałką 49">
+            <a:extLst>
+              <a:ext uri="{FF2B5EF4-FFF2-40B4-BE49-F238E27FC236}">
+                <a16:creationId xmlns:a16="http://schemas.microsoft.com/office/drawing/2014/main" id="{9078F99A-A383-C143-B13F-1B2789D6BFDE}"/>
+              </a:ext>
+            </a:extLst>
+          </p:cNvPr>
+          <p:cNvCxnSpPr>
+            <a:stCxn id="48" idx="2"/>
+          </p:cNvCxnSpPr>
+          <p:nvPr/>
+        </p:nvCxnSpPr>
+        <p:spPr>
+          <a:xfrm rot="5400000">
+            <a:off x="2931238" y="5471269"/>
+            <a:ext cx="1213094" cy="154212"/>
+          </a:xfrm>
+          <a:prstGeom prst="bentConnector3">
+            <a:avLst>
+              <a:gd name="adj1" fmla="val 99428"/>
+            </a:avLst>
+          </a:prstGeom>
+          <a:ln w="28575">
+            <a:tailEnd type="triangle"/>
+          </a:ln>
+        </p:spPr>
+        <p:style>
+          <a:lnRef idx="1">
+            <a:schemeClr val="accent1"/>
+          </a:lnRef>
+          <a:fillRef idx="0">
+            <a:schemeClr val="accent1"/>
+          </a:fillRef>
+          <a:effectRef idx="0">
+            <a:schemeClr val="accent1"/>
+          </a:effectRef>
+          <a:fontRef idx="minor">
+            <a:schemeClr val="tx1"/>
+          </a:fontRef>
+        </p:style>
+      </p:cxnSp>
+      <p:cxnSp>
+        <p:nvCxnSpPr>
+          <p:cNvPr id="52" name="Łącznik prosty ze strzałką 49">
+            <a:extLst>
+              <a:ext uri="{FF2B5EF4-FFF2-40B4-BE49-F238E27FC236}">
+                <a16:creationId xmlns:a16="http://schemas.microsoft.com/office/drawing/2014/main" id="{BBF9A968-0A37-E69E-5AF0-E54356BB030E}"/>
+              </a:ext>
+            </a:extLst>
+          </p:cNvPr>
+          <p:cNvCxnSpPr>
+            <a:cxnSpLocks/>
+            <a:endCxn id="46" idx="1"/>
+          </p:cNvCxnSpPr>
+          <p:nvPr/>
+        </p:nvCxnSpPr>
+        <p:spPr>
+          <a:xfrm rot="16200000" flipH="1">
+            <a:off x="4206003" y="4911191"/>
+            <a:ext cx="794479" cy="786692"/>
+          </a:xfrm>
+          <a:prstGeom prst="bentConnector2">
+            <a:avLst/>
+          </a:prstGeom>
+          <a:ln w="28575">
+            <a:tailEnd type="triangle"/>
+          </a:ln>
+        </p:spPr>
+        <p:style>
+          <a:lnRef idx="1">
+            <a:schemeClr val="accent1"/>
+          </a:lnRef>
+          <a:fillRef idx="0">
+            <a:schemeClr val="accent1"/>
+          </a:fillRef>
+          <a:effectRef idx="0">
+            <a:schemeClr val="accent1"/>
+          </a:effectRef>
+          <a:fontRef idx="minor">
+            <a:schemeClr val="tx1"/>
+          </a:fontRef>
+        </p:style>
+      </p:cxnSp>
+      <p:sp>
+        <p:nvSpPr>
+          <p:cNvPr id="56" name="pole tekstowe 55">
+            <a:extLst>
+              <a:ext uri="{FF2B5EF4-FFF2-40B4-BE49-F238E27FC236}">
+                <a16:creationId xmlns:a16="http://schemas.microsoft.com/office/drawing/2014/main" id="{9CDA777C-F148-44B2-445E-F843150BEA61}"/>
+              </a:ext>
+            </a:extLst>
+          </p:cNvPr>
+          <p:cNvSpPr txBox="1"/>
+          <p:nvPr/>
+        </p:nvSpPr>
+        <p:spPr>
+          <a:xfrm>
+            <a:off x="3931775" y="5440265"/>
+            <a:ext cx="1135247" cy="577081"/>
+          </a:xfrm>
+          <a:prstGeom prst="rect">
+            <a:avLst/>
+          </a:prstGeom>
+          <a:noFill/>
+        </p:spPr>
+        <p:txBody>
+          <a:bodyPr wrap="none" rtlCol="0">
+            <a:spAutoFit/>
+          </a:bodyPr>
+          <a:lstStyle/>
+          <a:p>
+            <a:r>
+              <a:rPr lang="pl-PL" sz="1050" dirty="0"/>
+              <a:t>Sygnały sterujące</a:t>
+            </a:r>
+          </a:p>
+          <a:p>
+            <a:r>
+              <a:rPr lang="pl-PL" sz="1050" dirty="0"/>
+              <a:t>Wejście BRAM</a:t>
+            </a:r>
+          </a:p>
+          <a:p>
+            <a:r>
+              <a:rPr lang="pl-PL" sz="1050" dirty="0"/>
+              <a:t>Adres i sygnał en</a:t>
+            </a:r>
+          </a:p>
+        </p:txBody>
+      </p:sp>
+      <p:sp>
+        <p:nvSpPr>
+          <p:cNvPr id="57" name="pole tekstowe 56">
+            <a:extLst>
+              <a:ext uri="{FF2B5EF4-FFF2-40B4-BE49-F238E27FC236}">
+                <a16:creationId xmlns:a16="http://schemas.microsoft.com/office/drawing/2014/main" id="{FA5D8353-F204-4CF2-0EC4-4DE0F8AA1E58}"/>
+              </a:ext>
+            </a:extLst>
+          </p:cNvPr>
+          <p:cNvSpPr txBox="1"/>
+          <p:nvPr/>
+        </p:nvSpPr>
+        <p:spPr>
+          <a:xfrm>
+            <a:off x="2949962" y="5155960"/>
+            <a:ext cx="1135247" cy="577081"/>
+          </a:xfrm>
+          <a:prstGeom prst="rect">
+            <a:avLst/>
+          </a:prstGeom>
+          <a:noFill/>
+        </p:spPr>
+        <p:txBody>
+          <a:bodyPr wrap="none" rtlCol="0">
+            <a:spAutoFit/>
+          </a:bodyPr>
+          <a:lstStyle/>
+          <a:p>
+            <a:r>
+              <a:rPr lang="pl-PL" sz="1050" dirty="0"/>
+              <a:t>Sygnały sterujące</a:t>
+            </a:r>
+          </a:p>
+          <a:p>
+            <a:r>
+              <a:rPr lang="pl-PL" sz="1050" dirty="0"/>
+              <a:t>Wyjście FIFO</a:t>
+            </a:r>
+          </a:p>
+          <a:p>
+            <a:r>
+              <a:rPr lang="pl-PL" sz="1050" dirty="0"/>
+              <a:t>Sygnał </a:t>
+            </a:r>
+            <a:r>
+              <a:rPr lang="pl-PL" sz="1050" dirty="0" err="1"/>
+              <a:t>ready</a:t>
+            </a:r>
+            <a:endParaRPr lang="pl-PL" sz="1050" dirty="0"/>
+          </a:p>
+        </p:txBody>
+      </p:sp>
+      <p:sp>
+        <p:nvSpPr>
+          <p:cNvPr id="58" name="Strzałka: w prawo 57">
+            <a:extLst>
+              <a:ext uri="{FF2B5EF4-FFF2-40B4-BE49-F238E27FC236}">
+                <a16:creationId xmlns:a16="http://schemas.microsoft.com/office/drawing/2014/main" id="{D1979C10-ECDD-DB51-D72B-8175EE6A809F}"/>
+              </a:ext>
+            </a:extLst>
+          </p:cNvPr>
+          <p:cNvSpPr/>
+          <p:nvPr/>
+        </p:nvSpPr>
+        <p:spPr>
+          <a:xfrm>
+            <a:off x="6660497" y="5063557"/>
+            <a:ext cx="1498434" cy="1405939"/>
+          </a:xfrm>
+          <a:prstGeom prst="rightArrow">
+            <a:avLst/>
+          </a:prstGeom>
+          <a:solidFill>
+            <a:schemeClr val="accent2">
+              <a:lumMod val="40000"/>
+              <a:lumOff val="60000"/>
+            </a:schemeClr>
+          </a:solidFill>
+        </p:spPr>
+        <p:style>
+          <a:lnRef idx="2">
+            <a:schemeClr val="accent1">
+              <a:shade val="50000"/>
+            </a:schemeClr>
+          </a:lnRef>
+          <a:fillRef idx="1">
+            <a:schemeClr val="accent1"/>
+          </a:fillRef>
+          <a:effectRef idx="0">
+            <a:schemeClr val="accent1"/>
+          </a:effectRef>
+          <a:fontRef idx="minor">
+            <a:schemeClr val="lt1"/>
+          </a:fontRef>
+        </p:style>
+        <p:txBody>
+          <a:bodyPr rtlCol="0" anchor="ctr"/>
+          <a:lstStyle/>
+          <a:p>
+            <a:pPr algn="ctr"/>
+            <a:r>
+              <a:rPr lang="pl-PL" sz="1100" dirty="0">
+                <a:solidFill>
+                  <a:schemeClr val="tx1"/>
+                </a:solidFill>
+              </a:rPr>
+              <a:t>Cały wiersz/ 128bit</a:t>
+            </a:r>
+          </a:p>
+        </p:txBody>
+      </p:sp>
+      <p:sp>
+        <p:nvSpPr>
+          <p:cNvPr id="59" name="Prostokąt 58">
+            <a:extLst>
+              <a:ext uri="{FF2B5EF4-FFF2-40B4-BE49-F238E27FC236}">
+                <a16:creationId xmlns:a16="http://schemas.microsoft.com/office/drawing/2014/main" id="{CF7B09C4-26E3-9C43-8D80-C4ADD87F9C22}"/>
+              </a:ext>
+            </a:extLst>
+          </p:cNvPr>
+          <p:cNvSpPr/>
+          <p:nvPr/>
+        </p:nvSpPr>
+        <p:spPr>
+          <a:xfrm>
+            <a:off x="8196406" y="4870259"/>
+            <a:ext cx="2119118" cy="1588958"/>
+          </a:xfrm>
+          <a:prstGeom prst="rect">
+            <a:avLst/>
+          </a:prstGeom>
+        </p:spPr>
+        <p:style>
+          <a:lnRef idx="2">
+            <a:schemeClr val="accent4">
+              <a:shade val="50000"/>
+            </a:schemeClr>
+          </a:lnRef>
+          <a:fillRef idx="1">
+            <a:schemeClr val="accent4"/>
+          </a:fillRef>
+          <a:effectRef idx="0">
+            <a:schemeClr val="accent4"/>
+          </a:effectRef>
+          <a:fontRef idx="minor">
+            <a:schemeClr val="lt1"/>
+          </a:fontRef>
+        </p:style>
+        <p:txBody>
+          <a:bodyPr rtlCol="0" anchor="ctr"/>
+          <a:lstStyle/>
+          <a:p>
+            <a:pPr algn="ctr"/>
+            <a:r>
+              <a:rPr lang="pl-PL" dirty="0" err="1"/>
+              <a:t>Datapath</a:t>
+            </a:r>
+            <a:endParaRPr lang="pl-PL" dirty="0"/>
+          </a:p>
+          <a:p>
+            <a:pPr algn="ctr"/>
+            <a:r>
+              <a:rPr lang="pl-PL" dirty="0"/>
+              <a:t>(zestaw </a:t>
+            </a:r>
+            <a:r>
+              <a:rPr lang="pl-PL" dirty="0" err="1"/>
+              <a:t>multiplexerów</a:t>
+            </a:r>
+            <a:r>
+              <a:rPr lang="pl-PL" dirty="0"/>
+              <a:t>)</a:t>
+            </a:r>
+          </a:p>
+        </p:txBody>
+      </p:sp>
+      <p:sp>
+        <p:nvSpPr>
+          <p:cNvPr id="60" name="Prostokąt 59">
+            <a:extLst>
+              <a:ext uri="{FF2B5EF4-FFF2-40B4-BE49-F238E27FC236}">
+                <a16:creationId xmlns:a16="http://schemas.microsoft.com/office/drawing/2014/main" id="{83517F16-4000-C555-6F50-542671AAB920}"/>
+              </a:ext>
+            </a:extLst>
+          </p:cNvPr>
+          <p:cNvSpPr/>
+          <p:nvPr/>
+        </p:nvSpPr>
+        <p:spPr>
+          <a:xfrm>
+            <a:off x="10610021" y="1215887"/>
+            <a:ext cx="1487557" cy="2120348"/>
+          </a:xfrm>
+          <a:prstGeom prst="rect">
+            <a:avLst/>
+          </a:prstGeom>
+        </p:spPr>
+        <p:style>
+          <a:lnRef idx="2">
+            <a:schemeClr val="accent2">
+              <a:shade val="50000"/>
+            </a:schemeClr>
+          </a:lnRef>
+          <a:fillRef idx="1">
+            <a:schemeClr val="accent2"/>
+          </a:fillRef>
+          <a:effectRef idx="0">
+            <a:schemeClr val="accent2"/>
+          </a:effectRef>
+          <a:fontRef idx="minor">
+            <a:schemeClr val="lt1"/>
+          </a:fontRef>
+        </p:style>
+        <p:txBody>
+          <a:bodyPr rtlCol="0" anchor="b"/>
+          <a:lstStyle/>
+          <a:p>
+            <a:pPr algn="ctr"/>
+            <a:endParaRPr lang="pl-PL" sz="1050" dirty="0"/>
+          </a:p>
+          <a:p>
+            <a:pPr algn="ctr"/>
+            <a:endParaRPr lang="pl-PL" sz="1050" dirty="0"/>
+          </a:p>
+          <a:p>
+            <a:pPr algn="ctr"/>
+            <a:endParaRPr lang="pl-PL" sz="1050" dirty="0"/>
+          </a:p>
+          <a:p>
+            <a:pPr algn="ctr"/>
+            <a:endParaRPr lang="pl-PL" sz="1050" dirty="0"/>
+          </a:p>
+          <a:p>
+            <a:pPr algn="ctr"/>
+            <a:r>
+              <a:rPr lang="pl-PL" sz="1050" dirty="0" err="1"/>
+              <a:t>Frame</a:t>
+            </a:r>
+            <a:r>
+              <a:rPr lang="pl-PL" sz="1050" dirty="0"/>
+              <a:t> DMA </a:t>
+            </a:r>
+            <a:r>
+              <a:rPr lang="pl-PL" sz="1050" dirty="0" err="1"/>
+              <a:t>write</a:t>
+            </a:r>
+            <a:r>
+              <a:rPr lang="pl-PL" sz="1050" dirty="0"/>
+              <a:t> (HLS)</a:t>
+            </a:r>
+          </a:p>
+          <a:p>
+            <a:pPr algn="ctr"/>
+            <a:endParaRPr lang="pl-PL" sz="900" dirty="0"/>
+          </a:p>
+        </p:txBody>
+      </p:sp>
+      <p:sp>
+        <p:nvSpPr>
+          <p:cNvPr id="61" name="pole tekstowe 60">
+            <a:extLst>
+              <a:ext uri="{FF2B5EF4-FFF2-40B4-BE49-F238E27FC236}">
+                <a16:creationId xmlns:a16="http://schemas.microsoft.com/office/drawing/2014/main" id="{F0737BC9-D8C8-A8DA-552A-06B3055C98B6}"/>
+              </a:ext>
+            </a:extLst>
+          </p:cNvPr>
+          <p:cNvSpPr txBox="1"/>
+          <p:nvPr/>
+        </p:nvSpPr>
+        <p:spPr>
+          <a:xfrm>
+            <a:off x="10550126" y="1140497"/>
+            <a:ext cx="622286" cy="261610"/>
+          </a:xfrm>
+          <a:prstGeom prst="rect">
+            <a:avLst/>
+          </a:prstGeom>
+          <a:noFill/>
+        </p:spPr>
+        <p:txBody>
+          <a:bodyPr wrap="none" rtlCol="0">
+            <a:spAutoFit/>
+          </a:bodyPr>
+          <a:lstStyle/>
+          <a:p>
+            <a:r>
+              <a:rPr lang="pl-PL" sz="1100" dirty="0"/>
+              <a:t>AXI-SLV</a:t>
+            </a:r>
+          </a:p>
+        </p:txBody>
+      </p:sp>
+      <p:graphicFrame>
+        <p:nvGraphicFramePr>
+          <p:cNvPr id="62" name="Tabela 11">
+            <a:extLst>
+              <a:ext uri="{FF2B5EF4-FFF2-40B4-BE49-F238E27FC236}">
+                <a16:creationId xmlns:a16="http://schemas.microsoft.com/office/drawing/2014/main" id="{AA8218DB-16AC-CC56-2CAA-A80AD5FE448A}"/>
+              </a:ext>
+            </a:extLst>
+          </p:cNvPr>
+          <p:cNvGraphicFramePr>
+            <a:graphicFrameLocks noGrp="1"/>
+          </p:cNvGraphicFramePr>
+          <p:nvPr>
+            <p:extLst>
+              <p:ext uri="{D42A27DB-BD31-4B8C-83A1-F6EECF244321}">
+                <p14:modId xmlns:p14="http://schemas.microsoft.com/office/powerpoint/2010/main" val="3529794055"/>
+              </p:ext>
+            </p:extLst>
+          </p:nvPr>
+        </p:nvGraphicFramePr>
+        <p:xfrm>
+          <a:off x="10610019" y="1492886"/>
+          <a:ext cx="1091652" cy="1371600"/>
+        </p:xfrm>
+        <a:graphic>
+          <a:graphicData uri="http://schemas.openxmlformats.org/drawingml/2006/table">
+            <a:tbl>
+              <a:tblPr firstRow="1" bandRow="1">
+                <a:tableStyleId>{5940675A-B579-460E-94D1-54222C63F5DA}</a:tableStyleId>
+              </a:tblPr>
+              <a:tblGrid>
+                <a:gridCol w="1091652">
+                  <a:extLst>
+                    <a:ext uri="{9D8B030D-6E8A-4147-A177-3AD203B41FA5}">
+                      <a16:colId xmlns:a16="http://schemas.microsoft.com/office/drawing/2014/main" val="2541253828"/>
+                    </a:ext>
+                  </a:extLst>
+                </a:gridCol>
+              </a:tblGrid>
+              <a:tr h="155132">
+                <a:tc>
+                  <a:txBody>
+                    <a:bodyPr/>
+                    <a:lstStyle/>
+                    <a:p>
+                      <a:r>
+                        <a:rPr lang="pl-PL" sz="1100" dirty="0"/>
+                        <a:t>Start</a:t>
+                      </a:r>
+                    </a:p>
+                  </a:txBody>
+                  <a:tcPr>
+                    <a:solidFill>
+                      <a:schemeClr val="bg2">
+                        <a:lumMod val="90000"/>
+                      </a:schemeClr>
+                    </a:solidFill>
+                  </a:tcPr>
+                </a:tc>
+                <a:extLst>
+                  <a:ext uri="{0D108BD9-81ED-4DB2-BD59-A6C34878D82A}">
+                    <a16:rowId xmlns:a16="http://schemas.microsoft.com/office/drawing/2014/main" val="1035618729"/>
+                  </a:ext>
+                </a:extLst>
+              </a:tr>
+              <a:tr h="155132">
+                <a:tc>
+                  <a:txBody>
+                    <a:bodyPr/>
+                    <a:lstStyle/>
+                    <a:p>
+                      <a:r>
+                        <a:rPr lang="pl-PL" sz="1100" dirty="0" err="1"/>
+                        <a:t>Done</a:t>
+                      </a:r>
+                      <a:endParaRPr lang="pl-PL" sz="1100" dirty="0"/>
+                    </a:p>
+                  </a:txBody>
+                  <a:tcPr>
+                    <a:solidFill>
+                      <a:schemeClr val="bg2">
+                        <a:lumMod val="90000"/>
+                      </a:schemeClr>
+                    </a:solidFill>
+                  </a:tcPr>
+                </a:tc>
+                <a:extLst>
+                  <a:ext uri="{0D108BD9-81ED-4DB2-BD59-A6C34878D82A}">
+                    <a16:rowId xmlns:a16="http://schemas.microsoft.com/office/drawing/2014/main" val="2967992603"/>
+                  </a:ext>
+                </a:extLst>
+              </a:tr>
+              <a:tr h="155132">
+                <a:tc>
+                  <a:txBody>
+                    <a:bodyPr/>
+                    <a:lstStyle/>
+                    <a:p>
+                      <a:r>
+                        <a:rPr lang="pl-PL" sz="1100" dirty="0" err="1"/>
+                        <a:t>Start_Address</a:t>
+                      </a:r>
+                      <a:endParaRPr lang="pl-PL" sz="1100" dirty="0"/>
+                    </a:p>
+                  </a:txBody>
+                  <a:tcPr>
+                    <a:solidFill>
+                      <a:schemeClr val="bg2">
+                        <a:lumMod val="90000"/>
+                      </a:schemeClr>
+                    </a:solidFill>
+                  </a:tcPr>
+                </a:tc>
+                <a:extLst>
+                  <a:ext uri="{0D108BD9-81ED-4DB2-BD59-A6C34878D82A}">
+                    <a16:rowId xmlns:a16="http://schemas.microsoft.com/office/drawing/2014/main" val="13415294"/>
+                  </a:ext>
+                </a:extLst>
+              </a:tr>
+              <a:tr h="155132">
+                <a:tc>
+                  <a:txBody>
+                    <a:bodyPr/>
+                    <a:lstStyle/>
+                    <a:p>
+                      <a:r>
+                        <a:rPr lang="pl-PL" sz="1100" dirty="0" err="1"/>
+                        <a:t>Num_of_pixels</a:t>
+                      </a:r>
+                      <a:endParaRPr lang="pl-PL" sz="1100" dirty="0"/>
+                    </a:p>
+                    <a:p>
+                      <a:r>
+                        <a:rPr lang="pl-PL" sz="1100" dirty="0"/>
+                        <a:t>(</a:t>
+                      </a:r>
+                      <a:r>
+                        <a:rPr lang="pl-PL" sz="1100" dirty="0" err="1"/>
+                        <a:t>without</a:t>
+                      </a:r>
+                      <a:r>
+                        <a:rPr lang="pl-PL" sz="1100" dirty="0"/>
+                        <a:t> </a:t>
+                      </a:r>
+                      <a:r>
+                        <a:rPr lang="pl-PL" sz="1100" dirty="0" err="1"/>
+                        <a:t>padding</a:t>
+                      </a:r>
+                      <a:r>
+                        <a:rPr lang="pl-PL" sz="1100" dirty="0"/>
+                        <a:t> </a:t>
+                      </a:r>
+                      <a:r>
+                        <a:rPr lang="pl-PL" sz="1100" dirty="0" err="1"/>
+                        <a:t>pixesls</a:t>
+                      </a:r>
+                      <a:r>
+                        <a:rPr lang="pl-PL" sz="1100" dirty="0"/>
+                        <a:t>)</a:t>
+                      </a:r>
+                    </a:p>
+                  </a:txBody>
+                  <a:tcPr>
+                    <a:solidFill>
+                      <a:schemeClr val="bg2">
+                        <a:lumMod val="90000"/>
+                      </a:schemeClr>
+                    </a:solidFill>
+                  </a:tcPr>
+                </a:tc>
+                <a:extLst>
+                  <a:ext uri="{0D108BD9-81ED-4DB2-BD59-A6C34878D82A}">
+                    <a16:rowId xmlns:a16="http://schemas.microsoft.com/office/drawing/2014/main" val="260174869"/>
+                  </a:ext>
+                </a:extLst>
+              </a:tr>
+            </a:tbl>
+          </a:graphicData>
+        </a:graphic>
+      </p:graphicFrame>
+      <p:sp>
+        <p:nvSpPr>
+          <p:cNvPr id="63" name="pole tekstowe 62">
+            <a:extLst>
+              <a:ext uri="{FF2B5EF4-FFF2-40B4-BE49-F238E27FC236}">
+                <a16:creationId xmlns:a16="http://schemas.microsoft.com/office/drawing/2014/main" id="{3D3A4EDE-A6AC-A201-49BC-04FEBD81FD99}"/>
+              </a:ext>
+            </a:extLst>
+          </p:cNvPr>
+          <p:cNvSpPr txBox="1"/>
+          <p:nvPr/>
+        </p:nvSpPr>
+        <p:spPr>
+          <a:xfrm>
+            <a:off x="11556026" y="1170497"/>
+            <a:ext cx="601447" cy="276999"/>
+          </a:xfrm>
+          <a:prstGeom prst="rect">
+            <a:avLst/>
+          </a:prstGeom>
+          <a:noFill/>
+        </p:spPr>
+        <p:txBody>
+          <a:bodyPr wrap="none" rtlCol="0">
+            <a:spAutoFit/>
+          </a:bodyPr>
+          <a:lstStyle/>
+          <a:p>
+            <a:r>
+              <a:rPr lang="pl-PL" sz="1200" dirty="0"/>
+              <a:t>AXI_M</a:t>
+            </a:r>
+          </a:p>
+        </p:txBody>
+      </p:sp>
+      <p:sp>
+        <p:nvSpPr>
+          <p:cNvPr id="64" name="pole tekstowe 63">
+            <a:extLst>
+              <a:ext uri="{FF2B5EF4-FFF2-40B4-BE49-F238E27FC236}">
+                <a16:creationId xmlns:a16="http://schemas.microsoft.com/office/drawing/2014/main" id="{496ADCB6-65A0-8DC2-011F-FF441F5BBF70}"/>
+              </a:ext>
+            </a:extLst>
+          </p:cNvPr>
+          <p:cNvSpPr txBox="1"/>
+          <p:nvPr/>
+        </p:nvSpPr>
+        <p:spPr>
+          <a:xfrm>
+            <a:off x="10708824" y="3128474"/>
+            <a:ext cx="463588" cy="276999"/>
+          </a:xfrm>
+          <a:prstGeom prst="rect">
+            <a:avLst/>
+          </a:prstGeom>
+          <a:noFill/>
+        </p:spPr>
+        <p:txBody>
+          <a:bodyPr wrap="none" rtlCol="0">
+            <a:spAutoFit/>
+          </a:bodyPr>
+          <a:lstStyle/>
+          <a:p>
+            <a:r>
+              <a:rPr lang="pl-PL" sz="1200" dirty="0"/>
+              <a:t>AXIS</a:t>
+            </a:r>
+          </a:p>
+        </p:txBody>
+      </p:sp>
+      <p:cxnSp>
+        <p:nvCxnSpPr>
+          <p:cNvPr id="66" name="Łącznik: łamany 65">
+            <a:extLst>
+              <a:ext uri="{FF2B5EF4-FFF2-40B4-BE49-F238E27FC236}">
+                <a16:creationId xmlns:a16="http://schemas.microsoft.com/office/drawing/2014/main" id="{EC27EEC7-8CE0-47E4-8D61-0787FFBA9F6C}"/>
+              </a:ext>
+            </a:extLst>
+          </p:cNvPr>
+          <p:cNvCxnSpPr>
+            <a:endCxn id="63" idx="0"/>
+          </p:cNvCxnSpPr>
+          <p:nvPr/>
+        </p:nvCxnSpPr>
+        <p:spPr>
+          <a:xfrm>
+            <a:off x="9713842" y="669736"/>
+            <a:ext cx="2142908" cy="500761"/>
+          </a:xfrm>
+          <a:prstGeom prst="bentConnector2">
+            <a:avLst/>
+          </a:prstGeom>
+          <a:ln w="127000">
+            <a:headEnd type="triangle"/>
+            <a:tailEnd type="none"/>
+          </a:ln>
+        </p:spPr>
+        <p:style>
+          <a:lnRef idx="1">
+            <a:schemeClr val="accent1"/>
+          </a:lnRef>
+          <a:fillRef idx="0">
+            <a:schemeClr val="accent1"/>
+          </a:fillRef>
+          <a:effectRef idx="0">
+            <a:schemeClr val="accent1"/>
+          </a:effectRef>
+          <a:fontRef idx="minor">
+            <a:schemeClr val="tx1"/>
+          </a:fontRef>
+        </p:style>
+      </p:cxnSp>
+      <p:sp>
+        <p:nvSpPr>
+          <p:cNvPr id="67" name="pole tekstowe 66">
+            <a:extLst>
+              <a:ext uri="{FF2B5EF4-FFF2-40B4-BE49-F238E27FC236}">
+                <a16:creationId xmlns:a16="http://schemas.microsoft.com/office/drawing/2014/main" id="{2C6CA9C4-BCE8-E67C-B5F5-649D3E06B849}"/>
+              </a:ext>
+            </a:extLst>
+          </p:cNvPr>
+          <p:cNvSpPr txBox="1"/>
+          <p:nvPr/>
+        </p:nvSpPr>
+        <p:spPr>
+          <a:xfrm>
+            <a:off x="6125803" y="1116453"/>
+            <a:ext cx="680186" cy="276999"/>
+          </a:xfrm>
+          <a:prstGeom prst="rect">
+            <a:avLst/>
+          </a:prstGeom>
+          <a:noFill/>
+        </p:spPr>
+        <p:txBody>
+          <a:bodyPr wrap="none" rtlCol="0">
+            <a:spAutoFit/>
+          </a:bodyPr>
+          <a:lstStyle/>
+          <a:p>
+            <a:r>
+              <a:rPr lang="pl-PL" sz="1200" dirty="0"/>
+              <a:t>AXI_SLV</a:t>
+            </a:r>
+          </a:p>
+        </p:txBody>
+      </p:sp>
+      <p:sp>
+        <p:nvSpPr>
+          <p:cNvPr id="68" name="pole tekstowe 67">
+            <a:extLst>
+              <a:ext uri="{FF2B5EF4-FFF2-40B4-BE49-F238E27FC236}">
+                <a16:creationId xmlns:a16="http://schemas.microsoft.com/office/drawing/2014/main" id="{617F48F4-6120-8E72-219D-89B868E097C2}"/>
+              </a:ext>
+            </a:extLst>
+          </p:cNvPr>
+          <p:cNvSpPr txBox="1"/>
+          <p:nvPr/>
+        </p:nvSpPr>
+        <p:spPr>
+          <a:xfrm>
+            <a:off x="9033657" y="545926"/>
+            <a:ext cx="680186" cy="276999"/>
+          </a:xfrm>
+          <a:prstGeom prst="rect">
+            <a:avLst/>
+          </a:prstGeom>
+          <a:noFill/>
+        </p:spPr>
+        <p:txBody>
+          <a:bodyPr wrap="none" rtlCol="0">
+            <a:spAutoFit/>
+          </a:bodyPr>
+          <a:lstStyle/>
+          <a:p>
+            <a:r>
+              <a:rPr lang="pl-PL" sz="1200" dirty="0"/>
+              <a:t>AXI_SLV</a:t>
+            </a:r>
+          </a:p>
+        </p:txBody>
+      </p:sp>
+      <p:sp>
+        <p:nvSpPr>
+          <p:cNvPr id="69" name="pole tekstowe 68">
+            <a:extLst>
+              <a:ext uri="{FF2B5EF4-FFF2-40B4-BE49-F238E27FC236}">
+                <a16:creationId xmlns:a16="http://schemas.microsoft.com/office/drawing/2014/main" id="{153985DB-6437-BCEE-8F7B-68998E066283}"/>
+              </a:ext>
+            </a:extLst>
+          </p:cNvPr>
+          <p:cNvSpPr txBox="1"/>
+          <p:nvPr/>
+        </p:nvSpPr>
+        <p:spPr>
+          <a:xfrm>
+            <a:off x="10272005" y="330484"/>
+            <a:ext cx="1337226" cy="369332"/>
+          </a:xfrm>
+          <a:prstGeom prst="rect">
+            <a:avLst/>
+          </a:prstGeom>
+          <a:noFill/>
+        </p:spPr>
+        <p:txBody>
+          <a:bodyPr wrap="none" rtlCol="0">
+            <a:spAutoFit/>
+          </a:bodyPr>
+          <a:lstStyle/>
+          <a:p>
+            <a:r>
+              <a:rPr lang="pl-PL" dirty="0"/>
+              <a:t>AXI4 32b HP</a:t>
+            </a:r>
+          </a:p>
+        </p:txBody>
+      </p:sp>
+      <p:cxnSp>
+        <p:nvCxnSpPr>
+          <p:cNvPr id="80" name="Łącznik: łamany 79">
+            <a:extLst>
+              <a:ext uri="{FF2B5EF4-FFF2-40B4-BE49-F238E27FC236}">
+                <a16:creationId xmlns:a16="http://schemas.microsoft.com/office/drawing/2014/main" id="{4ADC7787-6939-FB02-37DE-ED297C7E98B6}"/>
+              </a:ext>
+            </a:extLst>
+          </p:cNvPr>
+          <p:cNvCxnSpPr>
+            <a:cxnSpLocks/>
+            <a:stCxn id="61" idx="0"/>
+          </p:cNvCxnSpPr>
+          <p:nvPr/>
+        </p:nvCxnSpPr>
+        <p:spPr>
+          <a:xfrm rot="16200000" flipH="1" flipV="1">
+            <a:off x="7959541" y="-723044"/>
+            <a:ext cx="1038187" cy="4765268"/>
+          </a:xfrm>
+          <a:prstGeom prst="bentConnector4">
+            <a:avLst>
+              <a:gd name="adj1" fmla="val -22019"/>
+              <a:gd name="adj2" fmla="val 21651"/>
+            </a:avLst>
+          </a:prstGeom>
+          <a:ln w="76200"/>
+        </p:spPr>
+        <p:style>
+          <a:lnRef idx="1">
+            <a:schemeClr val="accent4"/>
+          </a:lnRef>
+          <a:fillRef idx="0">
+            <a:schemeClr val="accent4"/>
+          </a:fillRef>
+          <a:effectRef idx="0">
+            <a:schemeClr val="accent4"/>
+          </a:effectRef>
+          <a:fontRef idx="minor">
+            <a:schemeClr val="tx1"/>
+          </a:fontRef>
+        </p:style>
+      </p:cxnSp>
+      <p:cxnSp>
+        <p:nvCxnSpPr>
+          <p:cNvPr id="92" name="Łącznik: łamany 91">
+            <a:extLst>
+              <a:ext uri="{FF2B5EF4-FFF2-40B4-BE49-F238E27FC236}">
+                <a16:creationId xmlns:a16="http://schemas.microsoft.com/office/drawing/2014/main" id="{8F85CA80-9E32-F692-5720-5147244E5B1F}"/>
+              </a:ext>
+            </a:extLst>
+          </p:cNvPr>
+          <p:cNvCxnSpPr>
+            <a:cxnSpLocks/>
+          </p:cNvCxnSpPr>
+          <p:nvPr/>
+        </p:nvCxnSpPr>
+        <p:spPr>
+          <a:xfrm rot="10800000" flipV="1">
+            <a:off x="373019" y="2178685"/>
+            <a:ext cx="6070855" cy="721236"/>
+          </a:xfrm>
+          <a:prstGeom prst="bentConnector3">
+            <a:avLst>
+              <a:gd name="adj1" fmla="val 35926"/>
+            </a:avLst>
+          </a:prstGeom>
+          <a:ln w="76200"/>
+        </p:spPr>
+        <p:style>
+          <a:lnRef idx="1">
+            <a:schemeClr val="accent4"/>
+          </a:lnRef>
+          <a:fillRef idx="0">
+            <a:schemeClr val="accent4"/>
+          </a:fillRef>
+          <a:effectRef idx="0">
+            <a:schemeClr val="accent4"/>
+          </a:effectRef>
+          <a:fontRef idx="minor">
+            <a:schemeClr val="tx1"/>
+          </a:fontRef>
+        </p:style>
+      </p:cxnSp>
     </p:spTree>
     <p:extLst>
       <p:ext uri="{BB962C8B-B14F-4D97-AF65-F5344CB8AC3E}">

--- a/Prezentacja_splotowa_filtracja_obrazu.pptx
+++ b/Prezentacja_splotowa_filtracja_obrazu.pptx
@@ -125,6 +125,32 @@
     </a:lvl9pPr>
   </p:defaultTextStyle>
   <p:extLst>
+    <p:ext uri="{521415D9-36F7-43E2-AB2F-B90AF26B5E84}">
+      <p14:sectionLst xmlns:p14="http://schemas.microsoft.com/office/powerpoint/2010/main">
+        <p14:section name="Sekcja domyślna" id="{F49354BC-1534-4371-9642-8FA6AF8561D4}">
+          <p14:sldIdLst>
+            <p14:sldId id="256"/>
+            <p14:sldId id="265"/>
+            <p14:sldId id="257"/>
+            <p14:sldId id="258"/>
+            <p14:sldId id="259"/>
+            <p14:sldId id="260"/>
+            <p14:sldId id="261"/>
+            <p14:sldId id="262"/>
+            <p14:sldId id="263"/>
+            <p14:sldId id="264"/>
+            <p14:sldId id="266"/>
+            <p14:sldId id="267"/>
+            <p14:sldId id="268"/>
+            <p14:sldId id="269"/>
+            <p14:sldId id="270"/>
+            <p14:sldId id="271"/>
+            <p14:sldId id="272"/>
+            <p14:sldId id="273"/>
+          </p14:sldIdLst>
+        </p14:section>
+      </p14:sectionLst>
+    </p:ext>
     <p:ext uri="{EFAFB233-063F-42B5-8137-9DF3F51BA10A}">
       <p15:sldGuideLst xmlns:p15="http://schemas.microsoft.com/office/powerpoint/2012/main"/>
     </p:ext>
@@ -214,7 +240,7 @@
           <a:p>
             <a:fld id="{53BFE8A1-00DC-4AA4-BB70-09A86B00B079}" type="datetimeFigureOut">
               <a:rPr lang="pl-PL" smtClean="0"/>
-              <a:t>07.05.2023</a:t>
+              <a:t>08.05.2023</a:t>
             </a:fld>
             <a:endParaRPr lang="pl-PL"/>
           </a:p>
@@ -628,7 +654,7 @@
           <a:p>
             <a:fld id="{0F5BA0DB-EAFB-491B-B414-7F15544FAA91}" type="datetimeFigureOut">
               <a:rPr lang="pl-PL" smtClean="0"/>
-              <a:t>07.05.2023</a:t>
+              <a:t>08.05.2023</a:t>
             </a:fld>
             <a:endParaRPr lang="pl-PL"/>
           </a:p>
@@ -826,7 +852,7 @@
           <a:p>
             <a:fld id="{0F5BA0DB-EAFB-491B-B414-7F15544FAA91}" type="datetimeFigureOut">
               <a:rPr lang="pl-PL" smtClean="0"/>
-              <a:t>07.05.2023</a:t>
+              <a:t>08.05.2023</a:t>
             </a:fld>
             <a:endParaRPr lang="pl-PL"/>
           </a:p>
@@ -1034,7 +1060,7 @@
           <a:p>
             <a:fld id="{0F5BA0DB-EAFB-491B-B414-7F15544FAA91}" type="datetimeFigureOut">
               <a:rPr lang="pl-PL" smtClean="0"/>
-              <a:t>07.05.2023</a:t>
+              <a:t>08.05.2023</a:t>
             </a:fld>
             <a:endParaRPr lang="pl-PL"/>
           </a:p>
@@ -1232,7 +1258,7 @@
           <a:p>
             <a:fld id="{0F5BA0DB-EAFB-491B-B414-7F15544FAA91}" type="datetimeFigureOut">
               <a:rPr lang="pl-PL" smtClean="0"/>
-              <a:t>07.05.2023</a:t>
+              <a:t>08.05.2023</a:t>
             </a:fld>
             <a:endParaRPr lang="pl-PL"/>
           </a:p>
@@ -1507,7 +1533,7 @@
           <a:p>
             <a:fld id="{0F5BA0DB-EAFB-491B-B414-7F15544FAA91}" type="datetimeFigureOut">
               <a:rPr lang="pl-PL" smtClean="0"/>
-              <a:t>07.05.2023</a:t>
+              <a:t>08.05.2023</a:t>
             </a:fld>
             <a:endParaRPr lang="pl-PL"/>
           </a:p>
@@ -1772,7 +1798,7 @@
           <a:p>
             <a:fld id="{0F5BA0DB-EAFB-491B-B414-7F15544FAA91}" type="datetimeFigureOut">
               <a:rPr lang="pl-PL" smtClean="0"/>
-              <a:t>07.05.2023</a:t>
+              <a:t>08.05.2023</a:t>
             </a:fld>
             <a:endParaRPr lang="pl-PL"/>
           </a:p>
@@ -2184,7 +2210,7 @@
           <a:p>
             <a:fld id="{0F5BA0DB-EAFB-491B-B414-7F15544FAA91}" type="datetimeFigureOut">
               <a:rPr lang="pl-PL" smtClean="0"/>
-              <a:t>07.05.2023</a:t>
+              <a:t>08.05.2023</a:t>
             </a:fld>
             <a:endParaRPr lang="pl-PL"/>
           </a:p>
@@ -2325,7 +2351,7 @@
           <a:p>
             <a:fld id="{0F5BA0DB-EAFB-491B-B414-7F15544FAA91}" type="datetimeFigureOut">
               <a:rPr lang="pl-PL" smtClean="0"/>
-              <a:t>07.05.2023</a:t>
+              <a:t>08.05.2023</a:t>
             </a:fld>
             <a:endParaRPr lang="pl-PL"/>
           </a:p>
@@ -2438,7 +2464,7 @@
           <a:p>
             <a:fld id="{0F5BA0DB-EAFB-491B-B414-7F15544FAA91}" type="datetimeFigureOut">
               <a:rPr lang="pl-PL" smtClean="0"/>
-              <a:t>07.05.2023</a:t>
+              <a:t>08.05.2023</a:t>
             </a:fld>
             <a:endParaRPr lang="pl-PL"/>
           </a:p>
@@ -2749,7 +2775,7 @@
           <a:p>
             <a:fld id="{0F5BA0DB-EAFB-491B-B414-7F15544FAA91}" type="datetimeFigureOut">
               <a:rPr lang="pl-PL" smtClean="0"/>
-              <a:t>07.05.2023</a:t>
+              <a:t>08.05.2023</a:t>
             </a:fld>
             <a:endParaRPr lang="pl-PL"/>
           </a:p>
@@ -3037,7 +3063,7 @@
           <a:p>
             <a:fld id="{0F5BA0DB-EAFB-491B-B414-7F15544FAA91}" type="datetimeFigureOut">
               <a:rPr lang="pl-PL" smtClean="0"/>
-              <a:t>07.05.2023</a:t>
+              <a:t>08.05.2023</a:t>
             </a:fld>
             <a:endParaRPr lang="pl-PL"/>
           </a:p>
@@ -3278,7 +3304,7 @@
           <a:p>
             <a:fld id="{0F5BA0DB-EAFB-491B-B414-7F15544FAA91}" type="datetimeFigureOut">
               <a:rPr lang="pl-PL" smtClean="0"/>
-              <a:t>07.05.2023</a:t>
+              <a:t>08.05.2023</a:t>
             </a:fld>
             <a:endParaRPr lang="pl-PL"/>
           </a:p>
@@ -15873,11 +15899,8 @@
             <a:pPr algn="ctr"/>
             <a:r>
               <a:rPr lang="pl-PL" dirty="0"/>
-              <a:t>BRAM 2 port 4x4 piksele (4bajty*16)</a:t>
-            </a:r>
-          </a:p>
-          <a:p>
-            <a:pPr algn="ctr"/>
+              <a:t>BRAM 2 port 3x4 piksele </a:t>
+            </a:r>
             <a:r>
               <a:rPr lang="pl-PL" dirty="0" err="1"/>
               <a:t>Input_matrix</a:t>
@@ -16192,8 +16215,8 @@
         </p:nvSpPr>
         <p:spPr>
           <a:xfrm>
-            <a:off x="6660497" y="5063557"/>
-            <a:ext cx="1498434" cy="1405939"/>
+            <a:off x="6651153" y="5418714"/>
+            <a:ext cx="853486" cy="1405939"/>
           </a:xfrm>
           <a:prstGeom prst="rightArrow">
             <a:avLst/>
@@ -16251,8 +16274,8 @@
         </p:nvSpPr>
         <p:spPr>
           <a:xfrm>
-            <a:off x="8196406" y="4870259"/>
-            <a:ext cx="2119118" cy="1588958"/>
+            <a:off x="7549339" y="5406129"/>
+            <a:ext cx="1737776" cy="1374826"/>
           </a:xfrm>
           <a:prstGeom prst="rect">
             <a:avLst/>
@@ -16433,7 +16456,7 @@
           <p:nvPr>
             <p:extLst>
               <p:ext uri="{D42A27DB-BD31-4B8C-83A1-F6EECF244321}">
-                <p14:modId xmlns:p14="http://schemas.microsoft.com/office/powerpoint/2010/main" val="3529794055"/>
+                <p14:modId xmlns:p14="http://schemas.microsoft.com/office/powerpoint/2010/main" val="4262680006"/>
               </p:ext>
             </p:extLst>
           </p:nvPr>
@@ -16899,6 +16922,1412 @@
           </a:fontRef>
         </p:style>
       </p:cxnSp>
+      <p:sp>
+        <p:nvSpPr>
+          <p:cNvPr id="3" name="Prostokąt 2">
+            <a:extLst>
+              <a:ext uri="{FF2B5EF4-FFF2-40B4-BE49-F238E27FC236}">
+                <a16:creationId xmlns:a16="http://schemas.microsoft.com/office/drawing/2014/main" id="{327DDED2-A400-D588-FE6B-31DBA80952B2}"/>
+              </a:ext>
+            </a:extLst>
+          </p:cNvPr>
+          <p:cNvSpPr/>
+          <p:nvPr/>
+        </p:nvSpPr>
+        <p:spPr>
+          <a:xfrm rot="16200000">
+            <a:off x="10627494" y="3681965"/>
+            <a:ext cx="645712" cy="471749"/>
+          </a:xfrm>
+          <a:prstGeom prst="rect">
+            <a:avLst/>
+          </a:prstGeom>
+        </p:spPr>
+        <p:style>
+          <a:lnRef idx="2">
+            <a:schemeClr val="accent1">
+              <a:shade val="50000"/>
+            </a:schemeClr>
+          </a:lnRef>
+          <a:fillRef idx="1">
+            <a:schemeClr val="accent1"/>
+          </a:fillRef>
+          <a:effectRef idx="0">
+            <a:schemeClr val="accent1"/>
+          </a:effectRef>
+          <a:fontRef idx="minor">
+            <a:schemeClr val="lt1"/>
+          </a:fontRef>
+        </p:style>
+        <p:txBody>
+          <a:bodyPr rtlCol="0" anchor="ctr"/>
+          <a:lstStyle/>
+          <a:p>
+            <a:pPr algn="ctr"/>
+            <a:r>
+              <a:rPr lang="pl-PL" dirty="0"/>
+              <a:t>FIFO</a:t>
+            </a:r>
+          </a:p>
+        </p:txBody>
+      </p:sp>
+      <p:sp>
+        <p:nvSpPr>
+          <p:cNvPr id="14" name="Strzałka: w prawo 13">
+            <a:extLst>
+              <a:ext uri="{FF2B5EF4-FFF2-40B4-BE49-F238E27FC236}">
+                <a16:creationId xmlns:a16="http://schemas.microsoft.com/office/drawing/2014/main" id="{AA2501C2-CF3A-85A0-69A9-A929C421FCA1}"/>
+              </a:ext>
+            </a:extLst>
+          </p:cNvPr>
+          <p:cNvSpPr/>
+          <p:nvPr/>
+        </p:nvSpPr>
+        <p:spPr>
+          <a:xfrm rot="16200000">
+            <a:off x="10791045" y="3305571"/>
+            <a:ext cx="318608" cy="312490"/>
+          </a:xfrm>
+          <a:prstGeom prst="rightArrow">
+            <a:avLst/>
+          </a:prstGeom>
+          <a:solidFill>
+            <a:schemeClr val="accent2">
+              <a:lumMod val="40000"/>
+              <a:lumOff val="60000"/>
+            </a:schemeClr>
+          </a:solidFill>
+        </p:spPr>
+        <p:style>
+          <a:lnRef idx="2">
+            <a:schemeClr val="accent1">
+              <a:shade val="50000"/>
+            </a:schemeClr>
+          </a:lnRef>
+          <a:fillRef idx="1">
+            <a:schemeClr val="accent1"/>
+          </a:fillRef>
+          <a:effectRef idx="0">
+            <a:schemeClr val="accent1"/>
+          </a:effectRef>
+          <a:fontRef idx="minor">
+            <a:schemeClr val="lt1"/>
+          </a:fontRef>
+        </p:style>
+        <p:txBody>
+          <a:bodyPr rtlCol="0" anchor="ctr"/>
+          <a:lstStyle/>
+          <a:p>
+            <a:pPr algn="ctr"/>
+            <a:endParaRPr lang="pl-PL" sz="1100" dirty="0">
+              <a:solidFill>
+                <a:schemeClr val="tx1"/>
+              </a:solidFill>
+            </a:endParaRPr>
+          </a:p>
+        </p:txBody>
+      </p:sp>
+      <p:sp>
+        <p:nvSpPr>
+          <p:cNvPr id="15" name="pole tekstowe 14">
+            <a:extLst>
+              <a:ext uri="{FF2B5EF4-FFF2-40B4-BE49-F238E27FC236}">
+                <a16:creationId xmlns:a16="http://schemas.microsoft.com/office/drawing/2014/main" id="{FD5CE051-98EA-2699-8A6B-0F9BEF7177B4}"/>
+              </a:ext>
+            </a:extLst>
+          </p:cNvPr>
+          <p:cNvSpPr txBox="1"/>
+          <p:nvPr/>
+        </p:nvSpPr>
+        <p:spPr>
+          <a:xfrm>
+            <a:off x="11106594" y="3449215"/>
+            <a:ext cx="1078963" cy="461665"/>
+          </a:xfrm>
+          <a:prstGeom prst="rect">
+            <a:avLst/>
+          </a:prstGeom>
+          <a:noFill/>
+        </p:spPr>
+        <p:txBody>
+          <a:bodyPr wrap="square" rtlCol="0">
+            <a:spAutoFit/>
+          </a:bodyPr>
+          <a:lstStyle/>
+          <a:p>
+            <a:r>
+              <a:rPr lang="pl-PL" sz="1200" dirty="0"/>
+              <a:t>Przetworzone piksele /32bit</a:t>
+            </a:r>
+          </a:p>
+        </p:txBody>
+      </p:sp>
+      <p:sp>
+        <p:nvSpPr>
+          <p:cNvPr id="16" name="Prostokąt 15">
+            <a:extLst>
+              <a:ext uri="{FF2B5EF4-FFF2-40B4-BE49-F238E27FC236}">
+                <a16:creationId xmlns:a16="http://schemas.microsoft.com/office/drawing/2014/main" id="{C8101858-AC3A-4C2A-F2B4-95689EF0C8DB}"/>
+              </a:ext>
+            </a:extLst>
+          </p:cNvPr>
+          <p:cNvSpPr/>
+          <p:nvPr/>
+        </p:nvSpPr>
+        <p:spPr>
+          <a:xfrm>
+            <a:off x="5754162" y="2294864"/>
+            <a:ext cx="1837775" cy="1266304"/>
+          </a:xfrm>
+          <a:prstGeom prst="rect">
+            <a:avLst/>
+          </a:prstGeom>
+          <a:solidFill>
+            <a:srgbClr val="D44C2C"/>
+          </a:solidFill>
+        </p:spPr>
+        <p:style>
+          <a:lnRef idx="2">
+            <a:schemeClr val="accent4">
+              <a:shade val="50000"/>
+            </a:schemeClr>
+          </a:lnRef>
+          <a:fillRef idx="1">
+            <a:schemeClr val="accent4"/>
+          </a:fillRef>
+          <a:effectRef idx="0">
+            <a:schemeClr val="accent4"/>
+          </a:effectRef>
+          <a:fontRef idx="minor">
+            <a:schemeClr val="lt1"/>
+          </a:fontRef>
+        </p:style>
+        <p:txBody>
+          <a:bodyPr rtlCol="0" anchor="b"/>
+          <a:lstStyle/>
+          <a:p>
+            <a:pPr algn="ctr"/>
+            <a:r>
+              <a:rPr lang="pl-PL" dirty="0" err="1"/>
+              <a:t>Filtering</a:t>
+            </a:r>
+            <a:r>
+              <a:rPr lang="pl-PL" dirty="0"/>
+              <a:t> </a:t>
+            </a:r>
+            <a:r>
+              <a:rPr lang="pl-PL" dirty="0" err="1"/>
+              <a:t>control</a:t>
+            </a:r>
+            <a:r>
+              <a:rPr lang="pl-PL" dirty="0"/>
+              <a:t> unit </a:t>
+            </a:r>
+          </a:p>
+        </p:txBody>
+      </p:sp>
+      <p:sp>
+        <p:nvSpPr>
+          <p:cNvPr id="17" name="Strzałka: w prawo 16">
+            <a:extLst>
+              <a:ext uri="{FF2B5EF4-FFF2-40B4-BE49-F238E27FC236}">
+                <a16:creationId xmlns:a16="http://schemas.microsoft.com/office/drawing/2014/main" id="{F17E0984-C218-BD76-9F08-D0AE7A738CCF}"/>
+              </a:ext>
+            </a:extLst>
+          </p:cNvPr>
+          <p:cNvSpPr/>
+          <p:nvPr/>
+        </p:nvSpPr>
+        <p:spPr>
+          <a:xfrm>
+            <a:off x="4289563" y="2438548"/>
+            <a:ext cx="1434652" cy="150418"/>
+          </a:xfrm>
+          <a:prstGeom prst="rightArrow">
+            <a:avLst/>
+          </a:prstGeom>
+        </p:spPr>
+        <p:style>
+          <a:lnRef idx="2">
+            <a:schemeClr val="accent4">
+              <a:shade val="50000"/>
+            </a:schemeClr>
+          </a:lnRef>
+          <a:fillRef idx="1">
+            <a:schemeClr val="accent4"/>
+          </a:fillRef>
+          <a:effectRef idx="0">
+            <a:schemeClr val="accent4"/>
+          </a:effectRef>
+          <a:fontRef idx="minor">
+            <a:schemeClr val="lt1"/>
+          </a:fontRef>
+        </p:style>
+        <p:txBody>
+          <a:bodyPr rtlCol="0" anchor="ctr"/>
+          <a:lstStyle/>
+          <a:p>
+            <a:pPr algn="ctr"/>
+            <a:endParaRPr lang="pl-PL"/>
+          </a:p>
+        </p:txBody>
+      </p:sp>
+      <p:sp>
+        <p:nvSpPr>
+          <p:cNvPr id="18" name="pole tekstowe 17">
+            <a:extLst>
+              <a:ext uri="{FF2B5EF4-FFF2-40B4-BE49-F238E27FC236}">
+                <a16:creationId xmlns:a16="http://schemas.microsoft.com/office/drawing/2014/main" id="{A37915CB-8614-A0AC-D666-AB8288371247}"/>
+              </a:ext>
+            </a:extLst>
+          </p:cNvPr>
+          <p:cNvSpPr txBox="1"/>
+          <p:nvPr/>
+        </p:nvSpPr>
+        <p:spPr>
+          <a:xfrm>
+            <a:off x="5703412" y="2402564"/>
+            <a:ext cx="622286" cy="261610"/>
+          </a:xfrm>
+          <a:prstGeom prst="rect">
+            <a:avLst/>
+          </a:prstGeom>
+          <a:noFill/>
+        </p:spPr>
+        <p:txBody>
+          <a:bodyPr wrap="none" rtlCol="0">
+            <a:spAutoFit/>
+          </a:bodyPr>
+          <a:lstStyle/>
+          <a:p>
+            <a:r>
+              <a:rPr lang="pl-PL" sz="1100" dirty="0"/>
+              <a:t>AXI-SLV</a:t>
+            </a:r>
+          </a:p>
+        </p:txBody>
+      </p:sp>
+      <p:sp>
+        <p:nvSpPr>
+          <p:cNvPr id="19" name="Prostokąt 18">
+            <a:extLst>
+              <a:ext uri="{FF2B5EF4-FFF2-40B4-BE49-F238E27FC236}">
+                <a16:creationId xmlns:a16="http://schemas.microsoft.com/office/drawing/2014/main" id="{255E9AB4-B91D-EFCE-AD53-B7DF92D3AAA6}"/>
+              </a:ext>
+            </a:extLst>
+          </p:cNvPr>
+          <p:cNvSpPr/>
+          <p:nvPr/>
+        </p:nvSpPr>
+        <p:spPr>
+          <a:xfrm>
+            <a:off x="7876617" y="4034173"/>
+            <a:ext cx="1371491" cy="1266304"/>
+          </a:xfrm>
+          <a:prstGeom prst="rect">
+            <a:avLst/>
+          </a:prstGeom>
+        </p:spPr>
+        <p:style>
+          <a:lnRef idx="2">
+            <a:schemeClr val="accent6">
+              <a:shade val="50000"/>
+            </a:schemeClr>
+          </a:lnRef>
+          <a:fillRef idx="1">
+            <a:schemeClr val="accent6"/>
+          </a:fillRef>
+          <a:effectRef idx="0">
+            <a:schemeClr val="accent6"/>
+          </a:effectRef>
+          <a:fontRef idx="minor">
+            <a:schemeClr val="lt1"/>
+          </a:fontRef>
+        </p:style>
+        <p:txBody>
+          <a:bodyPr rtlCol="0" anchor="ctr"/>
+          <a:lstStyle/>
+          <a:p>
+            <a:pPr algn="ctr"/>
+            <a:r>
+              <a:rPr lang="pl-PL" sz="1200" dirty="0"/>
+              <a:t>BRAM 2 port 3x3 pamięć </a:t>
+            </a:r>
+            <a:r>
+              <a:rPr lang="pl-PL" sz="1200" dirty="0" err="1"/>
+              <a:t>kernela</a:t>
+            </a:r>
+            <a:endParaRPr lang="pl-PL" sz="1200" dirty="0"/>
+          </a:p>
+        </p:txBody>
+      </p:sp>
+      <p:cxnSp>
+        <p:nvCxnSpPr>
+          <p:cNvPr id="21" name="Łącznik prosty ze strzałką 20">
+            <a:extLst>
+              <a:ext uri="{FF2B5EF4-FFF2-40B4-BE49-F238E27FC236}">
+                <a16:creationId xmlns:a16="http://schemas.microsoft.com/office/drawing/2014/main" id="{5F6098F6-FF53-F532-C833-C9F524C7F511}"/>
+              </a:ext>
+            </a:extLst>
+          </p:cNvPr>
+          <p:cNvCxnSpPr>
+            <a:cxnSpLocks/>
+            <a:endCxn id="19" idx="1"/>
+          </p:cNvCxnSpPr>
+          <p:nvPr/>
+        </p:nvCxnSpPr>
+        <p:spPr>
+          <a:xfrm>
+            <a:off x="4204156" y="2919123"/>
+            <a:ext cx="3672461" cy="1748202"/>
+          </a:xfrm>
+          <a:prstGeom prst="bentConnector3">
+            <a:avLst>
+              <a:gd name="adj1" fmla="val 34664"/>
+            </a:avLst>
+          </a:prstGeom>
+          <a:ln w="76200">
+            <a:tailEnd type="triangle"/>
+          </a:ln>
+        </p:spPr>
+        <p:style>
+          <a:lnRef idx="1">
+            <a:schemeClr val="accent4"/>
+          </a:lnRef>
+          <a:fillRef idx="0">
+            <a:schemeClr val="accent4"/>
+          </a:fillRef>
+          <a:effectRef idx="0">
+            <a:schemeClr val="accent4"/>
+          </a:effectRef>
+          <a:fontRef idx="minor">
+            <a:schemeClr val="tx1"/>
+          </a:fontRef>
+        </p:style>
+      </p:cxnSp>
+      <p:sp>
+        <p:nvSpPr>
+          <p:cNvPr id="23" name="Strzałka: w prawo 22">
+            <a:extLst>
+              <a:ext uri="{FF2B5EF4-FFF2-40B4-BE49-F238E27FC236}">
+                <a16:creationId xmlns:a16="http://schemas.microsoft.com/office/drawing/2014/main" id="{4A4B696E-2B27-0BCA-DB4E-F0BC41D9BDC5}"/>
+              </a:ext>
+            </a:extLst>
+          </p:cNvPr>
+          <p:cNvSpPr/>
+          <p:nvPr/>
+        </p:nvSpPr>
+        <p:spPr>
+          <a:xfrm>
+            <a:off x="9271748" y="5619476"/>
+            <a:ext cx="853486" cy="760347"/>
+          </a:xfrm>
+          <a:prstGeom prst="rightArrow">
+            <a:avLst/>
+          </a:prstGeom>
+          <a:solidFill>
+            <a:schemeClr val="accent2">
+              <a:lumMod val="40000"/>
+              <a:lumOff val="60000"/>
+            </a:schemeClr>
+          </a:solidFill>
+        </p:spPr>
+        <p:style>
+          <a:lnRef idx="2">
+            <a:schemeClr val="accent1">
+              <a:shade val="50000"/>
+            </a:schemeClr>
+          </a:lnRef>
+          <a:fillRef idx="1">
+            <a:schemeClr val="accent1"/>
+          </a:fillRef>
+          <a:effectRef idx="0">
+            <a:schemeClr val="accent1"/>
+          </a:effectRef>
+          <a:fontRef idx="minor">
+            <a:schemeClr val="lt1"/>
+          </a:fontRef>
+        </p:style>
+        <p:txBody>
+          <a:bodyPr rtlCol="0" anchor="ctr"/>
+          <a:lstStyle/>
+          <a:p>
+            <a:pPr algn="ctr"/>
+            <a:r>
+              <a:rPr lang="pl-PL" sz="1050" dirty="0">
+                <a:solidFill>
+                  <a:schemeClr val="tx1"/>
+                </a:solidFill>
+              </a:rPr>
+              <a:t>Kolejne 3 piksele /72 bit</a:t>
+            </a:r>
+          </a:p>
+        </p:txBody>
+      </p:sp>
+      <p:sp>
+        <p:nvSpPr>
+          <p:cNvPr id="24" name="Strzałka: w prawo 23">
+            <a:extLst>
+              <a:ext uri="{FF2B5EF4-FFF2-40B4-BE49-F238E27FC236}">
+                <a16:creationId xmlns:a16="http://schemas.microsoft.com/office/drawing/2014/main" id="{5839B357-A329-7869-EE97-5FB748CF77BE}"/>
+              </a:ext>
+            </a:extLst>
+          </p:cNvPr>
+          <p:cNvSpPr/>
+          <p:nvPr/>
+        </p:nvSpPr>
+        <p:spPr>
+          <a:xfrm>
+            <a:off x="9241049" y="4310308"/>
+            <a:ext cx="990998" cy="760347"/>
+          </a:xfrm>
+          <a:prstGeom prst="rightArrow">
+            <a:avLst/>
+          </a:prstGeom>
+          <a:solidFill>
+            <a:schemeClr val="accent2">
+              <a:lumMod val="40000"/>
+              <a:lumOff val="60000"/>
+            </a:schemeClr>
+          </a:solidFill>
+        </p:spPr>
+        <p:style>
+          <a:lnRef idx="2">
+            <a:schemeClr val="accent1">
+              <a:shade val="50000"/>
+            </a:schemeClr>
+          </a:lnRef>
+          <a:fillRef idx="1">
+            <a:schemeClr val="accent1"/>
+          </a:fillRef>
+          <a:effectRef idx="0">
+            <a:schemeClr val="accent1"/>
+          </a:effectRef>
+          <a:fontRef idx="minor">
+            <a:schemeClr val="lt1"/>
+          </a:fontRef>
+        </p:style>
+        <p:txBody>
+          <a:bodyPr rtlCol="0" anchor="ctr"/>
+          <a:lstStyle/>
+          <a:p>
+            <a:pPr algn="ctr"/>
+            <a:r>
+              <a:rPr lang="pl-PL" sz="1050" dirty="0">
+                <a:solidFill>
+                  <a:schemeClr val="tx1"/>
+                </a:solidFill>
+              </a:rPr>
+              <a:t>Kolejne  3 współczynniki /72 bit</a:t>
+            </a:r>
+          </a:p>
+          <a:p>
+            <a:pPr algn="ctr"/>
+            <a:r>
+              <a:rPr lang="pl-PL" sz="1050" dirty="0">
+                <a:solidFill>
+                  <a:schemeClr val="tx1"/>
+                </a:solidFill>
+              </a:rPr>
+              <a:t>3*24 bit</a:t>
+            </a:r>
+          </a:p>
+        </p:txBody>
+      </p:sp>
+      <p:cxnSp>
+        <p:nvCxnSpPr>
+          <p:cNvPr id="26" name="Łącznik prosty ze strzałką 25">
+            <a:extLst>
+              <a:ext uri="{FF2B5EF4-FFF2-40B4-BE49-F238E27FC236}">
+                <a16:creationId xmlns:a16="http://schemas.microsoft.com/office/drawing/2014/main" id="{A995F911-650D-7249-6045-409FCBBCC9A2}"/>
+              </a:ext>
+            </a:extLst>
+          </p:cNvPr>
+          <p:cNvCxnSpPr>
+            <a:cxnSpLocks/>
+            <a:stCxn id="16" idx="2"/>
+          </p:cNvCxnSpPr>
+          <p:nvPr/>
+        </p:nvCxnSpPr>
+        <p:spPr>
+          <a:xfrm rot="5400000">
+            <a:off x="5498894" y="2736724"/>
+            <a:ext cx="349712" cy="1998600"/>
+          </a:xfrm>
+          <a:prstGeom prst="bentConnector2">
+            <a:avLst/>
+          </a:prstGeom>
+          <a:ln w="28575">
+            <a:tailEnd type="triangle"/>
+          </a:ln>
+        </p:spPr>
+        <p:style>
+          <a:lnRef idx="1">
+            <a:schemeClr val="accent1"/>
+          </a:lnRef>
+          <a:fillRef idx="0">
+            <a:schemeClr val="accent1"/>
+          </a:fillRef>
+          <a:effectRef idx="0">
+            <a:schemeClr val="accent1"/>
+          </a:effectRef>
+          <a:fontRef idx="minor">
+            <a:schemeClr val="tx1"/>
+          </a:fontRef>
+        </p:style>
+      </p:cxnSp>
+      <p:sp>
+        <p:nvSpPr>
+          <p:cNvPr id="29" name="pole tekstowe 28">
+            <a:extLst>
+              <a:ext uri="{FF2B5EF4-FFF2-40B4-BE49-F238E27FC236}">
+                <a16:creationId xmlns:a16="http://schemas.microsoft.com/office/drawing/2014/main" id="{56F5BB94-8FBE-C663-7F0D-AFF33A9BAF32}"/>
+              </a:ext>
+            </a:extLst>
+          </p:cNvPr>
+          <p:cNvSpPr txBox="1"/>
+          <p:nvPr/>
+        </p:nvSpPr>
+        <p:spPr>
+          <a:xfrm>
+            <a:off x="5353880" y="3724874"/>
+            <a:ext cx="1159292" cy="400110"/>
+          </a:xfrm>
+          <a:prstGeom prst="rect">
+            <a:avLst/>
+          </a:prstGeom>
+          <a:noFill/>
+        </p:spPr>
+        <p:txBody>
+          <a:bodyPr wrap="none" rtlCol="0">
+            <a:spAutoFit/>
+          </a:bodyPr>
+          <a:lstStyle/>
+          <a:p>
+            <a:r>
+              <a:rPr lang="pl-PL" sz="1000" dirty="0"/>
+              <a:t>Żądanie kolejnego </a:t>
+            </a:r>
+          </a:p>
+          <a:p>
+            <a:r>
+              <a:rPr lang="pl-PL" sz="1000" dirty="0"/>
+              <a:t>wiersza/wierszy</a:t>
+            </a:r>
+          </a:p>
+        </p:txBody>
+      </p:sp>
+      <p:cxnSp>
+        <p:nvCxnSpPr>
+          <p:cNvPr id="32" name="Łącznik prosty ze strzałką 31">
+            <a:extLst>
+              <a:ext uri="{FF2B5EF4-FFF2-40B4-BE49-F238E27FC236}">
+                <a16:creationId xmlns:a16="http://schemas.microsoft.com/office/drawing/2014/main" id="{F5005CC9-C4FC-DADA-F094-51DEB10FDB61}"/>
+              </a:ext>
+            </a:extLst>
+          </p:cNvPr>
+          <p:cNvCxnSpPr>
+            <a:cxnSpLocks/>
+            <a:endCxn id="16" idx="1"/>
+          </p:cNvCxnSpPr>
+          <p:nvPr/>
+        </p:nvCxnSpPr>
+        <p:spPr>
+          <a:xfrm flipV="1">
+            <a:off x="4603242" y="2928016"/>
+            <a:ext cx="1150920" cy="408219"/>
+          </a:xfrm>
+          <a:prstGeom prst="bentConnector3">
+            <a:avLst>
+              <a:gd name="adj1" fmla="val 35031"/>
+            </a:avLst>
+          </a:prstGeom>
+          <a:ln>
+            <a:tailEnd type="triangle"/>
+          </a:ln>
+        </p:spPr>
+        <p:style>
+          <a:lnRef idx="1">
+            <a:schemeClr val="accent1"/>
+          </a:lnRef>
+          <a:fillRef idx="0">
+            <a:schemeClr val="accent1"/>
+          </a:fillRef>
+          <a:effectRef idx="0">
+            <a:schemeClr val="accent1"/>
+          </a:effectRef>
+          <a:fontRef idx="minor">
+            <a:schemeClr val="tx1"/>
+          </a:fontRef>
+        </p:style>
+      </p:cxnSp>
+      <p:sp>
+        <p:nvSpPr>
+          <p:cNvPr id="34" name="pole tekstowe 33">
+            <a:extLst>
+              <a:ext uri="{FF2B5EF4-FFF2-40B4-BE49-F238E27FC236}">
+                <a16:creationId xmlns:a16="http://schemas.microsoft.com/office/drawing/2014/main" id="{1175F354-EA47-49E3-C537-1F6B2E401139}"/>
+              </a:ext>
+            </a:extLst>
+          </p:cNvPr>
+          <p:cNvSpPr txBox="1"/>
+          <p:nvPr/>
+        </p:nvSpPr>
+        <p:spPr>
+          <a:xfrm>
+            <a:off x="4651170" y="3128133"/>
+            <a:ext cx="375424" cy="261610"/>
+          </a:xfrm>
+          <a:prstGeom prst="rect">
+            <a:avLst/>
+          </a:prstGeom>
+          <a:noFill/>
+        </p:spPr>
+        <p:txBody>
+          <a:bodyPr wrap="none" rtlCol="0">
+            <a:spAutoFit/>
+          </a:bodyPr>
+          <a:lstStyle/>
+          <a:p>
+            <a:r>
+              <a:rPr lang="pl-PL" sz="1050" dirty="0" err="1"/>
+              <a:t>ack</a:t>
+            </a:r>
+            <a:endParaRPr lang="pl-PL" sz="1050" dirty="0"/>
+          </a:p>
+        </p:txBody>
+      </p:sp>
+      <p:graphicFrame>
+        <p:nvGraphicFramePr>
+          <p:cNvPr id="35" name="Tabela 11">
+            <a:extLst>
+              <a:ext uri="{FF2B5EF4-FFF2-40B4-BE49-F238E27FC236}">
+                <a16:creationId xmlns:a16="http://schemas.microsoft.com/office/drawing/2014/main" id="{A43131D7-F0C9-02A9-FF14-30D94CFD4EAF}"/>
+              </a:ext>
+            </a:extLst>
+          </p:cNvPr>
+          <p:cNvGraphicFramePr>
+            <a:graphicFrameLocks noGrp="1"/>
+          </p:cNvGraphicFramePr>
+          <p:nvPr>
+            <p:extLst>
+              <p:ext uri="{D42A27DB-BD31-4B8C-83A1-F6EECF244321}">
+                <p14:modId xmlns:p14="http://schemas.microsoft.com/office/powerpoint/2010/main" val="1238754325"/>
+              </p:ext>
+            </p:extLst>
+          </p:nvPr>
+        </p:nvGraphicFramePr>
+        <p:xfrm>
+          <a:off x="6277602" y="2294863"/>
+          <a:ext cx="1056471" cy="731520"/>
+        </p:xfrm>
+        <a:graphic>
+          <a:graphicData uri="http://schemas.openxmlformats.org/drawingml/2006/table">
+            <a:tbl>
+              <a:tblPr firstRow="1" bandRow="1">
+                <a:tableStyleId>{5940675A-B579-460E-94D1-54222C63F5DA}</a:tableStyleId>
+              </a:tblPr>
+              <a:tblGrid>
+                <a:gridCol w="1056471">
+                  <a:extLst>
+                    <a:ext uri="{9D8B030D-6E8A-4147-A177-3AD203B41FA5}">
+                      <a16:colId xmlns:a16="http://schemas.microsoft.com/office/drawing/2014/main" val="2541253828"/>
+                    </a:ext>
+                  </a:extLst>
+                </a:gridCol>
+              </a:tblGrid>
+              <a:tr h="0">
+                <a:tc>
+                  <a:txBody>
+                    <a:bodyPr/>
+                    <a:lstStyle/>
+                    <a:p>
+                      <a:r>
+                        <a:rPr lang="pl-PL" sz="600" dirty="0"/>
+                        <a:t>Start</a:t>
+                      </a:r>
+                    </a:p>
+                  </a:txBody>
+                  <a:tcPr>
+                    <a:solidFill>
+                      <a:schemeClr val="bg2">
+                        <a:lumMod val="90000"/>
+                      </a:schemeClr>
+                    </a:solidFill>
+                  </a:tcPr>
+                </a:tc>
+                <a:extLst>
+                  <a:ext uri="{0D108BD9-81ED-4DB2-BD59-A6C34878D82A}">
+                    <a16:rowId xmlns:a16="http://schemas.microsoft.com/office/drawing/2014/main" val="1035618729"/>
+                  </a:ext>
+                </a:extLst>
+              </a:tr>
+              <a:tr h="0">
+                <a:tc>
+                  <a:txBody>
+                    <a:bodyPr/>
+                    <a:lstStyle/>
+                    <a:p>
+                      <a:r>
+                        <a:rPr lang="pl-PL" sz="600" dirty="0" err="1"/>
+                        <a:t>Done</a:t>
+                      </a:r>
+                      <a:endParaRPr lang="pl-PL" sz="600" dirty="0"/>
+                    </a:p>
+                  </a:txBody>
+                  <a:tcPr>
+                    <a:solidFill>
+                      <a:schemeClr val="bg2">
+                        <a:lumMod val="90000"/>
+                      </a:schemeClr>
+                    </a:solidFill>
+                  </a:tcPr>
+                </a:tc>
+                <a:extLst>
+                  <a:ext uri="{0D108BD9-81ED-4DB2-BD59-A6C34878D82A}">
+                    <a16:rowId xmlns:a16="http://schemas.microsoft.com/office/drawing/2014/main" val="2967992603"/>
+                  </a:ext>
+                </a:extLst>
+              </a:tr>
+              <a:tr h="175977">
+                <a:tc>
+                  <a:txBody>
+                    <a:bodyPr/>
+                    <a:lstStyle/>
+                    <a:p>
+                      <a:r>
+                        <a:rPr lang="pl-PL" sz="600" dirty="0" err="1"/>
+                        <a:t>Width</a:t>
+                      </a:r>
+                      <a:r>
+                        <a:rPr lang="pl-PL" sz="600" dirty="0"/>
+                        <a:t>  </a:t>
+                      </a:r>
+                      <a:r>
+                        <a:rPr lang="pl-PL" sz="600" dirty="0" err="1"/>
+                        <a:t>without</a:t>
+                      </a:r>
+                      <a:r>
+                        <a:rPr lang="pl-PL" sz="600" dirty="0"/>
+                        <a:t>  </a:t>
+                      </a:r>
+                      <a:r>
+                        <a:rPr lang="pl-PL" sz="600" dirty="0" err="1"/>
+                        <a:t>padding</a:t>
+                      </a:r>
+                      <a:endParaRPr lang="pl-PL" sz="600" dirty="0"/>
+                    </a:p>
+                  </a:txBody>
+                  <a:tcPr>
+                    <a:solidFill>
+                      <a:schemeClr val="bg2">
+                        <a:lumMod val="90000"/>
+                      </a:schemeClr>
+                    </a:solidFill>
+                  </a:tcPr>
+                </a:tc>
+                <a:extLst>
+                  <a:ext uri="{0D108BD9-81ED-4DB2-BD59-A6C34878D82A}">
+                    <a16:rowId xmlns:a16="http://schemas.microsoft.com/office/drawing/2014/main" val="260174869"/>
+                  </a:ext>
+                </a:extLst>
+              </a:tr>
+              <a:tr h="175977">
+                <a:tc>
+                  <a:txBody>
+                    <a:bodyPr/>
+                    <a:lstStyle/>
+                    <a:p>
+                      <a:r>
+                        <a:rPr lang="pl-PL" sz="600" dirty="0" err="1"/>
+                        <a:t>Height</a:t>
+                      </a:r>
+                      <a:r>
+                        <a:rPr lang="pl-PL" sz="600" dirty="0"/>
+                        <a:t> (</a:t>
+                      </a:r>
+                      <a:r>
+                        <a:rPr lang="pl-PL" sz="600" dirty="0" err="1"/>
+                        <a:t>without</a:t>
+                      </a:r>
+                      <a:r>
+                        <a:rPr lang="pl-PL" sz="600" dirty="0"/>
+                        <a:t> </a:t>
+                      </a:r>
+                      <a:r>
+                        <a:rPr lang="pl-PL" sz="600" dirty="0" err="1"/>
+                        <a:t>padding</a:t>
+                      </a:r>
+                      <a:r>
+                        <a:rPr lang="pl-PL" sz="600" dirty="0"/>
+                        <a:t>)</a:t>
+                      </a:r>
+                    </a:p>
+                  </a:txBody>
+                  <a:tcPr>
+                    <a:solidFill>
+                      <a:schemeClr val="bg2">
+                        <a:lumMod val="90000"/>
+                      </a:schemeClr>
+                    </a:solidFill>
+                  </a:tcPr>
+                </a:tc>
+                <a:extLst>
+                  <a:ext uri="{0D108BD9-81ED-4DB2-BD59-A6C34878D82A}">
+                    <a16:rowId xmlns:a16="http://schemas.microsoft.com/office/drawing/2014/main" val="2731059978"/>
+                  </a:ext>
+                </a:extLst>
+              </a:tr>
+            </a:tbl>
+          </a:graphicData>
+        </a:graphic>
+      </p:graphicFrame>
+      <p:sp>
+        <p:nvSpPr>
+          <p:cNvPr id="39" name="pole tekstowe 38">
+            <a:extLst>
+              <a:ext uri="{FF2B5EF4-FFF2-40B4-BE49-F238E27FC236}">
+                <a16:creationId xmlns:a16="http://schemas.microsoft.com/office/drawing/2014/main" id="{D1496912-1FA4-53C7-2029-9D406F0825E7}"/>
+              </a:ext>
+            </a:extLst>
+          </p:cNvPr>
+          <p:cNvSpPr txBox="1"/>
+          <p:nvPr/>
+        </p:nvSpPr>
+        <p:spPr>
+          <a:xfrm>
+            <a:off x="5620455" y="4424359"/>
+            <a:ext cx="1731564" cy="253916"/>
+          </a:xfrm>
+          <a:prstGeom prst="rect">
+            <a:avLst/>
+          </a:prstGeom>
+          <a:noFill/>
+        </p:spPr>
+        <p:txBody>
+          <a:bodyPr wrap="none" rtlCol="0">
+            <a:spAutoFit/>
+          </a:bodyPr>
+          <a:lstStyle/>
+          <a:p>
+            <a:r>
+              <a:rPr lang="pl-PL" sz="1050" dirty="0"/>
+              <a:t>Nowe współczynniki </a:t>
+            </a:r>
+            <a:r>
+              <a:rPr lang="pl-PL" sz="1050" dirty="0" err="1"/>
+              <a:t>kernela</a:t>
+            </a:r>
+            <a:endParaRPr lang="pl-PL" sz="1050" dirty="0"/>
+          </a:p>
+        </p:txBody>
+      </p:sp>
+      <p:sp>
+        <p:nvSpPr>
+          <p:cNvPr id="49" name="Prostokąt 48">
+            <a:extLst>
+              <a:ext uri="{FF2B5EF4-FFF2-40B4-BE49-F238E27FC236}">
+                <a16:creationId xmlns:a16="http://schemas.microsoft.com/office/drawing/2014/main" id="{E31C1A7C-B8F4-3531-3C42-4ACC81741DB9}"/>
+              </a:ext>
+            </a:extLst>
+          </p:cNvPr>
+          <p:cNvSpPr/>
+          <p:nvPr/>
+        </p:nvSpPr>
+        <p:spPr>
+          <a:xfrm>
+            <a:off x="10221705" y="4498983"/>
+            <a:ext cx="1575638" cy="2088443"/>
+          </a:xfrm>
+          <a:prstGeom prst="rect">
+            <a:avLst/>
+          </a:prstGeom>
+          <a:solidFill>
+            <a:srgbClr val="A852B6"/>
+          </a:solidFill>
+        </p:spPr>
+        <p:style>
+          <a:lnRef idx="2">
+            <a:schemeClr val="accent1">
+              <a:shade val="50000"/>
+            </a:schemeClr>
+          </a:lnRef>
+          <a:fillRef idx="1">
+            <a:schemeClr val="accent1"/>
+          </a:fillRef>
+          <a:effectRef idx="0">
+            <a:schemeClr val="accent1"/>
+          </a:effectRef>
+          <a:fontRef idx="minor">
+            <a:schemeClr val="lt1"/>
+          </a:fontRef>
+        </p:style>
+        <p:txBody>
+          <a:bodyPr rtlCol="0" anchor="ctr"/>
+          <a:lstStyle/>
+          <a:p>
+            <a:pPr algn="ctr"/>
+            <a:r>
+              <a:rPr lang="pl-PL" dirty="0" err="1"/>
+              <a:t>MAC_wrapper</a:t>
+            </a:r>
+            <a:endParaRPr lang="pl-PL" dirty="0"/>
+          </a:p>
+        </p:txBody>
+      </p:sp>
+      <p:cxnSp>
+        <p:nvCxnSpPr>
+          <p:cNvPr id="53" name="Łącznik prosty ze strzałką 52">
+            <a:extLst>
+              <a:ext uri="{FF2B5EF4-FFF2-40B4-BE49-F238E27FC236}">
+                <a16:creationId xmlns:a16="http://schemas.microsoft.com/office/drawing/2014/main" id="{23C3BA24-5634-1D9E-E28D-EC4B11DF4F27}"/>
+              </a:ext>
+            </a:extLst>
+          </p:cNvPr>
+          <p:cNvCxnSpPr/>
+          <p:nvPr/>
+        </p:nvCxnSpPr>
+        <p:spPr>
+          <a:xfrm rot="16200000" flipH="1">
+            <a:off x="6353915" y="4244841"/>
+            <a:ext cx="1845282" cy="545565"/>
+          </a:xfrm>
+          <a:prstGeom prst="bentConnector3">
+            <a:avLst>
+              <a:gd name="adj1" fmla="val 41741"/>
+            </a:avLst>
+          </a:prstGeom>
+          <a:ln w="38100">
+            <a:tailEnd type="triangle"/>
+          </a:ln>
+        </p:spPr>
+        <p:style>
+          <a:lnRef idx="1">
+            <a:schemeClr val="accent1"/>
+          </a:lnRef>
+          <a:fillRef idx="0">
+            <a:schemeClr val="accent1"/>
+          </a:fillRef>
+          <a:effectRef idx="0">
+            <a:schemeClr val="accent1"/>
+          </a:effectRef>
+          <a:fontRef idx="minor">
+            <a:schemeClr val="tx1"/>
+          </a:fontRef>
+        </p:style>
+      </p:cxnSp>
+      <p:sp>
+        <p:nvSpPr>
+          <p:cNvPr id="55" name="pole tekstowe 54">
+            <a:extLst>
+              <a:ext uri="{FF2B5EF4-FFF2-40B4-BE49-F238E27FC236}">
+                <a16:creationId xmlns:a16="http://schemas.microsoft.com/office/drawing/2014/main" id="{6D5FCFDE-7003-9000-9B81-22C7D3AE0DFA}"/>
+              </a:ext>
+            </a:extLst>
+          </p:cNvPr>
+          <p:cNvSpPr txBox="1"/>
+          <p:nvPr/>
+        </p:nvSpPr>
+        <p:spPr>
+          <a:xfrm>
+            <a:off x="6953694" y="4136172"/>
+            <a:ext cx="1191289" cy="276999"/>
+          </a:xfrm>
+          <a:prstGeom prst="rect">
+            <a:avLst/>
+          </a:prstGeom>
+          <a:noFill/>
+        </p:spPr>
+        <p:txBody>
+          <a:bodyPr wrap="square" rtlCol="0">
+            <a:spAutoFit/>
+          </a:bodyPr>
+          <a:lstStyle/>
+          <a:p>
+            <a:r>
+              <a:rPr lang="pl-PL" sz="1200" dirty="0"/>
+              <a:t>Kontrola</a:t>
+            </a:r>
+            <a:endParaRPr lang="pl-PL" dirty="0"/>
+          </a:p>
+        </p:txBody>
+      </p:sp>
+      <p:sp>
+        <p:nvSpPr>
+          <p:cNvPr id="65" name="Strzałka: w prawo 64">
+            <a:extLst>
+              <a:ext uri="{FF2B5EF4-FFF2-40B4-BE49-F238E27FC236}">
+                <a16:creationId xmlns:a16="http://schemas.microsoft.com/office/drawing/2014/main" id="{F5B04A1F-4438-3D1E-C562-7E8967775B80}"/>
+              </a:ext>
+            </a:extLst>
+          </p:cNvPr>
+          <p:cNvSpPr/>
+          <p:nvPr/>
+        </p:nvSpPr>
+        <p:spPr>
+          <a:xfrm rot="16200000">
+            <a:off x="10693975" y="4239698"/>
+            <a:ext cx="318608" cy="312490"/>
+          </a:xfrm>
+          <a:prstGeom prst="rightArrow">
+            <a:avLst/>
+          </a:prstGeom>
+          <a:solidFill>
+            <a:schemeClr val="accent2">
+              <a:lumMod val="40000"/>
+              <a:lumOff val="60000"/>
+            </a:schemeClr>
+          </a:solidFill>
+        </p:spPr>
+        <p:style>
+          <a:lnRef idx="2">
+            <a:schemeClr val="accent1">
+              <a:shade val="50000"/>
+            </a:schemeClr>
+          </a:lnRef>
+          <a:fillRef idx="1">
+            <a:schemeClr val="accent1"/>
+          </a:fillRef>
+          <a:effectRef idx="0">
+            <a:schemeClr val="accent1"/>
+          </a:effectRef>
+          <a:fontRef idx="minor">
+            <a:schemeClr val="lt1"/>
+          </a:fontRef>
+        </p:style>
+        <p:txBody>
+          <a:bodyPr rtlCol="0" anchor="ctr"/>
+          <a:lstStyle/>
+          <a:p>
+            <a:pPr algn="ctr"/>
+            <a:endParaRPr lang="pl-PL" sz="1100" dirty="0">
+              <a:solidFill>
+                <a:schemeClr val="tx1"/>
+              </a:solidFill>
+            </a:endParaRPr>
+          </a:p>
+        </p:txBody>
+      </p:sp>
+      <p:cxnSp>
+        <p:nvCxnSpPr>
+          <p:cNvPr id="71" name="Łącznik prosty ze strzałką 70">
+            <a:extLst>
+              <a:ext uri="{FF2B5EF4-FFF2-40B4-BE49-F238E27FC236}">
+                <a16:creationId xmlns:a16="http://schemas.microsoft.com/office/drawing/2014/main" id="{AD9463FB-AD42-9EDA-3D3F-2B002E05F352}"/>
+              </a:ext>
+            </a:extLst>
+          </p:cNvPr>
+          <p:cNvCxnSpPr/>
+          <p:nvPr/>
+        </p:nvCxnSpPr>
+        <p:spPr>
+          <a:xfrm flipV="1">
+            <a:off x="11155845" y="4236639"/>
+            <a:ext cx="0" cy="262344"/>
+          </a:xfrm>
+          <a:prstGeom prst="straightConnector1">
+            <a:avLst/>
+          </a:prstGeom>
+          <a:ln>
+            <a:tailEnd type="triangle"/>
+          </a:ln>
+        </p:spPr>
+        <p:style>
+          <a:lnRef idx="1">
+            <a:schemeClr val="accent1"/>
+          </a:lnRef>
+          <a:fillRef idx="0">
+            <a:schemeClr val="accent1"/>
+          </a:fillRef>
+          <a:effectRef idx="0">
+            <a:schemeClr val="accent1"/>
+          </a:effectRef>
+          <a:fontRef idx="minor">
+            <a:schemeClr val="tx1"/>
+          </a:fontRef>
+        </p:style>
+      </p:cxnSp>
+      <p:sp>
+        <p:nvSpPr>
+          <p:cNvPr id="72" name="pole tekstowe 71">
+            <a:extLst>
+              <a:ext uri="{FF2B5EF4-FFF2-40B4-BE49-F238E27FC236}">
+                <a16:creationId xmlns:a16="http://schemas.microsoft.com/office/drawing/2014/main" id="{54EB5094-919F-FA21-BD9F-9FC7ECF43B9D}"/>
+              </a:ext>
+            </a:extLst>
+          </p:cNvPr>
+          <p:cNvSpPr txBox="1"/>
+          <p:nvPr/>
+        </p:nvSpPr>
+        <p:spPr>
+          <a:xfrm>
+            <a:off x="11106594" y="4206375"/>
+            <a:ext cx="990998" cy="307777"/>
+          </a:xfrm>
+          <a:prstGeom prst="rect">
+            <a:avLst/>
+          </a:prstGeom>
+          <a:noFill/>
+        </p:spPr>
+        <p:txBody>
+          <a:bodyPr wrap="square" rtlCol="0">
+            <a:spAutoFit/>
+          </a:bodyPr>
+          <a:lstStyle/>
+          <a:p>
+            <a:r>
+              <a:rPr lang="pl-PL" sz="1400" dirty="0" err="1"/>
+              <a:t>vld_out</a:t>
+            </a:r>
+            <a:endParaRPr lang="pl-PL" sz="1400" dirty="0"/>
+          </a:p>
+        </p:txBody>
+      </p:sp>
+      <p:cxnSp>
+        <p:nvCxnSpPr>
+          <p:cNvPr id="73" name="Łącznik prosty ze strzałką 52">
+            <a:extLst>
+              <a:ext uri="{FF2B5EF4-FFF2-40B4-BE49-F238E27FC236}">
+                <a16:creationId xmlns:a16="http://schemas.microsoft.com/office/drawing/2014/main" id="{668AD5FE-8E48-1562-69E1-9FCFACD1C2DC}"/>
+              </a:ext>
+            </a:extLst>
+          </p:cNvPr>
+          <p:cNvCxnSpPr>
+            <a:cxnSpLocks/>
+          </p:cNvCxnSpPr>
+          <p:nvPr/>
+        </p:nvCxnSpPr>
+        <p:spPr>
+          <a:xfrm rot="16200000" flipH="1">
+            <a:off x="7511904" y="3475434"/>
+            <a:ext cx="627326" cy="626519"/>
+          </a:xfrm>
+          <a:prstGeom prst="bentConnector3">
+            <a:avLst>
+              <a:gd name="adj1" fmla="val 50000"/>
+            </a:avLst>
+          </a:prstGeom>
+          <a:ln w="38100">
+            <a:tailEnd type="triangle"/>
+          </a:ln>
+        </p:spPr>
+        <p:style>
+          <a:lnRef idx="1">
+            <a:schemeClr val="accent1"/>
+          </a:lnRef>
+          <a:fillRef idx="0">
+            <a:schemeClr val="accent1"/>
+          </a:fillRef>
+          <a:effectRef idx="0">
+            <a:schemeClr val="accent1"/>
+          </a:effectRef>
+          <a:fontRef idx="minor">
+            <a:schemeClr val="tx1"/>
+          </a:fontRef>
+        </p:style>
+      </p:cxnSp>
+      <p:sp>
+        <p:nvSpPr>
+          <p:cNvPr id="86" name="pole tekstowe 85">
+            <a:extLst>
+              <a:ext uri="{FF2B5EF4-FFF2-40B4-BE49-F238E27FC236}">
+                <a16:creationId xmlns:a16="http://schemas.microsoft.com/office/drawing/2014/main" id="{0B27E385-A67F-33FE-078D-D91544811E2B}"/>
+              </a:ext>
+            </a:extLst>
+          </p:cNvPr>
+          <p:cNvSpPr txBox="1"/>
+          <p:nvPr/>
+        </p:nvSpPr>
+        <p:spPr>
+          <a:xfrm>
+            <a:off x="7469452" y="3557440"/>
+            <a:ext cx="6109252" cy="261610"/>
+          </a:xfrm>
+          <a:prstGeom prst="rect">
+            <a:avLst/>
+          </a:prstGeom>
+          <a:noFill/>
+        </p:spPr>
+        <p:txBody>
+          <a:bodyPr wrap="square">
+            <a:spAutoFit/>
+          </a:bodyPr>
+          <a:lstStyle/>
+          <a:p>
+            <a:r>
+              <a:rPr lang="pl-PL" sz="1100" dirty="0"/>
+              <a:t>Wybór wiersza</a:t>
+            </a:r>
+          </a:p>
+        </p:txBody>
+      </p:sp>
+      <p:cxnSp>
+        <p:nvCxnSpPr>
+          <p:cNvPr id="97" name="Łącznik prosty ze strzałką 96">
+            <a:extLst>
+              <a:ext uri="{FF2B5EF4-FFF2-40B4-BE49-F238E27FC236}">
+                <a16:creationId xmlns:a16="http://schemas.microsoft.com/office/drawing/2014/main" id="{EF64250C-78E3-7F58-FF62-34CF586726AD}"/>
+              </a:ext>
+            </a:extLst>
+          </p:cNvPr>
+          <p:cNvCxnSpPr>
+            <a:stCxn id="16" idx="3"/>
+          </p:cNvCxnSpPr>
+          <p:nvPr/>
+        </p:nvCxnSpPr>
+        <p:spPr>
+          <a:xfrm>
+            <a:off x="7591937" y="2928016"/>
+            <a:ext cx="2817646" cy="1586136"/>
+          </a:xfrm>
+          <a:prstGeom prst="bentConnector3">
+            <a:avLst>
+              <a:gd name="adj1" fmla="val 100325"/>
+            </a:avLst>
+          </a:prstGeom>
+          <a:ln w="38100">
+            <a:tailEnd type="triangle"/>
+          </a:ln>
+        </p:spPr>
+        <p:style>
+          <a:lnRef idx="1">
+            <a:schemeClr val="accent1"/>
+          </a:lnRef>
+          <a:fillRef idx="0">
+            <a:schemeClr val="accent1"/>
+          </a:fillRef>
+          <a:effectRef idx="0">
+            <a:schemeClr val="accent1"/>
+          </a:effectRef>
+          <a:fontRef idx="minor">
+            <a:schemeClr val="tx1"/>
+          </a:fontRef>
+        </p:style>
+      </p:cxnSp>
+      <p:sp>
+        <p:nvSpPr>
+          <p:cNvPr id="100" name="pole tekstowe 99">
+            <a:extLst>
+              <a:ext uri="{FF2B5EF4-FFF2-40B4-BE49-F238E27FC236}">
+                <a16:creationId xmlns:a16="http://schemas.microsoft.com/office/drawing/2014/main" id="{485A3557-7B5E-D8C5-6FDF-DE2148D5CE4B}"/>
+              </a:ext>
+            </a:extLst>
+          </p:cNvPr>
+          <p:cNvSpPr txBox="1"/>
+          <p:nvPr/>
+        </p:nvSpPr>
+        <p:spPr>
+          <a:xfrm>
+            <a:off x="7932958" y="2677303"/>
+            <a:ext cx="1247457" cy="430887"/>
+          </a:xfrm>
+          <a:prstGeom prst="rect">
+            <a:avLst/>
+          </a:prstGeom>
+          <a:noFill/>
+        </p:spPr>
+        <p:txBody>
+          <a:bodyPr wrap="none" rtlCol="0">
+            <a:spAutoFit/>
+          </a:bodyPr>
+          <a:lstStyle/>
+          <a:p>
+            <a:r>
+              <a:rPr lang="pl-PL" sz="1100" dirty="0"/>
+              <a:t>Sygnały kontrolne:</a:t>
+            </a:r>
+          </a:p>
+          <a:p>
+            <a:r>
+              <a:rPr lang="pl-PL" sz="1100" dirty="0"/>
+              <a:t>en, </a:t>
+            </a:r>
+            <a:r>
+              <a:rPr lang="pl-PL" sz="1100" dirty="0" err="1"/>
+              <a:t>new_pix</a:t>
+            </a:r>
+            <a:endParaRPr lang="pl-PL" sz="1100" dirty="0"/>
+          </a:p>
+        </p:txBody>
+      </p:sp>
+      <p:cxnSp>
+        <p:nvCxnSpPr>
+          <p:cNvPr id="102" name="Łącznik prosty ze strzałką 101">
+            <a:extLst>
+              <a:ext uri="{FF2B5EF4-FFF2-40B4-BE49-F238E27FC236}">
+                <a16:creationId xmlns:a16="http://schemas.microsoft.com/office/drawing/2014/main" id="{CCDBD2C9-A9D3-5294-4ECE-D48320C54A2A}"/>
+              </a:ext>
+            </a:extLst>
+          </p:cNvPr>
+          <p:cNvCxnSpPr>
+            <a:cxnSpLocks/>
+          </p:cNvCxnSpPr>
+          <p:nvPr/>
+        </p:nvCxnSpPr>
+        <p:spPr>
+          <a:xfrm rot="5400000">
+            <a:off x="5932777" y="4361396"/>
+            <a:ext cx="1613489" cy="132937"/>
+          </a:xfrm>
+          <a:prstGeom prst="bentConnector3">
+            <a:avLst>
+              <a:gd name="adj1" fmla="val 50000"/>
+            </a:avLst>
+          </a:prstGeom>
+          <a:ln>
+            <a:tailEnd type="triangle"/>
+          </a:ln>
+        </p:spPr>
+        <p:style>
+          <a:lnRef idx="1">
+            <a:schemeClr val="accent1"/>
+          </a:lnRef>
+          <a:fillRef idx="0">
+            <a:schemeClr val="accent1"/>
+          </a:fillRef>
+          <a:effectRef idx="0">
+            <a:schemeClr val="accent1"/>
+          </a:effectRef>
+          <a:fontRef idx="minor">
+            <a:schemeClr val="tx1"/>
+          </a:fontRef>
+        </p:style>
+      </p:cxnSp>
+      <p:sp>
+        <p:nvSpPr>
+          <p:cNvPr id="107" name="pole tekstowe 106">
+            <a:extLst>
+              <a:ext uri="{FF2B5EF4-FFF2-40B4-BE49-F238E27FC236}">
+                <a16:creationId xmlns:a16="http://schemas.microsoft.com/office/drawing/2014/main" id="{8856783B-DFBD-8952-74CA-171704869081}"/>
+              </a:ext>
+            </a:extLst>
+          </p:cNvPr>
+          <p:cNvSpPr txBox="1"/>
+          <p:nvPr/>
+        </p:nvSpPr>
+        <p:spPr>
+          <a:xfrm>
+            <a:off x="6495617" y="4185675"/>
+            <a:ext cx="6801678" cy="215444"/>
+          </a:xfrm>
+          <a:prstGeom prst="rect">
+            <a:avLst/>
+          </a:prstGeom>
+          <a:noFill/>
+        </p:spPr>
+        <p:txBody>
+          <a:bodyPr wrap="square">
+            <a:spAutoFit/>
+          </a:bodyPr>
+          <a:lstStyle/>
+          <a:p>
+            <a:r>
+              <a:rPr lang="pl-PL" sz="800" dirty="0"/>
+              <a:t>Kontrola</a:t>
+            </a:r>
+          </a:p>
+        </p:txBody>
+      </p:sp>
     </p:spTree>
     <p:extLst>
       <p:ext uri="{BB962C8B-B14F-4D97-AF65-F5344CB8AC3E}">

--- a/Prezentacja_splotowa_filtracja_obrazu.pptx
+++ b/Prezentacja_splotowa_filtracja_obrazu.pptx
@@ -5,7 +5,7 @@
     <p:sldMasterId id="2147483648" r:id="rId1"/>
   </p:sldMasterIdLst>
   <p:notesMasterIdLst>
-    <p:notesMasterId r:id="rId20"/>
+    <p:notesMasterId r:id="rId21"/>
   </p:notesMasterIdLst>
   <p:sldIdLst>
     <p:sldId id="256" r:id="rId2"/>
@@ -26,6 +26,7 @@
     <p:sldId id="271" r:id="rId17"/>
     <p:sldId id="272" r:id="rId18"/>
     <p:sldId id="273" r:id="rId19"/>
+    <p:sldId id="274" r:id="rId20"/>
   </p:sldIdLst>
   <p:sldSz cx="12192000" cy="6858000"/>
   <p:notesSz cx="6858000" cy="9144000"/>
@@ -147,6 +148,7 @@
             <p14:sldId id="271"/>
             <p14:sldId id="272"/>
             <p14:sldId id="273"/>
+            <p14:sldId id="274"/>
           </p14:sldIdLst>
         </p14:section>
       </p14:sectionLst>
@@ -18341,6 +18343,143 @@
 </p:sld>
 </file>
 
+<file path=ppt/slides/slide19.xml><?xml version="1.0" encoding="utf-8"?>
+<p:sld xmlns:a="http://schemas.openxmlformats.org/drawingml/2006/main" xmlns:r="http://schemas.openxmlformats.org/officeDocument/2006/relationships" xmlns:p="http://schemas.openxmlformats.org/presentationml/2006/main">
+  <p:cSld>
+    <p:spTree>
+      <p:nvGrpSpPr>
+        <p:cNvPr id="1" name=""/>
+        <p:cNvGrpSpPr/>
+        <p:nvPr/>
+      </p:nvGrpSpPr>
+      <p:grpSpPr>
+        <a:xfrm>
+          <a:off x="0" y="0"/>
+          <a:ext cx="0" cy="0"/>
+          <a:chOff x="0" y="0"/>
+          <a:chExt cx="0" cy="0"/>
+        </a:xfrm>
+      </p:grpSpPr>
+      <p:sp>
+        <p:nvSpPr>
+          <p:cNvPr id="2" name="Tytuł 1">
+            <a:extLst>
+              <a:ext uri="{FF2B5EF4-FFF2-40B4-BE49-F238E27FC236}">
+                <a16:creationId xmlns:a16="http://schemas.microsoft.com/office/drawing/2014/main" id="{82ABFEBF-5C92-36FC-84CB-96A2987A03A0}"/>
+              </a:ext>
+            </a:extLst>
+          </p:cNvPr>
+          <p:cNvSpPr>
+            <a:spLocks noGrp="1"/>
+          </p:cNvSpPr>
+          <p:nvPr>
+            <p:ph type="title"/>
+          </p:nvPr>
+        </p:nvSpPr>
+        <p:spPr/>
+        <p:txBody>
+          <a:bodyPr/>
+          <a:lstStyle/>
+          <a:p>
+            <a:endParaRPr lang="pl-PL"/>
+          </a:p>
+        </p:txBody>
+      </p:sp>
+      <p:sp>
+        <p:nvSpPr>
+          <p:cNvPr id="3" name="Symbol zastępczy zawartości 2">
+            <a:extLst>
+              <a:ext uri="{FF2B5EF4-FFF2-40B4-BE49-F238E27FC236}">
+                <a16:creationId xmlns:a16="http://schemas.microsoft.com/office/drawing/2014/main" id="{F2A227AE-D721-4DA2-0117-A6628658DDA9}"/>
+              </a:ext>
+            </a:extLst>
+          </p:cNvPr>
+          <p:cNvSpPr>
+            <a:spLocks noGrp="1"/>
+          </p:cNvSpPr>
+          <p:nvPr>
+            <p:ph idx="1"/>
+          </p:nvPr>
+        </p:nvSpPr>
+        <p:spPr/>
+        <p:txBody>
+          <a:bodyPr/>
+          <a:lstStyle/>
+          <a:p>
+            <a:r>
+              <a:rPr lang="pl-PL" dirty="0"/>
+              <a:t>Taki projekt ma sens jeżeli odczyt z </a:t>
+            </a:r>
+            <a:r>
+              <a:rPr lang="pl-PL" dirty="0" err="1"/>
+              <a:t>ddr</a:t>
+            </a:r>
+            <a:r>
+              <a:rPr lang="pl-PL" dirty="0"/>
+              <a:t> jest szybszy niż mnożenie bo Control unit Input matrix musi zdążyć zapisać 3 32 bitowe wartości do pamięci bram zanim pojawi się kolejny </a:t>
+            </a:r>
+            <a:r>
+              <a:rPr lang="pl-PL" dirty="0" err="1"/>
+              <a:t>request</a:t>
+            </a:r>
+            <a:r>
+              <a:rPr lang="pl-PL" dirty="0"/>
+              <a:t> do przetwarzania </a:t>
+            </a:r>
+          </a:p>
+          <a:p>
+            <a:r>
+              <a:rPr lang="pl-PL" dirty="0"/>
+              <a:t>Dlatego między </a:t>
+            </a:r>
+            <a:r>
+              <a:rPr lang="pl-PL" dirty="0" err="1"/>
+              <a:t>Filtering</a:t>
+            </a:r>
+            <a:r>
+              <a:rPr lang="pl-PL" dirty="0"/>
+              <a:t> </a:t>
+            </a:r>
+            <a:r>
+              <a:rPr lang="pl-PL" dirty="0" err="1"/>
+              <a:t>control</a:t>
+            </a:r>
+            <a:r>
+              <a:rPr lang="pl-PL" dirty="0"/>
+              <a:t> unit a Control unit Input matrix sygnały sterujące będą dostarczane za pomocą </a:t>
+            </a:r>
+            <a:r>
+              <a:rPr lang="pl-PL" dirty="0" err="1"/>
+              <a:t>fifo</a:t>
+            </a:r>
+            <a:r>
+              <a:rPr lang="pl-PL" dirty="0"/>
+              <a:t>. I dzięki temu wykorzystamy różne częstotliwości zegara w </a:t>
+            </a:r>
+            <a:r>
+              <a:rPr lang="pl-PL" dirty="0" err="1"/>
+              <a:t>pipline</a:t>
+            </a:r>
+            <a:r>
+              <a:rPr lang="pl-PL" dirty="0"/>
+              <a:t>.</a:t>
+            </a:r>
+          </a:p>
+        </p:txBody>
+      </p:sp>
+    </p:spTree>
+    <p:extLst>
+      <p:ext uri="{BB962C8B-B14F-4D97-AF65-F5344CB8AC3E}">
+        <p14:creationId xmlns:p14="http://schemas.microsoft.com/office/powerpoint/2010/main" val="656019164"/>
+      </p:ext>
+    </p:extLst>
+  </p:cSld>
+  <p:clrMapOvr>
+    <a:masterClrMapping/>
+  </p:clrMapOvr>
+</p:sld>
+</file>
+
 <file path=ppt/slides/slide2.xml><?xml version="1.0" encoding="utf-8"?>
 <p:sld xmlns:a="http://schemas.openxmlformats.org/drawingml/2006/main" xmlns:r="http://schemas.openxmlformats.org/officeDocument/2006/relationships" xmlns:p="http://schemas.openxmlformats.org/presentationml/2006/main">
   <p:cSld>

--- a/Prezentacja_splotowa_filtracja_obrazu.pptx
+++ b/Prezentacja_splotowa_filtracja_obrazu.pptx
@@ -5,7 +5,7 @@
     <p:sldMasterId id="2147483648" r:id="rId1"/>
   </p:sldMasterIdLst>
   <p:notesMasterIdLst>
-    <p:notesMasterId r:id="rId29"/>
+    <p:notesMasterId r:id="rId31"/>
   </p:notesMasterIdLst>
   <p:sldIdLst>
     <p:sldId id="256" r:id="rId2"/>
@@ -35,6 +35,8 @@
     <p:sldId id="280" r:id="rId26"/>
     <p:sldId id="281" r:id="rId27"/>
     <p:sldId id="283" r:id="rId28"/>
+    <p:sldId id="284" r:id="rId29"/>
+    <p:sldId id="285" r:id="rId30"/>
   </p:sldIdLst>
   <p:sldSz cx="12192000" cy="6858000"/>
   <p:notesSz cx="6858000" cy="9144000"/>
@@ -165,6 +167,8 @@
             <p14:sldId id="280"/>
             <p14:sldId id="281"/>
             <p14:sldId id="283"/>
+            <p14:sldId id="284"/>
+            <p14:sldId id="285"/>
           </p14:sldIdLst>
         </p14:section>
       </p14:sectionLst>
@@ -258,7 +262,7 @@
           <a:p>
             <a:fld id="{53BFE8A1-00DC-4AA4-BB70-09A86B00B079}" type="datetimeFigureOut">
               <a:rPr lang="pl-PL" smtClean="0"/>
-              <a:t>14.06.2023</a:t>
+              <a:t>18.06.2023</a:t>
             </a:fld>
             <a:endParaRPr lang="pl-PL"/>
           </a:p>
@@ -672,7 +676,7 @@
           <a:p>
             <a:fld id="{0F5BA0DB-EAFB-491B-B414-7F15544FAA91}" type="datetimeFigureOut">
               <a:rPr lang="pl-PL" smtClean="0"/>
-              <a:t>14.06.2023</a:t>
+              <a:t>18.06.2023</a:t>
             </a:fld>
             <a:endParaRPr lang="pl-PL"/>
           </a:p>
@@ -870,7 +874,7 @@
           <a:p>
             <a:fld id="{0F5BA0DB-EAFB-491B-B414-7F15544FAA91}" type="datetimeFigureOut">
               <a:rPr lang="pl-PL" smtClean="0"/>
-              <a:t>14.06.2023</a:t>
+              <a:t>18.06.2023</a:t>
             </a:fld>
             <a:endParaRPr lang="pl-PL"/>
           </a:p>
@@ -1078,7 +1082,7 @@
           <a:p>
             <a:fld id="{0F5BA0DB-EAFB-491B-B414-7F15544FAA91}" type="datetimeFigureOut">
               <a:rPr lang="pl-PL" smtClean="0"/>
-              <a:t>14.06.2023</a:t>
+              <a:t>18.06.2023</a:t>
             </a:fld>
             <a:endParaRPr lang="pl-PL"/>
           </a:p>
@@ -1276,7 +1280,7 @@
           <a:p>
             <a:fld id="{0F5BA0DB-EAFB-491B-B414-7F15544FAA91}" type="datetimeFigureOut">
               <a:rPr lang="pl-PL" smtClean="0"/>
-              <a:t>14.06.2023</a:t>
+              <a:t>18.06.2023</a:t>
             </a:fld>
             <a:endParaRPr lang="pl-PL"/>
           </a:p>
@@ -1551,7 +1555,7 @@
           <a:p>
             <a:fld id="{0F5BA0DB-EAFB-491B-B414-7F15544FAA91}" type="datetimeFigureOut">
               <a:rPr lang="pl-PL" smtClean="0"/>
-              <a:t>14.06.2023</a:t>
+              <a:t>18.06.2023</a:t>
             </a:fld>
             <a:endParaRPr lang="pl-PL"/>
           </a:p>
@@ -1816,7 +1820,7 @@
           <a:p>
             <a:fld id="{0F5BA0DB-EAFB-491B-B414-7F15544FAA91}" type="datetimeFigureOut">
               <a:rPr lang="pl-PL" smtClean="0"/>
-              <a:t>14.06.2023</a:t>
+              <a:t>18.06.2023</a:t>
             </a:fld>
             <a:endParaRPr lang="pl-PL"/>
           </a:p>
@@ -2228,7 +2232,7 @@
           <a:p>
             <a:fld id="{0F5BA0DB-EAFB-491B-B414-7F15544FAA91}" type="datetimeFigureOut">
               <a:rPr lang="pl-PL" smtClean="0"/>
-              <a:t>14.06.2023</a:t>
+              <a:t>18.06.2023</a:t>
             </a:fld>
             <a:endParaRPr lang="pl-PL"/>
           </a:p>
@@ -2369,7 +2373,7 @@
           <a:p>
             <a:fld id="{0F5BA0DB-EAFB-491B-B414-7F15544FAA91}" type="datetimeFigureOut">
               <a:rPr lang="pl-PL" smtClean="0"/>
-              <a:t>14.06.2023</a:t>
+              <a:t>18.06.2023</a:t>
             </a:fld>
             <a:endParaRPr lang="pl-PL"/>
           </a:p>
@@ -2482,7 +2486,7 @@
           <a:p>
             <a:fld id="{0F5BA0DB-EAFB-491B-B414-7F15544FAA91}" type="datetimeFigureOut">
               <a:rPr lang="pl-PL" smtClean="0"/>
-              <a:t>14.06.2023</a:t>
+              <a:t>18.06.2023</a:t>
             </a:fld>
             <a:endParaRPr lang="pl-PL"/>
           </a:p>
@@ -2793,7 +2797,7 @@
           <a:p>
             <a:fld id="{0F5BA0DB-EAFB-491B-B414-7F15544FAA91}" type="datetimeFigureOut">
               <a:rPr lang="pl-PL" smtClean="0"/>
-              <a:t>14.06.2023</a:t>
+              <a:t>18.06.2023</a:t>
             </a:fld>
             <a:endParaRPr lang="pl-PL"/>
           </a:p>
@@ -3081,7 +3085,7 @@
           <a:p>
             <a:fld id="{0F5BA0DB-EAFB-491B-B414-7F15544FAA91}" type="datetimeFigureOut">
               <a:rPr lang="pl-PL" smtClean="0"/>
-              <a:t>14.06.2023</a:t>
+              <a:t>18.06.2023</a:t>
             </a:fld>
             <a:endParaRPr lang="pl-PL"/>
           </a:p>
@@ -3322,7 +3326,7 @@
           <a:p>
             <a:fld id="{0F5BA0DB-EAFB-491B-B414-7F15544FAA91}" type="datetimeFigureOut">
               <a:rPr lang="pl-PL" smtClean="0"/>
-              <a:t>14.06.2023</a:t>
+              <a:t>18.06.2023</a:t>
             </a:fld>
             <a:endParaRPr lang="pl-PL"/>
           </a:p>
@@ -27905,6 +27909,181 @@
 </p:sld>
 </file>
 
+<file path=ppt/slides/slide28.xml><?xml version="1.0" encoding="utf-8"?>
+<p:sld xmlns:a="http://schemas.openxmlformats.org/drawingml/2006/main" xmlns:r="http://schemas.openxmlformats.org/officeDocument/2006/relationships" xmlns:p="http://schemas.openxmlformats.org/presentationml/2006/main">
+  <p:cSld>
+    <p:spTree>
+      <p:nvGrpSpPr>
+        <p:cNvPr id="1" name=""/>
+        <p:cNvGrpSpPr/>
+        <p:nvPr/>
+      </p:nvGrpSpPr>
+      <p:grpSpPr>
+        <a:xfrm>
+          <a:off x="0" y="0"/>
+          <a:ext cx="0" cy="0"/>
+          <a:chOff x="0" y="0"/>
+          <a:chExt cx="0" cy="0"/>
+        </a:xfrm>
+      </p:grpSpPr>
+      <p:sp>
+        <p:nvSpPr>
+          <p:cNvPr id="2" name="Tytuł 1">
+            <a:extLst>
+              <a:ext uri="{FF2B5EF4-FFF2-40B4-BE49-F238E27FC236}">
+                <a16:creationId xmlns:a16="http://schemas.microsoft.com/office/drawing/2014/main" id="{55B57416-FE34-4CC3-75C1-A961882CCF29}"/>
+              </a:ext>
+            </a:extLst>
+          </p:cNvPr>
+          <p:cNvSpPr>
+            <a:spLocks noGrp="1"/>
+          </p:cNvSpPr>
+          <p:nvPr>
+            <p:ph type="title"/>
+          </p:nvPr>
+        </p:nvSpPr>
+        <p:spPr/>
+        <p:txBody>
+          <a:bodyPr/>
+          <a:lstStyle/>
+          <a:p>
+            <a:r>
+              <a:rPr lang="pl-PL" dirty="0"/>
+              <a:t>Aplikacja GUI do obsługi filtracji</a:t>
+            </a:r>
+          </a:p>
+        </p:txBody>
+      </p:sp>
+      <p:pic>
+        <p:nvPicPr>
+          <p:cNvPr id="5" name="Obraz 4">
+            <a:extLst>
+              <a:ext uri="{FF2B5EF4-FFF2-40B4-BE49-F238E27FC236}">
+                <a16:creationId xmlns:a16="http://schemas.microsoft.com/office/drawing/2014/main" id="{36777ECA-F800-E84B-00E3-56A11A905D3D}"/>
+              </a:ext>
+            </a:extLst>
+          </p:cNvPr>
+          <p:cNvPicPr>
+            <a:picLocks noChangeAspect="1"/>
+          </p:cNvPicPr>
+          <p:nvPr/>
+        </p:nvPicPr>
+        <p:blipFill>
+          <a:blip r:embed="rId2"/>
+          <a:stretch>
+            <a:fillRect/>
+          </a:stretch>
+        </p:blipFill>
+        <p:spPr>
+          <a:xfrm>
+            <a:off x="2809706" y="1577880"/>
+            <a:ext cx="6572588" cy="3702240"/>
+          </a:xfrm>
+          <a:prstGeom prst="rect">
+            <a:avLst/>
+          </a:prstGeom>
+        </p:spPr>
+      </p:pic>
+    </p:spTree>
+    <p:extLst>
+      <p:ext uri="{BB962C8B-B14F-4D97-AF65-F5344CB8AC3E}">
+        <p14:creationId xmlns:p14="http://schemas.microsoft.com/office/powerpoint/2010/main" val="1092773338"/>
+      </p:ext>
+    </p:extLst>
+  </p:cSld>
+  <p:clrMapOvr>
+    <a:masterClrMapping/>
+  </p:clrMapOvr>
+</p:sld>
+</file>
+
+<file path=ppt/slides/slide29.xml><?xml version="1.0" encoding="utf-8"?>
+<p:sld xmlns:a="http://schemas.openxmlformats.org/drawingml/2006/main" xmlns:r="http://schemas.openxmlformats.org/officeDocument/2006/relationships" xmlns:p="http://schemas.openxmlformats.org/presentationml/2006/main">
+  <p:cSld>
+    <p:spTree>
+      <p:nvGrpSpPr>
+        <p:cNvPr id="1" name=""/>
+        <p:cNvGrpSpPr/>
+        <p:nvPr/>
+      </p:nvGrpSpPr>
+      <p:grpSpPr>
+        <a:xfrm>
+          <a:off x="0" y="0"/>
+          <a:ext cx="0" cy="0"/>
+          <a:chOff x="0" y="0"/>
+          <a:chExt cx="0" cy="0"/>
+        </a:xfrm>
+      </p:grpSpPr>
+      <p:sp>
+        <p:nvSpPr>
+          <p:cNvPr id="2" name="Tytuł 1">
+            <a:extLst>
+              <a:ext uri="{FF2B5EF4-FFF2-40B4-BE49-F238E27FC236}">
+                <a16:creationId xmlns:a16="http://schemas.microsoft.com/office/drawing/2014/main" id="{079FD764-BC41-3A22-8680-95958B35D199}"/>
+              </a:ext>
+            </a:extLst>
+          </p:cNvPr>
+          <p:cNvSpPr>
+            <a:spLocks noGrp="1"/>
+          </p:cNvSpPr>
+          <p:nvPr>
+            <p:ph type="title"/>
+          </p:nvPr>
+        </p:nvSpPr>
+        <p:spPr/>
+        <p:txBody>
+          <a:bodyPr/>
+          <a:lstStyle/>
+          <a:p>
+            <a:r>
+              <a:rPr lang="pl-PL" dirty="0"/>
+              <a:t>Wykorzystanie zasobów</a:t>
+            </a:r>
+          </a:p>
+        </p:txBody>
+      </p:sp>
+      <p:pic>
+        <p:nvPicPr>
+          <p:cNvPr id="5" name="Symbol zastępczy zawartości 4">
+            <a:extLst>
+              <a:ext uri="{FF2B5EF4-FFF2-40B4-BE49-F238E27FC236}">
+                <a16:creationId xmlns:a16="http://schemas.microsoft.com/office/drawing/2014/main" id="{4EFC202F-50D4-EB87-8583-D53A9B63C079}"/>
+              </a:ext>
+            </a:extLst>
+          </p:cNvPr>
+          <p:cNvPicPr>
+            <a:picLocks noGrp="1" noChangeAspect="1"/>
+          </p:cNvPicPr>
+          <p:nvPr>
+            <p:ph idx="1"/>
+          </p:nvPr>
+        </p:nvPicPr>
+        <p:blipFill>
+          <a:blip r:embed="rId2"/>
+          <a:stretch>
+            <a:fillRect/>
+          </a:stretch>
+        </p:blipFill>
+        <p:spPr>
+          <a:xfrm>
+            <a:off x="3940064" y="2893162"/>
+            <a:ext cx="4311872" cy="2216264"/>
+          </a:xfrm>
+        </p:spPr>
+      </p:pic>
+    </p:spTree>
+    <p:extLst>
+      <p:ext uri="{BB962C8B-B14F-4D97-AF65-F5344CB8AC3E}">
+        <p14:creationId xmlns:p14="http://schemas.microsoft.com/office/powerpoint/2010/main" val="2824658018"/>
+      </p:ext>
+    </p:extLst>
+  </p:cSld>
+  <p:clrMapOvr>
+    <a:masterClrMapping/>
+  </p:clrMapOvr>
+</p:sld>
+</file>
+
 <file path=ppt/slides/slide3.xml><?xml version="1.0" encoding="utf-8"?>
 <p:sld xmlns:a="http://schemas.openxmlformats.org/drawingml/2006/main" xmlns:r="http://schemas.openxmlformats.org/officeDocument/2006/relationships" xmlns:p="http://schemas.openxmlformats.org/presentationml/2006/main">
   <p:cSld>
